--- a/09-JavaScript-Basics/09-JavaScript-Basics.pptx
+++ b/09-JavaScript-Basics/09-JavaScript-Basics.pptx
@@ -18078,7 +18078,7 @@
               <a:buNone/>
             </a:pPr>
             <a:r>
-              <a:rPr lang="bg-BG" sz="2000" smtClean="0">
+              <a:rPr lang="bg-BG" sz="2000" dirty="0" smtClean="0">
                 <a:solidFill>
                   <a:schemeClr val="bg1"/>
                 </a:solidFill>
@@ -18088,7 +18088,7 @@
               <a:t>Декларираме </a:t>
             </a:r>
             <a:r>
-              <a:rPr lang="bg-BG" sz="2000" smtClean="0">
+              <a:rPr lang="bg-BG" sz="2000" dirty="0" smtClean="0">
                 <a:solidFill>
                   <a:schemeClr val="bg1"/>
                 </a:solidFill>
@@ -18098,7 +18098,7 @@
               <a:t>маси</a:t>
             </a:r>
             <a:r>
-              <a:rPr lang="bg-BG" sz="2000" smtClean="0">
+              <a:rPr lang="bg-BG" sz="2000" dirty="0" smtClean="0">
                 <a:solidFill>
                   <a:schemeClr val="bg1"/>
                 </a:solidFill>
@@ -18108,7 +18108,7 @@
               <a:t>в </a:t>
             </a:r>
             <a:r>
-              <a:rPr lang="bg-BG" sz="2000" smtClean="0">
+              <a:rPr lang="bg-BG" sz="2000" dirty="0" smtClean="0">
                 <a:solidFill>
                   <a:schemeClr val="bg1"/>
                 </a:solidFill>
@@ -21009,6 +21009,13 @@
   <p:clrMapOvr>
     <a:masterClrMapping/>
   </p:clrMapOvr>
+  <p:timing>
+    <p:tnLst>
+      <p:par>
+        <p:cTn id="1" dur="indefinite" restart="never" nodeType="tmRoot"/>
+      </p:par>
+    </p:tnLst>
+  </p:timing>
 </p:sld>
 </file>
 
@@ -21450,6 +21457,13 @@
   <p:clrMapOvr>
     <a:masterClrMapping/>
   </p:clrMapOvr>
+  <p:timing>
+    <p:tnLst>
+      <p:par>
+        <p:cTn id="1" dur="indefinite" restart="never" nodeType="tmRoot"/>
+      </p:par>
+    </p:tnLst>
+  </p:timing>
 </p:sld>
 </file>
 
@@ -21728,6 +21742,13 @@
   <p:clrMapOvr>
     <a:masterClrMapping/>
   </p:clrMapOvr>
+  <p:timing>
+    <p:tnLst>
+      <p:par>
+        <p:cTn id="1" dur="indefinite" restart="never" nodeType="tmRoot"/>
+      </p:par>
+    </p:tnLst>
+  </p:timing>
 </p:sld>
 </file>
 
@@ -22149,6 +22170,13 @@
   <p:clrMapOvr>
     <a:masterClrMapping/>
   </p:clrMapOvr>
+  <p:timing>
+    <p:tnLst>
+      <p:par>
+        <p:cTn id="1" dur="indefinite" restart="never" nodeType="tmRoot"/>
+      </p:par>
+    </p:tnLst>
+  </p:timing>
 </p:sld>
 </file>
 
@@ -22397,6 +22425,13 @@
   <p:clrMapOvr>
     <a:masterClrMapping/>
   </p:clrMapOvr>
+  <p:timing>
+    <p:tnLst>
+      <p:par>
+        <p:cTn id="1" dur="indefinite" restart="never" nodeType="tmRoot"/>
+      </p:par>
+    </p:tnLst>
+  </p:timing>
 </p:sld>
 </file>
 
@@ -22626,6 +22661,13 @@
   <p:clrMapOvr>
     <a:masterClrMapping/>
   </p:clrMapOvr>
+  <p:timing>
+    <p:tnLst>
+      <p:par>
+        <p:cTn id="1" dur="indefinite" restart="never" nodeType="tmRoot"/>
+      </p:par>
+    </p:tnLst>
+  </p:timing>
 </p:sld>
 </file>
 
@@ -23097,6 +23139,13 @@
   <p:clrMapOvr>
     <a:masterClrMapping/>
   </p:clrMapOvr>
+  <p:timing>
+    <p:tnLst>
+      <p:par>
+        <p:cTn id="1" dur="indefinite" restart="never" nodeType="tmRoot"/>
+      </p:par>
+    </p:tnLst>
+  </p:timing>
 </p:sld>
 </file>
 
@@ -24250,6 +24299,13 @@
   <p:clrMapOvr>
     <a:masterClrMapping/>
   </p:clrMapOvr>
+  <p:timing>
+    <p:tnLst>
+      <p:par>
+        <p:cTn id="1" dur="indefinite" restart="never" nodeType="tmRoot"/>
+      </p:par>
+    </p:tnLst>
+  </p:timing>
 </p:sld>
 </file>
 
@@ -24719,6 +24775,13 @@
   <p:clrMapOvr>
     <a:masterClrMapping/>
   </p:clrMapOvr>
+  <p:timing>
+    <p:tnLst>
+      <p:par>
+        <p:cTn id="1" dur="indefinite" restart="never" nodeType="tmRoot"/>
+      </p:par>
+    </p:tnLst>
+  </p:timing>
 </p:sld>
 </file>
 
@@ -25109,6 +25172,13 @@
   <p:clrMapOvr>
     <a:masterClrMapping/>
   </p:clrMapOvr>
+  <p:timing>
+    <p:tnLst>
+      <p:par>
+        <p:cTn id="1" dur="indefinite" restart="never" nodeType="tmRoot"/>
+      </p:par>
+    </p:tnLst>
+  </p:timing>
 </p:sld>
 </file>
 
@@ -25524,6 +25594,13 @@
   <p:clrMapOvr>
     <a:masterClrMapping/>
   </p:clrMapOvr>
+  <p:timing>
+    <p:tnLst>
+      <p:par>
+        <p:cTn id="1" dur="indefinite" restart="never" nodeType="tmRoot"/>
+      </p:par>
+    </p:tnLst>
+  </p:timing>
 </p:sld>
 </file>
 
@@ -26042,6 +26119,13 @@
   <p:clrMapOvr>
     <a:masterClrMapping/>
   </p:clrMapOvr>
+  <p:timing>
+    <p:tnLst>
+      <p:par>
+        <p:cTn id="1" dur="indefinite" restart="never" nodeType="tmRoot"/>
+      </p:par>
+    </p:tnLst>
+  </p:timing>
 </p:sld>
 </file>
 
@@ -26458,6 +26542,13 @@
   <p:clrMapOvr>
     <a:masterClrMapping/>
   </p:clrMapOvr>
+  <p:timing>
+    <p:tnLst>
+      <p:par>
+        <p:cTn id="1" dur="indefinite" restart="never" nodeType="tmRoot"/>
+      </p:par>
+    </p:tnLst>
+  </p:timing>
 </p:sld>
 </file>
 
@@ -26946,6 +27037,13 @@
   <p:clrMapOvr>
     <a:masterClrMapping/>
   </p:clrMapOvr>
+  <p:timing>
+    <p:tnLst>
+      <p:par>
+        <p:cTn id="1" dur="indefinite" restart="never" nodeType="tmRoot"/>
+      </p:par>
+    </p:tnLst>
+  </p:timing>
 </p:sld>
 </file>
 
@@ -27188,6 +27286,13 @@
   <p:clrMapOvr>
     <a:masterClrMapping/>
   </p:clrMapOvr>
+  <p:timing>
+    <p:tnLst>
+      <p:par>
+        <p:cTn id="1" dur="indefinite" restart="never" nodeType="tmRoot"/>
+      </p:par>
+    </p:tnLst>
+  </p:timing>
 </p:sld>
 </file>
 
@@ -28502,6 +28607,13 @@
   <p:clrMapOvr>
     <a:masterClrMapping/>
   </p:clrMapOvr>
+  <p:timing>
+    <p:tnLst>
+      <p:par>
+        <p:cTn id="1" dur="indefinite" restart="never" nodeType="tmRoot"/>
+      </p:par>
+    </p:tnLst>
+  </p:timing>
 </p:sld>
 </file>
 
@@ -30829,99 +30941,19 @@
                   </a:schemeClr>
                 </a:solidFill>
               </a:rPr>
-              <a:t>Напишете израз, който намира всички делими на 4 и на 9 числа, които се намират в интервала от 20 до 60.</a:t>
-            </a:r>
-          </a:p>
-          <a:p>
-            <a:pPr marL="0" indent="0">
-              <a:buNone/>
-            </a:pPr>
-            <a:r>
-              <a:rPr lang="en-US" sz="2000" b="1" dirty="0" smtClean="0">
+              <a:t>Напишете израз, който намира всички делими на 4 и на 9 числа, които се намират в интервала от 20 до 60</a:t>
+            </a:r>
+            <a:r>
+              <a:rPr lang="bg-BG" sz="2000" b="1" dirty="0" smtClean="0">
                 <a:solidFill>
                   <a:schemeClr val="bg1">
                     <a:lumMod val="95000"/>
                   </a:schemeClr>
                 </a:solidFill>
               </a:rPr>
-              <a:t>9. </a:t>
-            </a:r>
-            <a:r>
-              <a:rPr lang="bg-BG" sz="2000" b="1" dirty="0" smtClean="0">
-                <a:solidFill>
-                  <a:schemeClr val="bg1">
-                    <a:lumMod val="95000"/>
-                  </a:schemeClr>
-                </a:solidFill>
-              </a:rPr>
-              <a:t>Напишете скрипт, който използва масив от 5 елемента и връща нов масив, който представлява индексите на стария, умножени по</a:t>
-            </a:r>
-            <a:r>
-              <a:rPr lang="en-US" sz="2000" b="1" dirty="0" smtClean="0">
-                <a:solidFill>
-                  <a:schemeClr val="bg1">
-                    <a:lumMod val="95000"/>
-                  </a:schemeClr>
-                </a:solidFill>
-              </a:rPr>
-              <a:t> 7. </a:t>
-            </a:r>
-            <a:r>
-              <a:rPr lang="bg-BG" sz="2000" b="1" dirty="0" smtClean="0">
-                <a:solidFill>
-                  <a:schemeClr val="bg1">
-                    <a:lumMod val="95000"/>
-                  </a:schemeClr>
-                </a:solidFill>
-              </a:rPr>
-              <a:t>Старият масив трябва да изглежда по следния начин:</a:t>
-            </a:r>
-          </a:p>
-          <a:p>
-            <a:pPr marL="400050" lvl="1" indent="0">
-              <a:buNone/>
-            </a:pPr>
-            <a:r>
-              <a:rPr lang="en-US" sz="2000" dirty="0" smtClean="0">
-                <a:solidFill>
-                  <a:schemeClr val="bg1">
-                    <a:lumMod val="95000"/>
-                  </a:schemeClr>
-                </a:solidFill>
-              </a:rPr>
-              <a:t>[6, 4, 3, 0, 9]</a:t>
-            </a:r>
-          </a:p>
-          <a:p>
-            <a:pPr marL="400050" lvl="1" indent="0">
-              <a:buNone/>
-            </a:pPr>
-            <a:r>
-              <a:rPr lang="bg-BG" sz="2000" b="1" dirty="0" smtClean="0">
-                <a:solidFill>
-                  <a:schemeClr val="bg1">
-                    <a:lumMod val="95000"/>
-                  </a:schemeClr>
-                </a:solidFill>
-              </a:rPr>
-              <a:t>Новият масив трябва изглежда по следния начин:</a:t>
-            </a:r>
-          </a:p>
-          <a:p>
-            <a:pPr marL="400050" lvl="1" indent="0">
-              <a:buNone/>
-            </a:pPr>
-            <a:r>
-              <a:rPr lang="en-US" sz="2000" dirty="0" smtClean="0">
-                <a:solidFill>
-                  <a:schemeClr val="bg1">
-                    <a:lumMod val="95000"/>
-                  </a:schemeClr>
-                </a:solidFill>
-              </a:rPr>
-              <a:t>[0, 7, 14, 21, 28]</a:t>
-            </a:r>
-            <a:endParaRPr lang="en-US" sz="2000" dirty="0">
+              <a:t>.</a:t>
+            </a:r>
+            <a:endParaRPr lang="bg-BG" sz="2000" b="1" dirty="0" smtClean="0">
               <a:solidFill>
                 <a:schemeClr val="bg1">
                   <a:lumMod val="95000"/>

--- a/09-JavaScript-Basics/09-JavaScript-Basics.pptx
+++ b/09-JavaScript-Basics/09-JavaScript-Basics.pptx
@@ -297,7 +297,7 @@
           <a:p>
             <a:fld id="{2E054F57-E93D-4CC3-8A27-2F256E70BB98}" type="datetimeFigureOut">
               <a:rPr lang="en-US" smtClean="0"/>
-              <a:t>6/27/2016</a:t>
+              <a:t>7/4/2016</a:t>
             </a:fld>
             <a:endParaRPr lang="en-US"/>
           </a:p>
@@ -746,7 +746,7 @@
           <a:p>
             <a:fld id="{3EA744D9-3FBE-48D8-BF2A-85DF203E4D20}" type="datetimeFigureOut">
               <a:rPr lang="bg-BG" smtClean="0"/>
-              <a:t>27.6.2016 г.</a:t>
+              <a:t>4.7.2016 г.</a:t>
             </a:fld>
             <a:endParaRPr lang="bg-BG"/>
           </a:p>
@@ -916,7 +916,7 @@
           <a:p>
             <a:fld id="{3EA744D9-3FBE-48D8-BF2A-85DF203E4D20}" type="datetimeFigureOut">
               <a:rPr lang="bg-BG" smtClean="0"/>
-              <a:t>27.6.2016 г.</a:t>
+              <a:t>4.7.2016 г.</a:t>
             </a:fld>
             <a:endParaRPr lang="bg-BG"/>
           </a:p>
@@ -1096,7 +1096,7 @@
           <a:p>
             <a:fld id="{3EA744D9-3FBE-48D8-BF2A-85DF203E4D20}" type="datetimeFigureOut">
               <a:rPr lang="bg-BG" smtClean="0"/>
-              <a:t>27.6.2016 г.</a:t>
+              <a:t>4.7.2016 г.</a:t>
             </a:fld>
             <a:endParaRPr lang="bg-BG"/>
           </a:p>
@@ -1266,7 +1266,7 @@
           <a:p>
             <a:fld id="{3EA744D9-3FBE-48D8-BF2A-85DF203E4D20}" type="datetimeFigureOut">
               <a:rPr lang="bg-BG" smtClean="0"/>
-              <a:t>27.6.2016 г.</a:t>
+              <a:t>4.7.2016 г.</a:t>
             </a:fld>
             <a:endParaRPr lang="bg-BG"/>
           </a:p>
@@ -1512,7 +1512,7 @@
           <a:p>
             <a:fld id="{3EA744D9-3FBE-48D8-BF2A-85DF203E4D20}" type="datetimeFigureOut">
               <a:rPr lang="bg-BG" smtClean="0"/>
-              <a:t>27.6.2016 г.</a:t>
+              <a:t>4.7.2016 г.</a:t>
             </a:fld>
             <a:endParaRPr lang="bg-BG"/>
           </a:p>
@@ -1800,7 +1800,7 @@
           <a:p>
             <a:fld id="{3EA744D9-3FBE-48D8-BF2A-85DF203E4D20}" type="datetimeFigureOut">
               <a:rPr lang="bg-BG" smtClean="0"/>
-              <a:t>27.6.2016 г.</a:t>
+              <a:t>4.7.2016 г.</a:t>
             </a:fld>
             <a:endParaRPr lang="bg-BG"/>
           </a:p>
@@ -2222,7 +2222,7 @@
           <a:p>
             <a:fld id="{3EA744D9-3FBE-48D8-BF2A-85DF203E4D20}" type="datetimeFigureOut">
               <a:rPr lang="bg-BG" smtClean="0"/>
-              <a:t>27.6.2016 г.</a:t>
+              <a:t>4.7.2016 г.</a:t>
             </a:fld>
             <a:endParaRPr lang="bg-BG"/>
           </a:p>
@@ -2340,7 +2340,7 @@
           <a:p>
             <a:fld id="{3EA744D9-3FBE-48D8-BF2A-85DF203E4D20}" type="datetimeFigureOut">
               <a:rPr lang="bg-BG" smtClean="0"/>
-              <a:t>27.6.2016 г.</a:t>
+              <a:t>4.7.2016 г.</a:t>
             </a:fld>
             <a:endParaRPr lang="bg-BG"/>
           </a:p>
@@ -2435,7 +2435,7 @@
           <a:p>
             <a:fld id="{3EA744D9-3FBE-48D8-BF2A-85DF203E4D20}" type="datetimeFigureOut">
               <a:rPr lang="bg-BG" smtClean="0"/>
-              <a:t>27.6.2016 г.</a:t>
+              <a:t>4.7.2016 г.</a:t>
             </a:fld>
             <a:endParaRPr lang="bg-BG"/>
           </a:p>
@@ -2712,7 +2712,7 @@
           <a:p>
             <a:fld id="{3EA744D9-3FBE-48D8-BF2A-85DF203E4D20}" type="datetimeFigureOut">
               <a:rPr lang="bg-BG" smtClean="0"/>
-              <a:t>27.6.2016 г.</a:t>
+              <a:t>4.7.2016 г.</a:t>
             </a:fld>
             <a:endParaRPr lang="bg-BG"/>
           </a:p>
@@ -2965,7 +2965,7 @@
           <a:p>
             <a:fld id="{3EA744D9-3FBE-48D8-BF2A-85DF203E4D20}" type="datetimeFigureOut">
               <a:rPr lang="bg-BG" smtClean="0"/>
-              <a:t>27.6.2016 г.</a:t>
+              <a:t>4.7.2016 г.</a:t>
             </a:fld>
             <a:endParaRPr lang="bg-BG"/>
           </a:p>
@@ -3187,7 +3187,7 @@
           <a:p>
             <a:fld id="{3EA744D9-3FBE-48D8-BF2A-85DF203E4D20}" type="datetimeFigureOut">
               <a:rPr lang="bg-BG" smtClean="0"/>
-              <a:t>27.6.2016 г.</a:t>
+              <a:t>4.7.2016 г.</a:t>
             </a:fld>
             <a:endParaRPr lang="bg-BG"/>
           </a:p>
@@ -8206,16 +8206,7 @@
                 </a:solidFill>
                 <a:cs typeface="Courier New" panose="02070309020205020404" pitchFamily="49" charset="0"/>
               </a:rPr>
-              <a:t>с</a:t>
-            </a:r>
-            <a:r>
-              <a:rPr lang="bg-BG" sz="3200" dirty="0" smtClean="0">
-                <a:solidFill>
-                  <a:schemeClr val="bg1"/>
-                </a:solidFill>
-                <a:cs typeface="Courier New" panose="02070309020205020404" pitchFamily="49" charset="0"/>
-              </a:rPr>
-              <a:t>равнителни </a:t>
+              <a:t>сравнителни </a:t>
             </a:r>
             <a:r>
               <a:rPr lang="bg-BG" sz="3200" dirty="0">
@@ -11872,25 +11863,7 @@
                 </a:solidFill>
                 <a:cs typeface="Courier New" panose="02070309020205020404" pitchFamily="49" charset="0"/>
               </a:rPr>
-              <a:t>Това е най-простият условен </a:t>
-            </a:r>
-            <a:r>
-              <a:rPr lang="bg-BG" sz="2500" dirty="0" smtClean="0">
-                <a:solidFill>
-                  <a:schemeClr val="bg1"/>
-                </a:solidFill>
-                <a:cs typeface="Courier New" panose="02070309020205020404" pitchFamily="49" charset="0"/>
-              </a:rPr>
-              <a:t>израз. </a:t>
-            </a:r>
-            <a:r>
-              <a:rPr lang="bg-BG" sz="2500" dirty="0" smtClean="0">
-                <a:solidFill>
-                  <a:schemeClr val="bg1"/>
-                </a:solidFill>
-                <a:cs typeface="Courier New" panose="02070309020205020404" pitchFamily="49" charset="0"/>
-              </a:rPr>
-              <a:t>Позвоява да се тества дали дадено условие е изпълнено. Чрез него можем да изпълняваме даден код, в зависимост от това дали дадено условие е истина. Пример:</a:t>
+              <a:t>Това е най-простият условен израз. Позвоява да се тества дали дадено условие е изпълнено. Чрез него можем да изпълняваме даден код, в зависимост от това дали дадено условие е истина. Пример:</a:t>
             </a:r>
           </a:p>
           <a:p>
@@ -14260,14 +14233,24 @@
               <a:buNone/>
             </a:pPr>
             <a:r>
-              <a:rPr lang="en-US" sz="1800" dirty="0">
+              <a:rPr lang="en-US" sz="1800" dirty="0" smtClean="0">
                 <a:solidFill>
                   <a:srgbClr val="92D050"/>
                 </a:solidFill>
                 <a:latin typeface="Courier New" panose="02070309020205020404" pitchFamily="49" charset="0"/>
                 <a:cs typeface="Courier New" panose="02070309020205020404" pitchFamily="49" charset="0"/>
               </a:rPr>
-              <a:t>	</a:t>
+              <a:t>	case 3: console.log(</a:t>
+            </a:r>
+            <a:r>
+              <a:rPr lang="bg-BG" sz="1800" dirty="0" smtClean="0">
+                <a:solidFill>
+                  <a:srgbClr val="92D050"/>
+                </a:solidFill>
+                <a:latin typeface="Courier New" panose="02070309020205020404" pitchFamily="49" charset="0"/>
+                <a:cs typeface="Courier New" panose="02070309020205020404" pitchFamily="49" charset="0"/>
+              </a:rPr>
+              <a:t>„Среден 3“); </a:t>
             </a:r>
             <a:r>
               <a:rPr lang="en-US" sz="1800" dirty="0" smtClean="0">
@@ -14277,7 +14260,22 @@
                 <a:latin typeface="Courier New" panose="02070309020205020404" pitchFamily="49" charset="0"/>
                 <a:cs typeface="Courier New" panose="02070309020205020404" pitchFamily="49" charset="0"/>
               </a:rPr>
-              <a:t>case 3: console.log(</a:t>
+              <a:t>break;</a:t>
+            </a:r>
+          </a:p>
+          <a:p>
+            <a:pPr marL="0" indent="0">
+              <a:buNone/>
+            </a:pPr>
+            <a:r>
+              <a:rPr lang="en-US" sz="1800" dirty="0" smtClean="0">
+                <a:solidFill>
+                  <a:srgbClr val="92D050"/>
+                </a:solidFill>
+                <a:latin typeface="Courier New" panose="02070309020205020404" pitchFamily="49" charset="0"/>
+                <a:cs typeface="Courier New" panose="02070309020205020404" pitchFamily="49" charset="0"/>
+              </a:rPr>
+              <a:t>	case 4: console.log(</a:t>
             </a:r>
             <a:r>
               <a:rPr lang="bg-BG" sz="1800" dirty="0" smtClean="0">
@@ -14287,7 +14285,7 @@
                 <a:latin typeface="Courier New" panose="02070309020205020404" pitchFamily="49" charset="0"/>
                 <a:cs typeface="Courier New" panose="02070309020205020404" pitchFamily="49" charset="0"/>
               </a:rPr>
-              <a:t>„Среден 3“); </a:t>
+              <a:t>„Добър 4“); </a:t>
             </a:r>
             <a:r>
               <a:rPr lang="en-US" sz="1800" dirty="0" smtClean="0">
@@ -14305,14 +14303,24 @@
               <a:buNone/>
             </a:pPr>
             <a:r>
-              <a:rPr lang="en-US" sz="1800" dirty="0">
+              <a:rPr lang="en-US" sz="1800" dirty="0" smtClean="0">
                 <a:solidFill>
                   <a:srgbClr val="92D050"/>
                 </a:solidFill>
                 <a:latin typeface="Courier New" panose="02070309020205020404" pitchFamily="49" charset="0"/>
                 <a:cs typeface="Courier New" panose="02070309020205020404" pitchFamily="49" charset="0"/>
               </a:rPr>
-              <a:t>	</a:t>
+              <a:t>	case 5: console.log(</a:t>
+            </a:r>
+            <a:r>
+              <a:rPr lang="bg-BG" sz="1800" dirty="0" smtClean="0">
+                <a:solidFill>
+                  <a:srgbClr val="92D050"/>
+                </a:solidFill>
+                <a:latin typeface="Courier New" panose="02070309020205020404" pitchFamily="49" charset="0"/>
+                <a:cs typeface="Courier New" panose="02070309020205020404" pitchFamily="49" charset="0"/>
+              </a:rPr>
+              <a:t>„Много добър 5“); </a:t>
             </a:r>
             <a:r>
               <a:rPr lang="en-US" sz="1800" dirty="0" smtClean="0">
@@ -14322,7 +14330,22 @@
                 <a:latin typeface="Courier New" panose="02070309020205020404" pitchFamily="49" charset="0"/>
                 <a:cs typeface="Courier New" panose="02070309020205020404" pitchFamily="49" charset="0"/>
               </a:rPr>
-              <a:t>case 4: console.log(</a:t>
+              <a:t>break;</a:t>
+            </a:r>
+          </a:p>
+          <a:p>
+            <a:pPr marL="0" indent="0">
+              <a:buNone/>
+            </a:pPr>
+            <a:r>
+              <a:rPr lang="en-US" sz="1800" dirty="0" smtClean="0">
+                <a:solidFill>
+                  <a:srgbClr val="92D050"/>
+                </a:solidFill>
+                <a:latin typeface="Courier New" panose="02070309020205020404" pitchFamily="49" charset="0"/>
+                <a:cs typeface="Courier New" panose="02070309020205020404" pitchFamily="49" charset="0"/>
+              </a:rPr>
+              <a:t>	case 6: console.log(</a:t>
             </a:r>
             <a:r>
               <a:rPr lang="bg-BG" sz="1800" dirty="0" smtClean="0">
@@ -14332,7 +14355,7 @@
                 <a:latin typeface="Courier New" panose="02070309020205020404" pitchFamily="49" charset="0"/>
                 <a:cs typeface="Courier New" panose="02070309020205020404" pitchFamily="49" charset="0"/>
               </a:rPr>
-              <a:t>„Добър 4“); </a:t>
+              <a:t>„Отличен 6“)</a:t>
             </a:r>
             <a:r>
               <a:rPr lang="en-US" sz="1800" dirty="0" smtClean="0">
@@ -14342,22 +14365,32 @@
                 <a:latin typeface="Courier New" panose="02070309020205020404" pitchFamily="49" charset="0"/>
                 <a:cs typeface="Courier New" panose="02070309020205020404" pitchFamily="49" charset="0"/>
               </a:rPr>
-              <a:t>break;</a:t>
-            </a:r>
-          </a:p>
-          <a:p>
-            <a:pPr marL="0" indent="0">
-              <a:buNone/>
-            </a:pPr>
-            <a:r>
-              <a:rPr lang="en-US" sz="1800" dirty="0">
+              <a:t>; break;</a:t>
+            </a:r>
+          </a:p>
+          <a:p>
+            <a:pPr marL="0" indent="0">
+              <a:buNone/>
+            </a:pPr>
+            <a:r>
+              <a:rPr lang="en-US" sz="1800" dirty="0" smtClean="0">
                 <a:solidFill>
                   <a:srgbClr val="92D050"/>
                 </a:solidFill>
                 <a:latin typeface="Courier New" panose="02070309020205020404" pitchFamily="49" charset="0"/>
                 <a:cs typeface="Courier New" panose="02070309020205020404" pitchFamily="49" charset="0"/>
               </a:rPr>
-              <a:t>	</a:t>
+              <a:t>	default: console.log(</a:t>
+            </a:r>
+            <a:r>
+              <a:rPr lang="bg-BG" sz="1800" dirty="0" smtClean="0">
+                <a:solidFill>
+                  <a:srgbClr val="92D050"/>
+                </a:solidFill>
+                <a:latin typeface="Courier New" panose="02070309020205020404" pitchFamily="49" charset="0"/>
+                <a:cs typeface="Courier New" panose="02070309020205020404" pitchFamily="49" charset="0"/>
+              </a:rPr>
+              <a:t>„Грешка“);</a:t>
             </a:r>
             <a:r>
               <a:rPr lang="en-US" sz="1800" dirty="0" smtClean="0">
@@ -14367,134 +14400,24 @@
                 <a:latin typeface="Courier New" panose="02070309020205020404" pitchFamily="49" charset="0"/>
                 <a:cs typeface="Courier New" panose="02070309020205020404" pitchFamily="49" charset="0"/>
               </a:rPr>
-              <a:t>case 5: console.log(</a:t>
-            </a:r>
-            <a:r>
-              <a:rPr lang="bg-BG" sz="1800" dirty="0" smtClean="0">
+              <a:t> break;</a:t>
+            </a:r>
+          </a:p>
+          <a:p>
+            <a:pPr marL="0" indent="0">
+              <a:buNone/>
+            </a:pPr>
+            <a:r>
+              <a:rPr lang="en-US" sz="1800" dirty="0" smtClean="0">
                 <a:solidFill>
                   <a:srgbClr val="92D050"/>
                 </a:solidFill>
                 <a:latin typeface="Courier New" panose="02070309020205020404" pitchFamily="49" charset="0"/>
                 <a:cs typeface="Courier New" panose="02070309020205020404" pitchFamily="49" charset="0"/>
               </a:rPr>
-              <a:t>„Много добър 5“); </a:t>
-            </a:r>
-            <a:r>
-              <a:rPr lang="en-US" sz="1800" dirty="0" smtClean="0">
-                <a:solidFill>
-                  <a:srgbClr val="92D050"/>
-                </a:solidFill>
-                <a:latin typeface="Courier New" panose="02070309020205020404" pitchFamily="49" charset="0"/>
-                <a:cs typeface="Courier New" panose="02070309020205020404" pitchFamily="49" charset="0"/>
-              </a:rPr>
-              <a:t>break;</a:t>
-            </a:r>
-          </a:p>
-          <a:p>
-            <a:pPr marL="0" indent="0">
-              <a:buNone/>
-            </a:pPr>
-            <a:r>
-              <a:rPr lang="en-US" sz="1800" dirty="0">
-                <a:solidFill>
-                  <a:srgbClr val="92D050"/>
-                </a:solidFill>
-                <a:latin typeface="Courier New" panose="02070309020205020404" pitchFamily="49" charset="0"/>
-                <a:cs typeface="Courier New" panose="02070309020205020404" pitchFamily="49" charset="0"/>
-              </a:rPr>
-              <a:t>	</a:t>
-            </a:r>
-            <a:r>
-              <a:rPr lang="en-US" sz="1800" dirty="0" smtClean="0">
-                <a:solidFill>
-                  <a:srgbClr val="92D050"/>
-                </a:solidFill>
-                <a:latin typeface="Courier New" panose="02070309020205020404" pitchFamily="49" charset="0"/>
-                <a:cs typeface="Courier New" panose="02070309020205020404" pitchFamily="49" charset="0"/>
-              </a:rPr>
-              <a:t>case 6: console.log(</a:t>
-            </a:r>
-            <a:r>
-              <a:rPr lang="bg-BG" sz="1800" dirty="0" smtClean="0">
-                <a:solidFill>
-                  <a:srgbClr val="92D050"/>
-                </a:solidFill>
-                <a:latin typeface="Courier New" panose="02070309020205020404" pitchFamily="49" charset="0"/>
-                <a:cs typeface="Courier New" panose="02070309020205020404" pitchFamily="49" charset="0"/>
-              </a:rPr>
-              <a:t>„Отличен 6“)</a:t>
-            </a:r>
-            <a:r>
-              <a:rPr lang="en-US" sz="1800" dirty="0" smtClean="0">
-                <a:solidFill>
-                  <a:srgbClr val="92D050"/>
-                </a:solidFill>
-                <a:latin typeface="Courier New" panose="02070309020205020404" pitchFamily="49" charset="0"/>
-                <a:cs typeface="Courier New" panose="02070309020205020404" pitchFamily="49" charset="0"/>
-              </a:rPr>
-              <a:t>; break;</a:t>
-            </a:r>
-          </a:p>
-          <a:p>
-            <a:pPr marL="0" indent="0">
-              <a:buNone/>
-            </a:pPr>
-            <a:r>
-              <a:rPr lang="en-US" sz="1800" dirty="0">
-                <a:solidFill>
-                  <a:srgbClr val="92D050"/>
-                </a:solidFill>
-                <a:latin typeface="Courier New" panose="02070309020205020404" pitchFamily="49" charset="0"/>
-                <a:cs typeface="Courier New" panose="02070309020205020404" pitchFamily="49" charset="0"/>
-              </a:rPr>
-              <a:t>	</a:t>
-            </a:r>
-            <a:r>
-              <a:rPr lang="en-US" sz="1800" dirty="0" smtClean="0">
-                <a:solidFill>
-                  <a:srgbClr val="92D050"/>
-                </a:solidFill>
-                <a:latin typeface="Courier New" panose="02070309020205020404" pitchFamily="49" charset="0"/>
-                <a:cs typeface="Courier New" panose="02070309020205020404" pitchFamily="49" charset="0"/>
-              </a:rPr>
-              <a:t>default: console.log(</a:t>
-            </a:r>
-            <a:r>
-              <a:rPr lang="bg-BG" sz="1800" dirty="0" smtClean="0">
-                <a:solidFill>
-                  <a:srgbClr val="92D050"/>
-                </a:solidFill>
-                <a:latin typeface="Courier New" panose="02070309020205020404" pitchFamily="49" charset="0"/>
-                <a:cs typeface="Courier New" panose="02070309020205020404" pitchFamily="49" charset="0"/>
-              </a:rPr>
-              <a:t>„Грешка“);</a:t>
-            </a:r>
-            <a:r>
-              <a:rPr lang="en-US" sz="1800" dirty="0" smtClean="0">
-                <a:solidFill>
-                  <a:srgbClr val="92D050"/>
-                </a:solidFill>
-                <a:latin typeface="Courier New" panose="02070309020205020404" pitchFamily="49" charset="0"/>
-                <a:cs typeface="Courier New" panose="02070309020205020404" pitchFamily="49" charset="0"/>
-              </a:rPr>
-              <a:t> break;</a:t>
-            </a:r>
-          </a:p>
-          <a:p>
-            <a:pPr marL="0" indent="0">
-              <a:buNone/>
-            </a:pPr>
-            <a:r>
-              <a:rPr lang="en-US" sz="1800" dirty="0" smtClean="0">
-                <a:solidFill>
-                  <a:srgbClr val="92D050"/>
-                </a:solidFill>
-                <a:latin typeface="Courier New" panose="02070309020205020404" pitchFamily="49" charset="0"/>
-                <a:cs typeface="Courier New" panose="02070309020205020404" pitchFamily="49" charset="0"/>
-              </a:rPr>
               <a:t>}</a:t>
             </a:r>
-            <a:endParaRPr lang="en-US" sz="1800" dirty="0">
+            <a:endParaRPr lang="en-US" sz="1800" dirty="0" smtClean="0">
               <a:solidFill>
                 <a:srgbClr val="92D050"/>
               </a:solidFill>
@@ -18085,8 +18008,48 @@
                 <a:latin typeface="+mj-lt"/>
                 <a:cs typeface="Courier New" panose="02070309020205020404" pitchFamily="49" charset="0"/>
               </a:rPr>
-              <a:t>Декларираме </a:t>
-            </a:r>
+              <a:t>Декларираме масив от смесен тип:</a:t>
+            </a:r>
+          </a:p>
+          <a:p>
+            <a:pPr marL="0" indent="0">
+              <a:buNone/>
+            </a:pPr>
+            <a:r>
+              <a:rPr lang="en-US" sz="2000" dirty="0" smtClean="0">
+                <a:solidFill>
+                  <a:schemeClr val="bg1"/>
+                </a:solidFill>
+                <a:latin typeface="+mj-lt"/>
+                <a:cs typeface="Courier New" panose="02070309020205020404" pitchFamily="49" charset="0"/>
+              </a:rPr>
+              <a:t>var </a:t>
+            </a:r>
+            <a:r>
+              <a:rPr lang="en-US" sz="2000" dirty="0" err="1" smtClean="0">
+                <a:solidFill>
+                  <a:schemeClr val="bg1"/>
+                </a:solidFill>
+                <a:latin typeface="+mj-lt"/>
+                <a:cs typeface="Courier New" panose="02070309020205020404" pitchFamily="49" charset="0"/>
+              </a:rPr>
+              <a:t>myMixedArray</a:t>
+            </a:r>
+            <a:r>
+              <a:rPr lang="en-US" sz="2000" dirty="0" smtClean="0">
+                <a:solidFill>
+                  <a:schemeClr val="bg1"/>
+                </a:solidFill>
+                <a:latin typeface="+mj-lt"/>
+                <a:cs typeface="Courier New" panose="02070309020205020404" pitchFamily="49" charset="0"/>
+              </a:rPr>
+              <a:t> = [1, “John”, true];</a:t>
+            </a:r>
+          </a:p>
+          <a:p>
+            <a:pPr marL="0" indent="0">
+              <a:buNone/>
+            </a:pPr>
             <a:r>
               <a:rPr lang="bg-BG" sz="2000" dirty="0" smtClean="0">
                 <a:solidFill>
@@ -18095,37 +18058,7 @@
                 <a:latin typeface="+mj-lt"/>
                 <a:cs typeface="Courier New" panose="02070309020205020404" pitchFamily="49" charset="0"/>
               </a:rPr>
-              <a:t>маси</a:t>
-            </a:r>
-            <a:r>
-              <a:rPr lang="bg-BG" sz="2000" dirty="0" smtClean="0">
-                <a:solidFill>
-                  <a:schemeClr val="bg1"/>
-                </a:solidFill>
-                <a:latin typeface="+mj-lt"/>
-                <a:cs typeface="Courier New" panose="02070309020205020404" pitchFamily="49" charset="0"/>
-              </a:rPr>
-              <a:t>в </a:t>
-            </a:r>
-            <a:r>
-              <a:rPr lang="bg-BG" sz="2000" dirty="0" smtClean="0">
-                <a:solidFill>
-                  <a:schemeClr val="bg1"/>
-                </a:solidFill>
-                <a:latin typeface="+mj-lt"/>
-                <a:cs typeface="Courier New" panose="02070309020205020404" pitchFamily="49" charset="0"/>
-              </a:rPr>
-              <a:t>от </a:t>
-            </a:r>
-            <a:r>
-              <a:rPr lang="bg-BG" sz="2000" dirty="0" smtClean="0">
-                <a:solidFill>
-                  <a:schemeClr val="bg1"/>
-                </a:solidFill>
-                <a:latin typeface="+mj-lt"/>
-                <a:cs typeface="Courier New" panose="02070309020205020404" pitchFamily="49" charset="0"/>
-              </a:rPr>
-              <a:t>смесен тип:</a:t>
+              <a:t>Декларираме масив от масиви:</a:t>
             </a:r>
           </a:p>
           <a:p>
@@ -18150,7 +18083,7 @@
                 <a:latin typeface="+mj-lt"/>
                 <a:cs typeface="Courier New" panose="02070309020205020404" pitchFamily="49" charset="0"/>
               </a:rPr>
-              <a:t>myMixedArray</a:t>
+              <a:t>myMatrix</a:t>
             </a:r>
             <a:r>
               <a:rPr lang="en-US" sz="2000" dirty="0" smtClean="0">
@@ -18160,28 +18093,23 @@
                 <a:latin typeface="+mj-lt"/>
                 <a:cs typeface="Courier New" panose="02070309020205020404" pitchFamily="49" charset="0"/>
               </a:rPr>
-              <a:t> = [1, “John”, true];</a:t>
-            </a:r>
-          </a:p>
-          <a:p>
-            <a:pPr marL="0" indent="0">
-              <a:buNone/>
-            </a:pPr>
-            <a:r>
-              <a:rPr lang="bg-BG" sz="2000" dirty="0" smtClean="0">
-                <a:solidFill>
-                  <a:schemeClr val="bg1"/>
-                </a:solidFill>
-                <a:latin typeface="+mj-lt"/>
-                <a:cs typeface="Courier New" panose="02070309020205020404" pitchFamily="49" charset="0"/>
-              </a:rPr>
-              <a:t>Декларираме масив от масиви:</a:t>
-            </a:r>
-          </a:p>
-          <a:p>
-            <a:pPr marL="0" indent="0">
-              <a:buNone/>
-            </a:pPr>
+              <a:t> = [[“1, 5, 7”, “0, 2”, “3, 6, 9”],</a:t>
+            </a:r>
+          </a:p>
+          <a:p>
+            <a:pPr marL="0" indent="0">
+              <a:buNone/>
+            </a:pPr>
+            <a:r>
+              <a:rPr lang="en-US" sz="2000" dirty="0">
+                <a:solidFill>
+                  <a:schemeClr val="bg1"/>
+                </a:solidFill>
+                <a:latin typeface="+mj-lt"/>
+                <a:cs typeface="Courier New" panose="02070309020205020404" pitchFamily="49" charset="0"/>
+              </a:rPr>
+              <a:t>	 </a:t>
+            </a:r>
             <a:r>
               <a:rPr lang="en-US" sz="2000" dirty="0" smtClean="0">
                 <a:solidFill>
@@ -18190,17 +18118,22 @@
                 <a:latin typeface="+mj-lt"/>
                 <a:cs typeface="Courier New" panose="02070309020205020404" pitchFamily="49" charset="0"/>
               </a:rPr>
-              <a:t>var </a:t>
-            </a:r>
-            <a:r>
-              <a:rPr lang="en-US" sz="2000" dirty="0" err="1" smtClean="0">
-                <a:solidFill>
-                  <a:schemeClr val="bg1"/>
-                </a:solidFill>
-                <a:latin typeface="+mj-lt"/>
-                <a:cs typeface="Courier New" panose="02070309020205020404" pitchFamily="49" charset="0"/>
-              </a:rPr>
-              <a:t>myMatrix</a:t>
+              <a:t>           [“9, 7, 6”, “3, 5”, “2, 6”],</a:t>
+            </a:r>
+          </a:p>
+          <a:p>
+            <a:pPr marL="0" indent="0">
+              <a:buNone/>
+            </a:pPr>
+            <a:r>
+              <a:rPr lang="en-US" sz="2000" dirty="0">
+                <a:solidFill>
+                  <a:schemeClr val="bg1"/>
+                </a:solidFill>
+                <a:latin typeface="+mj-lt"/>
+                <a:cs typeface="Courier New" panose="02070309020205020404" pitchFamily="49" charset="0"/>
+              </a:rPr>
+              <a:t>	 </a:t>
             </a:r>
             <a:r>
               <a:rPr lang="en-US" sz="2000" dirty="0" smtClean="0">
@@ -18210,57 +18143,7 @@
                 <a:latin typeface="+mj-lt"/>
                 <a:cs typeface="Courier New" panose="02070309020205020404" pitchFamily="49" charset="0"/>
               </a:rPr>
-              <a:t> = [“1, 5, 7”, “0, 2”, “3, 6, 9”],</a:t>
-            </a:r>
-          </a:p>
-          <a:p>
-            <a:pPr marL="0" indent="0">
-              <a:buNone/>
-            </a:pPr>
-            <a:r>
-              <a:rPr lang="en-US" sz="2000" dirty="0">
-                <a:solidFill>
-                  <a:schemeClr val="bg1"/>
-                </a:solidFill>
-                <a:latin typeface="+mj-lt"/>
-                <a:cs typeface="Courier New" panose="02070309020205020404" pitchFamily="49" charset="0"/>
-              </a:rPr>
-              <a:t>	 </a:t>
-            </a:r>
-            <a:r>
-              <a:rPr lang="en-US" sz="2000" dirty="0" smtClean="0">
-                <a:solidFill>
-                  <a:schemeClr val="bg1"/>
-                </a:solidFill>
-                <a:latin typeface="+mj-lt"/>
-                <a:cs typeface="Courier New" panose="02070309020205020404" pitchFamily="49" charset="0"/>
-              </a:rPr>
-              <a:t>           [“9, 7, 6”, “3, 5”, “2, 6”],</a:t>
-            </a:r>
-          </a:p>
-          <a:p>
-            <a:pPr marL="0" indent="0">
-              <a:buNone/>
-            </a:pPr>
-            <a:r>
-              <a:rPr lang="en-US" sz="2000" dirty="0">
-                <a:solidFill>
-                  <a:schemeClr val="bg1"/>
-                </a:solidFill>
-                <a:latin typeface="+mj-lt"/>
-                <a:cs typeface="Courier New" panose="02070309020205020404" pitchFamily="49" charset="0"/>
-              </a:rPr>
-              <a:t>	 </a:t>
-            </a:r>
-            <a:r>
-              <a:rPr lang="en-US" sz="2000" dirty="0" smtClean="0">
-                <a:solidFill>
-                  <a:schemeClr val="bg1"/>
-                </a:solidFill>
-                <a:latin typeface="+mj-lt"/>
-                <a:cs typeface="Courier New" panose="02070309020205020404" pitchFamily="49" charset="0"/>
-              </a:rPr>
-              <a:t>           [“12, 44”, “36, 1”, 2, 9”];</a:t>
+              <a:t>           [“12, 44”, “36, 1”, 2, 9”]];</a:t>
             </a:r>
             <a:endParaRPr lang="bg-BG" sz="2000" dirty="0" smtClean="0">
               <a:solidFill>
@@ -21105,7 +20988,12 @@
             <p:ph idx="1"/>
           </p:nvPr>
         </p:nvSpPr>
-        <p:spPr/>
+        <p:spPr>
+          <a:xfrm>
+            <a:off x="685800" y="1676400"/>
+            <a:ext cx="8229600" cy="4525963"/>
+          </a:xfrm>
+        </p:spPr>
         <p:txBody>
           <a:bodyPr>
             <a:noAutofit/>
@@ -21680,7 +21568,27 @@
               <a:buChar char="-"/>
             </a:pPr>
             <a:r>
-              <a:rPr lang="en-US" sz="3000" dirty="0" err="1" smtClean="0">
+              <a:rPr lang="en-US" sz="3000" dirty="0" smtClean="0">
+                <a:solidFill>
+                  <a:schemeClr val="bg1"/>
+                </a:solidFill>
+                <a:latin typeface="+mj-lt"/>
+                <a:cs typeface="Courier New" panose="02070309020205020404" pitchFamily="49" charset="0"/>
+              </a:rPr>
+              <a:t>) – </a:t>
+            </a:r>
+            <a:r>
+              <a:rPr lang="bg-BG" sz="3000" dirty="0" smtClean="0">
+                <a:solidFill>
+                  <a:schemeClr val="bg1"/>
+                </a:solidFill>
+                <a:latin typeface="+mj-lt"/>
+                <a:cs typeface="Courier New" panose="02070309020205020404" pitchFamily="49" charset="0"/>
+              </a:rPr>
+              <a:t>връща индекса на първото</a:t>
+            </a:r>
+            <a:r>
+              <a:rPr lang="en-US" sz="3000" dirty="0" err="1">
                 <a:solidFill>
                   <a:srgbClr val="92D050"/>
                 </a:solidFill>
@@ -21690,14 +21598,14 @@
               <a:t>array.indexOf</a:t>
             </a:r>
             <a:r>
-              <a:rPr lang="en-US" sz="3000" dirty="0" smtClean="0">
-                <a:solidFill>
-                  <a:schemeClr val="bg1"/>
-                </a:solidFill>
-                <a:latin typeface="+mj-lt"/>
-                <a:cs typeface="Courier New" panose="02070309020205020404" pitchFamily="49" charset="0"/>
-              </a:rPr>
-              <a:t>(element) – </a:t>
+              <a:rPr lang="en-US" sz="3000" dirty="0">
+                <a:solidFill>
+                  <a:schemeClr val="bg1"/>
+                </a:solidFill>
+                <a:latin typeface="+mj-lt"/>
+                <a:cs typeface="Courier New" panose="02070309020205020404" pitchFamily="49" charset="0"/>
+              </a:rPr>
+              <a:t>(element</a:t>
             </a:r>
             <a:r>
               <a:rPr lang="bg-BG" sz="3000" dirty="0" smtClean="0">
@@ -21707,7 +21615,7 @@
                 <a:latin typeface="+mj-lt"/>
                 <a:cs typeface="Courier New" panose="02070309020205020404" pitchFamily="49" charset="0"/>
               </a:rPr>
-              <a:t>връща индекса на първото съвпадение в масив</a:t>
+              <a:t> съвпадение в масив</a:t>
             </a:r>
             <a:r>
               <a:rPr lang="en-US" sz="3000" dirty="0" smtClean="0">
@@ -21877,7 +21785,7 @@
                 <a:latin typeface="+mj-lt"/>
                 <a:cs typeface="Courier New" panose="02070309020205020404" pitchFamily="49" charset="0"/>
               </a:rPr>
-              <a:t>връща индекса на първото съвпадение в масива или връща „-1“ ако елементът не съществува</a:t>
+              <a:t>връща индекса на последното съвпадение в масива или връща „-1“ ако елементът не съществува</a:t>
             </a:r>
           </a:p>
           <a:p>
@@ -30941,25 +30849,8 @@
                   </a:schemeClr>
                 </a:solidFill>
               </a:rPr>
-              <a:t>Напишете израз, който намира всички делими на 4 и на 9 числа, които се намират в интервала от 20 до 60</a:t>
-            </a:r>
-            <a:r>
-              <a:rPr lang="bg-BG" sz="2000" b="1" dirty="0" smtClean="0">
-                <a:solidFill>
-                  <a:schemeClr val="bg1">
-                    <a:lumMod val="95000"/>
-                  </a:schemeClr>
-                </a:solidFill>
-              </a:rPr>
-              <a:t>.</a:t>
-            </a:r>
-            <a:endParaRPr lang="bg-BG" sz="2000" b="1" dirty="0" smtClean="0">
-              <a:solidFill>
-                <a:schemeClr val="bg1">
-                  <a:lumMod val="95000"/>
-                </a:schemeClr>
-              </a:solidFill>
-            </a:endParaRPr>
+              <a:t>Напишете израз, който намира всички делими на 4 и на 9 числа, които се намират в интервала от 20 до 60.</a:t>
+            </a:r>
           </a:p>
         </p:txBody>
       </p:sp>
@@ -31065,18 +30956,28 @@
             <a:r>
               <a:rPr lang="en-US" sz="2000" b="1" dirty="0" smtClean="0">
                 <a:solidFill>
-                  <a:schemeClr val="bg1">
-                    <a:lumMod val="95000"/>
+                  <a:schemeClr val="accent3">
+                    <a:lumMod val="75000"/>
                   </a:schemeClr>
                 </a:solidFill>
               </a:rPr>
-              <a:t>10. </a:t>
+              <a:t>10</a:t>
+            </a:r>
+            <a:r>
+              <a:rPr lang="en-US" sz="2000" b="1" dirty="0" smtClean="0">
+                <a:solidFill>
+                  <a:schemeClr val="accent3">
+                    <a:lumMod val="75000"/>
+                  </a:schemeClr>
+                </a:solidFill>
+              </a:rPr>
+              <a:t>.* </a:t>
             </a:r>
             <a:r>
               <a:rPr lang="bg-BG" sz="2000" b="1" dirty="0">
                 <a:solidFill>
-                  <a:schemeClr val="bg1">
-                    <a:lumMod val="95000"/>
+                  <a:schemeClr val="accent3">
+                    <a:lumMod val="75000"/>
                   </a:schemeClr>
                 </a:solidFill>
               </a:rPr>
@@ -31085,8 +30986,8 @@
             <a:r>
               <a:rPr lang="bg-BG" sz="2000" b="1" dirty="0" smtClean="0">
                 <a:solidFill>
-                  <a:schemeClr val="bg1">
-                    <a:lumMod val="95000"/>
+                  <a:schemeClr val="accent3">
+                    <a:lumMod val="75000"/>
                   </a:schemeClr>
                 </a:solidFill>
               </a:rPr>
@@ -31095,8 +30996,8 @@
             <a:r>
               <a:rPr lang="bg-BG" sz="2000" b="1" dirty="0">
                 <a:solidFill>
-                  <a:schemeClr val="bg1">
-                    <a:lumMod val="95000"/>
+                  <a:schemeClr val="accent3">
+                    <a:lumMod val="75000"/>
                   </a:schemeClr>
                 </a:solidFill>
               </a:rPr>
@@ -31104,8 +31005,8 @@
             </a:r>
             <a:endParaRPr lang="en-US" sz="2000" b="1" dirty="0">
               <a:solidFill>
-                <a:schemeClr val="bg1">
-                  <a:lumMod val="95000"/>
+                <a:schemeClr val="accent3">
+                  <a:lumMod val="75000"/>
                 </a:schemeClr>
               </a:solidFill>
             </a:endParaRPr>
@@ -31117,8 +31018,8 @@
             <a:r>
               <a:rPr lang="en-US" sz="2000" b="1" dirty="0">
                 <a:solidFill>
-                  <a:schemeClr val="bg1">
-                    <a:lumMod val="95000"/>
+                  <a:schemeClr val="accent3">
+                    <a:lumMod val="75000"/>
                   </a:schemeClr>
                 </a:solidFill>
               </a:rPr>
@@ -31127,8 +31028,8 @@
             <a:r>
               <a:rPr lang="en-US" sz="2000" b="1" dirty="0" smtClean="0">
                 <a:solidFill>
-                  <a:schemeClr val="bg1">
-                    <a:lumMod val="95000"/>
+                  <a:schemeClr val="accent3">
+                    <a:lumMod val="75000"/>
                   </a:schemeClr>
                 </a:solidFill>
               </a:rPr>
@@ -31142,28 +31043,48 @@
             <a:r>
               <a:rPr lang="en-US" sz="2000" b="1" dirty="0" smtClean="0">
                 <a:solidFill>
-                  <a:schemeClr val="bg1">
-                    <a:lumMod val="95000"/>
+                  <a:schemeClr val="accent3">
+                    <a:lumMod val="75000"/>
                   </a:schemeClr>
                 </a:solidFill>
               </a:rPr>
-              <a:t>11. </a:t>
+              <a:t>11</a:t>
+            </a:r>
+            <a:r>
+              <a:rPr lang="en-US" sz="2000" b="1" dirty="0" smtClean="0">
+                <a:solidFill>
+                  <a:schemeClr val="accent3">
+                    <a:lumMod val="75000"/>
+                  </a:schemeClr>
+                </a:solidFill>
+              </a:rPr>
+              <a:t>.* </a:t>
             </a:r>
             <a:r>
               <a:rPr lang="bg-BG" sz="2000" b="1" dirty="0" smtClean="0">
                 <a:solidFill>
-                  <a:schemeClr val="bg1">
-                    <a:lumMod val="95000"/>
+                  <a:schemeClr val="accent3">
+                    <a:lumMod val="75000"/>
                   </a:schemeClr>
                 </a:solidFill>
               </a:rPr>
-              <a:t>Напишете скрипт, който </a:t>
+              <a:t>Напишете </a:t>
+            </a:r>
+            <a:r>
+              <a:rPr lang="bg-BG" sz="2000" b="1" dirty="0" smtClean="0">
+                <a:solidFill>
+                  <a:schemeClr val="accent3">
+                    <a:lumMod val="75000"/>
+                  </a:schemeClr>
+                </a:solidFill>
+              </a:rPr>
+              <a:t>скрипт, който </a:t>
             </a:r>
             <a:r>
               <a:rPr lang="en-US" sz="2000" b="1" dirty="0" smtClean="0">
                 <a:solidFill>
-                  <a:schemeClr val="bg1">
-                    <a:lumMod val="95000"/>
+                  <a:schemeClr val="accent3">
+                    <a:lumMod val="75000"/>
                   </a:schemeClr>
                 </a:solidFill>
               </a:rPr>
@@ -31172,8 +31093,8 @@
             <a:r>
               <a:rPr lang="bg-BG" sz="2000" b="1" dirty="0" smtClean="0">
                 <a:solidFill>
-                  <a:schemeClr val="bg1">
-                    <a:lumMod val="95000"/>
+                  <a:schemeClr val="accent3">
+                    <a:lumMod val="75000"/>
                   </a:schemeClr>
                 </a:solidFill>
               </a:rPr>
@@ -31294,8 +31215,8 @@
             <a:r>
               <a:rPr lang="en-US" sz="2000" b="1" dirty="0" smtClean="0">
                 <a:solidFill>
-                  <a:schemeClr val="bg1">
-                    <a:lumMod val="95000"/>
+                  <a:schemeClr val="accent3">
+                    <a:lumMod val="75000"/>
                   </a:schemeClr>
                 </a:solidFill>
               </a:rPr>
@@ -31304,43 +31225,73 @@
             <a:r>
               <a:rPr lang="bg-BG" sz="2000" b="1" dirty="0" smtClean="0">
                 <a:solidFill>
-                  <a:schemeClr val="bg1">
-                    <a:lumMod val="95000"/>
+                  <a:schemeClr val="accent3">
+                    <a:lumMod val="75000"/>
                   </a:schemeClr>
                 </a:solidFill>
               </a:rPr>
-              <a:t>. Напишете функция, която при извикването си сменя съдържанието на елемент по избор.</a:t>
-            </a:r>
-          </a:p>
-          <a:p>
-            <a:pPr marL="0" indent="0">
-              <a:buNone/>
-            </a:pPr>
+              <a:t>.</a:t>
+            </a:r>
+            <a:r>
+              <a:rPr lang="en-US" sz="2000" b="1" dirty="0" smtClean="0">
+                <a:solidFill>
+                  <a:schemeClr val="accent3">
+                    <a:lumMod val="75000"/>
+                  </a:schemeClr>
+                </a:solidFill>
+              </a:rPr>
+              <a:t>*</a:t>
+            </a:r>
             <a:r>
               <a:rPr lang="bg-BG" sz="2000" b="1" dirty="0" smtClean="0">
                 <a:solidFill>
-                  <a:schemeClr val="bg1">
-                    <a:lumMod val="95000"/>
+                  <a:schemeClr val="accent3">
+                    <a:lumMod val="75000"/>
                   </a:schemeClr>
                 </a:solidFill>
               </a:rPr>
+              <a:t> </a:t>
+            </a:r>
+            <a:r>
+              <a:rPr lang="bg-BG" sz="2000" b="1" dirty="0" smtClean="0">
+                <a:solidFill>
+                  <a:schemeClr val="accent3">
+                    <a:lumMod val="75000"/>
+                  </a:schemeClr>
+                </a:solidFill>
+              </a:rPr>
+              <a:t>Напишете функция, която при извикването си сменя съдържанието на елемент по избор.</a:t>
+            </a:r>
+          </a:p>
+          <a:p>
+            <a:pPr marL="0" indent="0">
+              <a:buNone/>
+            </a:pPr>
+            <a:r>
+              <a:rPr lang="bg-BG" sz="2000" b="1" dirty="0" smtClean="0">
+                <a:solidFill>
+                  <a:schemeClr val="accent3">
+                    <a:lumMod val="75000"/>
+                  </a:schemeClr>
+                </a:solidFill>
+              </a:rPr>
               <a:t>1</a:t>
             </a:r>
             <a:r>
               <a:rPr lang="en-US" sz="2000" b="1" dirty="0" smtClean="0">
                 <a:solidFill>
-                  <a:schemeClr val="bg1">
-                    <a:lumMod val="95000"/>
+                  <a:schemeClr val="accent3">
+                    <a:lumMod val="75000"/>
                   </a:schemeClr>
                 </a:solidFill>
               </a:rPr>
-              <a:t>5.</a:t>
+              <a:t>5.*</a:t>
             </a:r>
             <a:r>
               <a:rPr lang="bg-BG" sz="2000" b="1" dirty="0" smtClean="0">
                 <a:solidFill>
-                  <a:schemeClr val="bg1">
-                    <a:lumMod val="95000"/>
+                  <a:schemeClr val="accent3">
+                    <a:lumMod val="75000"/>
                   </a:schemeClr>
                 </a:solidFill>
               </a:rPr>
@@ -31349,8 +31300,8 @@
             <a:r>
               <a:rPr lang="bg-BG" sz="2000" u="sng" dirty="0" smtClean="0">
                 <a:solidFill>
-                  <a:schemeClr val="bg1">
-                    <a:lumMod val="95000"/>
+                  <a:schemeClr val="accent3">
+                    <a:lumMod val="75000"/>
                   </a:schemeClr>
                 </a:solidFill>
               </a:rPr>
@@ -31359,8 +31310,8 @@
             <a:r>
               <a:rPr lang="bg-BG" sz="2000" b="1" dirty="0" smtClean="0">
                 <a:solidFill>
-                  <a:schemeClr val="bg1">
-                    <a:lumMod val="95000"/>
+                  <a:schemeClr val="accent3">
+                    <a:lumMod val="75000"/>
                   </a:schemeClr>
                 </a:solidFill>
               </a:rPr>
@@ -31369,8 +31320,8 @@
             <a:r>
               <a:rPr lang="en-US" sz="2000" b="1" dirty="0" smtClean="0">
                 <a:solidFill>
-                  <a:schemeClr val="bg1">
-                    <a:lumMod val="95000"/>
+                  <a:schemeClr val="accent3">
+                    <a:lumMod val="75000"/>
                   </a:schemeClr>
                 </a:solidFill>
               </a:rPr>
@@ -31379,8 +31330,8 @@
             <a:r>
               <a:rPr lang="bg-BG" sz="2000" b="1" dirty="0" smtClean="0">
                 <a:solidFill>
-                  <a:schemeClr val="bg1">
-                    <a:lumMod val="95000"/>
+                  <a:schemeClr val="accent3">
+                    <a:lumMod val="75000"/>
                   </a:schemeClr>
                 </a:solidFill>
               </a:rPr>
@@ -31389,8 +31340,8 @@
             <a:r>
               <a:rPr lang="en-US" sz="2000" b="1" dirty="0" err="1" smtClean="0">
                 <a:solidFill>
-                  <a:schemeClr val="bg1">
-                    <a:lumMod val="95000"/>
+                  <a:schemeClr val="accent3">
+                    <a:lumMod val="75000"/>
                   </a:schemeClr>
                 </a:solidFill>
               </a:rPr>
@@ -31399,8 +31350,8 @@
             <a:r>
               <a:rPr lang="en-US" sz="2000" b="1" dirty="0" smtClean="0">
                 <a:solidFill>
-                  <a:schemeClr val="bg1">
-                    <a:lumMod val="95000"/>
+                  <a:schemeClr val="accent3">
+                    <a:lumMod val="75000"/>
                   </a:schemeClr>
                 </a:solidFill>
               </a:rPr>
@@ -31409,8 +31360,8 @@
             <a:r>
               <a:rPr lang="bg-BG" sz="2000" b="1" dirty="0" smtClean="0">
                 <a:solidFill>
-                  <a:schemeClr val="bg1">
-                    <a:lumMod val="95000"/>
+                  <a:schemeClr val="accent3">
+                    <a:lumMod val="75000"/>
                   </a:schemeClr>
                 </a:solidFill>
               </a:rPr>
@@ -31418,8 +31369,8 @@
             </a:r>
             <a:endParaRPr lang="bg-BG" sz="2000" b="1" dirty="0">
               <a:solidFill>
-                <a:schemeClr val="bg1">
-                  <a:lumMod val="95000"/>
+                <a:schemeClr val="accent3">
+                  <a:lumMod val="75000"/>
                 </a:schemeClr>
               </a:solidFill>
             </a:endParaRPr>
@@ -31559,13 +31510,6 @@
               </a:rPr>
               <a:t>onsole.log()</a:t>
             </a:r>
-            <a:endParaRPr lang="en-US" sz="2500" dirty="0" smtClean="0">
-              <a:solidFill>
-                <a:schemeClr val="bg1"/>
-              </a:solidFill>
-              <a:latin typeface="+mj-lt"/>
-              <a:cs typeface="Courier New" panose="02070309020205020404" pitchFamily="49" charset="0"/>
-            </a:endParaRPr>
           </a:p>
           <a:p>
             <a:pPr>
@@ -31592,13 +31536,6 @@
               </a:rPr>
               <a:t>lert()</a:t>
             </a:r>
-            <a:endParaRPr lang="en-US" sz="2500" dirty="0" smtClean="0">
-              <a:solidFill>
-                <a:schemeClr val="bg1"/>
-              </a:solidFill>
-              <a:latin typeface="+mj-lt"/>
-              <a:cs typeface="Courier New" panose="02070309020205020404" pitchFamily="49" charset="0"/>
-            </a:endParaRPr>
           </a:p>
           <a:p>
             <a:pPr>
@@ -31635,13 +31572,6 @@
               </a:rPr>
               <a:t>()</a:t>
             </a:r>
-            <a:endParaRPr lang="en-US" sz="2500" dirty="0" smtClean="0">
-              <a:solidFill>
-                <a:schemeClr val="bg1"/>
-              </a:solidFill>
-              <a:latin typeface="+mj-lt"/>
-              <a:cs typeface="Courier New" panose="02070309020205020404" pitchFamily="49" charset="0"/>
-            </a:endParaRPr>
           </a:p>
         </p:txBody>
       </p:sp>

--- a/09-JavaScript-Basics/09-JavaScript-Basics.pptx
+++ b/09-JavaScript-Basics/09-JavaScript-Basics.pptx
@@ -5,7 +5,7 @@
     <p:sldMasterId id="2147483648" r:id="rId1"/>
   </p:sldMasterIdLst>
   <p:notesMasterIdLst>
-    <p:notesMasterId r:id="rId80"/>
+    <p:notesMasterId r:id="rId81"/>
   </p:notesMasterIdLst>
   <p:sldIdLst>
     <p:sldId id="256" r:id="rId2"/>
@@ -67,25 +67,26 @@
     <p:sldId id="347" r:id="rId58"/>
     <p:sldId id="348" r:id="rId59"/>
     <p:sldId id="349" r:id="rId60"/>
-    <p:sldId id="350" r:id="rId61"/>
-    <p:sldId id="351" r:id="rId62"/>
-    <p:sldId id="352" r:id="rId63"/>
-    <p:sldId id="353" r:id="rId64"/>
-    <p:sldId id="365" r:id="rId65"/>
-    <p:sldId id="361" r:id="rId66"/>
-    <p:sldId id="354" r:id="rId67"/>
-    <p:sldId id="355" r:id="rId68"/>
-    <p:sldId id="356" r:id="rId69"/>
-    <p:sldId id="357" r:id="rId70"/>
-    <p:sldId id="358" r:id="rId71"/>
-    <p:sldId id="359" r:id="rId72"/>
-    <p:sldId id="360" r:id="rId73"/>
-    <p:sldId id="362" r:id="rId74"/>
-    <p:sldId id="363" r:id="rId75"/>
-    <p:sldId id="265" r:id="rId76"/>
-    <p:sldId id="269" r:id="rId77"/>
-    <p:sldId id="333" r:id="rId78"/>
-    <p:sldId id="345" r:id="rId79"/>
+    <p:sldId id="366" r:id="rId61"/>
+    <p:sldId id="350" r:id="rId62"/>
+    <p:sldId id="351" r:id="rId63"/>
+    <p:sldId id="352" r:id="rId64"/>
+    <p:sldId id="353" r:id="rId65"/>
+    <p:sldId id="365" r:id="rId66"/>
+    <p:sldId id="361" r:id="rId67"/>
+    <p:sldId id="354" r:id="rId68"/>
+    <p:sldId id="355" r:id="rId69"/>
+    <p:sldId id="356" r:id="rId70"/>
+    <p:sldId id="357" r:id="rId71"/>
+    <p:sldId id="358" r:id="rId72"/>
+    <p:sldId id="359" r:id="rId73"/>
+    <p:sldId id="360" r:id="rId74"/>
+    <p:sldId id="362" r:id="rId75"/>
+    <p:sldId id="363" r:id="rId76"/>
+    <p:sldId id="265" r:id="rId77"/>
+    <p:sldId id="269" r:id="rId78"/>
+    <p:sldId id="333" r:id="rId79"/>
+    <p:sldId id="345" r:id="rId80"/>
   </p:sldIdLst>
   <p:sldSz cx="9144000" cy="6858000" type="screen4x3"/>
   <p:notesSz cx="6858000" cy="9144000"/>
@@ -297,7 +298,7 @@
           <a:p>
             <a:fld id="{2E054F57-E93D-4CC3-8A27-2F256E70BB98}" type="datetimeFigureOut">
               <a:rPr lang="en-US" smtClean="0"/>
-              <a:t>7/4/2016</a:t>
+              <a:t>7/8/2016</a:t>
             </a:fld>
             <a:endParaRPr lang="en-US"/>
           </a:p>
@@ -746,7 +747,7 @@
           <a:p>
             <a:fld id="{3EA744D9-3FBE-48D8-BF2A-85DF203E4D20}" type="datetimeFigureOut">
               <a:rPr lang="bg-BG" smtClean="0"/>
-              <a:t>4.7.2016 г.</a:t>
+              <a:t>8.7.2016 г.</a:t>
             </a:fld>
             <a:endParaRPr lang="bg-BG"/>
           </a:p>
@@ -916,7 +917,7 @@
           <a:p>
             <a:fld id="{3EA744D9-3FBE-48D8-BF2A-85DF203E4D20}" type="datetimeFigureOut">
               <a:rPr lang="bg-BG" smtClean="0"/>
-              <a:t>4.7.2016 г.</a:t>
+              <a:t>8.7.2016 г.</a:t>
             </a:fld>
             <a:endParaRPr lang="bg-BG"/>
           </a:p>
@@ -1096,7 +1097,7 @@
           <a:p>
             <a:fld id="{3EA744D9-3FBE-48D8-BF2A-85DF203E4D20}" type="datetimeFigureOut">
               <a:rPr lang="bg-BG" smtClean="0"/>
-              <a:t>4.7.2016 г.</a:t>
+              <a:t>8.7.2016 г.</a:t>
             </a:fld>
             <a:endParaRPr lang="bg-BG"/>
           </a:p>
@@ -1266,7 +1267,7 @@
           <a:p>
             <a:fld id="{3EA744D9-3FBE-48D8-BF2A-85DF203E4D20}" type="datetimeFigureOut">
               <a:rPr lang="bg-BG" smtClean="0"/>
-              <a:t>4.7.2016 г.</a:t>
+              <a:t>8.7.2016 г.</a:t>
             </a:fld>
             <a:endParaRPr lang="bg-BG"/>
           </a:p>
@@ -1512,7 +1513,7 @@
           <a:p>
             <a:fld id="{3EA744D9-3FBE-48D8-BF2A-85DF203E4D20}" type="datetimeFigureOut">
               <a:rPr lang="bg-BG" smtClean="0"/>
-              <a:t>4.7.2016 г.</a:t>
+              <a:t>8.7.2016 г.</a:t>
             </a:fld>
             <a:endParaRPr lang="bg-BG"/>
           </a:p>
@@ -1800,7 +1801,7 @@
           <a:p>
             <a:fld id="{3EA744D9-3FBE-48D8-BF2A-85DF203E4D20}" type="datetimeFigureOut">
               <a:rPr lang="bg-BG" smtClean="0"/>
-              <a:t>4.7.2016 г.</a:t>
+              <a:t>8.7.2016 г.</a:t>
             </a:fld>
             <a:endParaRPr lang="bg-BG"/>
           </a:p>
@@ -2222,7 +2223,7 @@
           <a:p>
             <a:fld id="{3EA744D9-3FBE-48D8-BF2A-85DF203E4D20}" type="datetimeFigureOut">
               <a:rPr lang="bg-BG" smtClean="0"/>
-              <a:t>4.7.2016 г.</a:t>
+              <a:t>8.7.2016 г.</a:t>
             </a:fld>
             <a:endParaRPr lang="bg-BG"/>
           </a:p>
@@ -2340,7 +2341,7 @@
           <a:p>
             <a:fld id="{3EA744D9-3FBE-48D8-BF2A-85DF203E4D20}" type="datetimeFigureOut">
               <a:rPr lang="bg-BG" smtClean="0"/>
-              <a:t>4.7.2016 г.</a:t>
+              <a:t>8.7.2016 г.</a:t>
             </a:fld>
             <a:endParaRPr lang="bg-BG"/>
           </a:p>
@@ -2435,7 +2436,7 @@
           <a:p>
             <a:fld id="{3EA744D9-3FBE-48D8-BF2A-85DF203E4D20}" type="datetimeFigureOut">
               <a:rPr lang="bg-BG" smtClean="0"/>
-              <a:t>4.7.2016 г.</a:t>
+              <a:t>8.7.2016 г.</a:t>
             </a:fld>
             <a:endParaRPr lang="bg-BG"/>
           </a:p>
@@ -2712,7 +2713,7 @@
           <a:p>
             <a:fld id="{3EA744D9-3FBE-48D8-BF2A-85DF203E4D20}" type="datetimeFigureOut">
               <a:rPr lang="bg-BG" smtClean="0"/>
-              <a:t>4.7.2016 г.</a:t>
+              <a:t>8.7.2016 г.</a:t>
             </a:fld>
             <a:endParaRPr lang="bg-BG"/>
           </a:p>
@@ -2965,7 +2966,7 @@
           <a:p>
             <a:fld id="{3EA744D9-3FBE-48D8-BF2A-85DF203E4D20}" type="datetimeFigureOut">
               <a:rPr lang="bg-BG" smtClean="0"/>
-              <a:t>4.7.2016 г.</a:t>
+              <a:t>8.7.2016 г.</a:t>
             </a:fld>
             <a:endParaRPr lang="bg-BG"/>
           </a:p>
@@ -3187,7 +3188,7 @@
           <a:p>
             <a:fld id="{3EA744D9-3FBE-48D8-BF2A-85DF203E4D20}" type="datetimeFigureOut">
               <a:rPr lang="bg-BG" smtClean="0"/>
-              <a:t>4.7.2016 г.</a:t>
+              <a:t>8.7.2016 г.</a:t>
             </a:fld>
             <a:endParaRPr lang="bg-BG"/>
           </a:p>
@@ -18517,6 +18518,13 @@
   <p:clrMapOvr>
     <a:masterClrMapping/>
   </p:clrMapOvr>
+  <p:timing>
+    <p:tnLst>
+      <p:par>
+        <p:cTn id="1" dur="indefinite" restart="never" nodeType="tmRoot"/>
+      </p:par>
+    </p:tnLst>
+  </p:timing>
 </p:sld>
 </file>
 
@@ -18939,6 +18947,13 @@
   <p:clrMapOvr>
     <a:masterClrMapping/>
   </p:clrMapOvr>
+  <p:timing>
+    <p:tnLst>
+      <p:par>
+        <p:cTn id="1" dur="indefinite" restart="never" nodeType="tmRoot"/>
+      </p:par>
+    </p:tnLst>
+  </p:timing>
 </p:sld>
 </file>
 
@@ -20073,6 +20088,13 @@
   <p:clrMapOvr>
     <a:masterClrMapping/>
   </p:clrMapOvr>
+  <p:timing>
+    <p:tnLst>
+      <p:par>
+        <p:cTn id="1" dur="indefinite" restart="never" nodeType="tmRoot"/>
+      </p:par>
+    </p:tnLst>
+  </p:timing>
 </p:sld>
 </file>
 
@@ -23432,6 +23454,350 @@
                   <a:schemeClr val="accent6"/>
                 </a:solidFill>
               </a:rPr>
+              <a:t>Начини за създаване на функция</a:t>
+            </a:r>
+            <a:endParaRPr lang="en-US" sz="2900" dirty="0"/>
+          </a:p>
+        </p:txBody>
+      </p:sp>
+      <p:sp>
+        <p:nvSpPr>
+          <p:cNvPr id="3" name="Content Placeholder 2"/>
+          <p:cNvSpPr>
+            <a:spLocks noGrp="1"/>
+          </p:cNvSpPr>
+          <p:nvPr>
+            <p:ph idx="1"/>
+          </p:nvPr>
+        </p:nvSpPr>
+        <p:spPr>
+          <a:xfrm>
+            <a:off x="457200" y="1676400"/>
+            <a:ext cx="8229600" cy="5181600"/>
+          </a:xfrm>
+        </p:spPr>
+        <p:txBody>
+          <a:bodyPr>
+            <a:noAutofit/>
+          </a:bodyPr>
+          <a:lstStyle/>
+          <a:p>
+            <a:pPr marL="0" indent="0">
+              <a:buNone/>
+            </a:pPr>
+            <a:r>
+              <a:rPr lang="en-US" sz="2200" dirty="0">
+                <a:solidFill>
+                  <a:srgbClr val="92D050"/>
+                </a:solidFill>
+                <a:latin typeface="+mj-lt"/>
+                <a:cs typeface="Courier New" panose="02070309020205020404" pitchFamily="49" charset="0"/>
+              </a:rPr>
+              <a:t>F</a:t>
+            </a:r>
+            <a:r>
+              <a:rPr lang="en-US" sz="2200" dirty="0" smtClean="0">
+                <a:solidFill>
+                  <a:srgbClr val="92D050"/>
+                </a:solidFill>
+                <a:latin typeface="+mj-lt"/>
+                <a:cs typeface="Courier New" panose="02070309020205020404" pitchFamily="49" charset="0"/>
+              </a:rPr>
+              <a:t>unction Declaration</a:t>
+            </a:r>
+            <a:endParaRPr lang="en-US" sz="2200" dirty="0">
+              <a:solidFill>
+                <a:srgbClr val="92D050"/>
+              </a:solidFill>
+              <a:latin typeface="+mj-lt"/>
+              <a:cs typeface="Courier New" panose="02070309020205020404" pitchFamily="49" charset="0"/>
+            </a:endParaRPr>
+          </a:p>
+          <a:p>
+            <a:pPr marL="0" indent="0">
+              <a:buNone/>
+            </a:pPr>
+            <a:r>
+              <a:rPr lang="en-US" sz="2200" dirty="0">
+                <a:solidFill>
+                  <a:schemeClr val="bg1"/>
+                </a:solidFill>
+                <a:latin typeface="+mj-lt"/>
+                <a:cs typeface="Courier New" panose="02070309020205020404" pitchFamily="49" charset="0"/>
+              </a:rPr>
+              <a:t>function sum(a, b){</a:t>
+            </a:r>
+          </a:p>
+          <a:p>
+            <a:pPr marL="0" indent="0">
+              <a:buNone/>
+            </a:pPr>
+            <a:r>
+              <a:rPr lang="en-US" sz="2200" dirty="0">
+                <a:solidFill>
+                  <a:schemeClr val="bg1"/>
+                </a:solidFill>
+                <a:latin typeface="+mj-lt"/>
+                <a:cs typeface="Courier New" panose="02070309020205020404" pitchFamily="49" charset="0"/>
+              </a:rPr>
+              <a:t>	return a + b;</a:t>
+            </a:r>
+          </a:p>
+          <a:p>
+            <a:pPr marL="0" indent="0">
+              <a:buNone/>
+            </a:pPr>
+            <a:r>
+              <a:rPr lang="en-US" sz="2200" dirty="0">
+                <a:solidFill>
+                  <a:schemeClr val="bg1"/>
+                </a:solidFill>
+                <a:latin typeface="+mj-lt"/>
+                <a:cs typeface="Courier New" panose="02070309020205020404" pitchFamily="49" charset="0"/>
+              </a:rPr>
+              <a:t>}</a:t>
+            </a:r>
+            <a:endParaRPr lang="en-US" sz="2200" dirty="0" smtClean="0">
+              <a:solidFill>
+                <a:schemeClr val="bg1"/>
+              </a:solidFill>
+              <a:latin typeface="+mj-lt"/>
+              <a:cs typeface="Courier New" panose="02070309020205020404" pitchFamily="49" charset="0"/>
+            </a:endParaRPr>
+          </a:p>
+          <a:p>
+            <a:pPr marL="0" indent="0">
+              <a:buNone/>
+            </a:pPr>
+            <a:r>
+              <a:rPr lang="en-US" sz="2200" dirty="0" smtClean="0">
+                <a:solidFill>
+                  <a:srgbClr val="92D050"/>
+                </a:solidFill>
+                <a:latin typeface="+mj-lt"/>
+                <a:cs typeface="Courier New" panose="02070309020205020404" pitchFamily="49" charset="0"/>
+              </a:rPr>
+              <a:t>Function Expression</a:t>
+            </a:r>
+            <a:endParaRPr lang="en-US" sz="2200" dirty="0">
+              <a:solidFill>
+                <a:schemeClr val="bg1"/>
+              </a:solidFill>
+              <a:latin typeface="+mj-lt"/>
+              <a:cs typeface="Courier New" panose="02070309020205020404" pitchFamily="49" charset="0"/>
+            </a:endParaRPr>
+          </a:p>
+          <a:p>
+            <a:pPr marL="0" indent="0">
+              <a:buNone/>
+            </a:pPr>
+            <a:r>
+              <a:rPr lang="en-US" sz="2200" dirty="0" err="1">
+                <a:solidFill>
+                  <a:schemeClr val="bg1"/>
+                </a:solidFill>
+                <a:latin typeface="+mj-lt"/>
+                <a:cs typeface="Courier New" panose="02070309020205020404" pitchFamily="49" charset="0"/>
+              </a:rPr>
+              <a:t>var</a:t>
+            </a:r>
+            <a:r>
+              <a:rPr lang="en-US" sz="2200" dirty="0">
+                <a:solidFill>
+                  <a:schemeClr val="bg1"/>
+                </a:solidFill>
+                <a:latin typeface="+mj-lt"/>
+                <a:cs typeface="Courier New" panose="02070309020205020404" pitchFamily="49" charset="0"/>
+              </a:rPr>
+              <a:t> sum = function(a, b){</a:t>
+            </a:r>
+          </a:p>
+          <a:p>
+            <a:pPr marL="0" indent="0">
+              <a:buNone/>
+            </a:pPr>
+            <a:r>
+              <a:rPr lang="en-US" sz="2200" dirty="0">
+                <a:solidFill>
+                  <a:schemeClr val="bg1"/>
+                </a:solidFill>
+                <a:latin typeface="+mj-lt"/>
+                <a:cs typeface="Courier New" panose="02070309020205020404" pitchFamily="49" charset="0"/>
+              </a:rPr>
+              <a:t>	return a + b;</a:t>
+            </a:r>
+          </a:p>
+          <a:p>
+            <a:pPr marL="0" indent="0">
+              <a:buNone/>
+            </a:pPr>
+            <a:r>
+              <a:rPr lang="en-US" sz="2200" dirty="0" smtClean="0">
+                <a:solidFill>
+                  <a:schemeClr val="bg1"/>
+                </a:solidFill>
+                <a:latin typeface="+mj-lt"/>
+                <a:cs typeface="Courier New" panose="02070309020205020404" pitchFamily="49" charset="0"/>
+              </a:rPr>
+              <a:t>}</a:t>
+            </a:r>
+          </a:p>
+          <a:p>
+            <a:pPr marL="0" indent="0">
+              <a:buNone/>
+            </a:pPr>
+            <a:r>
+              <a:rPr lang="en-US" sz="2200" dirty="0" smtClean="0">
+                <a:solidFill>
+                  <a:srgbClr val="92D050"/>
+                </a:solidFill>
+                <a:latin typeface="+mj-lt"/>
+                <a:cs typeface="Courier New" panose="02070309020205020404" pitchFamily="49" charset="0"/>
+              </a:rPr>
+              <a:t>With Function Constructor –</a:t>
+            </a:r>
+            <a:r>
+              <a:rPr lang="bg-BG" sz="2200" smtClean="0">
+                <a:solidFill>
+                  <a:srgbClr val="92D050"/>
+                </a:solidFill>
+                <a:latin typeface="+mj-lt"/>
+                <a:cs typeface="Courier New" panose="02070309020205020404" pitchFamily="49" charset="0"/>
+              </a:rPr>
+              <a:t> не се препоръчва </a:t>
+            </a:r>
+            <a:endParaRPr lang="en-US" sz="2200" dirty="0">
+              <a:solidFill>
+                <a:srgbClr val="92D050"/>
+              </a:solidFill>
+              <a:latin typeface="+mj-lt"/>
+              <a:cs typeface="Courier New" panose="02070309020205020404" pitchFamily="49" charset="0"/>
+            </a:endParaRPr>
+          </a:p>
+          <a:p>
+            <a:pPr marL="0" indent="0">
+              <a:buNone/>
+            </a:pPr>
+            <a:r>
+              <a:rPr lang="en-US" sz="1800" dirty="0" err="1">
+                <a:solidFill>
+                  <a:schemeClr val="bg1"/>
+                </a:solidFill>
+                <a:latin typeface="Courier New" panose="02070309020205020404" pitchFamily="49" charset="0"/>
+                <a:cs typeface="Courier New" panose="02070309020205020404" pitchFamily="49" charset="0"/>
+              </a:rPr>
+              <a:t>var</a:t>
+            </a:r>
+            <a:r>
+              <a:rPr lang="en-US" sz="1800" dirty="0">
+                <a:solidFill>
+                  <a:schemeClr val="bg1"/>
+                </a:solidFill>
+                <a:latin typeface="Courier New" panose="02070309020205020404" pitchFamily="49" charset="0"/>
+                <a:cs typeface="Courier New" panose="02070309020205020404" pitchFamily="49" charset="0"/>
+              </a:rPr>
+              <a:t> sum = new function('a', 'b', 'return a + b');</a:t>
+            </a:r>
+            <a:endParaRPr lang="bg-BG" sz="1800" dirty="0" smtClean="0">
+              <a:solidFill>
+                <a:schemeClr val="bg1"/>
+              </a:solidFill>
+              <a:latin typeface="Courier New" panose="02070309020205020404" pitchFamily="49" charset="0"/>
+              <a:cs typeface="Courier New" panose="02070309020205020404" pitchFamily="49" charset="0"/>
+            </a:endParaRPr>
+          </a:p>
+        </p:txBody>
+      </p:sp>
+    </p:spTree>
+    <p:extLst>
+      <p:ext uri="{BB962C8B-B14F-4D97-AF65-F5344CB8AC3E}">
+        <p14:creationId xmlns:p14="http://schemas.microsoft.com/office/powerpoint/2010/main" val="3487517927"/>
+      </p:ext>
+    </p:extLst>
+  </p:cSld>
+  <p:clrMapOvr>
+    <a:masterClrMapping/>
+  </p:clrMapOvr>
+  <p:timing>
+    <p:tnLst>
+      <p:par>
+        <p:cTn id="1" dur="indefinite" restart="never" nodeType="tmRoot"/>
+      </p:par>
+    </p:tnLst>
+  </p:timing>
+</p:sld>
+</file>
+
+<file path=ppt/slides/slide61.xml><?xml version="1.0" encoding="utf-8"?>
+<p:sld xmlns:a="http://schemas.openxmlformats.org/drawingml/2006/main" xmlns:r="http://schemas.openxmlformats.org/officeDocument/2006/relationships" xmlns:p="http://schemas.openxmlformats.org/presentationml/2006/main">
+  <p:cSld>
+    <p:spTree>
+      <p:nvGrpSpPr>
+        <p:cNvPr id="1" name=""/>
+        <p:cNvGrpSpPr/>
+        <p:nvPr/>
+      </p:nvGrpSpPr>
+      <p:grpSpPr>
+        <a:xfrm>
+          <a:off x="0" y="0"/>
+          <a:ext cx="0" cy="0"/>
+          <a:chOff x="0" y="0"/>
+          <a:chExt cx="0" cy="0"/>
+        </a:xfrm>
+      </p:grpSpPr>
+      <p:sp>
+        <p:nvSpPr>
+          <p:cNvPr id="2" name="Title 1"/>
+          <p:cNvSpPr>
+            <a:spLocks noGrp="1"/>
+          </p:cNvSpPr>
+          <p:nvPr>
+            <p:ph type="title"/>
+          </p:nvPr>
+        </p:nvSpPr>
+        <p:spPr>
+          <a:xfrm>
+            <a:off x="457200" y="762000"/>
+            <a:ext cx="8229600" cy="1143000"/>
+          </a:xfrm>
+        </p:spPr>
+        <p:txBody>
+          <a:bodyPr>
+            <a:normAutofit/>
+          </a:bodyPr>
+          <a:lstStyle/>
+          <a:p>
+            <a:pPr algn="l"/>
+            <a:r>
+              <a:rPr lang="en-US" sz="2900" dirty="0" smtClean="0">
+                <a:solidFill>
+                  <a:schemeClr val="accent6"/>
+                </a:solidFill>
+              </a:rPr>
+              <a:t>JavaScript</a:t>
+            </a:r>
+            <a:r>
+              <a:rPr lang="bg-BG" sz="2900" dirty="0" smtClean="0">
+                <a:solidFill>
+                  <a:schemeClr val="accent6"/>
+                </a:solidFill>
+              </a:rPr>
+              <a:t> –</a:t>
+            </a:r>
+            <a:r>
+              <a:rPr lang="en-US" sz="2900" dirty="0">
+                <a:solidFill>
+                  <a:schemeClr val="accent6"/>
+                </a:solidFill>
+              </a:rPr>
+              <a:t> </a:t>
+            </a:r>
+            <a:r>
+              <a:rPr lang="bg-BG" sz="2900" dirty="0" smtClean="0">
+                <a:solidFill>
+                  <a:schemeClr val="accent6"/>
+                </a:solidFill>
+              </a:rPr>
               <a:t>Обекти</a:t>
             </a:r>
             <a:endParaRPr lang="en-US" sz="2900" dirty="0"/>
@@ -23621,10 +23987,17 @@
   <p:clrMapOvr>
     <a:masterClrMapping/>
   </p:clrMapOvr>
+  <p:timing>
+    <p:tnLst>
+      <p:par>
+        <p:cTn id="1" dur="indefinite" restart="never" nodeType="tmRoot"/>
+      </p:par>
+    </p:tnLst>
+  </p:timing>
 </p:sld>
 </file>
 
-<file path=ppt/slides/slide61.xml><?xml version="1.0" encoding="utf-8"?>
+<file path=ppt/slides/slide62.xml><?xml version="1.0" encoding="utf-8"?>
 <p:sld xmlns:a="http://schemas.openxmlformats.org/drawingml/2006/main" xmlns:r="http://schemas.openxmlformats.org/officeDocument/2006/relationships" xmlns:p="http://schemas.openxmlformats.org/presentationml/2006/main">
   <p:cSld>
     <p:spTree>
@@ -24217,482 +24590,6 @@
 </p:sld>
 </file>
 
-<file path=ppt/slides/slide62.xml><?xml version="1.0" encoding="utf-8"?>
-<p:sld xmlns:a="http://schemas.openxmlformats.org/drawingml/2006/main" xmlns:r="http://schemas.openxmlformats.org/officeDocument/2006/relationships" xmlns:p="http://schemas.openxmlformats.org/presentationml/2006/main">
-  <p:cSld>
-    <p:spTree>
-      <p:nvGrpSpPr>
-        <p:cNvPr id="1" name=""/>
-        <p:cNvGrpSpPr/>
-        <p:nvPr/>
-      </p:nvGrpSpPr>
-      <p:grpSpPr>
-        <a:xfrm>
-          <a:off x="0" y="0"/>
-          <a:ext cx="0" cy="0"/>
-          <a:chOff x="0" y="0"/>
-          <a:chExt cx="0" cy="0"/>
-        </a:xfrm>
-      </p:grpSpPr>
-      <p:sp>
-        <p:nvSpPr>
-          <p:cNvPr id="2" name="Title 1"/>
-          <p:cNvSpPr>
-            <a:spLocks noGrp="1"/>
-          </p:cNvSpPr>
-          <p:nvPr>
-            <p:ph type="title"/>
-          </p:nvPr>
-        </p:nvSpPr>
-        <p:spPr>
-          <a:xfrm>
-            <a:off x="457200" y="533400"/>
-            <a:ext cx="8229600" cy="1143000"/>
-          </a:xfrm>
-        </p:spPr>
-        <p:txBody>
-          <a:bodyPr>
-            <a:normAutofit/>
-          </a:bodyPr>
-          <a:lstStyle/>
-          <a:p>
-            <a:pPr algn="l"/>
-            <a:r>
-              <a:rPr lang="en-US" sz="2900" dirty="0" smtClean="0">
-                <a:solidFill>
-                  <a:schemeClr val="accent6"/>
-                </a:solidFill>
-              </a:rPr>
-              <a:t>JavaScript</a:t>
-            </a:r>
-            <a:r>
-              <a:rPr lang="bg-BG" sz="2900" dirty="0" smtClean="0">
-                <a:solidFill>
-                  <a:schemeClr val="accent6"/>
-                </a:solidFill>
-              </a:rPr>
-              <a:t> –</a:t>
-            </a:r>
-            <a:r>
-              <a:rPr lang="en-US" sz="2900" dirty="0">
-                <a:solidFill>
-                  <a:schemeClr val="accent6"/>
-                </a:solidFill>
-              </a:rPr>
-              <a:t> </a:t>
-            </a:r>
-            <a:r>
-              <a:rPr lang="bg-BG" sz="2900" dirty="0" smtClean="0">
-                <a:solidFill>
-                  <a:schemeClr val="accent6"/>
-                </a:solidFill>
-              </a:rPr>
-              <a:t>Обекти</a:t>
-            </a:r>
-            <a:endParaRPr lang="en-US" sz="2900" dirty="0"/>
-          </a:p>
-        </p:txBody>
-      </p:sp>
-      <p:sp>
-        <p:nvSpPr>
-          <p:cNvPr id="3" name="Content Placeholder 2"/>
-          <p:cNvSpPr>
-            <a:spLocks noGrp="1"/>
-          </p:cNvSpPr>
-          <p:nvPr>
-            <p:ph idx="1"/>
-          </p:nvPr>
-        </p:nvSpPr>
-        <p:spPr>
-          <a:xfrm>
-            <a:off x="457200" y="1295400"/>
-            <a:ext cx="8229600" cy="5257800"/>
-          </a:xfrm>
-        </p:spPr>
-        <p:txBody>
-          <a:bodyPr>
-            <a:noAutofit/>
-          </a:bodyPr>
-          <a:lstStyle/>
-          <a:p>
-            <a:pPr marL="0" indent="0">
-              <a:buNone/>
-            </a:pPr>
-            <a:r>
-              <a:rPr lang="bg-BG" sz="2500" dirty="0" smtClean="0">
-                <a:solidFill>
-                  <a:schemeClr val="bg1"/>
-                </a:solidFill>
-                <a:latin typeface="+mj-lt"/>
-                <a:cs typeface="Courier New" panose="02070309020205020404" pitchFamily="49" charset="0"/>
-              </a:rPr>
-              <a:t>Ако искаме да декларираме обект човек със свойствата от горната табличка, това ще стане по следния начин:</a:t>
-            </a:r>
-          </a:p>
-          <a:p>
-            <a:pPr marL="0" indent="0">
-              <a:buNone/>
-            </a:pPr>
-            <a:r>
-              <a:rPr lang="en-US" sz="1500" dirty="0" smtClean="0">
-                <a:solidFill>
-                  <a:schemeClr val="bg1"/>
-                </a:solidFill>
-                <a:latin typeface="Courier New" panose="02070309020205020404" pitchFamily="49" charset="0"/>
-                <a:cs typeface="Courier New" panose="02070309020205020404" pitchFamily="49" charset="0"/>
-              </a:rPr>
-              <a:t>var person = {</a:t>
-            </a:r>
-          </a:p>
-          <a:p>
-            <a:pPr marL="0" indent="0">
-              <a:buNone/>
-            </a:pPr>
-            <a:r>
-              <a:rPr lang="en-US" sz="1500" dirty="0">
-                <a:solidFill>
-                  <a:schemeClr val="bg1"/>
-                </a:solidFill>
-                <a:latin typeface="Courier New" panose="02070309020205020404" pitchFamily="49" charset="0"/>
-                <a:cs typeface="Courier New" panose="02070309020205020404" pitchFamily="49" charset="0"/>
-              </a:rPr>
-              <a:t>	</a:t>
-            </a:r>
-            <a:r>
-              <a:rPr lang="en-US" sz="1500" dirty="0" err="1" smtClean="0">
-                <a:solidFill>
-                  <a:schemeClr val="bg1"/>
-                </a:solidFill>
-                <a:latin typeface="Courier New" panose="02070309020205020404" pitchFamily="49" charset="0"/>
-                <a:cs typeface="Courier New" panose="02070309020205020404" pitchFamily="49" charset="0"/>
-              </a:rPr>
-              <a:t>skinColor</a:t>
-            </a:r>
-            <a:r>
-              <a:rPr lang="en-US" sz="1500" dirty="0" smtClean="0">
-                <a:solidFill>
-                  <a:schemeClr val="bg1"/>
-                </a:solidFill>
-                <a:latin typeface="Courier New" panose="02070309020205020404" pitchFamily="49" charset="0"/>
-                <a:cs typeface="Courier New" panose="02070309020205020404" pitchFamily="49" charset="0"/>
-              </a:rPr>
-              <a:t>: “white”,</a:t>
-            </a:r>
-          </a:p>
-          <a:p>
-            <a:pPr marL="0" indent="0">
-              <a:buNone/>
-            </a:pPr>
-            <a:r>
-              <a:rPr lang="en-US" sz="1500" dirty="0">
-                <a:solidFill>
-                  <a:schemeClr val="bg1"/>
-                </a:solidFill>
-                <a:latin typeface="Courier New" panose="02070309020205020404" pitchFamily="49" charset="0"/>
-                <a:cs typeface="Courier New" panose="02070309020205020404" pitchFamily="49" charset="0"/>
-              </a:rPr>
-              <a:t>	</a:t>
-            </a:r>
-            <a:r>
-              <a:rPr lang="en-US" sz="1500" dirty="0" err="1" smtClean="0">
-                <a:solidFill>
-                  <a:schemeClr val="bg1"/>
-                </a:solidFill>
-                <a:latin typeface="Courier New" panose="02070309020205020404" pitchFamily="49" charset="0"/>
-                <a:cs typeface="Courier New" panose="02070309020205020404" pitchFamily="49" charset="0"/>
-              </a:rPr>
-              <a:t>hairColor</a:t>
-            </a:r>
-            <a:r>
-              <a:rPr lang="en-US" sz="1500" dirty="0" smtClean="0">
-                <a:solidFill>
-                  <a:schemeClr val="bg1"/>
-                </a:solidFill>
-                <a:latin typeface="Courier New" panose="02070309020205020404" pitchFamily="49" charset="0"/>
-                <a:cs typeface="Courier New" panose="02070309020205020404" pitchFamily="49" charset="0"/>
-              </a:rPr>
-              <a:t>: “blonde”,</a:t>
-            </a:r>
-          </a:p>
-          <a:p>
-            <a:pPr marL="0" indent="0">
-              <a:buNone/>
-            </a:pPr>
-            <a:r>
-              <a:rPr lang="en-US" sz="1500" dirty="0">
-                <a:solidFill>
-                  <a:schemeClr val="bg1"/>
-                </a:solidFill>
-                <a:latin typeface="Courier New" panose="02070309020205020404" pitchFamily="49" charset="0"/>
-                <a:cs typeface="Courier New" panose="02070309020205020404" pitchFamily="49" charset="0"/>
-              </a:rPr>
-              <a:t>	</a:t>
-            </a:r>
-            <a:r>
-              <a:rPr lang="en-US" sz="1500" dirty="0" smtClean="0">
-                <a:solidFill>
-                  <a:schemeClr val="bg1"/>
-                </a:solidFill>
-                <a:latin typeface="Courier New" panose="02070309020205020404" pitchFamily="49" charset="0"/>
-                <a:cs typeface="Courier New" panose="02070309020205020404" pitchFamily="49" charset="0"/>
-              </a:rPr>
-              <a:t>height: “1.88m”,</a:t>
-            </a:r>
-          </a:p>
-          <a:p>
-            <a:pPr marL="0" indent="0">
-              <a:buNone/>
-            </a:pPr>
-            <a:r>
-              <a:rPr lang="en-US" sz="1500" dirty="0">
-                <a:solidFill>
-                  <a:schemeClr val="bg1"/>
-                </a:solidFill>
-                <a:latin typeface="Courier New" panose="02070309020205020404" pitchFamily="49" charset="0"/>
-                <a:cs typeface="Courier New" panose="02070309020205020404" pitchFamily="49" charset="0"/>
-              </a:rPr>
-              <a:t>	</a:t>
-            </a:r>
-            <a:r>
-              <a:rPr lang="en-US" sz="1500" dirty="0" smtClean="0">
-                <a:solidFill>
-                  <a:schemeClr val="bg1"/>
-                </a:solidFill>
-                <a:latin typeface="Courier New" panose="02070309020205020404" pitchFamily="49" charset="0"/>
-                <a:cs typeface="Courier New" panose="02070309020205020404" pitchFamily="49" charset="0"/>
-              </a:rPr>
-              <a:t>weight: “82kg”,</a:t>
-            </a:r>
-          </a:p>
-          <a:p>
-            <a:pPr marL="0" indent="0">
-              <a:buNone/>
-            </a:pPr>
-            <a:r>
-              <a:rPr lang="en-US" sz="1500" dirty="0">
-                <a:solidFill>
-                  <a:schemeClr val="bg1"/>
-                </a:solidFill>
-                <a:latin typeface="Courier New" panose="02070309020205020404" pitchFamily="49" charset="0"/>
-                <a:cs typeface="Courier New" panose="02070309020205020404" pitchFamily="49" charset="0"/>
-              </a:rPr>
-              <a:t>	</a:t>
-            </a:r>
-            <a:r>
-              <a:rPr lang="en-US" sz="1500" dirty="0" smtClean="0">
-                <a:solidFill>
-                  <a:schemeClr val="bg1"/>
-                </a:solidFill>
-                <a:latin typeface="Courier New" panose="02070309020205020404" pitchFamily="49" charset="0"/>
-                <a:cs typeface="Courier New" panose="02070309020205020404" pitchFamily="49" charset="0"/>
-              </a:rPr>
-              <a:t>age: “32”,</a:t>
-            </a:r>
-          </a:p>
-          <a:p>
-            <a:pPr marL="0" indent="0">
-              <a:buNone/>
-            </a:pPr>
-            <a:r>
-              <a:rPr lang="en-US" sz="1500" dirty="0">
-                <a:solidFill>
-                  <a:schemeClr val="bg1"/>
-                </a:solidFill>
-                <a:latin typeface="Courier New" panose="02070309020205020404" pitchFamily="49" charset="0"/>
-                <a:cs typeface="Courier New" panose="02070309020205020404" pitchFamily="49" charset="0"/>
-              </a:rPr>
-              <a:t>	</a:t>
-            </a:r>
-            <a:r>
-              <a:rPr lang="en-US" sz="1500" dirty="0" smtClean="0">
-                <a:solidFill>
-                  <a:schemeClr val="bg1"/>
-                </a:solidFill>
-                <a:latin typeface="Courier New" panose="02070309020205020404" pitchFamily="49" charset="0"/>
-                <a:cs typeface="Courier New" panose="02070309020205020404" pitchFamily="49" charset="0"/>
-              </a:rPr>
-              <a:t>work: function() { return “working” },</a:t>
-            </a:r>
-          </a:p>
-          <a:p>
-            <a:pPr marL="0" indent="0">
-              <a:buNone/>
-            </a:pPr>
-            <a:r>
-              <a:rPr lang="en-US" sz="1500" dirty="0">
-                <a:solidFill>
-                  <a:schemeClr val="bg1"/>
-                </a:solidFill>
-                <a:latin typeface="Courier New" panose="02070309020205020404" pitchFamily="49" charset="0"/>
-                <a:cs typeface="Courier New" panose="02070309020205020404" pitchFamily="49" charset="0"/>
-              </a:rPr>
-              <a:t>	</a:t>
-            </a:r>
-            <a:r>
-              <a:rPr lang="en-US" sz="1500" dirty="0" smtClean="0">
-                <a:solidFill>
-                  <a:schemeClr val="bg1"/>
-                </a:solidFill>
-                <a:latin typeface="Courier New" panose="02070309020205020404" pitchFamily="49" charset="0"/>
-                <a:cs typeface="Courier New" panose="02070309020205020404" pitchFamily="49" charset="0"/>
-              </a:rPr>
-              <a:t>eat: function() { return “eating” }</a:t>
-            </a:r>
-          </a:p>
-          <a:p>
-            <a:pPr marL="0" indent="0">
-              <a:buNone/>
-            </a:pPr>
-            <a:r>
-              <a:rPr lang="en-US" sz="1500" dirty="0">
-                <a:solidFill>
-                  <a:schemeClr val="bg1"/>
-                </a:solidFill>
-                <a:latin typeface="Courier New" panose="02070309020205020404" pitchFamily="49" charset="0"/>
-                <a:cs typeface="Courier New" panose="02070309020205020404" pitchFamily="49" charset="0"/>
-              </a:rPr>
-              <a:t>	</a:t>
-            </a:r>
-            <a:r>
-              <a:rPr lang="en-US" sz="1500" dirty="0" smtClean="0">
-                <a:solidFill>
-                  <a:schemeClr val="bg1"/>
-                </a:solidFill>
-                <a:latin typeface="Courier New" panose="02070309020205020404" pitchFamily="49" charset="0"/>
-                <a:cs typeface="Courier New" panose="02070309020205020404" pitchFamily="49" charset="0"/>
-              </a:rPr>
-              <a:t>sleep: function() { return “sleeping” }</a:t>
-            </a:r>
-          </a:p>
-          <a:p>
-            <a:pPr marL="0" indent="0">
-              <a:buNone/>
-            </a:pPr>
-            <a:r>
-              <a:rPr lang="en-US" sz="1500" dirty="0" smtClean="0">
-                <a:solidFill>
-                  <a:schemeClr val="bg1"/>
-                </a:solidFill>
-                <a:latin typeface="Courier New" panose="02070309020205020404" pitchFamily="49" charset="0"/>
-                <a:cs typeface="Courier New" panose="02070309020205020404" pitchFamily="49" charset="0"/>
-              </a:rPr>
-              <a:t>	sport: function() { return “sporting” },</a:t>
-            </a:r>
-          </a:p>
-          <a:p>
-            <a:pPr marL="0" indent="0">
-              <a:buNone/>
-            </a:pPr>
-            <a:r>
-              <a:rPr lang="en-US" sz="1500" dirty="0">
-                <a:solidFill>
-                  <a:schemeClr val="bg1"/>
-                </a:solidFill>
-                <a:latin typeface="Courier New" panose="02070309020205020404" pitchFamily="49" charset="0"/>
-                <a:cs typeface="Courier New" panose="02070309020205020404" pitchFamily="49" charset="0"/>
-              </a:rPr>
-              <a:t>	</a:t>
-            </a:r>
-            <a:r>
-              <a:rPr lang="en-US" sz="1500" dirty="0" smtClean="0">
-                <a:solidFill>
-                  <a:schemeClr val="bg1"/>
-                </a:solidFill>
-                <a:latin typeface="Courier New" panose="02070309020205020404" pitchFamily="49" charset="0"/>
-                <a:cs typeface="Courier New" panose="02070309020205020404" pitchFamily="49" charset="0"/>
-              </a:rPr>
-              <a:t>leisure: function() { return “</a:t>
-            </a:r>
-            <a:r>
-              <a:rPr lang="en-US" sz="1500" dirty="0" err="1" smtClean="0">
-                <a:solidFill>
-                  <a:schemeClr val="bg1"/>
-                </a:solidFill>
-                <a:latin typeface="Courier New" panose="02070309020205020404" pitchFamily="49" charset="0"/>
-                <a:cs typeface="Courier New" panose="02070309020205020404" pitchFamily="49" charset="0"/>
-              </a:rPr>
-              <a:t>leisuring</a:t>
-            </a:r>
-            <a:r>
-              <a:rPr lang="en-US" sz="1500" dirty="0" smtClean="0">
-                <a:solidFill>
-                  <a:schemeClr val="bg1"/>
-                </a:solidFill>
-                <a:latin typeface="Courier New" panose="02070309020205020404" pitchFamily="49" charset="0"/>
-                <a:cs typeface="Courier New" panose="02070309020205020404" pitchFamily="49" charset="0"/>
-              </a:rPr>
-              <a:t>”</a:t>
-            </a:r>
-            <a:r>
-              <a:rPr lang="en-US" sz="1500" dirty="0">
-                <a:solidFill>
-                  <a:schemeClr val="bg1"/>
-                </a:solidFill>
-                <a:latin typeface="Courier New" panose="02070309020205020404" pitchFamily="49" charset="0"/>
-                <a:cs typeface="Courier New" panose="02070309020205020404" pitchFamily="49" charset="0"/>
-              </a:rPr>
-              <a:t>	</a:t>
-            </a:r>
-            <a:r>
-              <a:rPr lang="en-US" sz="1500" dirty="0" smtClean="0">
-                <a:solidFill>
-                  <a:schemeClr val="bg1"/>
-                </a:solidFill>
-                <a:latin typeface="Courier New" panose="02070309020205020404" pitchFamily="49" charset="0"/>
-                <a:cs typeface="Courier New" panose="02070309020205020404" pitchFamily="49" charset="0"/>
-              </a:rPr>
-              <a:t>}</a:t>
-            </a:r>
-          </a:p>
-          <a:p>
-            <a:pPr marL="0" indent="0">
-              <a:buNone/>
-            </a:pPr>
-            <a:r>
-              <a:rPr lang="en-US" sz="1500" dirty="0" smtClean="0">
-                <a:solidFill>
-                  <a:schemeClr val="bg1"/>
-                </a:solidFill>
-                <a:latin typeface="Courier New" panose="02070309020205020404" pitchFamily="49" charset="0"/>
-                <a:cs typeface="Courier New" panose="02070309020205020404" pitchFamily="49" charset="0"/>
-              </a:rPr>
-              <a:t>}</a:t>
-            </a:r>
-          </a:p>
-          <a:p>
-            <a:pPr marL="0" indent="0">
-              <a:buNone/>
-            </a:pPr>
-            <a:endParaRPr lang="bg-BG" sz="1500" dirty="0" smtClean="0">
-              <a:solidFill>
-                <a:schemeClr val="bg1"/>
-              </a:solidFill>
-              <a:latin typeface="Courier New" panose="02070309020205020404" pitchFamily="49" charset="0"/>
-              <a:cs typeface="Courier New" panose="02070309020205020404" pitchFamily="49" charset="0"/>
-            </a:endParaRPr>
-          </a:p>
-        </p:txBody>
-      </p:sp>
-    </p:spTree>
-    <p:extLst>
-      <p:ext uri="{BB962C8B-B14F-4D97-AF65-F5344CB8AC3E}">
-        <p14:creationId xmlns:p14="http://schemas.microsoft.com/office/powerpoint/2010/main" val="2444984444"/>
-      </p:ext>
-    </p:extLst>
-  </p:cSld>
-  <p:clrMapOvr>
-    <a:masterClrMapping/>
-  </p:clrMapOvr>
-  <p:timing>
-    <p:tnLst>
-      <p:par>
-        <p:cTn id="1" dur="indefinite" restart="never" nodeType="tmRoot"/>
-      </p:par>
-    </p:tnLst>
-  </p:timing>
-</p:sld>
-</file>
-
 <file path=ppt/slides/slide63.xml><?xml version="1.0" encoding="utf-8"?>
 <p:sld xmlns:a="http://schemas.openxmlformats.org/drawingml/2006/main" xmlns:r="http://schemas.openxmlformats.org/officeDocument/2006/relationships" xmlns:p="http://schemas.openxmlformats.org/presentationml/2006/main">
   <p:cSld>
@@ -24795,56 +24692,6 @@
               <a:buNone/>
             </a:pPr>
             <a:r>
-              <a:rPr lang="bg-BG" sz="2500" dirty="0">
-                <a:solidFill>
-                  <a:schemeClr val="bg1"/>
-                </a:solidFill>
-                <a:latin typeface="+mj-lt"/>
-                <a:cs typeface="Courier New" panose="02070309020205020404" pitchFamily="49" charset="0"/>
-              </a:rPr>
-              <a:t>Ако достъпим нашия обект посредством името му:</a:t>
-            </a:r>
-          </a:p>
-          <a:p>
-            <a:pPr marL="0" indent="0">
-              <a:buNone/>
-            </a:pPr>
-            <a:r>
-              <a:rPr lang="en-US" sz="1800" dirty="0">
-                <a:solidFill>
-                  <a:schemeClr val="bg1"/>
-                </a:solidFill>
-                <a:latin typeface="Courier New" panose="02070309020205020404" pitchFamily="49" charset="0"/>
-                <a:cs typeface="Courier New" panose="02070309020205020404" pitchFamily="49" charset="0"/>
-              </a:rPr>
-              <a:t>Person</a:t>
-            </a:r>
-          </a:p>
-          <a:p>
-            <a:pPr marL="0" indent="0">
-              <a:buNone/>
-            </a:pPr>
-            <a:r>
-              <a:rPr lang="en-US" sz="2500" dirty="0">
-                <a:solidFill>
-                  <a:schemeClr val="bg1"/>
-                </a:solidFill>
-                <a:latin typeface="+mj-lt"/>
-                <a:cs typeface="Courier New" panose="02070309020205020404" pitchFamily="49" charset="0"/>
-              </a:rPr>
-              <a:t>JavaScript </a:t>
-            </a:r>
-            <a:r>
-              <a:rPr lang="bg-BG" sz="2500" dirty="0">
-                <a:solidFill>
-                  <a:schemeClr val="bg1"/>
-                </a:solidFill>
-                <a:latin typeface="+mj-lt"/>
-                <a:cs typeface="Courier New" panose="02070309020205020404" pitchFamily="49" charset="0"/>
-              </a:rPr>
-              <a:t>ще ни върне резултат, съдържащ обекта и всички негови </a:t>
-            </a:r>
-            <a:r>
               <a:rPr lang="bg-BG" sz="2500" dirty="0" smtClean="0">
                 <a:solidFill>
                   <a:schemeClr val="bg1"/>
@@ -24852,32 +24699,40 @@
                 <a:latin typeface="+mj-lt"/>
                 <a:cs typeface="Courier New" panose="02070309020205020404" pitchFamily="49" charset="0"/>
               </a:rPr>
-              <a:t>свойства, без действията му:</a:t>
-            </a:r>
-            <a:endParaRPr lang="bg-BG" sz="2500" dirty="0">
-              <a:solidFill>
-                <a:schemeClr val="bg1"/>
-              </a:solidFill>
-              <a:latin typeface="+mj-lt"/>
-              <a:cs typeface="Courier New" panose="02070309020205020404" pitchFamily="49" charset="0"/>
-            </a:endParaRPr>
-          </a:p>
-          <a:p>
-            <a:pPr marL="0" indent="0">
-              <a:buNone/>
-            </a:pPr>
-            <a:r>
-              <a:rPr lang="en-US" sz="1800" dirty="0">
-                <a:solidFill>
-                  <a:schemeClr val="bg1"/>
-                </a:solidFill>
-                <a:latin typeface="Courier New" panose="02070309020205020404" pitchFamily="49" charset="0"/>
-                <a:cs typeface="Courier New" panose="02070309020205020404" pitchFamily="49" charset="0"/>
-              </a:rPr>
-              <a:t>Object {</a:t>
-            </a:r>
-            <a:r>
-              <a:rPr lang="en-US" sz="1800" dirty="0" err="1">
+              <a:t>Ако искаме да декларираме обект човек със свойствата от горната табличка, това ще стане по следния начин:</a:t>
+            </a:r>
+          </a:p>
+          <a:p>
+            <a:pPr marL="0" indent="0">
+              <a:buNone/>
+            </a:pPr>
+            <a:r>
+              <a:rPr lang="en-US" sz="1500" dirty="0" smtClean="0">
+                <a:solidFill>
+                  <a:schemeClr val="bg1"/>
+                </a:solidFill>
+                <a:latin typeface="Courier New" panose="02070309020205020404" pitchFamily="49" charset="0"/>
+                <a:cs typeface="Courier New" panose="02070309020205020404" pitchFamily="49" charset="0"/>
+              </a:rPr>
+              <a:t>var person = {</a:t>
+            </a:r>
+          </a:p>
+          <a:p>
+            <a:pPr marL="0" indent="0">
+              <a:buNone/>
+            </a:pPr>
+            <a:r>
+              <a:rPr lang="en-US" sz="1500" dirty="0">
+                <a:solidFill>
+                  <a:schemeClr val="bg1"/>
+                </a:solidFill>
+                <a:latin typeface="Courier New" panose="02070309020205020404" pitchFamily="49" charset="0"/>
+                <a:cs typeface="Courier New" panose="02070309020205020404" pitchFamily="49" charset="0"/>
+              </a:rPr>
+              <a:t>	</a:t>
+            </a:r>
+            <a:r>
+              <a:rPr lang="en-US" sz="1500" dirty="0" err="1" smtClean="0">
                 <a:solidFill>
                   <a:schemeClr val="bg1"/>
                 </a:solidFill>
@@ -24887,17 +24742,32 @@
               <a:t>skinColor</a:t>
             </a:r>
             <a:r>
-              <a:rPr lang="en-US" sz="1800" dirty="0">
-                <a:solidFill>
-                  <a:schemeClr val="bg1"/>
-                </a:solidFill>
-                <a:latin typeface="Courier New" panose="02070309020205020404" pitchFamily="49" charset="0"/>
-                <a:cs typeface="Courier New" panose="02070309020205020404" pitchFamily="49" charset="0"/>
-              </a:rPr>
-              <a:t>: "white", </a:t>
-            </a:r>
-            <a:r>
-              <a:rPr lang="en-US" sz="1800" dirty="0" err="1">
+              <a:rPr lang="en-US" sz="1500" dirty="0" smtClean="0">
+                <a:solidFill>
+                  <a:schemeClr val="bg1"/>
+                </a:solidFill>
+                <a:latin typeface="Courier New" panose="02070309020205020404" pitchFamily="49" charset="0"/>
+                <a:cs typeface="Courier New" panose="02070309020205020404" pitchFamily="49" charset="0"/>
+              </a:rPr>
+              <a:t>: “white”,</a:t>
+            </a:r>
+          </a:p>
+          <a:p>
+            <a:pPr marL="0" indent="0">
+              <a:buNone/>
+            </a:pPr>
+            <a:r>
+              <a:rPr lang="en-US" sz="1500" dirty="0">
+                <a:solidFill>
+                  <a:schemeClr val="bg1"/>
+                </a:solidFill>
+                <a:latin typeface="Courier New" panose="02070309020205020404" pitchFamily="49" charset="0"/>
+                <a:cs typeface="Courier New" panose="02070309020205020404" pitchFamily="49" charset="0"/>
+              </a:rPr>
+              <a:t>	</a:t>
+            </a:r>
+            <a:r>
+              <a:rPr lang="en-US" sz="1500" dirty="0" err="1" smtClean="0">
                 <a:solidFill>
                   <a:schemeClr val="bg1"/>
                 </a:solidFill>
@@ -24907,31 +24777,266 @@
               <a:t>hairColor</a:t>
             </a:r>
             <a:r>
-              <a:rPr lang="en-US" sz="1800" dirty="0">
-                <a:solidFill>
-                  <a:schemeClr val="bg1"/>
-                </a:solidFill>
-                <a:latin typeface="Courier New" panose="02070309020205020404" pitchFamily="49" charset="0"/>
-                <a:cs typeface="Courier New" panose="02070309020205020404" pitchFamily="49" charset="0"/>
-              </a:rPr>
-              <a:t>: "blonde", height: "1.88m", weight: "82kg", age: "</a:t>
-            </a:r>
-            <a:r>
-              <a:rPr lang="en-US" sz="1800" dirty="0" smtClean="0">
-                <a:solidFill>
-                  <a:schemeClr val="bg1"/>
-                </a:solidFill>
-                <a:latin typeface="Courier New" panose="02070309020205020404" pitchFamily="49" charset="0"/>
-                <a:cs typeface="Courier New" panose="02070309020205020404" pitchFamily="49" charset="0"/>
-              </a:rPr>
-              <a:t>32"}</a:t>
-            </a:r>
-          </a:p>
-          <a:p>
-            <a:pPr marL="0" indent="0">
-              <a:buNone/>
-            </a:pPr>
-            <a:endParaRPr lang="en-US" sz="1800" dirty="0">
+              <a:rPr lang="en-US" sz="1500" dirty="0" smtClean="0">
+                <a:solidFill>
+                  <a:schemeClr val="bg1"/>
+                </a:solidFill>
+                <a:latin typeface="Courier New" panose="02070309020205020404" pitchFamily="49" charset="0"/>
+                <a:cs typeface="Courier New" panose="02070309020205020404" pitchFamily="49" charset="0"/>
+              </a:rPr>
+              <a:t>: “blonde”,</a:t>
+            </a:r>
+          </a:p>
+          <a:p>
+            <a:pPr marL="0" indent="0">
+              <a:buNone/>
+            </a:pPr>
+            <a:r>
+              <a:rPr lang="en-US" sz="1500" dirty="0">
+                <a:solidFill>
+                  <a:schemeClr val="bg1"/>
+                </a:solidFill>
+                <a:latin typeface="Courier New" panose="02070309020205020404" pitchFamily="49" charset="0"/>
+                <a:cs typeface="Courier New" panose="02070309020205020404" pitchFamily="49" charset="0"/>
+              </a:rPr>
+              <a:t>	</a:t>
+            </a:r>
+            <a:r>
+              <a:rPr lang="en-US" sz="1500" dirty="0" smtClean="0">
+                <a:solidFill>
+                  <a:schemeClr val="bg1"/>
+                </a:solidFill>
+                <a:latin typeface="Courier New" panose="02070309020205020404" pitchFamily="49" charset="0"/>
+                <a:cs typeface="Courier New" panose="02070309020205020404" pitchFamily="49" charset="0"/>
+              </a:rPr>
+              <a:t>height: “1.88m”,</a:t>
+            </a:r>
+          </a:p>
+          <a:p>
+            <a:pPr marL="0" indent="0">
+              <a:buNone/>
+            </a:pPr>
+            <a:r>
+              <a:rPr lang="en-US" sz="1500" dirty="0">
+                <a:solidFill>
+                  <a:schemeClr val="bg1"/>
+                </a:solidFill>
+                <a:latin typeface="Courier New" panose="02070309020205020404" pitchFamily="49" charset="0"/>
+                <a:cs typeface="Courier New" panose="02070309020205020404" pitchFamily="49" charset="0"/>
+              </a:rPr>
+              <a:t>	</a:t>
+            </a:r>
+            <a:r>
+              <a:rPr lang="en-US" sz="1500" dirty="0" smtClean="0">
+                <a:solidFill>
+                  <a:schemeClr val="bg1"/>
+                </a:solidFill>
+                <a:latin typeface="Courier New" panose="02070309020205020404" pitchFamily="49" charset="0"/>
+                <a:cs typeface="Courier New" panose="02070309020205020404" pitchFamily="49" charset="0"/>
+              </a:rPr>
+              <a:t>weight: “82kg”,</a:t>
+            </a:r>
+          </a:p>
+          <a:p>
+            <a:pPr marL="0" indent="0">
+              <a:buNone/>
+            </a:pPr>
+            <a:r>
+              <a:rPr lang="en-US" sz="1500" dirty="0">
+                <a:solidFill>
+                  <a:schemeClr val="bg1"/>
+                </a:solidFill>
+                <a:latin typeface="Courier New" panose="02070309020205020404" pitchFamily="49" charset="0"/>
+                <a:cs typeface="Courier New" panose="02070309020205020404" pitchFamily="49" charset="0"/>
+              </a:rPr>
+              <a:t>	</a:t>
+            </a:r>
+            <a:r>
+              <a:rPr lang="en-US" sz="1500" dirty="0" smtClean="0">
+                <a:solidFill>
+                  <a:schemeClr val="bg1"/>
+                </a:solidFill>
+                <a:latin typeface="Courier New" panose="02070309020205020404" pitchFamily="49" charset="0"/>
+                <a:cs typeface="Courier New" panose="02070309020205020404" pitchFamily="49" charset="0"/>
+              </a:rPr>
+              <a:t>age: “32”,</a:t>
+            </a:r>
+          </a:p>
+          <a:p>
+            <a:pPr marL="0" indent="0">
+              <a:buNone/>
+            </a:pPr>
+            <a:r>
+              <a:rPr lang="en-US" sz="1500" dirty="0">
+                <a:solidFill>
+                  <a:schemeClr val="bg1"/>
+                </a:solidFill>
+                <a:latin typeface="Courier New" panose="02070309020205020404" pitchFamily="49" charset="0"/>
+                <a:cs typeface="Courier New" panose="02070309020205020404" pitchFamily="49" charset="0"/>
+              </a:rPr>
+              <a:t>	</a:t>
+            </a:r>
+            <a:r>
+              <a:rPr lang="en-US" sz="1500" dirty="0" smtClean="0">
+                <a:solidFill>
+                  <a:schemeClr val="bg1"/>
+                </a:solidFill>
+                <a:latin typeface="Courier New" panose="02070309020205020404" pitchFamily="49" charset="0"/>
+                <a:cs typeface="Courier New" panose="02070309020205020404" pitchFamily="49" charset="0"/>
+              </a:rPr>
+              <a:t>work: function() { return “working” },</a:t>
+            </a:r>
+          </a:p>
+          <a:p>
+            <a:pPr marL="0" indent="0">
+              <a:buNone/>
+            </a:pPr>
+            <a:r>
+              <a:rPr lang="en-US" sz="1500" dirty="0">
+                <a:solidFill>
+                  <a:schemeClr val="bg1"/>
+                </a:solidFill>
+                <a:latin typeface="Courier New" panose="02070309020205020404" pitchFamily="49" charset="0"/>
+                <a:cs typeface="Courier New" panose="02070309020205020404" pitchFamily="49" charset="0"/>
+              </a:rPr>
+              <a:t>	</a:t>
+            </a:r>
+            <a:r>
+              <a:rPr lang="en-US" sz="1500" dirty="0" smtClean="0">
+                <a:solidFill>
+                  <a:schemeClr val="bg1"/>
+                </a:solidFill>
+                <a:latin typeface="Courier New" panose="02070309020205020404" pitchFamily="49" charset="0"/>
+                <a:cs typeface="Courier New" panose="02070309020205020404" pitchFamily="49" charset="0"/>
+              </a:rPr>
+              <a:t>eat: function() { return “eating” }</a:t>
+            </a:r>
+          </a:p>
+          <a:p>
+            <a:pPr marL="0" indent="0">
+              <a:buNone/>
+            </a:pPr>
+            <a:r>
+              <a:rPr lang="en-US" sz="1500" dirty="0">
+                <a:solidFill>
+                  <a:schemeClr val="bg1"/>
+                </a:solidFill>
+                <a:latin typeface="Courier New" panose="02070309020205020404" pitchFamily="49" charset="0"/>
+                <a:cs typeface="Courier New" panose="02070309020205020404" pitchFamily="49" charset="0"/>
+              </a:rPr>
+              <a:t>	</a:t>
+            </a:r>
+            <a:r>
+              <a:rPr lang="en-US" sz="1500" dirty="0" smtClean="0">
+                <a:solidFill>
+                  <a:schemeClr val="bg1"/>
+                </a:solidFill>
+                <a:latin typeface="Courier New" panose="02070309020205020404" pitchFamily="49" charset="0"/>
+                <a:cs typeface="Courier New" panose="02070309020205020404" pitchFamily="49" charset="0"/>
+              </a:rPr>
+              <a:t>sleep: function() { return “sleeping” }</a:t>
+            </a:r>
+          </a:p>
+          <a:p>
+            <a:pPr marL="0" indent="0">
+              <a:buNone/>
+            </a:pPr>
+            <a:r>
+              <a:rPr lang="en-US" sz="1500" dirty="0" smtClean="0">
+                <a:solidFill>
+                  <a:schemeClr val="bg1"/>
+                </a:solidFill>
+                <a:latin typeface="Courier New" panose="02070309020205020404" pitchFamily="49" charset="0"/>
+                <a:cs typeface="Courier New" panose="02070309020205020404" pitchFamily="49" charset="0"/>
+              </a:rPr>
+              <a:t>	sport: function() { return “sporting” },</a:t>
+            </a:r>
+          </a:p>
+          <a:p>
+            <a:pPr marL="0" indent="0">
+              <a:buNone/>
+            </a:pPr>
+            <a:r>
+              <a:rPr lang="en-US" sz="1500" dirty="0">
+                <a:solidFill>
+                  <a:schemeClr val="bg1"/>
+                </a:solidFill>
+                <a:latin typeface="Courier New" panose="02070309020205020404" pitchFamily="49" charset="0"/>
+                <a:cs typeface="Courier New" panose="02070309020205020404" pitchFamily="49" charset="0"/>
+              </a:rPr>
+              <a:t>	</a:t>
+            </a:r>
+            <a:r>
+              <a:rPr lang="en-US" sz="1500" dirty="0" smtClean="0">
+                <a:solidFill>
+                  <a:schemeClr val="bg1"/>
+                </a:solidFill>
+                <a:latin typeface="Courier New" panose="02070309020205020404" pitchFamily="49" charset="0"/>
+                <a:cs typeface="Courier New" panose="02070309020205020404" pitchFamily="49" charset="0"/>
+              </a:rPr>
+              <a:t>leisure: function() { return “</a:t>
+            </a:r>
+            <a:r>
+              <a:rPr lang="en-US" sz="1500" dirty="0" err="1" smtClean="0">
+                <a:solidFill>
+                  <a:schemeClr val="bg1"/>
+                </a:solidFill>
+                <a:latin typeface="Courier New" panose="02070309020205020404" pitchFamily="49" charset="0"/>
+                <a:cs typeface="Courier New" panose="02070309020205020404" pitchFamily="49" charset="0"/>
+              </a:rPr>
+              <a:t>leisuring</a:t>
+            </a:r>
+            <a:r>
+              <a:rPr lang="en-US" sz="1500" dirty="0" smtClean="0">
+                <a:solidFill>
+                  <a:schemeClr val="bg1"/>
+                </a:solidFill>
+                <a:latin typeface="Courier New" panose="02070309020205020404" pitchFamily="49" charset="0"/>
+                <a:cs typeface="Courier New" panose="02070309020205020404" pitchFamily="49" charset="0"/>
+              </a:rPr>
+              <a:t>”</a:t>
+            </a:r>
+            <a:r>
+              <a:rPr lang="en-US" sz="1500" dirty="0">
+                <a:solidFill>
+                  <a:schemeClr val="bg1"/>
+                </a:solidFill>
+                <a:latin typeface="Courier New" panose="02070309020205020404" pitchFamily="49" charset="0"/>
+                <a:cs typeface="Courier New" panose="02070309020205020404" pitchFamily="49" charset="0"/>
+              </a:rPr>
+              <a:t>	</a:t>
+            </a:r>
+            <a:r>
+              <a:rPr lang="en-US" sz="1500" dirty="0" smtClean="0">
+                <a:solidFill>
+                  <a:schemeClr val="bg1"/>
+                </a:solidFill>
+                <a:latin typeface="Courier New" panose="02070309020205020404" pitchFamily="49" charset="0"/>
+                <a:cs typeface="Courier New" panose="02070309020205020404" pitchFamily="49" charset="0"/>
+              </a:rPr>
+              <a:t>}</a:t>
+            </a:r>
+          </a:p>
+          <a:p>
+            <a:pPr marL="0" indent="0">
+              <a:buNone/>
+            </a:pPr>
+            <a:r>
+              <a:rPr lang="en-US" sz="1500" dirty="0" smtClean="0">
+                <a:solidFill>
+                  <a:schemeClr val="bg1"/>
+                </a:solidFill>
+                <a:latin typeface="Courier New" panose="02070309020205020404" pitchFamily="49" charset="0"/>
+                <a:cs typeface="Courier New" panose="02070309020205020404" pitchFamily="49" charset="0"/>
+              </a:rPr>
+              <a:t>}</a:t>
+            </a:r>
+          </a:p>
+          <a:p>
+            <a:pPr marL="0" indent="0">
+              <a:buNone/>
+            </a:pPr>
+            <a:endParaRPr lang="bg-BG" sz="1500" dirty="0" smtClean="0">
               <a:solidFill>
                 <a:schemeClr val="bg1"/>
               </a:solidFill>
@@ -24939,141 +25044,12 @@
               <a:cs typeface="Courier New" panose="02070309020205020404" pitchFamily="49" charset="0"/>
             </a:endParaRPr>
           </a:p>
-          <a:p>
-            <a:pPr marL="0" indent="0">
-              <a:buNone/>
-            </a:pPr>
-            <a:r>
-              <a:rPr lang="bg-BG" sz="2500" dirty="0" smtClean="0">
-                <a:solidFill>
-                  <a:schemeClr val="bg1"/>
-                </a:solidFill>
-                <a:latin typeface="+mj-lt"/>
-                <a:cs typeface="Courier New" panose="02070309020205020404" pitchFamily="49" charset="0"/>
-              </a:rPr>
-              <a:t>Можем да достъпим и само някое негово свойство/действие:</a:t>
-            </a:r>
-          </a:p>
-          <a:p>
-            <a:pPr marL="0" indent="0">
-              <a:buNone/>
-            </a:pPr>
-            <a:r>
-              <a:rPr lang="en-US" sz="1800" dirty="0" err="1">
-                <a:solidFill>
-                  <a:schemeClr val="bg1"/>
-                </a:solidFill>
-                <a:latin typeface="Courier New" panose="02070309020205020404" pitchFamily="49" charset="0"/>
-                <a:cs typeface="Courier New" panose="02070309020205020404" pitchFamily="49" charset="0"/>
-              </a:rPr>
-              <a:t>person.work</a:t>
-            </a:r>
-            <a:r>
-              <a:rPr lang="en-US" sz="1800" dirty="0" smtClean="0">
-                <a:solidFill>
-                  <a:schemeClr val="bg1"/>
-                </a:solidFill>
-                <a:latin typeface="Courier New" panose="02070309020205020404" pitchFamily="49" charset="0"/>
-                <a:cs typeface="Courier New" panose="02070309020205020404" pitchFamily="49" charset="0"/>
-              </a:rPr>
-              <a:t>()</a:t>
-            </a:r>
-            <a:r>
-              <a:rPr lang="bg-BG" sz="1800" dirty="0" smtClean="0">
-                <a:solidFill>
-                  <a:schemeClr val="bg1"/>
-                </a:solidFill>
-                <a:latin typeface="+mj-lt"/>
-                <a:cs typeface="Courier New" panose="02070309020205020404" pitchFamily="49" charset="0"/>
-              </a:rPr>
-              <a:t>(защото </a:t>
-            </a:r>
-            <a:r>
-              <a:rPr lang="en-US" sz="1800" dirty="0" smtClean="0">
-                <a:solidFill>
-                  <a:schemeClr val="bg1"/>
-                </a:solidFill>
-                <a:latin typeface="+mj-lt"/>
-                <a:cs typeface="Courier New" panose="02070309020205020404" pitchFamily="49" charset="0"/>
-              </a:rPr>
-              <a:t>work e </a:t>
-            </a:r>
-            <a:r>
-              <a:rPr lang="bg-BG" sz="1800" dirty="0" smtClean="0">
-                <a:solidFill>
-                  <a:schemeClr val="bg1"/>
-                </a:solidFill>
-                <a:latin typeface="+mj-lt"/>
-                <a:cs typeface="Courier New" panose="02070309020205020404" pitchFamily="49" charset="0"/>
-              </a:rPr>
-              <a:t>функция и трябва да се дефинира с ())</a:t>
-            </a:r>
-          </a:p>
-          <a:p>
-            <a:pPr marL="0" indent="0">
-              <a:buNone/>
-            </a:pPr>
-            <a:r>
-              <a:rPr lang="en-US" sz="1800" dirty="0" smtClean="0">
-                <a:solidFill>
-                  <a:schemeClr val="bg1"/>
-                </a:solidFill>
-                <a:latin typeface="Courier New" panose="02070309020205020404" pitchFamily="49" charset="0"/>
-                <a:cs typeface="Courier New" panose="02070309020205020404" pitchFamily="49" charset="0"/>
-              </a:rPr>
-              <a:t>"working“</a:t>
-            </a:r>
-          </a:p>
-          <a:p>
-            <a:pPr marL="0" indent="0">
-              <a:buNone/>
-            </a:pPr>
-            <a:r>
-              <a:rPr lang="en-US" sz="1800" dirty="0" err="1" smtClean="0">
-                <a:solidFill>
-                  <a:schemeClr val="bg1"/>
-                </a:solidFill>
-                <a:latin typeface="Courier New" panose="02070309020205020404" pitchFamily="49" charset="0"/>
-                <a:cs typeface="Courier New" panose="02070309020205020404" pitchFamily="49" charset="0"/>
-              </a:rPr>
-              <a:t>Person.height</a:t>
-            </a:r>
-            <a:endParaRPr lang="en-US" sz="1800" dirty="0" smtClean="0">
-              <a:solidFill>
-                <a:schemeClr val="bg1"/>
-              </a:solidFill>
-              <a:latin typeface="Courier New" panose="02070309020205020404" pitchFamily="49" charset="0"/>
-              <a:cs typeface="Courier New" panose="02070309020205020404" pitchFamily="49" charset="0"/>
-            </a:endParaRPr>
-          </a:p>
-          <a:p>
-            <a:pPr marL="0" indent="0">
-              <a:buNone/>
-            </a:pPr>
-            <a:r>
-              <a:rPr lang="en-US" sz="1800" dirty="0">
-                <a:solidFill>
-                  <a:schemeClr val="bg1"/>
-                </a:solidFill>
-                <a:latin typeface="Courier New" panose="02070309020205020404" pitchFamily="49" charset="0"/>
-                <a:cs typeface="Courier New" panose="02070309020205020404" pitchFamily="49" charset="0"/>
-              </a:rPr>
-              <a:t>"1.88m"</a:t>
-            </a:r>
-            <a:endParaRPr lang="bg-BG" sz="1800" dirty="0" smtClean="0">
-              <a:solidFill>
-                <a:schemeClr val="bg1"/>
-              </a:solidFill>
-              <a:latin typeface="Courier New" panose="02070309020205020404" pitchFamily="49" charset="0"/>
-              <a:cs typeface="Courier New" panose="02070309020205020404" pitchFamily="49" charset="0"/>
-            </a:endParaRPr>
-          </a:p>
         </p:txBody>
       </p:sp>
     </p:spTree>
     <p:extLst>
       <p:ext uri="{BB962C8B-B14F-4D97-AF65-F5344CB8AC3E}">
-        <p14:creationId xmlns:p14="http://schemas.microsoft.com/office/powerpoint/2010/main" val="103347419"/>
+        <p14:creationId xmlns:p14="http://schemas.microsoft.com/office/powerpoint/2010/main" val="2444984444"/>
       </p:ext>
     </p:extLst>
   </p:cSld>
@@ -25192,95 +25168,70 @@
               <a:buNone/>
             </a:pPr>
             <a:r>
+              <a:rPr lang="bg-BG" sz="2500" dirty="0">
+                <a:solidFill>
+                  <a:schemeClr val="bg1"/>
+                </a:solidFill>
+                <a:latin typeface="+mj-lt"/>
+                <a:cs typeface="Courier New" panose="02070309020205020404" pitchFamily="49" charset="0"/>
+              </a:rPr>
+              <a:t>Ако достъпим нашия обект посредством името му:</a:t>
+            </a:r>
+          </a:p>
+          <a:p>
+            <a:pPr marL="0" indent="0">
+              <a:buNone/>
+            </a:pPr>
+            <a:r>
               <a:rPr lang="en-US" sz="1800" dirty="0">
                 <a:solidFill>
-                  <a:srgbClr val="92D050"/>
-                </a:solidFill>
-                <a:latin typeface="Courier New" panose="02070309020205020404" pitchFamily="49" charset="0"/>
-                <a:cs typeface="Courier New" panose="02070309020205020404" pitchFamily="49" charset="0"/>
-              </a:rPr>
-              <a:t>f</a:t>
-            </a:r>
-            <a:r>
-              <a:rPr lang="en-US" sz="1800" dirty="0" smtClean="0">
-                <a:solidFill>
-                  <a:srgbClr val="92D050"/>
-                </a:solidFill>
-                <a:latin typeface="Courier New" panose="02070309020205020404" pitchFamily="49" charset="0"/>
-                <a:cs typeface="Courier New" panose="02070309020205020404" pitchFamily="49" charset="0"/>
-              </a:rPr>
-              <a:t>or…in</a:t>
-            </a:r>
-            <a:r>
-              <a:rPr lang="en-US" sz="1800" dirty="0" smtClean="0">
-                <a:solidFill>
-                  <a:schemeClr val="bg1"/>
-                </a:solidFill>
-                <a:latin typeface="Courier New" panose="02070309020205020404" pitchFamily="49" charset="0"/>
-                <a:cs typeface="Courier New" panose="02070309020205020404" pitchFamily="49" charset="0"/>
-              </a:rPr>
-              <a:t> </a:t>
-            </a:r>
-            <a:r>
-              <a:rPr lang="bg-BG" sz="1800" dirty="0" smtClean="0">
-                <a:solidFill>
-                  <a:schemeClr val="bg1"/>
-                </a:solidFill>
-                <a:latin typeface="Courier New" panose="02070309020205020404" pitchFamily="49" charset="0"/>
-                <a:cs typeface="Courier New" panose="02070309020205020404" pitchFamily="49" charset="0"/>
-              </a:rPr>
-              <a:t>– обхождане на пропъртитата и методите на обект</a:t>
-            </a:r>
-          </a:p>
-          <a:p>
-            <a:pPr marL="0" indent="0">
-              <a:buNone/>
-            </a:pPr>
-            <a:r>
-              <a:rPr lang="en-US" sz="1800" dirty="0" smtClean="0">
-                <a:solidFill>
-                  <a:srgbClr val="92D050"/>
-                </a:solidFill>
-                <a:latin typeface="Courier New" panose="02070309020205020404" pitchFamily="49" charset="0"/>
-                <a:cs typeface="Courier New" panose="02070309020205020404" pitchFamily="49" charset="0"/>
-              </a:rPr>
-              <a:t>for (var prop in object){</a:t>
-            </a:r>
-          </a:p>
-          <a:p>
-            <a:pPr marL="0" indent="0">
-              <a:buNone/>
-            </a:pPr>
-            <a:r>
-              <a:rPr lang="en-US" sz="1800" dirty="0" smtClean="0">
-                <a:solidFill>
-                  <a:srgbClr val="92D050"/>
-                </a:solidFill>
-                <a:latin typeface="Courier New" panose="02070309020205020404" pitchFamily="49" charset="0"/>
-                <a:cs typeface="Courier New" panose="02070309020205020404" pitchFamily="49" charset="0"/>
-              </a:rPr>
-              <a:t>	console.log(prop);</a:t>
-            </a:r>
-          </a:p>
-          <a:p>
-            <a:pPr marL="0" indent="0">
-              <a:buNone/>
-            </a:pPr>
-            <a:r>
-              <a:rPr lang="en-US" sz="1800" dirty="0" smtClean="0">
-                <a:solidFill>
-                  <a:srgbClr val="92D050"/>
-                </a:solidFill>
-                <a:latin typeface="Courier New" panose="02070309020205020404" pitchFamily="49" charset="0"/>
-                <a:cs typeface="Courier New" panose="02070309020205020404" pitchFamily="49" charset="0"/>
-              </a:rPr>
-              <a:t>	console.log(object[prop]);</a:t>
-            </a:r>
-            <a:endParaRPr lang="en-US" sz="1800" dirty="0">
+                  <a:schemeClr val="bg1"/>
+                </a:solidFill>
+                <a:latin typeface="Courier New" panose="02070309020205020404" pitchFamily="49" charset="0"/>
+                <a:cs typeface="Courier New" panose="02070309020205020404" pitchFamily="49" charset="0"/>
+              </a:rPr>
+              <a:t>Person</a:t>
+            </a:r>
+          </a:p>
+          <a:p>
+            <a:pPr marL="0" indent="0">
+              <a:buNone/>
+            </a:pPr>
+            <a:r>
+              <a:rPr lang="en-US" sz="2500" dirty="0">
+                <a:solidFill>
+                  <a:schemeClr val="bg1"/>
+                </a:solidFill>
+                <a:latin typeface="+mj-lt"/>
+                <a:cs typeface="Courier New" panose="02070309020205020404" pitchFamily="49" charset="0"/>
+              </a:rPr>
+              <a:t>JavaScript </a:t>
+            </a:r>
+            <a:r>
+              <a:rPr lang="bg-BG" sz="2500" dirty="0">
+                <a:solidFill>
+                  <a:schemeClr val="bg1"/>
+                </a:solidFill>
+                <a:latin typeface="+mj-lt"/>
+                <a:cs typeface="Courier New" panose="02070309020205020404" pitchFamily="49" charset="0"/>
+              </a:rPr>
+              <a:t>ще ни върне резултат, съдържащ обекта и всички негови </a:t>
+            </a:r>
+            <a:r>
+              <a:rPr lang="bg-BG" sz="2500" dirty="0" smtClean="0">
+                <a:solidFill>
+                  <a:schemeClr val="bg1"/>
+                </a:solidFill>
+                <a:latin typeface="+mj-lt"/>
+                <a:cs typeface="Courier New" panose="02070309020205020404" pitchFamily="49" charset="0"/>
+              </a:rPr>
+              <a:t>свойства, без действията му:</a:t>
+            </a:r>
+            <a:endParaRPr lang="bg-BG" sz="2500" dirty="0">
               <a:solidFill>
-                <a:srgbClr val="92D050"/>
+                <a:schemeClr val="bg1"/>
               </a:solidFill>
-              <a:latin typeface="Courier New" panose="02070309020205020404" pitchFamily="49" charset="0"/>
+              <a:latin typeface="+mj-lt"/>
               <a:cs typeface="Courier New" panose="02070309020205020404" pitchFamily="49" charset="0"/>
             </a:endParaRPr>
           </a:p>
@@ -25289,14 +25240,64 @@
               <a:buNone/>
             </a:pPr>
             <a:r>
+              <a:rPr lang="en-US" sz="1800" dirty="0">
+                <a:solidFill>
+                  <a:schemeClr val="bg1"/>
+                </a:solidFill>
+                <a:latin typeface="Courier New" panose="02070309020205020404" pitchFamily="49" charset="0"/>
+                <a:cs typeface="Courier New" panose="02070309020205020404" pitchFamily="49" charset="0"/>
+              </a:rPr>
+              <a:t>Object {</a:t>
+            </a:r>
+            <a:r>
+              <a:rPr lang="en-US" sz="1800" dirty="0" err="1">
+                <a:solidFill>
+                  <a:schemeClr val="bg1"/>
+                </a:solidFill>
+                <a:latin typeface="Courier New" panose="02070309020205020404" pitchFamily="49" charset="0"/>
+                <a:cs typeface="Courier New" panose="02070309020205020404" pitchFamily="49" charset="0"/>
+              </a:rPr>
+              <a:t>skinColor</a:t>
+            </a:r>
+            <a:r>
+              <a:rPr lang="en-US" sz="1800" dirty="0">
+                <a:solidFill>
+                  <a:schemeClr val="bg1"/>
+                </a:solidFill>
+                <a:latin typeface="Courier New" panose="02070309020205020404" pitchFamily="49" charset="0"/>
+                <a:cs typeface="Courier New" panose="02070309020205020404" pitchFamily="49" charset="0"/>
+              </a:rPr>
+              <a:t>: "white", </a:t>
+            </a:r>
+            <a:r>
+              <a:rPr lang="en-US" sz="1800" dirty="0" err="1">
+                <a:solidFill>
+                  <a:schemeClr val="bg1"/>
+                </a:solidFill>
+                <a:latin typeface="Courier New" panose="02070309020205020404" pitchFamily="49" charset="0"/>
+                <a:cs typeface="Courier New" panose="02070309020205020404" pitchFamily="49" charset="0"/>
+              </a:rPr>
+              <a:t>hairColor</a:t>
+            </a:r>
+            <a:r>
+              <a:rPr lang="en-US" sz="1800" dirty="0">
+                <a:solidFill>
+                  <a:schemeClr val="bg1"/>
+                </a:solidFill>
+                <a:latin typeface="Courier New" panose="02070309020205020404" pitchFamily="49" charset="0"/>
+                <a:cs typeface="Courier New" panose="02070309020205020404" pitchFamily="49" charset="0"/>
+              </a:rPr>
+              <a:t>: "blonde", height: "1.88m", weight: "82kg", age: "</a:t>
+            </a:r>
+            <a:r>
               <a:rPr lang="en-US" sz="1800" dirty="0" smtClean="0">
                 <a:solidFill>
-                  <a:srgbClr val="92D050"/>
-                </a:solidFill>
-                <a:latin typeface="Courier New" panose="02070309020205020404" pitchFamily="49" charset="0"/>
-                <a:cs typeface="Courier New" panose="02070309020205020404" pitchFamily="49" charset="0"/>
-              </a:rPr>
-              <a:t>}</a:t>
+                  <a:schemeClr val="bg1"/>
+                </a:solidFill>
+                <a:latin typeface="Courier New" panose="02070309020205020404" pitchFamily="49" charset="0"/>
+                <a:cs typeface="Courier New" panose="02070309020205020404" pitchFamily="49" charset="0"/>
+              </a:rPr>
+              <a:t>32"}</a:t>
             </a:r>
           </a:p>
           <a:p>
@@ -25316,30 +25317,20 @@
               <a:buNone/>
             </a:pPr>
             <a:r>
-              <a:rPr lang="en-US" sz="1800" dirty="0">
-                <a:solidFill>
-                  <a:schemeClr val="bg1"/>
-                </a:solidFill>
-                <a:latin typeface="Courier New" panose="02070309020205020404" pitchFamily="49" charset="0"/>
-                <a:cs typeface="Courier New" panose="02070309020205020404" pitchFamily="49" charset="0"/>
-              </a:rPr>
-              <a:t>var info = {</a:t>
-            </a:r>
-          </a:p>
-          <a:p>
-            <a:pPr marL="0" indent="0">
-              <a:buNone/>
-            </a:pPr>
-            <a:r>
-              <a:rPr lang="en-US" sz="1800" dirty="0">
-                <a:solidFill>
-                  <a:schemeClr val="bg1"/>
-                </a:solidFill>
-                <a:latin typeface="Courier New" panose="02070309020205020404" pitchFamily="49" charset="0"/>
-                <a:cs typeface="Courier New" panose="02070309020205020404" pitchFamily="49" charset="0"/>
-              </a:rPr>
-              <a:t>	</a:t>
-            </a:r>
+              <a:rPr lang="bg-BG" sz="2500" dirty="0" smtClean="0">
+                <a:solidFill>
+                  <a:schemeClr val="bg1"/>
+                </a:solidFill>
+                <a:latin typeface="+mj-lt"/>
+                <a:cs typeface="Courier New" panose="02070309020205020404" pitchFamily="49" charset="0"/>
+              </a:rPr>
+              <a:t>Можем да достъпим и само някое негово свойство/действие:</a:t>
+            </a:r>
+          </a:p>
+          <a:p>
+            <a:pPr marL="0" indent="0">
+              <a:buNone/>
+            </a:pPr>
             <a:r>
               <a:rPr lang="en-US" sz="1800" dirty="0" err="1">
                 <a:solidFill>
@@ -25348,38 +25339,8 @@
                 <a:latin typeface="Courier New" panose="02070309020205020404" pitchFamily="49" charset="0"/>
                 <a:cs typeface="Courier New" panose="02070309020205020404" pitchFamily="49" charset="0"/>
               </a:rPr>
-              <a:t>tel</a:t>
-            </a:r>
-            <a:r>
-              <a:rPr lang="en-US" sz="1800" dirty="0">
-                <a:solidFill>
-                  <a:schemeClr val="bg1"/>
-                </a:solidFill>
-                <a:latin typeface="Courier New" panose="02070309020205020404" pitchFamily="49" charset="0"/>
-                <a:cs typeface="Courier New" panose="02070309020205020404" pitchFamily="49" charset="0"/>
-              </a:rPr>
-              <a:t>: '088882566',</a:t>
-            </a:r>
-          </a:p>
-          <a:p>
-            <a:pPr marL="0" indent="0">
-              <a:buNone/>
-            </a:pPr>
-            <a:r>
-              <a:rPr lang="en-US" sz="1800" dirty="0">
-                <a:solidFill>
-                  <a:schemeClr val="bg1"/>
-                </a:solidFill>
-                <a:latin typeface="Courier New" panose="02070309020205020404" pitchFamily="49" charset="0"/>
-                <a:cs typeface="Courier New" panose="02070309020205020404" pitchFamily="49" charset="0"/>
-              </a:rPr>
-              <a:t>	email: 'asd@gmail.com',</a:t>
-            </a:r>
-          </a:p>
-          <a:p>
-            <a:pPr marL="0" indent="0">
-              <a:buNone/>
-            </a:pPr>
+              <a:t>person.work</a:t>
+            </a:r>
             <a:r>
               <a:rPr lang="en-US" sz="1800" dirty="0" smtClean="0">
                 <a:solidFill>
@@ -25388,39 +25349,69 @@
                 <a:latin typeface="Courier New" panose="02070309020205020404" pitchFamily="49" charset="0"/>
                 <a:cs typeface="Courier New" panose="02070309020205020404" pitchFamily="49" charset="0"/>
               </a:rPr>
-              <a:t>	city</a:t>
-            </a:r>
-            <a:r>
-              <a:rPr lang="en-US" sz="1800" dirty="0">
-                <a:solidFill>
-                  <a:schemeClr val="bg1"/>
-                </a:solidFill>
-                <a:latin typeface="Courier New" panose="02070309020205020404" pitchFamily="49" charset="0"/>
-                <a:cs typeface="Courier New" panose="02070309020205020404" pitchFamily="49" charset="0"/>
-              </a:rPr>
-              <a:t>: 'Sofia'</a:t>
-            </a:r>
-          </a:p>
-          <a:p>
-            <a:pPr marL="0" indent="0">
-              <a:buNone/>
-            </a:pPr>
+              <a:t>()</a:t>
+            </a:r>
+            <a:r>
+              <a:rPr lang="bg-BG" sz="1800" dirty="0" smtClean="0">
+                <a:solidFill>
+                  <a:schemeClr val="bg1"/>
+                </a:solidFill>
+                <a:latin typeface="+mj-lt"/>
+                <a:cs typeface="Courier New" panose="02070309020205020404" pitchFamily="49" charset="0"/>
+              </a:rPr>
+              <a:t>(защото </a:t>
+            </a:r>
             <a:r>
               <a:rPr lang="en-US" sz="1800" dirty="0" smtClean="0">
                 <a:solidFill>
                   <a:schemeClr val="bg1"/>
                 </a:solidFill>
-                <a:latin typeface="Courier New" panose="02070309020205020404" pitchFamily="49" charset="0"/>
-                <a:cs typeface="Courier New" panose="02070309020205020404" pitchFamily="49" charset="0"/>
-              </a:rPr>
-              <a:t>};</a:t>
-            </a:r>
-          </a:p>
-          <a:p>
-            <a:pPr marL="0" indent="0">
-              <a:buNone/>
-            </a:pPr>
-            <a:endParaRPr lang="en-US" sz="1800" dirty="0">
+                <a:latin typeface="+mj-lt"/>
+                <a:cs typeface="Courier New" panose="02070309020205020404" pitchFamily="49" charset="0"/>
+              </a:rPr>
+              <a:t>work e </a:t>
+            </a:r>
+            <a:r>
+              <a:rPr lang="bg-BG" sz="1800" dirty="0" smtClean="0">
+                <a:solidFill>
+                  <a:schemeClr val="bg1"/>
+                </a:solidFill>
+                <a:latin typeface="+mj-lt"/>
+                <a:cs typeface="Courier New" panose="02070309020205020404" pitchFamily="49" charset="0"/>
+              </a:rPr>
+              <a:t>функция и трябва да се дефинира с ())</a:t>
+            </a:r>
+          </a:p>
+          <a:p>
+            <a:pPr marL="0" indent="0">
+              <a:buNone/>
+            </a:pPr>
+            <a:r>
+              <a:rPr lang="en-US" sz="1800" dirty="0" smtClean="0">
+                <a:solidFill>
+                  <a:schemeClr val="bg1"/>
+                </a:solidFill>
+                <a:latin typeface="Courier New" panose="02070309020205020404" pitchFamily="49" charset="0"/>
+                <a:cs typeface="Courier New" panose="02070309020205020404" pitchFamily="49" charset="0"/>
+              </a:rPr>
+              <a:t>"working“</a:t>
+            </a:r>
+          </a:p>
+          <a:p>
+            <a:pPr marL="0" indent="0">
+              <a:buNone/>
+            </a:pPr>
+            <a:r>
+              <a:rPr lang="en-US" sz="1800" dirty="0" err="1" smtClean="0">
+                <a:solidFill>
+                  <a:schemeClr val="bg1"/>
+                </a:solidFill>
+                <a:latin typeface="Courier New" panose="02070309020205020404" pitchFamily="49" charset="0"/>
+                <a:cs typeface="Courier New" panose="02070309020205020404" pitchFamily="49" charset="0"/>
+              </a:rPr>
+              <a:t>Person.height</a:t>
+            </a:r>
+            <a:endParaRPr lang="en-US" sz="1800" dirty="0" smtClean="0">
               <a:solidFill>
                 <a:schemeClr val="bg1"/>
               </a:solidFill>
@@ -25440,49 +25431,9 @@
                 <a:latin typeface="Courier New" panose="02070309020205020404" pitchFamily="49" charset="0"/>
                 <a:cs typeface="Courier New" panose="02070309020205020404" pitchFamily="49" charset="0"/>
               </a:rPr>
-              <a:t>for (var prop in info){</a:t>
-            </a:r>
-          </a:p>
-          <a:p>
-            <a:pPr marL="0" indent="0">
-              <a:buNone/>
-            </a:pPr>
-            <a:r>
-              <a:rPr lang="en-US" sz="1800" dirty="0" smtClean="0">
-                <a:solidFill>
-                  <a:schemeClr val="bg1"/>
-                </a:solidFill>
-                <a:latin typeface="Courier New" panose="02070309020205020404" pitchFamily="49" charset="0"/>
-                <a:cs typeface="Courier New" panose="02070309020205020404" pitchFamily="49" charset="0"/>
-              </a:rPr>
-              <a:t>       console.log(prop </a:t>
-            </a:r>
-            <a:r>
-              <a:rPr lang="en-US" sz="1800" dirty="0">
-                <a:solidFill>
-                  <a:schemeClr val="bg1"/>
-                </a:solidFill>
-                <a:latin typeface="Courier New" panose="02070309020205020404" pitchFamily="49" charset="0"/>
-                <a:cs typeface="Courier New" panose="02070309020205020404" pitchFamily="49" charset="0"/>
-              </a:rPr>
-              <a:t>+ ": " + info[prop]);</a:t>
-            </a:r>
-          </a:p>
-          <a:p>
-            <a:pPr marL="0" indent="0">
-              <a:buNone/>
-            </a:pPr>
-            <a:r>
-              <a:rPr lang="en-US" sz="1800" dirty="0">
-                <a:solidFill>
-                  <a:schemeClr val="bg1"/>
-                </a:solidFill>
-                <a:latin typeface="Courier New" panose="02070309020205020404" pitchFamily="49" charset="0"/>
-                <a:cs typeface="Courier New" panose="02070309020205020404" pitchFamily="49" charset="0"/>
-              </a:rPr>
-              <a:t>}</a:t>
-            </a:r>
-            <a:endParaRPr lang="bg-BG" sz="1800" dirty="0">
+              <a:t>"1.88m"</a:t>
+            </a:r>
+            <a:endParaRPr lang="bg-BG" sz="1800" dirty="0" smtClean="0">
               <a:solidFill>
                 <a:schemeClr val="bg1"/>
               </a:solidFill>
@@ -25495,7 +25446,7 @@
     </p:spTree>
     <p:extLst>
       <p:ext uri="{BB962C8B-B14F-4D97-AF65-F5344CB8AC3E}">
-        <p14:creationId xmlns:p14="http://schemas.microsoft.com/office/powerpoint/2010/main" val="2397247424"/>
+        <p14:creationId xmlns:p14="http://schemas.microsoft.com/office/powerpoint/2010/main" val="103347419"/>
       </p:ext>
     </p:extLst>
   </p:cSld>
@@ -25577,20 +25528,12 @@
               <a:t> </a:t>
             </a:r>
             <a:r>
-              <a:rPr lang="en-US" sz="2900" dirty="0" smtClean="0">
+              <a:rPr lang="bg-BG" sz="2900" dirty="0" smtClean="0">
                 <a:solidFill>
                   <a:schemeClr val="accent6"/>
                 </a:solidFill>
               </a:rPr>
-              <a:t>DOM </a:t>
-            </a:r>
-            <a:r>
-              <a:rPr lang="bg-BG" sz="2900" dirty="0" smtClean="0">
-                <a:solidFill>
-                  <a:schemeClr val="accent6"/>
-                </a:solidFill>
-              </a:rPr>
-              <a:t>Елементи</a:t>
+              <a:t>Обекти</a:t>
             </a:r>
             <a:endParaRPr lang="en-US" sz="2900" dirty="0"/>
           </a:p>
@@ -25622,197 +25565,118 @@
               <a:buNone/>
             </a:pPr>
             <a:r>
-              <a:rPr lang="en-US" sz="2500" dirty="0" smtClean="0">
+              <a:rPr lang="en-US" sz="1800" dirty="0">
                 <a:solidFill>
                   <a:srgbClr val="92D050"/>
                 </a:solidFill>
-                <a:latin typeface="+mj-lt"/>
-                <a:cs typeface="Courier New" panose="02070309020205020404" pitchFamily="49" charset="0"/>
-              </a:rPr>
-              <a:t>DOM</a:t>
-            </a:r>
-            <a:r>
-              <a:rPr lang="bg-BG" sz="2500" dirty="0" smtClean="0">
+                <a:latin typeface="Courier New" panose="02070309020205020404" pitchFamily="49" charset="0"/>
+                <a:cs typeface="Courier New" panose="02070309020205020404" pitchFamily="49" charset="0"/>
+              </a:rPr>
+              <a:t>f</a:t>
+            </a:r>
+            <a:r>
+              <a:rPr lang="en-US" sz="1800" dirty="0" smtClean="0">
                 <a:solidFill>
                   <a:srgbClr val="92D050"/>
                 </a:solidFill>
-                <a:latin typeface="+mj-lt"/>
+                <a:latin typeface="Courier New" panose="02070309020205020404" pitchFamily="49" charset="0"/>
+                <a:cs typeface="Courier New" panose="02070309020205020404" pitchFamily="49" charset="0"/>
+              </a:rPr>
+              <a:t>or…in</a:t>
+            </a:r>
+            <a:r>
+              <a:rPr lang="en-US" sz="1800" dirty="0" smtClean="0">
+                <a:solidFill>
+                  <a:schemeClr val="bg1"/>
+                </a:solidFill>
+                <a:latin typeface="Courier New" panose="02070309020205020404" pitchFamily="49" charset="0"/>
                 <a:cs typeface="Courier New" panose="02070309020205020404" pitchFamily="49" charset="0"/>
               </a:rPr>
               <a:t> </a:t>
             </a:r>
             <a:r>
-              <a:rPr lang="bg-BG" sz="2500" dirty="0" smtClean="0">
-                <a:solidFill>
-                  <a:schemeClr val="bg1"/>
-                </a:solidFill>
-                <a:latin typeface="+mj-lt"/>
-                <a:cs typeface="Courier New" panose="02070309020205020404" pitchFamily="49" charset="0"/>
-              </a:rPr>
-              <a:t>означава </a:t>
-            </a:r>
-            <a:r>
-              <a:rPr lang="en-US" sz="2500" dirty="0" smtClean="0">
-                <a:solidFill>
-                  <a:schemeClr val="bg1"/>
-                </a:solidFill>
-                <a:latin typeface="+mj-lt"/>
-                <a:cs typeface="Courier New" panose="02070309020205020404" pitchFamily="49" charset="0"/>
-              </a:rPr>
-              <a:t>Document Object Model </a:t>
-            </a:r>
-            <a:r>
-              <a:rPr lang="bg-BG" sz="2500" dirty="0" smtClean="0">
-                <a:solidFill>
-                  <a:schemeClr val="bg1"/>
-                </a:solidFill>
-                <a:latin typeface="+mj-lt"/>
-                <a:cs typeface="Courier New" panose="02070309020205020404" pitchFamily="49" charset="0"/>
-              </a:rPr>
-              <a:t>и представлява структурата на нашата уеб страница. Обектът </a:t>
-            </a:r>
-            <a:r>
-              <a:rPr lang="en-US" sz="2500" dirty="0" smtClean="0">
-                <a:solidFill>
-                  <a:schemeClr val="bg1"/>
-                </a:solidFill>
-                <a:latin typeface="+mj-lt"/>
-                <a:cs typeface="Courier New" panose="02070309020205020404" pitchFamily="49" charset="0"/>
-              </a:rPr>
-              <a:t>document </a:t>
-            </a:r>
-            <a:r>
-              <a:rPr lang="bg-BG" sz="2500" dirty="0" smtClean="0">
-                <a:solidFill>
-                  <a:schemeClr val="bg1"/>
-                </a:solidFill>
-                <a:latin typeface="+mj-lt"/>
-                <a:cs typeface="Courier New" panose="02070309020205020404" pitchFamily="49" charset="0"/>
-              </a:rPr>
-              <a:t>е „родителят“ на всички елементи в страницата. Ако трябва да достъпим някой елемент в страницата, първо трябва да достъпим </a:t>
-            </a:r>
-            <a:r>
-              <a:rPr lang="en-US" sz="2500" dirty="0" smtClean="0">
-                <a:solidFill>
-                  <a:schemeClr val="bg1"/>
-                </a:solidFill>
-                <a:latin typeface="+mj-lt"/>
-                <a:cs typeface="Courier New" panose="02070309020205020404" pitchFamily="49" charset="0"/>
-              </a:rPr>
-              <a:t>document </a:t>
-            </a:r>
-            <a:r>
-              <a:rPr lang="bg-BG" sz="2500" dirty="0" smtClean="0">
-                <a:solidFill>
-                  <a:schemeClr val="bg1"/>
-                </a:solidFill>
-                <a:latin typeface="+mj-lt"/>
-                <a:cs typeface="Courier New" panose="02070309020205020404" pitchFamily="49" charset="0"/>
-              </a:rPr>
-              <a:t>обекта. </a:t>
-            </a:r>
-          </a:p>
-          <a:p>
-            <a:pPr marL="0" indent="0">
-              <a:buNone/>
-            </a:pPr>
-            <a:r>
-              <a:rPr lang="bg-BG" sz="2500" dirty="0" smtClean="0">
-                <a:solidFill>
-                  <a:schemeClr val="bg1"/>
-                </a:solidFill>
-                <a:latin typeface="+mj-lt"/>
-                <a:cs typeface="Courier New" panose="02070309020205020404" pitchFamily="49" charset="0"/>
-              </a:rPr>
-              <a:t>Има няколко начина за </a:t>
-            </a:r>
-            <a:r>
-              <a:rPr lang="bg-BG" sz="2500" dirty="0" smtClean="0">
+              <a:rPr lang="bg-BG" sz="1800" dirty="0" smtClean="0">
+                <a:solidFill>
+                  <a:schemeClr val="bg1"/>
+                </a:solidFill>
+                <a:latin typeface="Courier New" panose="02070309020205020404" pitchFamily="49" charset="0"/>
+                <a:cs typeface="Courier New" panose="02070309020205020404" pitchFamily="49" charset="0"/>
+              </a:rPr>
+              <a:t>– обхождане на пропъртитата и методите на обект</a:t>
+            </a:r>
+          </a:p>
+          <a:p>
+            <a:pPr marL="0" indent="0">
+              <a:buNone/>
+            </a:pPr>
+            <a:r>
+              <a:rPr lang="en-US" sz="1800" dirty="0" smtClean="0">
                 <a:solidFill>
                   <a:srgbClr val="92D050"/>
                 </a:solidFill>
-                <a:latin typeface="+mj-lt"/>
-                <a:cs typeface="Courier New" panose="02070309020205020404" pitchFamily="49" charset="0"/>
-              </a:rPr>
-              <a:t>достъпване</a:t>
-            </a:r>
-            <a:r>
-              <a:rPr lang="bg-BG" sz="2500" dirty="0" smtClean="0">
-                <a:solidFill>
-                  <a:schemeClr val="bg1"/>
-                </a:solidFill>
-                <a:latin typeface="+mj-lt"/>
-                <a:cs typeface="Courier New" panose="02070309020205020404" pitchFamily="49" charset="0"/>
-              </a:rPr>
-              <a:t> на </a:t>
-            </a:r>
-            <a:r>
-              <a:rPr lang="en-US" sz="2500" dirty="0" smtClean="0">
-                <a:solidFill>
-                  <a:schemeClr val="bg1"/>
-                </a:solidFill>
-                <a:latin typeface="+mj-lt"/>
-                <a:cs typeface="Courier New" panose="02070309020205020404" pitchFamily="49" charset="0"/>
-              </a:rPr>
-              <a:t>HTML </a:t>
-            </a:r>
-            <a:r>
-              <a:rPr lang="bg-BG" sz="2500" dirty="0" smtClean="0">
-                <a:solidFill>
-                  <a:schemeClr val="bg1"/>
-                </a:solidFill>
-                <a:latin typeface="+mj-lt"/>
-                <a:cs typeface="Courier New" panose="02070309020205020404" pitchFamily="49" charset="0"/>
-              </a:rPr>
-              <a:t>елементи:</a:t>
-            </a:r>
-          </a:p>
-          <a:p>
-            <a:pPr>
-              <a:buFontTx/>
-              <a:buChar char="-"/>
-            </a:pPr>
-            <a:r>
-              <a:rPr lang="bg-BG" sz="1800" dirty="0" smtClean="0">
-                <a:solidFill>
-                  <a:schemeClr val="bg1"/>
-                </a:solidFill>
-                <a:latin typeface="Courier New" panose="02070309020205020404" pitchFamily="49" charset="0"/>
-                <a:cs typeface="Courier New" panose="02070309020205020404" pitchFamily="49" charset="0"/>
-              </a:rPr>
-              <a:t>по </a:t>
-            </a:r>
+                <a:latin typeface="Courier New" panose="02070309020205020404" pitchFamily="49" charset="0"/>
+                <a:cs typeface="Courier New" panose="02070309020205020404" pitchFamily="49" charset="0"/>
+              </a:rPr>
+              <a:t>for (var prop in object){</a:t>
+            </a:r>
+          </a:p>
+          <a:p>
+            <a:pPr marL="0" indent="0">
+              <a:buNone/>
+            </a:pPr>
             <a:r>
               <a:rPr lang="en-US" sz="1800" dirty="0" smtClean="0">
                 <a:solidFill>
-                  <a:schemeClr val="bg1"/>
-                </a:solidFill>
-                <a:latin typeface="Courier New" panose="02070309020205020404" pitchFamily="49" charset="0"/>
-                <a:cs typeface="Courier New" panose="02070309020205020404" pitchFamily="49" charset="0"/>
-              </a:rPr>
-              <a:t>ID – var el = </a:t>
-            </a:r>
-            <a:r>
-              <a:rPr lang="en-US" sz="1800" dirty="0" err="1" smtClean="0">
-                <a:solidFill>
                   <a:srgbClr val="92D050"/>
                 </a:solidFill>
                 <a:latin typeface="Courier New" panose="02070309020205020404" pitchFamily="49" charset="0"/>
                 <a:cs typeface="Courier New" panose="02070309020205020404" pitchFamily="49" charset="0"/>
               </a:rPr>
-              <a:t>document.getElementById</a:t>
-            </a:r>
+              <a:t>	console.log(prop);</a:t>
+            </a:r>
+          </a:p>
+          <a:p>
+            <a:pPr marL="0" indent="0">
+              <a:buNone/>
+            </a:pPr>
             <a:r>
               <a:rPr lang="en-US" sz="1800" dirty="0" smtClean="0">
                 <a:solidFill>
-                  <a:schemeClr val="bg1"/>
-                </a:solidFill>
-                <a:latin typeface="Courier New" panose="02070309020205020404" pitchFamily="49" charset="0"/>
-                <a:cs typeface="Courier New" panose="02070309020205020404" pitchFamily="49" charset="0"/>
-              </a:rPr>
-              <a:t>(‘id’);</a:t>
-            </a:r>
-            <a:endParaRPr lang="bg-BG" sz="1800" dirty="0" smtClean="0">
+                  <a:srgbClr val="92D050"/>
+                </a:solidFill>
+                <a:latin typeface="Courier New" panose="02070309020205020404" pitchFamily="49" charset="0"/>
+                <a:cs typeface="Courier New" panose="02070309020205020404" pitchFamily="49" charset="0"/>
+              </a:rPr>
+              <a:t>	console.log(object[prop]);</a:t>
+            </a:r>
+            <a:endParaRPr lang="en-US" sz="1800" dirty="0">
+              <a:solidFill>
+                <a:srgbClr val="92D050"/>
+              </a:solidFill>
+              <a:latin typeface="Courier New" panose="02070309020205020404" pitchFamily="49" charset="0"/>
+              <a:cs typeface="Courier New" panose="02070309020205020404" pitchFamily="49" charset="0"/>
+            </a:endParaRPr>
+          </a:p>
+          <a:p>
+            <a:pPr marL="0" indent="0">
+              <a:buNone/>
+            </a:pPr>
+            <a:r>
+              <a:rPr lang="en-US" sz="1800" dirty="0" smtClean="0">
+                <a:solidFill>
+                  <a:srgbClr val="92D050"/>
+                </a:solidFill>
+                <a:latin typeface="Courier New" panose="02070309020205020404" pitchFamily="49" charset="0"/>
+                <a:cs typeface="Courier New" panose="02070309020205020404" pitchFamily="49" charset="0"/>
+              </a:rPr>
+              <a:t>}</a:t>
+            </a:r>
+          </a:p>
+          <a:p>
+            <a:pPr marL="0" indent="0">
+              <a:buNone/>
+            </a:pPr>
+            <a:endParaRPr lang="en-US" sz="1800" dirty="0">
               <a:solidFill>
                 <a:schemeClr val="bg1"/>
               </a:solidFill>
@@ -25821,20 +25685,74 @@
             </a:endParaRPr>
           </a:p>
           <a:p>
-            <a:pPr>
-              <a:buFontTx/>
-              <a:buChar char="-"/>
-            </a:pPr>
-            <a:r>
-              <a:rPr lang="bg-BG" sz="1800" dirty="0" smtClean="0">
-                <a:solidFill>
-                  <a:schemeClr val="bg1"/>
-                </a:solidFill>
-                <a:latin typeface="Courier New" panose="02070309020205020404" pitchFamily="49" charset="0"/>
-                <a:cs typeface="Courier New" panose="02070309020205020404" pitchFamily="49" charset="0"/>
-              </a:rPr>
-              <a:t>по клас – </a:t>
-            </a:r>
+            <a:pPr marL="0" indent="0">
+              <a:buNone/>
+            </a:pPr>
+            <a:r>
+              <a:rPr lang="en-US" sz="1800" dirty="0">
+                <a:solidFill>
+                  <a:schemeClr val="bg1"/>
+                </a:solidFill>
+                <a:latin typeface="Courier New" panose="02070309020205020404" pitchFamily="49" charset="0"/>
+                <a:cs typeface="Courier New" panose="02070309020205020404" pitchFamily="49" charset="0"/>
+              </a:rPr>
+              <a:t>var info = {</a:t>
+            </a:r>
+          </a:p>
+          <a:p>
+            <a:pPr marL="0" indent="0">
+              <a:buNone/>
+            </a:pPr>
+            <a:r>
+              <a:rPr lang="en-US" sz="1800" dirty="0">
+                <a:solidFill>
+                  <a:schemeClr val="bg1"/>
+                </a:solidFill>
+                <a:latin typeface="Courier New" panose="02070309020205020404" pitchFamily="49" charset="0"/>
+                <a:cs typeface="Courier New" panose="02070309020205020404" pitchFamily="49" charset="0"/>
+              </a:rPr>
+              <a:t>	</a:t>
+            </a:r>
+            <a:r>
+              <a:rPr lang="en-US" sz="1800" dirty="0" err="1">
+                <a:solidFill>
+                  <a:schemeClr val="bg1"/>
+                </a:solidFill>
+                <a:latin typeface="Courier New" panose="02070309020205020404" pitchFamily="49" charset="0"/>
+                <a:cs typeface="Courier New" panose="02070309020205020404" pitchFamily="49" charset="0"/>
+              </a:rPr>
+              <a:t>tel</a:t>
+            </a:r>
+            <a:r>
+              <a:rPr lang="en-US" sz="1800" dirty="0">
+                <a:solidFill>
+                  <a:schemeClr val="bg1"/>
+                </a:solidFill>
+                <a:latin typeface="Courier New" panose="02070309020205020404" pitchFamily="49" charset="0"/>
+                <a:cs typeface="Courier New" panose="02070309020205020404" pitchFamily="49" charset="0"/>
+              </a:rPr>
+              <a:t>: '088882566',</a:t>
+            </a:r>
+          </a:p>
+          <a:p>
+            <a:pPr marL="0" indent="0">
+              <a:buNone/>
+            </a:pPr>
+            <a:r>
+              <a:rPr lang="en-US" sz="1800" dirty="0">
+                <a:solidFill>
+                  <a:schemeClr val="bg1"/>
+                </a:solidFill>
+                <a:latin typeface="Courier New" panose="02070309020205020404" pitchFamily="49" charset="0"/>
+                <a:cs typeface="Courier New" panose="02070309020205020404" pitchFamily="49" charset="0"/>
+              </a:rPr>
+              <a:t>	email: 'asd@gmail.com',</a:t>
+            </a:r>
+          </a:p>
+          <a:p>
+            <a:pPr marL="0" indent="0">
+              <a:buNone/>
+            </a:pPr>
             <a:r>
               <a:rPr lang="en-US" sz="1800" dirty="0" smtClean="0">
                 <a:solidFill>
@@ -25843,18 +25761,23 @@
                 <a:latin typeface="Courier New" panose="02070309020205020404" pitchFamily="49" charset="0"/>
                 <a:cs typeface="Courier New" panose="02070309020205020404" pitchFamily="49" charset="0"/>
               </a:rPr>
-              <a:t>var el = </a:t>
-            </a:r>
-            <a:r>
-              <a:rPr lang="en-US" sz="1800" dirty="0" err="1" smtClean="0">
-                <a:solidFill>
-                  <a:srgbClr val="92D050"/>
-                </a:solidFill>
-                <a:latin typeface="Courier New" panose="02070309020205020404" pitchFamily="49" charset="0"/>
-                <a:cs typeface="Courier New" panose="02070309020205020404" pitchFamily="49" charset="0"/>
-              </a:rPr>
-              <a:t>document.getElementByClassName</a:t>
-            </a:r>
+              <a:t>	city</a:t>
+            </a:r>
+            <a:r>
+              <a:rPr lang="en-US" sz="1800" dirty="0">
+                <a:solidFill>
+                  <a:schemeClr val="bg1"/>
+                </a:solidFill>
+                <a:latin typeface="Courier New" panose="02070309020205020404" pitchFamily="49" charset="0"/>
+                <a:cs typeface="Courier New" panose="02070309020205020404" pitchFamily="49" charset="0"/>
+              </a:rPr>
+              <a:t>: 'Sofia'</a:t>
+            </a:r>
+          </a:p>
+          <a:p>
+            <a:pPr marL="0" indent="0">
+              <a:buNone/>
+            </a:pPr>
             <a:r>
               <a:rPr lang="en-US" sz="1800" dirty="0" smtClean="0">
                 <a:solidFill>
@@ -25863,7 +25786,74 @@
                 <a:latin typeface="Courier New" panose="02070309020205020404" pitchFamily="49" charset="0"/>
                 <a:cs typeface="Courier New" panose="02070309020205020404" pitchFamily="49" charset="0"/>
               </a:rPr>
-              <a:t>(‘class’);</a:t>
+              <a:t>};</a:t>
+            </a:r>
+          </a:p>
+          <a:p>
+            <a:pPr marL="0" indent="0">
+              <a:buNone/>
+            </a:pPr>
+            <a:endParaRPr lang="en-US" sz="1800" dirty="0">
+              <a:solidFill>
+                <a:schemeClr val="bg1"/>
+              </a:solidFill>
+              <a:latin typeface="Courier New" panose="02070309020205020404" pitchFamily="49" charset="0"/>
+              <a:cs typeface="Courier New" panose="02070309020205020404" pitchFamily="49" charset="0"/>
+            </a:endParaRPr>
+          </a:p>
+          <a:p>
+            <a:pPr marL="0" indent="0">
+              <a:buNone/>
+            </a:pPr>
+            <a:r>
+              <a:rPr lang="en-US" sz="1800" dirty="0">
+                <a:solidFill>
+                  <a:schemeClr val="bg1"/>
+                </a:solidFill>
+                <a:latin typeface="Courier New" panose="02070309020205020404" pitchFamily="49" charset="0"/>
+                <a:cs typeface="Courier New" panose="02070309020205020404" pitchFamily="49" charset="0"/>
+              </a:rPr>
+              <a:t>for (var prop in info){</a:t>
+            </a:r>
+          </a:p>
+          <a:p>
+            <a:pPr marL="0" indent="0">
+              <a:buNone/>
+            </a:pPr>
+            <a:r>
+              <a:rPr lang="en-US" sz="1800" dirty="0" smtClean="0">
+                <a:solidFill>
+                  <a:schemeClr val="bg1"/>
+                </a:solidFill>
+                <a:latin typeface="Courier New" panose="02070309020205020404" pitchFamily="49" charset="0"/>
+                <a:cs typeface="Courier New" panose="02070309020205020404" pitchFamily="49" charset="0"/>
+              </a:rPr>
+              <a:t>       console.log(prop </a:t>
+            </a:r>
+            <a:r>
+              <a:rPr lang="en-US" sz="1800" dirty="0">
+                <a:solidFill>
+                  <a:schemeClr val="bg1"/>
+                </a:solidFill>
+                <a:latin typeface="Courier New" panose="02070309020205020404" pitchFamily="49" charset="0"/>
+                <a:cs typeface="Courier New" panose="02070309020205020404" pitchFamily="49" charset="0"/>
+              </a:rPr>
+              <a:t>+ ": " + info[prop]);</a:t>
+            </a:r>
+          </a:p>
+          <a:p>
+            <a:pPr marL="0" indent="0">
+              <a:buNone/>
+            </a:pPr>
+            <a:r>
+              <a:rPr lang="en-US" sz="1800" dirty="0">
+                <a:solidFill>
+                  <a:schemeClr val="bg1"/>
+                </a:solidFill>
+                <a:latin typeface="Courier New" panose="02070309020205020404" pitchFamily="49" charset="0"/>
+                <a:cs typeface="Courier New" panose="02070309020205020404" pitchFamily="49" charset="0"/>
+              </a:rPr>
+              <a:t>}</a:t>
             </a:r>
             <a:endParaRPr lang="bg-BG" sz="1800" dirty="0">
               <a:solidFill>
@@ -25873,154 +25863,12 @@
               <a:cs typeface="Courier New" panose="02070309020205020404" pitchFamily="49" charset="0"/>
             </a:endParaRPr>
           </a:p>
-          <a:p>
-            <a:pPr>
-              <a:buFontTx/>
-              <a:buChar char="-"/>
-            </a:pPr>
-            <a:r>
-              <a:rPr lang="bg-BG" sz="1800" dirty="0" smtClean="0">
-                <a:solidFill>
-                  <a:schemeClr val="bg1"/>
-                </a:solidFill>
-                <a:latin typeface="Courier New" panose="02070309020205020404" pitchFamily="49" charset="0"/>
-                <a:cs typeface="Courier New" panose="02070309020205020404" pitchFamily="49" charset="0"/>
-              </a:rPr>
-              <a:t>по таг – </a:t>
-            </a:r>
-            <a:r>
-              <a:rPr lang="en-US" sz="1800" dirty="0" smtClean="0">
-                <a:solidFill>
-                  <a:schemeClr val="bg1"/>
-                </a:solidFill>
-                <a:latin typeface="Courier New" panose="02070309020205020404" pitchFamily="49" charset="0"/>
-                <a:cs typeface="Courier New" panose="02070309020205020404" pitchFamily="49" charset="0"/>
-              </a:rPr>
-              <a:t>var el </a:t>
-            </a:r>
-            <a:r>
-              <a:rPr lang="en-US" sz="1800" dirty="0">
-                <a:solidFill>
-                  <a:schemeClr val="bg1"/>
-                </a:solidFill>
-                <a:latin typeface="Courier New" panose="02070309020205020404" pitchFamily="49" charset="0"/>
-                <a:cs typeface="Courier New" panose="02070309020205020404" pitchFamily="49" charset="0"/>
-              </a:rPr>
-              <a:t>= </a:t>
-            </a:r>
-            <a:r>
-              <a:rPr lang="en-US" sz="1800" dirty="0" err="1" smtClean="0">
-                <a:solidFill>
-                  <a:srgbClr val="92D050"/>
-                </a:solidFill>
-                <a:latin typeface="Courier New" panose="02070309020205020404" pitchFamily="49" charset="0"/>
-                <a:cs typeface="Courier New" panose="02070309020205020404" pitchFamily="49" charset="0"/>
-              </a:rPr>
-              <a:t>document.getElementsByTagName</a:t>
-            </a:r>
-            <a:r>
-              <a:rPr lang="en-US" sz="1800" dirty="0" smtClean="0">
-                <a:solidFill>
-                  <a:schemeClr val="bg1"/>
-                </a:solidFill>
-                <a:latin typeface="Courier New" panose="02070309020205020404" pitchFamily="49" charset="0"/>
-                <a:cs typeface="Courier New" panose="02070309020205020404" pitchFamily="49" charset="0"/>
-              </a:rPr>
-              <a:t>(‘p’);</a:t>
-            </a:r>
-          </a:p>
-          <a:p>
-            <a:pPr>
-              <a:buFontTx/>
-              <a:buChar char="-"/>
-            </a:pPr>
-            <a:r>
-              <a:rPr lang="bg-BG" sz="1800" dirty="0" smtClean="0">
-                <a:solidFill>
-                  <a:schemeClr val="bg1"/>
-                </a:solidFill>
-                <a:latin typeface="Courier New" panose="02070309020205020404" pitchFamily="49" charset="0"/>
-                <a:cs typeface="Courier New" panose="02070309020205020404" pitchFamily="49" charset="0"/>
-              </a:rPr>
-              <a:t>По </a:t>
-            </a:r>
-            <a:r>
-              <a:rPr lang="en-US" sz="1800" dirty="0" smtClean="0">
-                <a:solidFill>
-                  <a:schemeClr val="bg1"/>
-                </a:solidFill>
-                <a:latin typeface="Courier New" panose="02070309020205020404" pitchFamily="49" charset="0"/>
-                <a:cs typeface="Courier New" panose="02070309020205020404" pitchFamily="49" charset="0"/>
-              </a:rPr>
-              <a:t>CSS selector </a:t>
-            </a:r>
-            <a:r>
-              <a:rPr lang="bg-BG" sz="1800" dirty="0" smtClean="0">
-                <a:solidFill>
-                  <a:schemeClr val="bg1"/>
-                </a:solidFill>
-                <a:latin typeface="Courier New" panose="02070309020205020404" pitchFamily="49" charset="0"/>
-                <a:cs typeface="Courier New" panose="02070309020205020404" pitchFamily="49" charset="0"/>
-              </a:rPr>
-              <a:t>– </a:t>
-            </a:r>
-            <a:r>
-              <a:rPr lang="en-US" sz="1800" dirty="0" smtClean="0">
-                <a:solidFill>
-                  <a:schemeClr val="bg1"/>
-                </a:solidFill>
-                <a:latin typeface="Courier New" panose="02070309020205020404" pitchFamily="49" charset="0"/>
-                <a:cs typeface="Courier New" panose="02070309020205020404" pitchFamily="49" charset="0"/>
-              </a:rPr>
-              <a:t>var el = </a:t>
-            </a:r>
-            <a:r>
-              <a:rPr lang="en-US" sz="1800" dirty="0" err="1" smtClean="0">
-                <a:solidFill>
-                  <a:srgbClr val="92D050"/>
-                </a:solidFill>
-                <a:latin typeface="Courier New" panose="02070309020205020404" pitchFamily="49" charset="0"/>
-                <a:cs typeface="Courier New" panose="02070309020205020404" pitchFamily="49" charset="0"/>
-              </a:rPr>
-              <a:t>document.querySelectorAll</a:t>
-            </a:r>
-            <a:r>
-              <a:rPr lang="en-US" sz="1800" dirty="0" smtClean="0">
-                <a:solidFill>
-                  <a:schemeClr val="bg1"/>
-                </a:solidFill>
-                <a:latin typeface="Courier New" panose="02070309020205020404" pitchFamily="49" charset="0"/>
-                <a:cs typeface="Courier New" panose="02070309020205020404" pitchFamily="49" charset="0"/>
-              </a:rPr>
-              <a:t>(‘</a:t>
-            </a:r>
-            <a:r>
-              <a:rPr lang="en-US" sz="1800" dirty="0" err="1" smtClean="0">
-                <a:solidFill>
-                  <a:schemeClr val="bg1"/>
-                </a:solidFill>
-                <a:latin typeface="Courier New" panose="02070309020205020404" pitchFamily="49" charset="0"/>
-                <a:cs typeface="Courier New" panose="02070309020205020404" pitchFamily="49" charset="0"/>
-              </a:rPr>
-              <a:t>a.link</a:t>
-            </a:r>
-            <a:r>
-              <a:rPr lang="en-US" sz="1800" dirty="0" smtClean="0">
-                <a:solidFill>
-                  <a:schemeClr val="bg1"/>
-                </a:solidFill>
-                <a:latin typeface="Courier New" panose="02070309020205020404" pitchFamily="49" charset="0"/>
-                <a:cs typeface="Courier New" panose="02070309020205020404" pitchFamily="49" charset="0"/>
-              </a:rPr>
-              <a:t>’);</a:t>
-            </a:r>
-          </a:p>
         </p:txBody>
       </p:sp>
     </p:spTree>
     <p:extLst>
       <p:ext uri="{BB962C8B-B14F-4D97-AF65-F5344CB8AC3E}">
-        <p14:creationId xmlns:p14="http://schemas.microsoft.com/office/powerpoint/2010/main" val="719629039"/>
+        <p14:creationId xmlns:p14="http://schemas.microsoft.com/office/powerpoint/2010/main" val="2397247424"/>
       </p:ext>
     </p:extLst>
   </p:cSld>
@@ -26102,12 +25950,20 @@
               <a:t> </a:t>
             </a:r>
             <a:r>
+              <a:rPr lang="en-US" sz="2900" dirty="0" smtClean="0">
+                <a:solidFill>
+                  <a:schemeClr val="accent6"/>
+                </a:solidFill>
+              </a:rPr>
+              <a:t>DOM </a:t>
+            </a:r>
+            <a:r>
               <a:rPr lang="bg-BG" sz="2900" dirty="0" smtClean="0">
                 <a:solidFill>
                   <a:schemeClr val="accent6"/>
                 </a:solidFill>
               </a:rPr>
-              <a:t>Събития</a:t>
+              <a:t>Елементи</a:t>
             </a:r>
             <a:endParaRPr lang="en-US" sz="2900" dirty="0"/>
           </a:p>
@@ -26139,6 +25995,523 @@
               <a:buNone/>
             </a:pPr>
             <a:r>
+              <a:rPr lang="en-US" sz="2500" dirty="0" smtClean="0">
+                <a:solidFill>
+                  <a:srgbClr val="92D050"/>
+                </a:solidFill>
+                <a:latin typeface="+mj-lt"/>
+                <a:cs typeface="Courier New" panose="02070309020205020404" pitchFamily="49" charset="0"/>
+              </a:rPr>
+              <a:t>DOM</a:t>
+            </a:r>
+            <a:r>
+              <a:rPr lang="bg-BG" sz="2500" dirty="0" smtClean="0">
+                <a:solidFill>
+                  <a:srgbClr val="92D050"/>
+                </a:solidFill>
+                <a:latin typeface="+mj-lt"/>
+                <a:cs typeface="Courier New" panose="02070309020205020404" pitchFamily="49" charset="0"/>
+              </a:rPr>
+              <a:t> </a:t>
+            </a:r>
+            <a:r>
+              <a:rPr lang="bg-BG" sz="2500" dirty="0" smtClean="0">
+                <a:solidFill>
+                  <a:schemeClr val="bg1"/>
+                </a:solidFill>
+                <a:latin typeface="+mj-lt"/>
+                <a:cs typeface="Courier New" panose="02070309020205020404" pitchFamily="49" charset="0"/>
+              </a:rPr>
+              <a:t>означава </a:t>
+            </a:r>
+            <a:r>
+              <a:rPr lang="en-US" sz="2500" dirty="0" smtClean="0">
+                <a:solidFill>
+                  <a:schemeClr val="bg1"/>
+                </a:solidFill>
+                <a:latin typeface="+mj-lt"/>
+                <a:cs typeface="Courier New" panose="02070309020205020404" pitchFamily="49" charset="0"/>
+              </a:rPr>
+              <a:t>Document Object Model </a:t>
+            </a:r>
+            <a:r>
+              <a:rPr lang="bg-BG" sz="2500" dirty="0" smtClean="0">
+                <a:solidFill>
+                  <a:schemeClr val="bg1"/>
+                </a:solidFill>
+                <a:latin typeface="+mj-lt"/>
+                <a:cs typeface="Courier New" panose="02070309020205020404" pitchFamily="49" charset="0"/>
+              </a:rPr>
+              <a:t>и представлява структурата на нашата уеб страница. Обектът </a:t>
+            </a:r>
+            <a:r>
+              <a:rPr lang="en-US" sz="2500" dirty="0" smtClean="0">
+                <a:solidFill>
+                  <a:schemeClr val="bg1"/>
+                </a:solidFill>
+                <a:latin typeface="+mj-lt"/>
+                <a:cs typeface="Courier New" panose="02070309020205020404" pitchFamily="49" charset="0"/>
+              </a:rPr>
+              <a:t>document </a:t>
+            </a:r>
+            <a:r>
+              <a:rPr lang="bg-BG" sz="2500" dirty="0" smtClean="0">
+                <a:solidFill>
+                  <a:schemeClr val="bg1"/>
+                </a:solidFill>
+                <a:latin typeface="+mj-lt"/>
+                <a:cs typeface="Courier New" panose="02070309020205020404" pitchFamily="49" charset="0"/>
+              </a:rPr>
+              <a:t>е „родителят“ на всички елементи в страницата. Ако трябва да достъпим някой елемент в страницата, първо трябва да достъпим </a:t>
+            </a:r>
+            <a:r>
+              <a:rPr lang="en-US" sz="2500" dirty="0" smtClean="0">
+                <a:solidFill>
+                  <a:schemeClr val="bg1"/>
+                </a:solidFill>
+                <a:latin typeface="+mj-lt"/>
+                <a:cs typeface="Courier New" panose="02070309020205020404" pitchFamily="49" charset="0"/>
+              </a:rPr>
+              <a:t>document </a:t>
+            </a:r>
+            <a:r>
+              <a:rPr lang="bg-BG" sz="2500" dirty="0" smtClean="0">
+                <a:solidFill>
+                  <a:schemeClr val="bg1"/>
+                </a:solidFill>
+                <a:latin typeface="+mj-lt"/>
+                <a:cs typeface="Courier New" panose="02070309020205020404" pitchFamily="49" charset="0"/>
+              </a:rPr>
+              <a:t>обекта. </a:t>
+            </a:r>
+          </a:p>
+          <a:p>
+            <a:pPr marL="0" indent="0">
+              <a:buNone/>
+            </a:pPr>
+            <a:r>
+              <a:rPr lang="bg-BG" sz="2500" dirty="0" smtClean="0">
+                <a:solidFill>
+                  <a:schemeClr val="bg1"/>
+                </a:solidFill>
+                <a:latin typeface="+mj-lt"/>
+                <a:cs typeface="Courier New" panose="02070309020205020404" pitchFamily="49" charset="0"/>
+              </a:rPr>
+              <a:t>Има няколко начина за </a:t>
+            </a:r>
+            <a:r>
+              <a:rPr lang="bg-BG" sz="2500" dirty="0" smtClean="0">
+                <a:solidFill>
+                  <a:srgbClr val="92D050"/>
+                </a:solidFill>
+                <a:latin typeface="+mj-lt"/>
+                <a:cs typeface="Courier New" panose="02070309020205020404" pitchFamily="49" charset="0"/>
+              </a:rPr>
+              <a:t>достъпване</a:t>
+            </a:r>
+            <a:r>
+              <a:rPr lang="bg-BG" sz="2500" dirty="0" smtClean="0">
+                <a:solidFill>
+                  <a:schemeClr val="bg1"/>
+                </a:solidFill>
+                <a:latin typeface="+mj-lt"/>
+                <a:cs typeface="Courier New" panose="02070309020205020404" pitchFamily="49" charset="0"/>
+              </a:rPr>
+              <a:t> на </a:t>
+            </a:r>
+            <a:r>
+              <a:rPr lang="en-US" sz="2500" dirty="0" smtClean="0">
+                <a:solidFill>
+                  <a:schemeClr val="bg1"/>
+                </a:solidFill>
+                <a:latin typeface="+mj-lt"/>
+                <a:cs typeface="Courier New" panose="02070309020205020404" pitchFamily="49" charset="0"/>
+              </a:rPr>
+              <a:t>HTML </a:t>
+            </a:r>
+            <a:r>
+              <a:rPr lang="bg-BG" sz="2500" dirty="0" smtClean="0">
+                <a:solidFill>
+                  <a:schemeClr val="bg1"/>
+                </a:solidFill>
+                <a:latin typeface="+mj-lt"/>
+                <a:cs typeface="Courier New" panose="02070309020205020404" pitchFamily="49" charset="0"/>
+              </a:rPr>
+              <a:t>елементи:</a:t>
+            </a:r>
+          </a:p>
+          <a:p>
+            <a:pPr>
+              <a:buFontTx/>
+              <a:buChar char="-"/>
+            </a:pPr>
+            <a:r>
+              <a:rPr lang="bg-BG" sz="1800" dirty="0" smtClean="0">
+                <a:solidFill>
+                  <a:schemeClr val="bg1"/>
+                </a:solidFill>
+                <a:latin typeface="Courier New" panose="02070309020205020404" pitchFamily="49" charset="0"/>
+                <a:cs typeface="Courier New" panose="02070309020205020404" pitchFamily="49" charset="0"/>
+              </a:rPr>
+              <a:t>по </a:t>
+            </a:r>
+            <a:r>
+              <a:rPr lang="en-US" sz="1800" dirty="0" smtClean="0">
+                <a:solidFill>
+                  <a:schemeClr val="bg1"/>
+                </a:solidFill>
+                <a:latin typeface="Courier New" panose="02070309020205020404" pitchFamily="49" charset="0"/>
+                <a:cs typeface="Courier New" panose="02070309020205020404" pitchFamily="49" charset="0"/>
+              </a:rPr>
+              <a:t>ID – var el = </a:t>
+            </a:r>
+            <a:r>
+              <a:rPr lang="en-US" sz="1800" dirty="0" err="1" smtClean="0">
+                <a:solidFill>
+                  <a:srgbClr val="92D050"/>
+                </a:solidFill>
+                <a:latin typeface="Courier New" panose="02070309020205020404" pitchFamily="49" charset="0"/>
+                <a:cs typeface="Courier New" panose="02070309020205020404" pitchFamily="49" charset="0"/>
+              </a:rPr>
+              <a:t>document.getElementById</a:t>
+            </a:r>
+            <a:r>
+              <a:rPr lang="en-US" sz="1800" dirty="0" smtClean="0">
+                <a:solidFill>
+                  <a:schemeClr val="bg1"/>
+                </a:solidFill>
+                <a:latin typeface="Courier New" panose="02070309020205020404" pitchFamily="49" charset="0"/>
+                <a:cs typeface="Courier New" panose="02070309020205020404" pitchFamily="49" charset="0"/>
+              </a:rPr>
+              <a:t>(‘id’);</a:t>
+            </a:r>
+            <a:endParaRPr lang="bg-BG" sz="1800" dirty="0" smtClean="0">
+              <a:solidFill>
+                <a:schemeClr val="bg1"/>
+              </a:solidFill>
+              <a:latin typeface="Courier New" panose="02070309020205020404" pitchFamily="49" charset="0"/>
+              <a:cs typeface="Courier New" panose="02070309020205020404" pitchFamily="49" charset="0"/>
+            </a:endParaRPr>
+          </a:p>
+          <a:p>
+            <a:pPr>
+              <a:buFontTx/>
+              <a:buChar char="-"/>
+            </a:pPr>
+            <a:r>
+              <a:rPr lang="bg-BG" sz="1800" dirty="0" smtClean="0">
+                <a:solidFill>
+                  <a:schemeClr val="bg1"/>
+                </a:solidFill>
+                <a:latin typeface="Courier New" panose="02070309020205020404" pitchFamily="49" charset="0"/>
+                <a:cs typeface="Courier New" panose="02070309020205020404" pitchFamily="49" charset="0"/>
+              </a:rPr>
+              <a:t>по клас – </a:t>
+            </a:r>
+            <a:r>
+              <a:rPr lang="en-US" sz="1800" dirty="0" smtClean="0">
+                <a:solidFill>
+                  <a:schemeClr val="bg1"/>
+                </a:solidFill>
+                <a:latin typeface="Courier New" panose="02070309020205020404" pitchFamily="49" charset="0"/>
+                <a:cs typeface="Courier New" panose="02070309020205020404" pitchFamily="49" charset="0"/>
+              </a:rPr>
+              <a:t>var el = </a:t>
+            </a:r>
+            <a:r>
+              <a:rPr lang="en-US" sz="1800" dirty="0" err="1" smtClean="0">
+                <a:solidFill>
+                  <a:srgbClr val="92D050"/>
+                </a:solidFill>
+                <a:latin typeface="Courier New" panose="02070309020205020404" pitchFamily="49" charset="0"/>
+                <a:cs typeface="Courier New" panose="02070309020205020404" pitchFamily="49" charset="0"/>
+              </a:rPr>
+              <a:t>document.getElementByClassName</a:t>
+            </a:r>
+            <a:r>
+              <a:rPr lang="en-US" sz="1800" dirty="0" smtClean="0">
+                <a:solidFill>
+                  <a:schemeClr val="bg1"/>
+                </a:solidFill>
+                <a:latin typeface="Courier New" panose="02070309020205020404" pitchFamily="49" charset="0"/>
+                <a:cs typeface="Courier New" panose="02070309020205020404" pitchFamily="49" charset="0"/>
+              </a:rPr>
+              <a:t>(‘class’);</a:t>
+            </a:r>
+            <a:endParaRPr lang="bg-BG" sz="1800" dirty="0">
+              <a:solidFill>
+                <a:schemeClr val="bg1"/>
+              </a:solidFill>
+              <a:latin typeface="Courier New" panose="02070309020205020404" pitchFamily="49" charset="0"/>
+              <a:cs typeface="Courier New" panose="02070309020205020404" pitchFamily="49" charset="0"/>
+            </a:endParaRPr>
+          </a:p>
+          <a:p>
+            <a:pPr>
+              <a:buFontTx/>
+              <a:buChar char="-"/>
+            </a:pPr>
+            <a:r>
+              <a:rPr lang="bg-BG" sz="1800" dirty="0" smtClean="0">
+                <a:solidFill>
+                  <a:schemeClr val="bg1"/>
+                </a:solidFill>
+                <a:latin typeface="Courier New" panose="02070309020205020404" pitchFamily="49" charset="0"/>
+                <a:cs typeface="Courier New" panose="02070309020205020404" pitchFamily="49" charset="0"/>
+              </a:rPr>
+              <a:t>по таг – </a:t>
+            </a:r>
+            <a:r>
+              <a:rPr lang="en-US" sz="1800" dirty="0" smtClean="0">
+                <a:solidFill>
+                  <a:schemeClr val="bg1"/>
+                </a:solidFill>
+                <a:latin typeface="Courier New" panose="02070309020205020404" pitchFamily="49" charset="0"/>
+                <a:cs typeface="Courier New" panose="02070309020205020404" pitchFamily="49" charset="0"/>
+              </a:rPr>
+              <a:t>var el </a:t>
+            </a:r>
+            <a:r>
+              <a:rPr lang="en-US" sz="1800" dirty="0">
+                <a:solidFill>
+                  <a:schemeClr val="bg1"/>
+                </a:solidFill>
+                <a:latin typeface="Courier New" panose="02070309020205020404" pitchFamily="49" charset="0"/>
+                <a:cs typeface="Courier New" panose="02070309020205020404" pitchFamily="49" charset="0"/>
+              </a:rPr>
+              <a:t>= </a:t>
+            </a:r>
+            <a:r>
+              <a:rPr lang="en-US" sz="1800" dirty="0" err="1" smtClean="0">
+                <a:solidFill>
+                  <a:srgbClr val="92D050"/>
+                </a:solidFill>
+                <a:latin typeface="Courier New" panose="02070309020205020404" pitchFamily="49" charset="0"/>
+                <a:cs typeface="Courier New" panose="02070309020205020404" pitchFamily="49" charset="0"/>
+              </a:rPr>
+              <a:t>document.getElementsByTagName</a:t>
+            </a:r>
+            <a:r>
+              <a:rPr lang="en-US" sz="1800" dirty="0" smtClean="0">
+                <a:solidFill>
+                  <a:schemeClr val="bg1"/>
+                </a:solidFill>
+                <a:latin typeface="Courier New" panose="02070309020205020404" pitchFamily="49" charset="0"/>
+                <a:cs typeface="Courier New" panose="02070309020205020404" pitchFamily="49" charset="0"/>
+              </a:rPr>
+              <a:t>(‘p’);</a:t>
+            </a:r>
+          </a:p>
+          <a:p>
+            <a:pPr>
+              <a:buFontTx/>
+              <a:buChar char="-"/>
+            </a:pPr>
+            <a:r>
+              <a:rPr lang="bg-BG" sz="1800" dirty="0" smtClean="0">
+                <a:solidFill>
+                  <a:schemeClr val="bg1"/>
+                </a:solidFill>
+                <a:latin typeface="Courier New" panose="02070309020205020404" pitchFamily="49" charset="0"/>
+                <a:cs typeface="Courier New" panose="02070309020205020404" pitchFamily="49" charset="0"/>
+              </a:rPr>
+              <a:t>По </a:t>
+            </a:r>
+            <a:r>
+              <a:rPr lang="en-US" sz="1800" dirty="0" smtClean="0">
+                <a:solidFill>
+                  <a:schemeClr val="bg1"/>
+                </a:solidFill>
+                <a:latin typeface="Courier New" panose="02070309020205020404" pitchFamily="49" charset="0"/>
+                <a:cs typeface="Courier New" panose="02070309020205020404" pitchFamily="49" charset="0"/>
+              </a:rPr>
+              <a:t>CSS selector </a:t>
+            </a:r>
+            <a:r>
+              <a:rPr lang="bg-BG" sz="1800" dirty="0" smtClean="0">
+                <a:solidFill>
+                  <a:schemeClr val="bg1"/>
+                </a:solidFill>
+                <a:latin typeface="Courier New" panose="02070309020205020404" pitchFamily="49" charset="0"/>
+                <a:cs typeface="Courier New" panose="02070309020205020404" pitchFamily="49" charset="0"/>
+              </a:rPr>
+              <a:t>– </a:t>
+            </a:r>
+            <a:r>
+              <a:rPr lang="en-US" sz="1800" dirty="0" smtClean="0">
+                <a:solidFill>
+                  <a:schemeClr val="bg1"/>
+                </a:solidFill>
+                <a:latin typeface="Courier New" panose="02070309020205020404" pitchFamily="49" charset="0"/>
+                <a:cs typeface="Courier New" panose="02070309020205020404" pitchFamily="49" charset="0"/>
+              </a:rPr>
+              <a:t>var el = </a:t>
+            </a:r>
+            <a:r>
+              <a:rPr lang="en-US" sz="1800" dirty="0" err="1" smtClean="0">
+                <a:solidFill>
+                  <a:srgbClr val="92D050"/>
+                </a:solidFill>
+                <a:latin typeface="Courier New" panose="02070309020205020404" pitchFamily="49" charset="0"/>
+                <a:cs typeface="Courier New" panose="02070309020205020404" pitchFamily="49" charset="0"/>
+              </a:rPr>
+              <a:t>document.querySelectorAll</a:t>
+            </a:r>
+            <a:r>
+              <a:rPr lang="en-US" sz="1800" dirty="0" smtClean="0">
+                <a:solidFill>
+                  <a:schemeClr val="bg1"/>
+                </a:solidFill>
+                <a:latin typeface="Courier New" panose="02070309020205020404" pitchFamily="49" charset="0"/>
+                <a:cs typeface="Courier New" panose="02070309020205020404" pitchFamily="49" charset="0"/>
+              </a:rPr>
+              <a:t>(‘</a:t>
+            </a:r>
+            <a:r>
+              <a:rPr lang="en-US" sz="1800" dirty="0" err="1" smtClean="0">
+                <a:solidFill>
+                  <a:schemeClr val="bg1"/>
+                </a:solidFill>
+                <a:latin typeface="Courier New" panose="02070309020205020404" pitchFamily="49" charset="0"/>
+                <a:cs typeface="Courier New" panose="02070309020205020404" pitchFamily="49" charset="0"/>
+              </a:rPr>
+              <a:t>a.link</a:t>
+            </a:r>
+            <a:r>
+              <a:rPr lang="en-US" sz="1800" dirty="0" smtClean="0">
+                <a:solidFill>
+                  <a:schemeClr val="bg1"/>
+                </a:solidFill>
+                <a:latin typeface="Courier New" panose="02070309020205020404" pitchFamily="49" charset="0"/>
+                <a:cs typeface="Courier New" panose="02070309020205020404" pitchFamily="49" charset="0"/>
+              </a:rPr>
+              <a:t>’);</a:t>
+            </a:r>
+          </a:p>
+        </p:txBody>
+      </p:sp>
+    </p:spTree>
+    <p:extLst>
+      <p:ext uri="{BB962C8B-B14F-4D97-AF65-F5344CB8AC3E}">
+        <p14:creationId xmlns:p14="http://schemas.microsoft.com/office/powerpoint/2010/main" val="719629039"/>
+      </p:ext>
+    </p:extLst>
+  </p:cSld>
+  <p:clrMapOvr>
+    <a:masterClrMapping/>
+  </p:clrMapOvr>
+  <p:timing>
+    <p:tnLst>
+      <p:par>
+        <p:cTn id="1" dur="indefinite" restart="never" nodeType="tmRoot"/>
+      </p:par>
+    </p:tnLst>
+  </p:timing>
+</p:sld>
+</file>
+
+<file path=ppt/slides/slide67.xml><?xml version="1.0" encoding="utf-8"?>
+<p:sld xmlns:a="http://schemas.openxmlformats.org/drawingml/2006/main" xmlns:r="http://schemas.openxmlformats.org/officeDocument/2006/relationships" xmlns:p="http://schemas.openxmlformats.org/presentationml/2006/main">
+  <p:cSld>
+    <p:spTree>
+      <p:nvGrpSpPr>
+        <p:cNvPr id="1" name=""/>
+        <p:cNvGrpSpPr/>
+        <p:nvPr/>
+      </p:nvGrpSpPr>
+      <p:grpSpPr>
+        <a:xfrm>
+          <a:off x="0" y="0"/>
+          <a:ext cx="0" cy="0"/>
+          <a:chOff x="0" y="0"/>
+          <a:chExt cx="0" cy="0"/>
+        </a:xfrm>
+      </p:grpSpPr>
+      <p:sp>
+        <p:nvSpPr>
+          <p:cNvPr id="2" name="Title 1"/>
+          <p:cNvSpPr>
+            <a:spLocks noGrp="1"/>
+          </p:cNvSpPr>
+          <p:nvPr>
+            <p:ph type="title"/>
+          </p:nvPr>
+        </p:nvSpPr>
+        <p:spPr>
+          <a:xfrm>
+            <a:off x="457200" y="533400"/>
+            <a:ext cx="8229600" cy="1143000"/>
+          </a:xfrm>
+        </p:spPr>
+        <p:txBody>
+          <a:bodyPr>
+            <a:normAutofit/>
+          </a:bodyPr>
+          <a:lstStyle/>
+          <a:p>
+            <a:pPr algn="l"/>
+            <a:r>
+              <a:rPr lang="en-US" sz="2900" dirty="0" smtClean="0">
+                <a:solidFill>
+                  <a:schemeClr val="accent6"/>
+                </a:solidFill>
+              </a:rPr>
+              <a:t>JavaScript</a:t>
+            </a:r>
+            <a:r>
+              <a:rPr lang="bg-BG" sz="2900" dirty="0" smtClean="0">
+                <a:solidFill>
+                  <a:schemeClr val="accent6"/>
+                </a:solidFill>
+              </a:rPr>
+              <a:t> –</a:t>
+            </a:r>
+            <a:r>
+              <a:rPr lang="en-US" sz="2900" dirty="0">
+                <a:solidFill>
+                  <a:schemeClr val="accent6"/>
+                </a:solidFill>
+              </a:rPr>
+              <a:t> </a:t>
+            </a:r>
+            <a:r>
+              <a:rPr lang="bg-BG" sz="2900" dirty="0" smtClean="0">
+                <a:solidFill>
+                  <a:schemeClr val="accent6"/>
+                </a:solidFill>
+              </a:rPr>
+              <a:t>Събития</a:t>
+            </a:r>
+            <a:endParaRPr lang="en-US" sz="2900" dirty="0"/>
+          </a:p>
+        </p:txBody>
+      </p:sp>
+      <p:sp>
+        <p:nvSpPr>
+          <p:cNvPr id="3" name="Content Placeholder 2"/>
+          <p:cNvSpPr>
+            <a:spLocks noGrp="1"/>
+          </p:cNvSpPr>
+          <p:nvPr>
+            <p:ph idx="1"/>
+          </p:nvPr>
+        </p:nvSpPr>
+        <p:spPr>
+          <a:xfrm>
+            <a:off x="457200" y="1295400"/>
+            <a:ext cx="8229600" cy="5257800"/>
+          </a:xfrm>
+        </p:spPr>
+        <p:txBody>
+          <a:bodyPr>
+            <a:noAutofit/>
+          </a:bodyPr>
+          <a:lstStyle/>
+          <a:p>
+            <a:pPr marL="0" indent="0">
+              <a:buNone/>
+            </a:pPr>
+            <a:r>
               <a:rPr lang="bg-BG" sz="2500" dirty="0" smtClean="0">
                 <a:solidFill>
                   <a:srgbClr val="92D050"/>
@@ -26460,7 +26833,7 @@
 </p:sld>
 </file>
 
-<file path=ppt/slides/slide67.xml><?xml version="1.0" encoding="utf-8"?>
+<file path=ppt/slides/slide68.xml><?xml version="1.0" encoding="utf-8"?>
 <p:sld xmlns:a="http://schemas.openxmlformats.org/drawingml/2006/main" xmlns:r="http://schemas.openxmlformats.org/officeDocument/2006/relationships" xmlns:p="http://schemas.openxmlformats.org/presentationml/2006/main">
   <p:cSld>
     <p:spTree>
@@ -26955,255 +27328,6 @@
 </p:sld>
 </file>
 
-<file path=ppt/slides/slide68.xml><?xml version="1.0" encoding="utf-8"?>
-<p:sld xmlns:a="http://schemas.openxmlformats.org/drawingml/2006/main" xmlns:r="http://schemas.openxmlformats.org/officeDocument/2006/relationships" xmlns:p="http://schemas.openxmlformats.org/presentationml/2006/main">
-  <p:cSld>
-    <p:spTree>
-      <p:nvGrpSpPr>
-        <p:cNvPr id="1" name=""/>
-        <p:cNvGrpSpPr/>
-        <p:nvPr/>
-      </p:nvGrpSpPr>
-      <p:grpSpPr>
-        <a:xfrm>
-          <a:off x="0" y="0"/>
-          <a:ext cx="0" cy="0"/>
-          <a:chOff x="0" y="0"/>
-          <a:chExt cx="0" cy="0"/>
-        </a:xfrm>
-      </p:grpSpPr>
-      <p:sp>
-        <p:nvSpPr>
-          <p:cNvPr id="2" name="Title 1"/>
-          <p:cNvSpPr>
-            <a:spLocks noGrp="1"/>
-          </p:cNvSpPr>
-          <p:nvPr>
-            <p:ph type="title"/>
-          </p:nvPr>
-        </p:nvSpPr>
-        <p:spPr>
-          <a:xfrm>
-            <a:off x="457200" y="533400"/>
-            <a:ext cx="8229600" cy="1143000"/>
-          </a:xfrm>
-        </p:spPr>
-        <p:txBody>
-          <a:bodyPr>
-            <a:normAutofit/>
-          </a:bodyPr>
-          <a:lstStyle/>
-          <a:p>
-            <a:pPr algn="l"/>
-            <a:r>
-              <a:rPr lang="en-US" sz="2900" dirty="0" smtClean="0">
-                <a:solidFill>
-                  <a:schemeClr val="accent6"/>
-                </a:solidFill>
-              </a:rPr>
-              <a:t>JavaScript</a:t>
-            </a:r>
-            <a:r>
-              <a:rPr lang="bg-BG" sz="2900" dirty="0" smtClean="0">
-                <a:solidFill>
-                  <a:schemeClr val="accent6"/>
-                </a:solidFill>
-              </a:rPr>
-              <a:t> –</a:t>
-            </a:r>
-            <a:r>
-              <a:rPr lang="en-US" sz="2900" dirty="0">
-                <a:solidFill>
-                  <a:schemeClr val="accent6"/>
-                </a:solidFill>
-              </a:rPr>
-              <a:t> </a:t>
-            </a:r>
-            <a:r>
-              <a:rPr lang="bg-BG" sz="2900" dirty="0" smtClean="0">
-                <a:solidFill>
-                  <a:schemeClr val="accent6"/>
-                </a:solidFill>
-              </a:rPr>
-              <a:t>Събития</a:t>
-            </a:r>
-            <a:endParaRPr lang="en-US" sz="2900" dirty="0">
-              <a:solidFill>
-                <a:schemeClr val="accent6"/>
-              </a:solidFill>
-            </a:endParaRPr>
-          </a:p>
-        </p:txBody>
-      </p:sp>
-      <p:sp>
-        <p:nvSpPr>
-          <p:cNvPr id="6" name="TextBox 5"/>
-          <p:cNvSpPr txBox="1"/>
-          <p:nvPr/>
-        </p:nvSpPr>
-        <p:spPr>
-          <a:xfrm>
-            <a:off x="425355" y="1491734"/>
-            <a:ext cx="8718645" cy="3554819"/>
-          </a:xfrm>
-          <a:prstGeom prst="rect">
-            <a:avLst/>
-          </a:prstGeom>
-          <a:noFill/>
-        </p:spPr>
-        <p:txBody>
-          <a:bodyPr wrap="square" rtlCol="0">
-            <a:spAutoFit/>
-          </a:bodyPr>
-          <a:lstStyle/>
-          <a:p>
-            <a:r>
-              <a:rPr lang="bg-BG" sz="2500" dirty="0" smtClean="0">
-                <a:solidFill>
-                  <a:schemeClr val="bg1"/>
-                </a:solidFill>
-              </a:rPr>
-              <a:t>С помощта на </a:t>
-            </a:r>
-            <a:r>
-              <a:rPr lang="en-US" sz="2500" dirty="0" smtClean="0">
-                <a:solidFill>
-                  <a:schemeClr val="bg1"/>
-                </a:solidFill>
-              </a:rPr>
-              <a:t>JavaScript </a:t>
-            </a:r>
-            <a:r>
-              <a:rPr lang="bg-BG" sz="2500" dirty="0" smtClean="0">
-                <a:solidFill>
-                  <a:schemeClr val="bg1"/>
-                </a:solidFill>
-              </a:rPr>
-              <a:t>събитията може да:</a:t>
-            </a:r>
-          </a:p>
-          <a:p>
-            <a:pPr marL="342900" indent="-342900">
-              <a:buFontTx/>
-              <a:buChar char="-"/>
-            </a:pPr>
-            <a:r>
-              <a:rPr lang="bg-BG" sz="2500" dirty="0" smtClean="0">
-                <a:solidFill>
-                  <a:schemeClr val="bg1"/>
-                </a:solidFill>
-              </a:rPr>
-              <a:t>Проверяваме дали дадено поле е попълнено и какви са данните в него</a:t>
-            </a:r>
-          </a:p>
-          <a:p>
-            <a:pPr marL="342900" indent="-342900">
-              <a:buFontTx/>
-              <a:buChar char="-"/>
-            </a:pPr>
-            <a:r>
-              <a:rPr lang="bg-BG" sz="2500" dirty="0" smtClean="0">
-                <a:solidFill>
-                  <a:schemeClr val="bg1"/>
-                </a:solidFill>
-              </a:rPr>
-              <a:t>Извършваме някакво действие, когато страницата се зареди</a:t>
-            </a:r>
-          </a:p>
-          <a:p>
-            <a:pPr marL="342900" indent="-342900">
-              <a:buFontTx/>
-              <a:buChar char="-"/>
-            </a:pPr>
-            <a:r>
-              <a:rPr lang="bg-BG" sz="2500" dirty="0" smtClean="0">
-                <a:solidFill>
-                  <a:schemeClr val="bg1"/>
-                </a:solidFill>
-              </a:rPr>
-              <a:t>Извършваме някакво действие, когато стрницата се затвори</a:t>
-            </a:r>
-          </a:p>
-          <a:p>
-            <a:pPr marL="342900" indent="-342900">
-              <a:buFontTx/>
-              <a:buChar char="-"/>
-            </a:pPr>
-            <a:r>
-              <a:rPr lang="bg-BG" sz="2500" dirty="0" smtClean="0">
-                <a:solidFill>
-                  <a:schemeClr val="bg1"/>
-                </a:solidFill>
-              </a:rPr>
-              <a:t>Извършваме някакво действие, когато потребителят кликне върху линк</a:t>
-            </a:r>
-          </a:p>
-          <a:p>
-            <a:pPr marL="342900" indent="-342900">
-              <a:buFontTx/>
-              <a:buChar char="-"/>
-            </a:pPr>
-            <a:r>
-              <a:rPr lang="bg-BG" sz="2500" dirty="0" smtClean="0">
-                <a:solidFill>
-                  <a:schemeClr val="bg1"/>
-                </a:solidFill>
-              </a:rPr>
-              <a:t>Извикваме дефинирани функции</a:t>
-            </a:r>
-          </a:p>
-          <a:p>
-            <a:pPr marL="342900" indent="-342900">
-              <a:buFontTx/>
-              <a:buChar char="-"/>
-            </a:pPr>
-            <a:r>
-              <a:rPr lang="bg-BG" sz="2500" dirty="0" smtClean="0">
-                <a:solidFill>
-                  <a:schemeClr val="bg1"/>
-                </a:solidFill>
-              </a:rPr>
-              <a:t>Спрем действията по подразбиране на </a:t>
-            </a:r>
-            <a:r>
-              <a:rPr lang="en-US" sz="2500" dirty="0" smtClean="0">
-                <a:solidFill>
-                  <a:schemeClr val="bg1"/>
-                </a:solidFill>
-              </a:rPr>
-              <a:t>HTML </a:t>
-            </a:r>
-            <a:r>
-              <a:rPr lang="bg-BG" sz="2500" dirty="0" smtClean="0">
-                <a:solidFill>
-                  <a:schemeClr val="bg1"/>
-                </a:solidFill>
-              </a:rPr>
-              <a:t>елемент</a:t>
-            </a:r>
-          </a:p>
-        </p:txBody>
-      </p:sp>
-    </p:spTree>
-    <p:extLst>
-      <p:ext uri="{BB962C8B-B14F-4D97-AF65-F5344CB8AC3E}">
-        <p14:creationId xmlns:p14="http://schemas.microsoft.com/office/powerpoint/2010/main" val="3435537964"/>
-      </p:ext>
-    </p:extLst>
-  </p:cSld>
-  <p:clrMapOvr>
-    <a:masterClrMapping/>
-  </p:clrMapOvr>
-  <p:timing>
-    <p:tnLst>
-      <p:par>
-        <p:cTn id="1" dur="indefinite" restart="never" nodeType="tmRoot"/>
-      </p:par>
-    </p:tnLst>
-  </p:timing>
-</p:sld>
-</file>
-
 <file path=ppt/slides/slide69.xml><?xml version="1.0" encoding="utf-8"?>
 <p:sld xmlns:a="http://schemas.openxmlformats.org/drawingml/2006/main" xmlns:r="http://schemas.openxmlformats.org/officeDocument/2006/relationships" xmlns:p="http://schemas.openxmlformats.org/presentationml/2006/main">
   <p:cSld>
@@ -27293,7 +27417,7 @@
         <p:spPr>
           <a:xfrm>
             <a:off x="425355" y="1491734"/>
-            <a:ext cx="8718645" cy="2139047"/>
+            <a:ext cx="8718645" cy="3554819"/>
           </a:xfrm>
           <a:prstGeom prst="rect">
             <a:avLst/>
@@ -27311,262 +27435,145 @@
                 <a:solidFill>
                   <a:schemeClr val="bg1"/>
                 </a:solidFill>
-                <a:latin typeface="+mj-lt"/>
-                <a:cs typeface="Courier New" panose="02070309020205020404" pitchFamily="49" charset="0"/>
-              </a:rPr>
-              <a:t>Няколко примера:</a:t>
-            </a:r>
-            <a:endParaRPr lang="en-US" sz="2500" dirty="0" smtClean="0">
-              <a:solidFill>
-                <a:schemeClr val="bg1"/>
-              </a:solidFill>
-              <a:latin typeface="+mj-lt"/>
-              <a:cs typeface="Courier New" panose="02070309020205020404" pitchFamily="49" charset="0"/>
-            </a:endParaRPr>
-          </a:p>
-          <a:p>
-            <a:r>
-              <a:rPr lang="en-US" dirty="0" smtClean="0">
-                <a:solidFill>
-                  <a:schemeClr val="bg1"/>
-                </a:solidFill>
-                <a:latin typeface="Courier New" panose="02070309020205020404" pitchFamily="49" charset="0"/>
-                <a:cs typeface="Courier New" panose="02070309020205020404" pitchFamily="49" charset="0"/>
-              </a:rPr>
-              <a:t>&lt;a </a:t>
-            </a:r>
-            <a:r>
-              <a:rPr lang="en-US" dirty="0" err="1" smtClean="0">
-                <a:solidFill>
-                  <a:schemeClr val="bg1"/>
-                </a:solidFill>
-                <a:latin typeface="Courier New" panose="02070309020205020404" pitchFamily="49" charset="0"/>
-                <a:cs typeface="Courier New" panose="02070309020205020404" pitchFamily="49" charset="0"/>
-              </a:rPr>
-              <a:t>href</a:t>
-            </a:r>
-            <a:r>
-              <a:rPr lang="en-US" dirty="0" smtClean="0">
-                <a:solidFill>
-                  <a:schemeClr val="bg1"/>
-                </a:solidFill>
-                <a:latin typeface="Courier New" panose="02070309020205020404" pitchFamily="49" charset="0"/>
-                <a:cs typeface="Courier New" panose="02070309020205020404" pitchFamily="49" charset="0"/>
-              </a:rPr>
-              <a:t>=“#” </a:t>
-            </a:r>
-            <a:r>
-              <a:rPr lang="en-US" dirty="0" err="1" smtClean="0">
-                <a:solidFill>
-                  <a:schemeClr val="bg1"/>
-                </a:solidFill>
-                <a:latin typeface="Courier New" panose="02070309020205020404" pitchFamily="49" charset="0"/>
-                <a:cs typeface="Courier New" panose="02070309020205020404" pitchFamily="49" charset="0"/>
-              </a:rPr>
-              <a:t>onclick</a:t>
-            </a:r>
-            <a:r>
-              <a:rPr lang="en-US" dirty="0" smtClean="0">
-                <a:solidFill>
-                  <a:schemeClr val="bg1"/>
-                </a:solidFill>
-                <a:latin typeface="Courier New" panose="02070309020205020404" pitchFamily="49" charset="0"/>
-                <a:cs typeface="Courier New" panose="02070309020205020404" pitchFamily="49" charset="0"/>
-              </a:rPr>
-              <a:t>=“alert(‘Link clicked’)”&gt;Link&lt;/a&gt;</a:t>
-            </a:r>
-          </a:p>
-          <a:p>
-            <a:endParaRPr lang="en-US" dirty="0" smtClean="0">
-              <a:solidFill>
-                <a:schemeClr val="bg1"/>
-              </a:solidFill>
-              <a:latin typeface="Courier New" panose="02070309020205020404" pitchFamily="49" charset="0"/>
-              <a:cs typeface="Courier New" panose="02070309020205020404" pitchFamily="49" charset="0"/>
-            </a:endParaRPr>
-          </a:p>
-          <a:p>
-            <a:r>
-              <a:rPr lang="en-US" dirty="0">
-                <a:solidFill>
-                  <a:schemeClr val="bg1"/>
-                </a:solidFill>
-                <a:latin typeface="Courier New" panose="02070309020205020404" pitchFamily="49" charset="0"/>
-                <a:cs typeface="Courier New" panose="02070309020205020404" pitchFamily="49" charset="0"/>
-              </a:rPr>
-              <a:t>&lt;button </a:t>
-            </a:r>
-            <a:r>
-              <a:rPr lang="en-US" dirty="0" err="1" smtClean="0">
-                <a:solidFill>
-                  <a:schemeClr val="bg1"/>
-                </a:solidFill>
-                <a:latin typeface="Courier New" panose="02070309020205020404" pitchFamily="49" charset="0"/>
-                <a:cs typeface="Courier New" panose="02070309020205020404" pitchFamily="49" charset="0"/>
-              </a:rPr>
-              <a:t>onclick</a:t>
-            </a:r>
-            <a:r>
-              <a:rPr lang="en-US" dirty="0" smtClean="0">
-                <a:solidFill>
-                  <a:schemeClr val="bg1"/>
-                </a:solidFill>
-                <a:latin typeface="Courier New" panose="02070309020205020404" pitchFamily="49" charset="0"/>
-                <a:cs typeface="Courier New" panose="02070309020205020404" pitchFamily="49" charset="0"/>
-              </a:rPr>
-              <a:t>=“</a:t>
-            </a:r>
-            <a:r>
-              <a:rPr lang="en-US" dirty="0" err="1" smtClean="0">
-                <a:solidFill>
-                  <a:schemeClr val="bg1"/>
-                </a:solidFill>
-                <a:latin typeface="Courier New" panose="02070309020205020404" pitchFamily="49" charset="0"/>
-                <a:cs typeface="Courier New" panose="02070309020205020404" pitchFamily="49" charset="0"/>
-              </a:rPr>
-              <a:t>getElementById</a:t>
-            </a:r>
-            <a:r>
-              <a:rPr lang="en-US" dirty="0" smtClean="0">
-                <a:solidFill>
-                  <a:schemeClr val="bg1"/>
-                </a:solidFill>
-                <a:latin typeface="Courier New" panose="02070309020205020404" pitchFamily="49" charset="0"/>
-                <a:cs typeface="Courier New" panose="02070309020205020404" pitchFamily="49" charset="0"/>
-              </a:rPr>
-              <a:t>(‘demo’).</a:t>
-            </a:r>
-            <a:r>
-              <a:rPr lang="en-US" dirty="0" err="1">
-                <a:solidFill>
-                  <a:schemeClr val="bg1"/>
-                </a:solidFill>
-                <a:latin typeface="Courier New" panose="02070309020205020404" pitchFamily="49" charset="0"/>
-                <a:cs typeface="Courier New" panose="02070309020205020404" pitchFamily="49" charset="0"/>
-              </a:rPr>
-              <a:t>innerHTML</a:t>
-            </a:r>
-            <a:r>
-              <a:rPr lang="en-US" dirty="0">
-                <a:solidFill>
-                  <a:schemeClr val="bg1"/>
-                </a:solidFill>
-                <a:latin typeface="Courier New" panose="02070309020205020404" pitchFamily="49" charset="0"/>
-                <a:cs typeface="Courier New" panose="02070309020205020404" pitchFamily="49" charset="0"/>
-              </a:rPr>
-              <a:t>=Date</a:t>
-            </a:r>
-            <a:r>
-              <a:rPr lang="en-US" dirty="0" smtClean="0">
-                <a:solidFill>
-                  <a:schemeClr val="bg1"/>
-                </a:solidFill>
-                <a:latin typeface="Courier New" panose="02070309020205020404" pitchFamily="49" charset="0"/>
-                <a:cs typeface="Courier New" panose="02070309020205020404" pitchFamily="49" charset="0"/>
-              </a:rPr>
-              <a:t>()”&gt;</a:t>
-            </a:r>
-            <a:r>
-              <a:rPr lang="en-US" dirty="0">
-                <a:solidFill>
-                  <a:schemeClr val="bg1"/>
-                </a:solidFill>
-                <a:latin typeface="Courier New" panose="02070309020205020404" pitchFamily="49" charset="0"/>
-                <a:cs typeface="Courier New" panose="02070309020205020404" pitchFamily="49" charset="0"/>
-              </a:rPr>
-              <a:t>The time is?&lt;/button</a:t>
-            </a:r>
-            <a:r>
-              <a:rPr lang="en-US" dirty="0" smtClean="0">
-                <a:solidFill>
-                  <a:schemeClr val="bg1"/>
-                </a:solidFill>
-                <a:latin typeface="Courier New" panose="02070309020205020404" pitchFamily="49" charset="0"/>
-                <a:cs typeface="Courier New" panose="02070309020205020404" pitchFamily="49" charset="0"/>
-              </a:rPr>
-              <a:t>&gt;</a:t>
-            </a:r>
-          </a:p>
-          <a:p>
-            <a:endParaRPr lang="en-US" dirty="0" smtClean="0">
-              <a:solidFill>
-                <a:schemeClr val="bg1"/>
-              </a:solidFill>
-              <a:latin typeface="Courier New" panose="02070309020205020404" pitchFamily="49" charset="0"/>
-              <a:cs typeface="Courier New" panose="02070309020205020404" pitchFamily="49" charset="0"/>
-            </a:endParaRPr>
-          </a:p>
-          <a:p>
-            <a:r>
-              <a:rPr lang="en-US" dirty="0">
-                <a:solidFill>
-                  <a:schemeClr val="bg1"/>
-                </a:solidFill>
-                <a:latin typeface="Courier New" panose="02070309020205020404" pitchFamily="49" charset="0"/>
-                <a:cs typeface="Courier New" panose="02070309020205020404" pitchFamily="49" charset="0"/>
-              </a:rPr>
-              <a:t>&lt;body </a:t>
-            </a:r>
-            <a:r>
-              <a:rPr lang="en-US" dirty="0" err="1">
-                <a:solidFill>
-                  <a:schemeClr val="bg1"/>
-                </a:solidFill>
-                <a:latin typeface="Courier New" panose="02070309020205020404" pitchFamily="49" charset="0"/>
-                <a:cs typeface="Courier New" panose="02070309020205020404" pitchFamily="49" charset="0"/>
-              </a:rPr>
-              <a:t>onload</a:t>
-            </a:r>
-            <a:r>
-              <a:rPr lang="en-US" dirty="0">
-                <a:solidFill>
-                  <a:schemeClr val="bg1"/>
-                </a:solidFill>
-                <a:latin typeface="Courier New" panose="02070309020205020404" pitchFamily="49" charset="0"/>
-                <a:cs typeface="Courier New" panose="02070309020205020404" pitchFamily="49" charset="0"/>
-              </a:rPr>
-              <a:t>="</a:t>
-            </a:r>
-            <a:r>
-              <a:rPr lang="en-US" dirty="0" err="1">
-                <a:solidFill>
-                  <a:schemeClr val="bg1"/>
-                </a:solidFill>
-                <a:latin typeface="Courier New" panose="02070309020205020404" pitchFamily="49" charset="0"/>
-                <a:cs typeface="Courier New" panose="02070309020205020404" pitchFamily="49" charset="0"/>
-              </a:rPr>
-              <a:t>bodyOnloadHandler</a:t>
-            </a:r>
-            <a:r>
-              <a:rPr lang="en-US" dirty="0">
-                <a:solidFill>
-                  <a:schemeClr val="bg1"/>
-                </a:solidFill>
-                <a:latin typeface="Courier New" panose="02070309020205020404" pitchFamily="49" charset="0"/>
-                <a:cs typeface="Courier New" panose="02070309020205020404" pitchFamily="49" charset="0"/>
-              </a:rPr>
-              <a:t>()"&gt;</a:t>
-            </a:r>
-            <a:endParaRPr lang="bg-BG" dirty="0" smtClean="0">
-              <a:solidFill>
-                <a:schemeClr val="bg1"/>
-              </a:solidFill>
-              <a:latin typeface="Courier New" panose="02070309020205020404" pitchFamily="49" charset="0"/>
-              <a:cs typeface="Courier New" panose="02070309020205020404" pitchFamily="49" charset="0"/>
-            </a:endParaRPr>
+              </a:rPr>
+              <a:t>С помощта на </a:t>
+            </a:r>
+            <a:r>
+              <a:rPr lang="en-US" sz="2500" dirty="0" smtClean="0">
+                <a:solidFill>
+                  <a:schemeClr val="bg1"/>
+                </a:solidFill>
+              </a:rPr>
+              <a:t>JavaScript </a:t>
+            </a:r>
+            <a:r>
+              <a:rPr lang="bg-BG" sz="2500" dirty="0" smtClean="0">
+                <a:solidFill>
+                  <a:schemeClr val="bg1"/>
+                </a:solidFill>
+              </a:rPr>
+              <a:t>събитията може да:</a:t>
+            </a:r>
+          </a:p>
+          <a:p>
+            <a:pPr marL="342900" indent="-342900">
+              <a:buFontTx/>
+              <a:buChar char="-"/>
+            </a:pPr>
+            <a:r>
+              <a:rPr lang="bg-BG" sz="2500" dirty="0" smtClean="0">
+                <a:solidFill>
+                  <a:schemeClr val="bg1"/>
+                </a:solidFill>
+              </a:rPr>
+              <a:t>Проверяваме дали дадено поле е попълнено и какви са данните в него</a:t>
+            </a:r>
+          </a:p>
+          <a:p>
+            <a:pPr marL="342900" indent="-342900">
+              <a:buFontTx/>
+              <a:buChar char="-"/>
+            </a:pPr>
+            <a:r>
+              <a:rPr lang="bg-BG" sz="2500" dirty="0" smtClean="0">
+                <a:solidFill>
+                  <a:schemeClr val="bg1"/>
+                </a:solidFill>
+              </a:rPr>
+              <a:t>Извършваме някакво действие, когато страницата се зареди</a:t>
+            </a:r>
+          </a:p>
+          <a:p>
+            <a:pPr marL="342900" indent="-342900">
+              <a:buFontTx/>
+              <a:buChar char="-"/>
+            </a:pPr>
+            <a:r>
+              <a:rPr lang="bg-BG" sz="2500" dirty="0" smtClean="0">
+                <a:solidFill>
+                  <a:schemeClr val="bg1"/>
+                </a:solidFill>
+              </a:rPr>
+              <a:t>Извършваме някакво действие, когато стрницата се затвори</a:t>
+            </a:r>
+          </a:p>
+          <a:p>
+            <a:pPr marL="342900" indent="-342900">
+              <a:buFontTx/>
+              <a:buChar char="-"/>
+            </a:pPr>
+            <a:r>
+              <a:rPr lang="bg-BG" sz="2500" dirty="0" smtClean="0">
+                <a:solidFill>
+                  <a:schemeClr val="bg1"/>
+                </a:solidFill>
+              </a:rPr>
+              <a:t>Извършваме някакво действие, когато потребителят кликне върху линк</a:t>
+            </a:r>
+          </a:p>
+          <a:p>
+            <a:pPr marL="342900" indent="-342900">
+              <a:buFontTx/>
+              <a:buChar char="-"/>
+            </a:pPr>
+            <a:r>
+              <a:rPr lang="bg-BG" sz="2500" dirty="0" smtClean="0">
+                <a:solidFill>
+                  <a:schemeClr val="bg1"/>
+                </a:solidFill>
+              </a:rPr>
+              <a:t>Извикваме дефинирани функции</a:t>
+            </a:r>
+          </a:p>
+          <a:p>
+            <a:pPr marL="342900" indent="-342900">
+              <a:buFontTx/>
+              <a:buChar char="-"/>
+            </a:pPr>
+            <a:r>
+              <a:rPr lang="bg-BG" sz="2500" dirty="0" smtClean="0">
+                <a:solidFill>
+                  <a:schemeClr val="bg1"/>
+                </a:solidFill>
+              </a:rPr>
+              <a:t>Спрем действията по подразбиране на </a:t>
+            </a:r>
+            <a:r>
+              <a:rPr lang="en-US" sz="2500" dirty="0" smtClean="0">
+                <a:solidFill>
+                  <a:schemeClr val="bg1"/>
+                </a:solidFill>
+              </a:rPr>
+              <a:t>HTML </a:t>
+            </a:r>
+            <a:r>
+              <a:rPr lang="bg-BG" sz="2500" dirty="0" smtClean="0">
+                <a:solidFill>
+                  <a:schemeClr val="bg1"/>
+                </a:solidFill>
+              </a:rPr>
+              <a:t>елемент</a:t>
+            </a:r>
           </a:p>
         </p:txBody>
       </p:sp>
     </p:spTree>
     <p:extLst>
       <p:ext uri="{BB962C8B-B14F-4D97-AF65-F5344CB8AC3E}">
-        <p14:creationId xmlns:p14="http://schemas.microsoft.com/office/powerpoint/2010/main" val="2114262781"/>
+        <p14:creationId xmlns:p14="http://schemas.microsoft.com/office/powerpoint/2010/main" val="3435537964"/>
       </p:ext>
     </p:extLst>
   </p:cSld>
   <p:clrMapOvr>
     <a:masterClrMapping/>
   </p:clrMapOvr>
+  <p:timing>
+    <p:tnLst>
+      <p:par>
+        <p:cTn id="1" dur="indefinite" restart="never" nodeType="tmRoot"/>
+      </p:par>
+    </p:tnLst>
+  </p:timing>
 </p:sld>
 </file>
 
@@ -28078,31 +28085,7 @@
                   <a:schemeClr val="accent6"/>
                 </a:solidFill>
               </a:rPr>
-              <a:t>Е</a:t>
-            </a:r>
-            <a:r>
-              <a:rPr lang="en-US" sz="2900" dirty="0" smtClean="0">
-                <a:solidFill>
-                  <a:schemeClr val="accent6"/>
-                </a:solidFill>
-              </a:rPr>
-              <a:t>vent</a:t>
-            </a:r>
-            <a:r>
-              <a:rPr lang="bg-BG" sz="2900" dirty="0" smtClean="0">
-                <a:solidFill>
-                  <a:schemeClr val="accent6"/>
-                </a:solidFill>
-              </a:rPr>
-              <a:t> </a:t>
-            </a:r>
-            <a:r>
-              <a:rPr lang="en-US" sz="2900" dirty="0" smtClean="0">
-                <a:solidFill>
-                  <a:schemeClr val="accent6"/>
-                </a:solidFill>
-              </a:rPr>
-              <a:t>Listeners</a:t>
+              <a:t>Събития</a:t>
             </a:r>
             <a:endParaRPr lang="en-US" sz="2900" dirty="0">
               <a:solidFill>
@@ -28121,7 +28104,7 @@
         <p:spPr>
           <a:xfrm>
             <a:off x="425355" y="1491734"/>
-            <a:ext cx="8718645" cy="3893374"/>
+            <a:ext cx="8718645" cy="2139047"/>
           </a:xfrm>
           <a:prstGeom prst="rect">
             <a:avLst/>
@@ -28135,26 +28118,6 @@
           <a:lstStyle/>
           <a:p>
             <a:r>
-              <a:rPr lang="en-US" sz="2500" dirty="0" err="1" smtClean="0">
-                <a:solidFill>
-                  <a:schemeClr val="bg1"/>
-                </a:solidFill>
-                <a:latin typeface="+mj-lt"/>
-                <a:cs typeface="Courier New" panose="02070309020205020404" pitchFamily="49" charset="0"/>
-              </a:rPr>
-              <a:t>EventListener</a:t>
-            </a:r>
-            <a:r>
-              <a:rPr lang="en-US" sz="2500" dirty="0" smtClean="0">
-                <a:solidFill>
-                  <a:schemeClr val="bg1"/>
-                </a:solidFill>
-                <a:latin typeface="+mj-lt"/>
-                <a:cs typeface="Courier New" panose="02070309020205020404" pitchFamily="49" charset="0"/>
-              </a:rPr>
-              <a:t>-a </a:t>
-            </a:r>
-            <a:r>
               <a:rPr lang="bg-BG" sz="2500" dirty="0" smtClean="0">
                 <a:solidFill>
                   <a:schemeClr val="bg1"/>
@@ -28162,195 +28125,72 @@
                 <a:latin typeface="+mj-lt"/>
                 <a:cs typeface="Courier New" panose="02070309020205020404" pitchFamily="49" charset="0"/>
               </a:rPr>
-              <a:t>добавя метод за овладяване</a:t>
-            </a:r>
-            <a:r>
-              <a:rPr lang="en-US" sz="2500" dirty="0" smtClean="0">
-                <a:solidFill>
-                  <a:schemeClr val="bg1"/>
-                </a:solidFill>
-                <a:latin typeface="+mj-lt"/>
-                <a:cs typeface="Courier New" panose="02070309020205020404" pitchFamily="49" charset="0"/>
-              </a:rPr>
-              <a:t>(</a:t>
-            </a:r>
-            <a:r>
-              <a:rPr lang="bg-BG" sz="2500" dirty="0" smtClean="0">
-                <a:solidFill>
-                  <a:srgbClr val="92D050"/>
-                </a:solidFill>
-                <a:latin typeface="+mj-lt"/>
-                <a:cs typeface="Courier New" panose="02070309020205020404" pitchFamily="49" charset="0"/>
-              </a:rPr>
-              <a:t>прихващане</a:t>
-            </a:r>
-            <a:r>
-              <a:rPr lang="en-US" sz="2500" dirty="0" smtClean="0">
-                <a:solidFill>
-                  <a:schemeClr val="bg1"/>
-                </a:solidFill>
-                <a:latin typeface="+mj-lt"/>
-                <a:cs typeface="Courier New" panose="02070309020205020404" pitchFamily="49" charset="0"/>
-              </a:rPr>
-              <a:t>)</a:t>
-            </a:r>
-            <a:r>
-              <a:rPr lang="bg-BG" sz="2500" dirty="0" smtClean="0">
-                <a:solidFill>
-                  <a:schemeClr val="bg1"/>
-                </a:solidFill>
-                <a:latin typeface="+mj-lt"/>
-                <a:cs typeface="Courier New" panose="02070309020205020404" pitchFamily="49" charset="0"/>
-              </a:rPr>
-              <a:t> на събития към даден </a:t>
-            </a:r>
-            <a:r>
-              <a:rPr lang="en-US" sz="2500" dirty="0" smtClean="0">
-                <a:solidFill>
-                  <a:schemeClr val="bg1"/>
-                </a:solidFill>
-                <a:latin typeface="+mj-lt"/>
-                <a:cs typeface="Courier New" panose="02070309020205020404" pitchFamily="49" charset="0"/>
-              </a:rPr>
-              <a:t>HTML </a:t>
-            </a:r>
-            <a:r>
-              <a:rPr lang="bg-BG" sz="2500" dirty="0" smtClean="0">
-                <a:solidFill>
-                  <a:schemeClr val="bg1"/>
-                </a:solidFill>
-                <a:latin typeface="+mj-lt"/>
-                <a:cs typeface="Courier New" panose="02070309020205020404" pitchFamily="49" charset="0"/>
-              </a:rPr>
-              <a:t>елемент. Функцията за добавяне на </a:t>
-            </a:r>
-            <a:r>
-              <a:rPr lang="en-US" sz="2500" dirty="0" err="1" smtClean="0">
-                <a:solidFill>
-                  <a:schemeClr val="bg1"/>
-                </a:solidFill>
-                <a:latin typeface="+mj-lt"/>
-                <a:cs typeface="Courier New" panose="02070309020205020404" pitchFamily="49" charset="0"/>
-              </a:rPr>
-              <a:t>eventListener</a:t>
-            </a:r>
-            <a:r>
-              <a:rPr lang="en-US" sz="2500" dirty="0" smtClean="0">
-                <a:solidFill>
-                  <a:schemeClr val="bg1"/>
-                </a:solidFill>
-                <a:latin typeface="+mj-lt"/>
-                <a:cs typeface="Courier New" panose="02070309020205020404" pitchFamily="49" charset="0"/>
-              </a:rPr>
-              <a:t> </a:t>
-            </a:r>
-            <a:r>
-              <a:rPr lang="bg-BG" sz="2500" dirty="0" smtClean="0">
-                <a:solidFill>
-                  <a:schemeClr val="bg1"/>
-                </a:solidFill>
-                <a:latin typeface="+mj-lt"/>
-                <a:cs typeface="Courier New" panose="02070309020205020404" pitchFamily="49" charset="0"/>
-              </a:rPr>
-              <a:t>е </a:t>
-            </a:r>
-            <a:r>
-              <a:rPr lang="en-US" sz="2500" dirty="0" err="1" smtClean="0">
-                <a:solidFill>
-                  <a:srgbClr val="92D050"/>
-                </a:solidFill>
-                <a:latin typeface="+mj-lt"/>
-                <a:cs typeface="Courier New" panose="02070309020205020404" pitchFamily="49" charset="0"/>
-              </a:rPr>
-              <a:t>addEventListener</a:t>
-            </a:r>
-            <a:r>
-              <a:rPr lang="en-US" sz="2500" dirty="0" smtClean="0">
-                <a:solidFill>
-                  <a:srgbClr val="92D050"/>
-                </a:solidFill>
-                <a:latin typeface="+mj-lt"/>
-                <a:cs typeface="Courier New" panose="02070309020205020404" pitchFamily="49" charset="0"/>
-              </a:rPr>
-              <a:t>(). </a:t>
-            </a:r>
-          </a:p>
-          <a:p>
-            <a:r>
-              <a:rPr lang="bg-BG" sz="2500" dirty="0" smtClean="0">
-                <a:solidFill>
-                  <a:schemeClr val="bg1"/>
-                </a:solidFill>
-                <a:latin typeface="+mj-lt"/>
-                <a:cs typeface="Courier New" panose="02070309020205020404" pitchFamily="49" charset="0"/>
-              </a:rPr>
-              <a:t>Синтаксисът за добавяне на </a:t>
-            </a:r>
-            <a:r>
-              <a:rPr lang="en-US" sz="2500" dirty="0" err="1" smtClean="0">
-                <a:solidFill>
-                  <a:schemeClr val="bg1"/>
-                </a:solidFill>
-                <a:latin typeface="+mj-lt"/>
-                <a:cs typeface="Courier New" panose="02070309020205020404" pitchFamily="49" charset="0"/>
-              </a:rPr>
-              <a:t>eventListener</a:t>
-            </a:r>
-            <a:r>
-              <a:rPr lang="en-US" sz="2500" dirty="0" smtClean="0">
-                <a:solidFill>
-                  <a:schemeClr val="bg1"/>
-                </a:solidFill>
-                <a:latin typeface="+mj-lt"/>
-                <a:cs typeface="Courier New" panose="02070309020205020404" pitchFamily="49" charset="0"/>
-              </a:rPr>
-              <a:t> </a:t>
-            </a:r>
-            <a:r>
-              <a:rPr lang="bg-BG" sz="2500" dirty="0" smtClean="0">
-                <a:solidFill>
-                  <a:schemeClr val="bg1"/>
-                </a:solidFill>
-                <a:latin typeface="+mj-lt"/>
-                <a:cs typeface="Courier New" panose="02070309020205020404" pitchFamily="49" charset="0"/>
-              </a:rPr>
-              <a:t>е следният:</a:t>
-            </a:r>
-          </a:p>
-          <a:p>
-            <a:r>
-              <a:rPr lang="en-US" dirty="0" err="1">
-                <a:solidFill>
-                  <a:srgbClr val="92D050"/>
-                </a:solidFill>
-                <a:latin typeface="Courier New" panose="02070309020205020404" pitchFamily="49" charset="0"/>
-                <a:cs typeface="Courier New" panose="02070309020205020404" pitchFamily="49" charset="0"/>
-              </a:rPr>
-              <a:t>element.addEventListener</a:t>
-            </a:r>
-            <a:r>
-              <a:rPr lang="en-US" dirty="0">
-                <a:solidFill>
-                  <a:srgbClr val="92D050"/>
-                </a:solidFill>
-                <a:latin typeface="Courier New" panose="02070309020205020404" pitchFamily="49" charset="0"/>
-                <a:cs typeface="Courier New" panose="02070309020205020404" pitchFamily="49" charset="0"/>
-              </a:rPr>
-              <a:t>(event, </a:t>
-            </a:r>
+              <a:t>Няколко примера:</a:t>
+            </a:r>
+            <a:endParaRPr lang="en-US" sz="2500" dirty="0" smtClean="0">
+              <a:solidFill>
+                <a:schemeClr val="bg1"/>
+              </a:solidFill>
+              <a:latin typeface="+mj-lt"/>
+              <a:cs typeface="Courier New" panose="02070309020205020404" pitchFamily="49" charset="0"/>
+            </a:endParaRPr>
+          </a:p>
+          <a:p>
             <a:r>
               <a:rPr lang="en-US" dirty="0" smtClean="0">
                 <a:solidFill>
-                  <a:srgbClr val="92D050"/>
-                </a:solidFill>
-                <a:latin typeface="Courier New" panose="02070309020205020404" pitchFamily="49" charset="0"/>
-                <a:cs typeface="Courier New" panose="02070309020205020404" pitchFamily="49" charset="0"/>
-              </a:rPr>
-              <a:t>function);</a:t>
-            </a:r>
-            <a:endParaRPr lang="bg-BG" dirty="0" smtClean="0">
+                  <a:schemeClr val="bg1"/>
+                </a:solidFill>
+                <a:latin typeface="Courier New" panose="02070309020205020404" pitchFamily="49" charset="0"/>
+                <a:cs typeface="Courier New" panose="02070309020205020404" pitchFamily="49" charset="0"/>
+              </a:rPr>
+              <a:t>&lt;a </a:t>
+            </a:r>
+            <a:r>
+              <a:rPr lang="en-US" dirty="0" err="1" smtClean="0">
+                <a:solidFill>
+                  <a:schemeClr val="bg1"/>
+                </a:solidFill>
+                <a:latin typeface="Courier New" panose="02070309020205020404" pitchFamily="49" charset="0"/>
+                <a:cs typeface="Courier New" panose="02070309020205020404" pitchFamily="49" charset="0"/>
+              </a:rPr>
+              <a:t>href</a:t>
+            </a:r>
+            <a:r>
+              <a:rPr lang="en-US" dirty="0" smtClean="0">
+                <a:solidFill>
+                  <a:schemeClr val="bg1"/>
+                </a:solidFill>
+                <a:latin typeface="Courier New" panose="02070309020205020404" pitchFamily="49" charset="0"/>
+                <a:cs typeface="Courier New" panose="02070309020205020404" pitchFamily="49" charset="0"/>
+              </a:rPr>
+              <a:t>=“#” </a:t>
+            </a:r>
+            <a:r>
+              <a:rPr lang="en-US" dirty="0" err="1" smtClean="0">
+                <a:solidFill>
+                  <a:schemeClr val="bg1"/>
+                </a:solidFill>
+                <a:latin typeface="Courier New" panose="02070309020205020404" pitchFamily="49" charset="0"/>
+                <a:cs typeface="Courier New" panose="02070309020205020404" pitchFamily="49" charset="0"/>
+              </a:rPr>
+              <a:t>onclick</a:t>
+            </a:r>
+            <a:r>
+              <a:rPr lang="en-US" dirty="0" smtClean="0">
+                <a:solidFill>
+                  <a:schemeClr val="bg1"/>
+                </a:solidFill>
+                <a:latin typeface="Courier New" panose="02070309020205020404" pitchFamily="49" charset="0"/>
+                <a:cs typeface="Courier New" panose="02070309020205020404" pitchFamily="49" charset="0"/>
+              </a:rPr>
+              <a:t>=“alert(‘Link clicked’)”&gt;Link&lt;/a&gt;</a:t>
+            </a:r>
+          </a:p>
+          <a:p>
+            <a:endParaRPr lang="en-US" dirty="0" smtClean="0">
               <a:solidFill>
-                <a:srgbClr val="92D050"/>
+                <a:schemeClr val="bg1"/>
               </a:solidFill>
               <a:latin typeface="Courier New" panose="02070309020205020404" pitchFamily="49" charset="0"/>
               <a:cs typeface="Courier New" panose="02070309020205020404" pitchFamily="49" charset="0"/>
@@ -28358,89 +28198,15 @@
           </a:p>
           <a:p>
             <a:r>
-              <a:rPr lang="bg-BG" sz="2500" dirty="0" smtClean="0">
-                <a:solidFill>
-                  <a:schemeClr val="bg1"/>
-                </a:solidFill>
-                <a:latin typeface="+mj-lt"/>
-                <a:cs typeface="Courier New" panose="02070309020205020404" pitchFamily="49" charset="0"/>
-              </a:rPr>
-              <a:t>Пример:</a:t>
-            </a:r>
-          </a:p>
-          <a:p>
-            <a:r>
-              <a:rPr lang="bg-BG" sz="2500" dirty="0" smtClean="0">
-                <a:solidFill>
-                  <a:schemeClr val="bg1"/>
-                </a:solidFill>
-                <a:latin typeface="+mj-lt"/>
-                <a:cs typeface="Courier New" panose="02070309020205020404" pitchFamily="49" charset="0"/>
-              </a:rPr>
-              <a:t>ако имам дефиниран елемент </a:t>
-            </a:r>
-            <a:r>
-              <a:rPr lang="en-US" sz="2500" dirty="0" err="1" smtClean="0">
-                <a:solidFill>
-                  <a:schemeClr val="bg1"/>
-                </a:solidFill>
-                <a:latin typeface="+mj-lt"/>
-                <a:cs typeface="Courier New" panose="02070309020205020404" pitchFamily="49" charset="0"/>
-              </a:rPr>
-              <a:t>addRoomsLink</a:t>
-            </a:r>
-            <a:r>
-              <a:rPr lang="en-US" sz="2500" dirty="0" smtClean="0">
-                <a:solidFill>
-                  <a:schemeClr val="bg1"/>
-                </a:solidFill>
-                <a:latin typeface="+mj-lt"/>
-                <a:cs typeface="Courier New" panose="02070309020205020404" pitchFamily="49" charset="0"/>
-              </a:rPr>
-              <a:t>, </a:t>
-            </a:r>
-            <a:r>
-              <a:rPr lang="bg-BG" sz="2500" dirty="0" smtClean="0">
-                <a:solidFill>
-                  <a:schemeClr val="bg1"/>
-                </a:solidFill>
-                <a:latin typeface="+mj-lt"/>
-                <a:cs typeface="Courier New" panose="02070309020205020404" pitchFamily="49" charset="0"/>
-              </a:rPr>
-              <a:t>можем да му добавим </a:t>
-            </a:r>
-            <a:r>
-              <a:rPr lang="en-US" sz="2500" dirty="0" err="1" smtClean="0">
-                <a:solidFill>
-                  <a:schemeClr val="bg1"/>
-                </a:solidFill>
-                <a:latin typeface="+mj-lt"/>
-                <a:cs typeface="Courier New" panose="02070309020205020404" pitchFamily="49" charset="0"/>
-              </a:rPr>
-              <a:t>eventListener</a:t>
-            </a:r>
-            <a:r>
-              <a:rPr lang="en-US" sz="2500" dirty="0" smtClean="0">
-                <a:solidFill>
-                  <a:schemeClr val="bg1"/>
-                </a:solidFill>
-                <a:latin typeface="+mj-lt"/>
-                <a:cs typeface="Courier New" panose="02070309020205020404" pitchFamily="49" charset="0"/>
-              </a:rPr>
-              <a:t> </a:t>
-            </a:r>
-            <a:r>
-              <a:rPr lang="bg-BG" sz="2500" dirty="0" smtClean="0">
-                <a:solidFill>
-                  <a:schemeClr val="bg1"/>
-                </a:solidFill>
-                <a:latin typeface="+mj-lt"/>
-                <a:cs typeface="Courier New" panose="02070309020205020404" pitchFamily="49" charset="0"/>
-              </a:rPr>
-              <a:t>по следния начин:</a:t>
-            </a:r>
-          </a:p>
-          <a:p>
+              <a:rPr lang="en-US" dirty="0">
+                <a:solidFill>
+                  <a:schemeClr val="bg1"/>
+                </a:solidFill>
+                <a:latin typeface="Courier New" panose="02070309020205020404" pitchFamily="49" charset="0"/>
+                <a:cs typeface="Courier New" panose="02070309020205020404" pitchFamily="49" charset="0"/>
+              </a:rPr>
+              <a:t>&lt;button </a:t>
+            </a:r>
             <a:r>
               <a:rPr lang="en-US" dirty="0" err="1" smtClean="0">
                 <a:solidFill>
@@ -28449,7 +28215,7 @@
                 <a:latin typeface="Courier New" panose="02070309020205020404" pitchFamily="49" charset="0"/>
                 <a:cs typeface="Courier New" panose="02070309020205020404" pitchFamily="49" charset="0"/>
               </a:rPr>
-              <a:t>addRoomsLink.addEventListener</a:t>
+              <a:t>onclick</a:t>
             </a:r>
             <a:r>
               <a:rPr lang="en-US" dirty="0" smtClean="0">
@@ -28459,10 +28225,38 @@
                 <a:latin typeface="Courier New" panose="02070309020205020404" pitchFamily="49" charset="0"/>
                 <a:cs typeface="Courier New" panose="02070309020205020404" pitchFamily="49" charset="0"/>
               </a:rPr>
-              <a:t>(‘click’, function() {</a:t>
-            </a:r>
-          </a:p>
-          <a:p>
+              <a:t>=“</a:t>
+            </a:r>
+            <a:r>
+              <a:rPr lang="en-US" dirty="0" err="1" smtClean="0">
+                <a:solidFill>
+                  <a:schemeClr val="bg1"/>
+                </a:solidFill>
+                <a:latin typeface="Courier New" panose="02070309020205020404" pitchFamily="49" charset="0"/>
+                <a:cs typeface="Courier New" panose="02070309020205020404" pitchFamily="49" charset="0"/>
+              </a:rPr>
+              <a:t>getElementById</a:t>
+            </a:r>
+            <a:r>
+              <a:rPr lang="en-US" dirty="0" smtClean="0">
+                <a:solidFill>
+                  <a:schemeClr val="bg1"/>
+                </a:solidFill>
+                <a:latin typeface="Courier New" panose="02070309020205020404" pitchFamily="49" charset="0"/>
+                <a:cs typeface="Courier New" panose="02070309020205020404" pitchFamily="49" charset="0"/>
+              </a:rPr>
+              <a:t>(‘demo’).</a:t>
+            </a:r>
+            <a:r>
+              <a:rPr lang="en-US" dirty="0" err="1">
+                <a:solidFill>
+                  <a:schemeClr val="bg1"/>
+                </a:solidFill>
+                <a:latin typeface="Courier New" panose="02070309020205020404" pitchFamily="49" charset="0"/>
+                <a:cs typeface="Courier New" panose="02070309020205020404" pitchFamily="49" charset="0"/>
+              </a:rPr>
+              <a:t>innerHTML</a:t>
+            </a:r>
             <a:r>
               <a:rPr lang="en-US" dirty="0">
                 <a:solidFill>
@@ -28471,7 +28265,7 @@
                 <a:latin typeface="Courier New" panose="02070309020205020404" pitchFamily="49" charset="0"/>
                 <a:cs typeface="Courier New" panose="02070309020205020404" pitchFamily="49" charset="0"/>
               </a:rPr>
-              <a:t>	</a:t>
+              <a:t>=Date</a:t>
             </a:r>
             <a:r>
               <a:rPr lang="en-US" dirty="0" smtClean="0">
@@ -28481,10 +28275,18 @@
                 <a:latin typeface="Courier New" panose="02070309020205020404" pitchFamily="49" charset="0"/>
                 <a:cs typeface="Courier New" panose="02070309020205020404" pitchFamily="49" charset="0"/>
               </a:rPr>
-              <a:t>alert(‘Add rooms link is clicked’);</a:t>
-            </a:r>
-          </a:p>
-          <a:p>
+              <a:t>()”&gt;</a:t>
+            </a:r>
+            <a:r>
+              <a:rPr lang="en-US" dirty="0">
+                <a:solidFill>
+                  <a:schemeClr val="bg1"/>
+                </a:solidFill>
+                <a:latin typeface="Courier New" panose="02070309020205020404" pitchFamily="49" charset="0"/>
+                <a:cs typeface="Courier New" panose="02070309020205020404" pitchFamily="49" charset="0"/>
+              </a:rPr>
+              <a:t>The time is?&lt;/button</a:t>
+            </a:r>
             <a:r>
               <a:rPr lang="en-US" dirty="0" smtClean="0">
                 <a:solidFill>
@@ -28493,7 +28295,68 @@
                 <a:latin typeface="Courier New" panose="02070309020205020404" pitchFamily="49" charset="0"/>
                 <a:cs typeface="Courier New" panose="02070309020205020404" pitchFamily="49" charset="0"/>
               </a:rPr>
-              <a:t>});</a:t>
+              <a:t>&gt;</a:t>
+            </a:r>
+          </a:p>
+          <a:p>
+            <a:endParaRPr lang="en-US" dirty="0" smtClean="0">
+              <a:solidFill>
+                <a:schemeClr val="bg1"/>
+              </a:solidFill>
+              <a:latin typeface="Courier New" panose="02070309020205020404" pitchFamily="49" charset="0"/>
+              <a:cs typeface="Courier New" panose="02070309020205020404" pitchFamily="49" charset="0"/>
+            </a:endParaRPr>
+          </a:p>
+          <a:p>
+            <a:r>
+              <a:rPr lang="en-US" dirty="0">
+                <a:solidFill>
+                  <a:schemeClr val="bg1"/>
+                </a:solidFill>
+                <a:latin typeface="Courier New" panose="02070309020205020404" pitchFamily="49" charset="0"/>
+                <a:cs typeface="Courier New" panose="02070309020205020404" pitchFamily="49" charset="0"/>
+              </a:rPr>
+              <a:t>&lt;body </a:t>
+            </a:r>
+            <a:r>
+              <a:rPr lang="en-US" dirty="0" err="1">
+                <a:solidFill>
+                  <a:schemeClr val="bg1"/>
+                </a:solidFill>
+                <a:latin typeface="Courier New" panose="02070309020205020404" pitchFamily="49" charset="0"/>
+                <a:cs typeface="Courier New" panose="02070309020205020404" pitchFamily="49" charset="0"/>
+              </a:rPr>
+              <a:t>onload</a:t>
+            </a:r>
+            <a:r>
+              <a:rPr lang="en-US" dirty="0">
+                <a:solidFill>
+                  <a:schemeClr val="bg1"/>
+                </a:solidFill>
+                <a:latin typeface="Courier New" panose="02070309020205020404" pitchFamily="49" charset="0"/>
+                <a:cs typeface="Courier New" panose="02070309020205020404" pitchFamily="49" charset="0"/>
+              </a:rPr>
+              <a:t>="</a:t>
+            </a:r>
+            <a:r>
+              <a:rPr lang="en-US" dirty="0" err="1">
+                <a:solidFill>
+                  <a:schemeClr val="bg1"/>
+                </a:solidFill>
+                <a:latin typeface="Courier New" panose="02070309020205020404" pitchFamily="49" charset="0"/>
+                <a:cs typeface="Courier New" panose="02070309020205020404" pitchFamily="49" charset="0"/>
+              </a:rPr>
+              <a:t>bodyOnloadHandler</a:t>
+            </a:r>
+            <a:r>
+              <a:rPr lang="en-US" dirty="0">
+                <a:solidFill>
+                  <a:schemeClr val="bg1"/>
+                </a:solidFill>
+                <a:latin typeface="Courier New" panose="02070309020205020404" pitchFamily="49" charset="0"/>
+                <a:cs typeface="Courier New" panose="02070309020205020404" pitchFamily="49" charset="0"/>
+              </a:rPr>
+              <a:t>()"&gt;</a:t>
             </a:r>
             <a:endParaRPr lang="bg-BG" dirty="0" smtClean="0">
               <a:solidFill>
@@ -28508,7 +28371,7 @@
     </p:spTree>
     <p:extLst>
       <p:ext uri="{BB962C8B-B14F-4D97-AF65-F5344CB8AC3E}">
-        <p14:creationId xmlns:p14="http://schemas.microsoft.com/office/powerpoint/2010/main" val="2239398974"/>
+        <p14:creationId xmlns:p14="http://schemas.microsoft.com/office/powerpoint/2010/main" val="2114262781"/>
       </p:ext>
     </p:extLst>
   </p:cSld>
@@ -28638,7 +28501,7 @@
         <p:spPr>
           <a:xfrm>
             <a:off x="425355" y="1491734"/>
-            <a:ext cx="8718645" cy="2077492"/>
+            <a:ext cx="8718645" cy="3893374"/>
           </a:xfrm>
           <a:prstGeom prst="rect">
             <a:avLst/>
@@ -28652,6 +28515,26 @@
           <a:lstStyle/>
           <a:p>
             <a:r>
+              <a:rPr lang="en-US" sz="2500" dirty="0" err="1" smtClean="0">
+                <a:solidFill>
+                  <a:schemeClr val="bg1"/>
+                </a:solidFill>
+                <a:latin typeface="+mj-lt"/>
+                <a:cs typeface="Courier New" panose="02070309020205020404" pitchFamily="49" charset="0"/>
+              </a:rPr>
+              <a:t>EventListener</a:t>
+            </a:r>
+            <a:r>
+              <a:rPr lang="en-US" sz="2500" dirty="0" smtClean="0">
+                <a:solidFill>
+                  <a:schemeClr val="bg1"/>
+                </a:solidFill>
+                <a:latin typeface="+mj-lt"/>
+                <a:cs typeface="Courier New" panose="02070309020205020404" pitchFamily="49" charset="0"/>
+              </a:rPr>
+              <a:t>-a </a:t>
+            </a:r>
+            <a:r>
               <a:rPr lang="bg-BG" sz="2500" dirty="0" smtClean="0">
                 <a:solidFill>
                   <a:schemeClr val="bg1"/>
@@ -28659,7 +28542,7 @@
                 <a:latin typeface="+mj-lt"/>
                 <a:cs typeface="Courier New" panose="02070309020205020404" pitchFamily="49" charset="0"/>
               </a:rPr>
-              <a:t>Особеност на </a:t>
+              <a:t>добавя метод за овладяване</a:t>
             </a:r>
             <a:r>
               <a:rPr lang="en-US" sz="2500" dirty="0" smtClean="0">
@@ -28669,126 +28552,329 @@
                 <a:latin typeface="+mj-lt"/>
                 <a:cs typeface="Courier New" panose="02070309020205020404" pitchFamily="49" charset="0"/>
               </a:rPr>
-              <a:t>event listener</a:t>
+              <a:t>(</a:t>
             </a:r>
             <a:r>
               <a:rPr lang="bg-BG" sz="2500" dirty="0" smtClean="0">
                 <a:solidFill>
-                  <a:schemeClr val="bg1"/>
-                </a:solidFill>
-                <a:latin typeface="+mj-lt"/>
-                <a:cs typeface="Courier New" panose="02070309020205020404" pitchFamily="49" charset="0"/>
-              </a:rPr>
-              <a:t>-ите е, че няколко такива могат да се прикачат към един и същ елемент. Пример:</a:t>
-            </a:r>
-          </a:p>
-          <a:p>
-            <a:endParaRPr lang="bg-BG" sz="2500" dirty="0" smtClean="0">
+                  <a:srgbClr val="92D050"/>
+                </a:solidFill>
+                <a:latin typeface="+mj-lt"/>
+                <a:cs typeface="Courier New" panose="02070309020205020404" pitchFamily="49" charset="0"/>
+              </a:rPr>
+              <a:t>прихващане</a:t>
+            </a:r>
+            <a:r>
+              <a:rPr lang="en-US" sz="2500" dirty="0" smtClean="0">
+                <a:solidFill>
+                  <a:schemeClr val="bg1"/>
+                </a:solidFill>
+                <a:latin typeface="+mj-lt"/>
+                <a:cs typeface="Courier New" panose="02070309020205020404" pitchFamily="49" charset="0"/>
+              </a:rPr>
+              <a:t>)</a:t>
+            </a:r>
+            <a:r>
+              <a:rPr lang="bg-BG" sz="2500" dirty="0" smtClean="0">
+                <a:solidFill>
+                  <a:schemeClr val="bg1"/>
+                </a:solidFill>
+                <a:latin typeface="+mj-lt"/>
+                <a:cs typeface="Courier New" panose="02070309020205020404" pitchFamily="49" charset="0"/>
+              </a:rPr>
+              <a:t> на събития към даден </a:t>
+            </a:r>
+            <a:r>
+              <a:rPr lang="en-US" sz="2500" dirty="0" smtClean="0">
+                <a:solidFill>
+                  <a:schemeClr val="bg1"/>
+                </a:solidFill>
+                <a:latin typeface="+mj-lt"/>
+                <a:cs typeface="Courier New" panose="02070309020205020404" pitchFamily="49" charset="0"/>
+              </a:rPr>
+              <a:t>HTML </a:t>
+            </a:r>
+            <a:r>
+              <a:rPr lang="bg-BG" sz="2500" dirty="0" smtClean="0">
+                <a:solidFill>
+                  <a:schemeClr val="bg1"/>
+                </a:solidFill>
+                <a:latin typeface="+mj-lt"/>
+                <a:cs typeface="Courier New" panose="02070309020205020404" pitchFamily="49" charset="0"/>
+              </a:rPr>
+              <a:t>елемент. Функцията за добавяне на </a:t>
+            </a:r>
+            <a:r>
+              <a:rPr lang="en-US" sz="2500" dirty="0" err="1" smtClean="0">
+                <a:solidFill>
+                  <a:schemeClr val="bg1"/>
+                </a:solidFill>
+                <a:latin typeface="+mj-lt"/>
+                <a:cs typeface="Courier New" panose="02070309020205020404" pitchFamily="49" charset="0"/>
+              </a:rPr>
+              <a:t>eventListener</a:t>
+            </a:r>
+            <a:r>
+              <a:rPr lang="en-US" sz="2500" dirty="0" smtClean="0">
+                <a:solidFill>
+                  <a:schemeClr val="bg1"/>
+                </a:solidFill>
+                <a:latin typeface="+mj-lt"/>
+                <a:cs typeface="Courier New" panose="02070309020205020404" pitchFamily="49" charset="0"/>
+              </a:rPr>
+              <a:t> </a:t>
+            </a:r>
+            <a:r>
+              <a:rPr lang="bg-BG" sz="2500" dirty="0" smtClean="0">
+                <a:solidFill>
+                  <a:schemeClr val="bg1"/>
+                </a:solidFill>
+                <a:latin typeface="+mj-lt"/>
+                <a:cs typeface="Courier New" panose="02070309020205020404" pitchFamily="49" charset="0"/>
+              </a:rPr>
+              <a:t>е </a:t>
+            </a:r>
+            <a:r>
+              <a:rPr lang="en-US" sz="2500" dirty="0" err="1" smtClean="0">
+                <a:solidFill>
+                  <a:srgbClr val="92D050"/>
+                </a:solidFill>
+                <a:latin typeface="+mj-lt"/>
+                <a:cs typeface="Courier New" panose="02070309020205020404" pitchFamily="49" charset="0"/>
+              </a:rPr>
+              <a:t>addEventListener</a:t>
+            </a:r>
+            <a:r>
+              <a:rPr lang="en-US" sz="2500" dirty="0" smtClean="0">
+                <a:solidFill>
+                  <a:srgbClr val="92D050"/>
+                </a:solidFill>
+                <a:latin typeface="+mj-lt"/>
+                <a:cs typeface="Courier New" panose="02070309020205020404" pitchFamily="49" charset="0"/>
+              </a:rPr>
+              <a:t>(). </a:t>
+            </a:r>
+          </a:p>
+          <a:p>
+            <a:r>
+              <a:rPr lang="bg-BG" sz="2500" dirty="0" smtClean="0">
+                <a:solidFill>
+                  <a:schemeClr val="bg1"/>
+                </a:solidFill>
+                <a:latin typeface="+mj-lt"/>
+                <a:cs typeface="Courier New" panose="02070309020205020404" pitchFamily="49" charset="0"/>
+              </a:rPr>
+              <a:t>Синтаксисът за добавяне на </a:t>
+            </a:r>
+            <a:r>
+              <a:rPr lang="en-US" sz="2500" dirty="0" err="1" smtClean="0">
+                <a:solidFill>
+                  <a:schemeClr val="bg1"/>
+                </a:solidFill>
+                <a:latin typeface="+mj-lt"/>
+                <a:cs typeface="Courier New" panose="02070309020205020404" pitchFamily="49" charset="0"/>
+              </a:rPr>
+              <a:t>eventListener</a:t>
+            </a:r>
+            <a:r>
+              <a:rPr lang="en-US" sz="2500" dirty="0" smtClean="0">
+                <a:solidFill>
+                  <a:schemeClr val="bg1"/>
+                </a:solidFill>
+                <a:latin typeface="+mj-lt"/>
+                <a:cs typeface="Courier New" panose="02070309020205020404" pitchFamily="49" charset="0"/>
+              </a:rPr>
+              <a:t> </a:t>
+            </a:r>
+            <a:r>
+              <a:rPr lang="bg-BG" sz="2500" dirty="0" smtClean="0">
+                <a:solidFill>
+                  <a:schemeClr val="bg1"/>
+                </a:solidFill>
+                <a:latin typeface="+mj-lt"/>
+                <a:cs typeface="Courier New" panose="02070309020205020404" pitchFamily="49" charset="0"/>
+              </a:rPr>
+              <a:t>е следният:</a:t>
+            </a:r>
+          </a:p>
+          <a:p>
+            <a:r>
+              <a:rPr lang="en-US" dirty="0" err="1">
+                <a:solidFill>
+                  <a:srgbClr val="92D050"/>
+                </a:solidFill>
+                <a:latin typeface="Courier New" panose="02070309020205020404" pitchFamily="49" charset="0"/>
+                <a:cs typeface="Courier New" panose="02070309020205020404" pitchFamily="49" charset="0"/>
+              </a:rPr>
+              <a:t>element.addEventListener</a:t>
+            </a:r>
+            <a:r>
+              <a:rPr lang="en-US" dirty="0">
+                <a:solidFill>
+                  <a:srgbClr val="92D050"/>
+                </a:solidFill>
+                <a:latin typeface="Courier New" panose="02070309020205020404" pitchFamily="49" charset="0"/>
+                <a:cs typeface="Courier New" panose="02070309020205020404" pitchFamily="49" charset="0"/>
+              </a:rPr>
+              <a:t>(event, </a:t>
+            </a:r>
+            <a:r>
+              <a:rPr lang="en-US" dirty="0" smtClean="0">
+                <a:solidFill>
+                  <a:srgbClr val="92D050"/>
+                </a:solidFill>
+                <a:latin typeface="Courier New" panose="02070309020205020404" pitchFamily="49" charset="0"/>
+                <a:cs typeface="Courier New" panose="02070309020205020404" pitchFamily="49" charset="0"/>
+              </a:rPr>
+              <a:t>function);</a:t>
+            </a:r>
+            <a:endParaRPr lang="bg-BG" dirty="0" smtClean="0">
               <a:solidFill>
-                <a:schemeClr val="bg1"/>
-              </a:solidFill>
-              <a:latin typeface="+mj-lt"/>
-              <a:cs typeface="Courier New" panose="02070309020205020404" pitchFamily="49" charset="0"/>
-            </a:endParaRPr>
-          </a:p>
-          <a:p>
-            <a:r>
-              <a:rPr lang="en-US" dirty="0" err="1" smtClean="0">
-                <a:solidFill>
-                  <a:schemeClr val="bg1"/>
-                </a:solidFill>
-                <a:latin typeface="Courier New" panose="02070309020205020404" pitchFamily="49" charset="0"/>
-                <a:cs typeface="Courier New" panose="02070309020205020404" pitchFamily="49" charset="0"/>
-              </a:rPr>
-              <a:t>someElement.addEventListener</a:t>
-            </a:r>
-            <a:r>
-              <a:rPr lang="en-US" dirty="0" smtClean="0">
-                <a:solidFill>
-                  <a:schemeClr val="bg1"/>
-                </a:solidFill>
-                <a:latin typeface="Courier New" panose="02070309020205020404" pitchFamily="49" charset="0"/>
-                <a:cs typeface="Courier New" panose="02070309020205020404" pitchFamily="49" charset="0"/>
-              </a:rPr>
-              <a:t>(‘click’, </a:t>
-            </a:r>
-            <a:r>
-              <a:rPr lang="en-US" dirty="0" err="1" smtClean="0">
-                <a:solidFill>
-                  <a:schemeClr val="bg1"/>
-                </a:solidFill>
-                <a:latin typeface="Courier New" panose="02070309020205020404" pitchFamily="49" charset="0"/>
-                <a:cs typeface="Courier New" panose="02070309020205020404" pitchFamily="49" charset="0"/>
-              </a:rPr>
-              <a:t>functionClick</a:t>
-            </a:r>
-            <a:r>
-              <a:rPr lang="en-US" dirty="0" smtClean="0">
-                <a:solidFill>
-                  <a:schemeClr val="bg1"/>
-                </a:solidFill>
-                <a:latin typeface="Courier New" panose="02070309020205020404" pitchFamily="49" charset="0"/>
-                <a:cs typeface="Courier New" panose="02070309020205020404" pitchFamily="49" charset="0"/>
-              </a:rPr>
-              <a:t>());</a:t>
-            </a:r>
-            <a:endParaRPr lang="bg-BG" sz="2500" dirty="0">
-              <a:solidFill>
-                <a:schemeClr val="bg1"/>
-              </a:solidFill>
-              <a:cs typeface="Courier New" panose="02070309020205020404" pitchFamily="49" charset="0"/>
-            </a:endParaRPr>
-          </a:p>
-          <a:p>
-            <a:r>
-              <a:rPr lang="en-US" dirty="0" err="1">
-                <a:solidFill>
-                  <a:schemeClr val="bg1"/>
-                </a:solidFill>
-                <a:latin typeface="Courier New" panose="02070309020205020404" pitchFamily="49" charset="0"/>
-                <a:cs typeface="Courier New" panose="02070309020205020404" pitchFamily="49" charset="0"/>
-              </a:rPr>
-              <a:t>someElement.addEventListener</a:t>
-            </a:r>
-            <a:r>
-              <a:rPr lang="en-US" dirty="0">
-                <a:solidFill>
-                  <a:schemeClr val="bg1"/>
-                </a:solidFill>
-                <a:latin typeface="Courier New" panose="02070309020205020404" pitchFamily="49" charset="0"/>
-                <a:cs typeface="Courier New" panose="02070309020205020404" pitchFamily="49" charset="0"/>
-              </a:rPr>
-              <a:t>(‘click’, </a:t>
-            </a:r>
-            <a:r>
-              <a:rPr lang="en-US" dirty="0" err="1" smtClean="0">
-                <a:solidFill>
-                  <a:schemeClr val="bg1"/>
-                </a:solidFill>
-                <a:latin typeface="Courier New" panose="02070309020205020404" pitchFamily="49" charset="0"/>
-                <a:cs typeface="Courier New" panose="02070309020205020404" pitchFamily="49" charset="0"/>
-              </a:rPr>
-              <a:t>functionChange</a:t>
-            </a:r>
-            <a:r>
-              <a:rPr lang="en-US" dirty="0" smtClean="0">
-                <a:solidFill>
-                  <a:schemeClr val="bg1"/>
-                </a:solidFill>
-                <a:latin typeface="Courier New" panose="02070309020205020404" pitchFamily="49" charset="0"/>
-                <a:cs typeface="Courier New" panose="02070309020205020404" pitchFamily="49" charset="0"/>
-              </a:rPr>
-              <a:t>());</a:t>
-            </a:r>
-            <a:endParaRPr lang="bg-BG" dirty="0">
-              <a:solidFill>
-                <a:schemeClr val="bg1"/>
+                <a:srgbClr val="92D050"/>
               </a:solidFill>
               <a:latin typeface="Courier New" panose="02070309020205020404" pitchFamily="49" charset="0"/>
               <a:cs typeface="Courier New" panose="02070309020205020404" pitchFamily="49" charset="0"/>
             </a:endParaRPr>
           </a:p>
           <a:p>
+            <a:r>
+              <a:rPr lang="bg-BG" sz="2500" dirty="0" smtClean="0">
+                <a:solidFill>
+                  <a:schemeClr val="bg1"/>
+                </a:solidFill>
+                <a:latin typeface="+mj-lt"/>
+                <a:cs typeface="Courier New" panose="02070309020205020404" pitchFamily="49" charset="0"/>
+              </a:rPr>
+              <a:t>Пример:</a:t>
+            </a:r>
+          </a:p>
+          <a:p>
+            <a:r>
+              <a:rPr lang="bg-BG" sz="2500" dirty="0" smtClean="0">
+                <a:solidFill>
+                  <a:schemeClr val="bg1"/>
+                </a:solidFill>
+                <a:latin typeface="+mj-lt"/>
+                <a:cs typeface="Courier New" panose="02070309020205020404" pitchFamily="49" charset="0"/>
+              </a:rPr>
+              <a:t>ако имам дефиниран елемент </a:t>
+            </a:r>
+            <a:r>
+              <a:rPr lang="en-US" sz="2500" dirty="0" err="1" smtClean="0">
+                <a:solidFill>
+                  <a:schemeClr val="bg1"/>
+                </a:solidFill>
+                <a:latin typeface="+mj-lt"/>
+                <a:cs typeface="Courier New" panose="02070309020205020404" pitchFamily="49" charset="0"/>
+              </a:rPr>
+              <a:t>addRoomsLink</a:t>
+            </a:r>
+            <a:r>
+              <a:rPr lang="en-US" sz="2500" dirty="0" smtClean="0">
+                <a:solidFill>
+                  <a:schemeClr val="bg1"/>
+                </a:solidFill>
+                <a:latin typeface="+mj-lt"/>
+                <a:cs typeface="Courier New" panose="02070309020205020404" pitchFamily="49" charset="0"/>
+              </a:rPr>
+              <a:t>, </a:t>
+            </a:r>
+            <a:r>
+              <a:rPr lang="bg-BG" sz="2500" dirty="0" smtClean="0">
+                <a:solidFill>
+                  <a:schemeClr val="bg1"/>
+                </a:solidFill>
+                <a:latin typeface="+mj-lt"/>
+                <a:cs typeface="Courier New" panose="02070309020205020404" pitchFamily="49" charset="0"/>
+              </a:rPr>
+              <a:t>можем да му добавим </a:t>
+            </a:r>
+            <a:r>
+              <a:rPr lang="en-US" sz="2500" dirty="0" err="1" smtClean="0">
+                <a:solidFill>
+                  <a:schemeClr val="bg1"/>
+                </a:solidFill>
+                <a:latin typeface="+mj-lt"/>
+                <a:cs typeface="Courier New" panose="02070309020205020404" pitchFamily="49" charset="0"/>
+              </a:rPr>
+              <a:t>eventListener</a:t>
+            </a:r>
+            <a:r>
+              <a:rPr lang="en-US" sz="2500" dirty="0" smtClean="0">
+                <a:solidFill>
+                  <a:schemeClr val="bg1"/>
+                </a:solidFill>
+                <a:latin typeface="+mj-lt"/>
+                <a:cs typeface="Courier New" panose="02070309020205020404" pitchFamily="49" charset="0"/>
+              </a:rPr>
+              <a:t> </a:t>
+            </a:r>
+            <a:r>
+              <a:rPr lang="bg-BG" sz="2500" dirty="0" smtClean="0">
+                <a:solidFill>
+                  <a:schemeClr val="bg1"/>
+                </a:solidFill>
+                <a:latin typeface="+mj-lt"/>
+                <a:cs typeface="Courier New" panose="02070309020205020404" pitchFamily="49" charset="0"/>
+              </a:rPr>
+              <a:t>по следния начин:</a:t>
+            </a:r>
+          </a:p>
+          <a:p>
+            <a:r>
+              <a:rPr lang="en-US" dirty="0" err="1" smtClean="0">
+                <a:solidFill>
+                  <a:schemeClr val="bg1"/>
+                </a:solidFill>
+                <a:latin typeface="Courier New" panose="02070309020205020404" pitchFamily="49" charset="0"/>
+                <a:cs typeface="Courier New" panose="02070309020205020404" pitchFamily="49" charset="0"/>
+              </a:rPr>
+              <a:t>addRoomsLink.addEventListener</a:t>
+            </a:r>
+            <a:r>
+              <a:rPr lang="en-US" dirty="0" smtClean="0">
+                <a:solidFill>
+                  <a:schemeClr val="bg1"/>
+                </a:solidFill>
+                <a:latin typeface="Courier New" panose="02070309020205020404" pitchFamily="49" charset="0"/>
+                <a:cs typeface="Courier New" panose="02070309020205020404" pitchFamily="49" charset="0"/>
+              </a:rPr>
+              <a:t>(‘click’, function() {</a:t>
+            </a:r>
+          </a:p>
+          <a:p>
+            <a:r>
+              <a:rPr lang="en-US" dirty="0">
+                <a:solidFill>
+                  <a:schemeClr val="bg1"/>
+                </a:solidFill>
+                <a:latin typeface="Courier New" panose="02070309020205020404" pitchFamily="49" charset="0"/>
+                <a:cs typeface="Courier New" panose="02070309020205020404" pitchFamily="49" charset="0"/>
+              </a:rPr>
+              <a:t>	</a:t>
+            </a:r>
+            <a:r>
+              <a:rPr lang="en-US" dirty="0" smtClean="0">
+                <a:solidFill>
+                  <a:schemeClr val="bg1"/>
+                </a:solidFill>
+                <a:latin typeface="Courier New" panose="02070309020205020404" pitchFamily="49" charset="0"/>
+                <a:cs typeface="Courier New" panose="02070309020205020404" pitchFamily="49" charset="0"/>
+              </a:rPr>
+              <a:t>alert(‘Add rooms link is clicked’);</a:t>
+            </a:r>
+          </a:p>
+          <a:p>
+            <a:r>
+              <a:rPr lang="en-US" dirty="0" smtClean="0">
+                <a:solidFill>
+                  <a:schemeClr val="bg1"/>
+                </a:solidFill>
+                <a:latin typeface="Courier New" panose="02070309020205020404" pitchFamily="49" charset="0"/>
+                <a:cs typeface="Courier New" panose="02070309020205020404" pitchFamily="49" charset="0"/>
+              </a:rPr>
+              <a:t>});</a:t>
+            </a:r>
             <a:endParaRPr lang="bg-BG" dirty="0" smtClean="0">
               <a:solidFill>
                 <a:schemeClr val="bg1"/>
@@ -28802,13 +28888,20 @@
     </p:spTree>
     <p:extLst>
       <p:ext uri="{BB962C8B-B14F-4D97-AF65-F5344CB8AC3E}">
-        <p14:creationId xmlns:p14="http://schemas.microsoft.com/office/powerpoint/2010/main" val="2972183159"/>
+        <p14:creationId xmlns:p14="http://schemas.microsoft.com/office/powerpoint/2010/main" val="2239398974"/>
       </p:ext>
     </p:extLst>
   </p:cSld>
   <p:clrMapOvr>
     <a:masterClrMapping/>
   </p:clrMapOvr>
+  <p:timing>
+    <p:tnLst>
+      <p:par>
+        <p:cTn id="1" dur="indefinite" restart="never" nodeType="tmRoot"/>
+      </p:par>
+    </p:tnLst>
+  </p:timing>
 </p:sld>
 </file>
 
@@ -28925,7 +29018,7 @@
         <p:spPr>
           <a:xfrm>
             <a:off x="425355" y="1491734"/>
-            <a:ext cx="8718645" cy="3570208"/>
+            <a:ext cx="8718645" cy="2077492"/>
           </a:xfrm>
           <a:prstGeom prst="rect">
             <a:avLst/>
@@ -28946,7 +29039,7 @@
                 <a:latin typeface="+mj-lt"/>
                 <a:cs typeface="Courier New" panose="02070309020205020404" pitchFamily="49" charset="0"/>
               </a:rPr>
-              <a:t>Пример за добавяне на </a:t>
+              <a:t>Особеност на </a:t>
             </a:r>
             <a:r>
               <a:rPr lang="en-US" sz="2500" dirty="0" smtClean="0">
@@ -28956,7 +29049,7 @@
                 <a:latin typeface="+mj-lt"/>
                 <a:cs typeface="Courier New" panose="02070309020205020404" pitchFamily="49" charset="0"/>
               </a:rPr>
-              <a:t>event listener </a:t>
+              <a:t>event listener</a:t>
             </a:r>
             <a:r>
               <a:rPr lang="bg-BG" sz="2500" dirty="0" smtClean="0">
@@ -28966,48 +29059,17 @@
                 <a:latin typeface="+mj-lt"/>
                 <a:cs typeface="Courier New" panose="02070309020205020404" pitchFamily="49" charset="0"/>
               </a:rPr>
-              <a:t>за </a:t>
-            </a:r>
-            <a:r>
-              <a:rPr lang="en-US" sz="2500" dirty="0" smtClean="0">
-                <a:solidFill>
-                  <a:schemeClr val="bg1"/>
-                </a:solidFill>
-                <a:latin typeface="+mj-lt"/>
-                <a:cs typeface="Courier New" panose="02070309020205020404" pitchFamily="49" charset="0"/>
-              </a:rPr>
-              <a:t>resize </a:t>
-            </a:r>
-            <a:r>
-              <a:rPr lang="bg-BG" sz="2500" dirty="0" smtClean="0">
-                <a:solidFill>
-                  <a:schemeClr val="bg1"/>
-                </a:solidFill>
-                <a:latin typeface="+mj-lt"/>
-                <a:cs typeface="Courier New" panose="02070309020205020404" pitchFamily="49" charset="0"/>
-              </a:rPr>
-              <a:t>на </a:t>
-            </a:r>
-            <a:r>
-              <a:rPr lang="en-US" sz="2500" dirty="0" smtClean="0">
-                <a:solidFill>
-                  <a:schemeClr val="bg1"/>
-                </a:solidFill>
-                <a:latin typeface="+mj-lt"/>
-                <a:cs typeface="Courier New" panose="02070309020205020404" pitchFamily="49" charset="0"/>
-              </a:rPr>
-              <a:t>window </a:t>
-            </a:r>
-            <a:r>
-              <a:rPr lang="bg-BG" sz="2500" dirty="0" smtClean="0">
-                <a:solidFill>
-                  <a:schemeClr val="bg1"/>
-                </a:solidFill>
-                <a:latin typeface="+mj-lt"/>
-                <a:cs typeface="Courier New" panose="02070309020205020404" pitchFamily="49" charset="0"/>
-              </a:rPr>
-              <a:t>обекта:</a:t>
-            </a:r>
+              <a:t>-ите е, че няколко такива могат да се прикачат към един и същ елемент. Пример:</a:t>
+            </a:r>
+          </a:p>
+          <a:p>
+            <a:endParaRPr lang="bg-BG" sz="2500" dirty="0" smtClean="0">
+              <a:solidFill>
+                <a:schemeClr val="bg1"/>
+              </a:solidFill>
+              <a:latin typeface="+mj-lt"/>
+              <a:cs typeface="Courier New" panose="02070309020205020404" pitchFamily="49" charset="0"/>
+            </a:endParaRPr>
           </a:p>
           <a:p>
             <a:r>
@@ -29018,7 +29080,7 @@
                 <a:latin typeface="Courier New" panose="02070309020205020404" pitchFamily="49" charset="0"/>
                 <a:cs typeface="Courier New" panose="02070309020205020404" pitchFamily="49" charset="0"/>
               </a:rPr>
-              <a:t>window.addEventListener</a:t>
+              <a:t>someElement.addEventListener</a:t>
             </a:r>
             <a:r>
               <a:rPr lang="en-US" dirty="0" smtClean="0">
@@ -29028,10 +29090,46 @@
                 <a:latin typeface="Courier New" panose="02070309020205020404" pitchFamily="49" charset="0"/>
                 <a:cs typeface="Courier New" panose="02070309020205020404" pitchFamily="49" charset="0"/>
               </a:rPr>
-              <a:t>(‘resize’, function() {</a:t>
-            </a:r>
-          </a:p>
-          <a:p>
+              <a:t>(‘click’, </a:t>
+            </a:r>
+            <a:r>
+              <a:rPr lang="en-US" dirty="0" err="1" smtClean="0">
+                <a:solidFill>
+                  <a:schemeClr val="bg1"/>
+                </a:solidFill>
+                <a:latin typeface="Courier New" panose="02070309020205020404" pitchFamily="49" charset="0"/>
+                <a:cs typeface="Courier New" panose="02070309020205020404" pitchFamily="49" charset="0"/>
+              </a:rPr>
+              <a:t>functionClick</a:t>
+            </a:r>
+            <a:r>
+              <a:rPr lang="en-US" dirty="0" smtClean="0">
+                <a:solidFill>
+                  <a:schemeClr val="bg1"/>
+                </a:solidFill>
+                <a:latin typeface="Courier New" panose="02070309020205020404" pitchFamily="49" charset="0"/>
+                <a:cs typeface="Courier New" panose="02070309020205020404" pitchFamily="49" charset="0"/>
+              </a:rPr>
+              <a:t>());</a:t>
+            </a:r>
+            <a:endParaRPr lang="bg-BG" sz="2500" dirty="0">
+              <a:solidFill>
+                <a:schemeClr val="bg1"/>
+              </a:solidFill>
+              <a:cs typeface="Courier New" panose="02070309020205020404" pitchFamily="49" charset="0"/>
+            </a:endParaRPr>
+          </a:p>
+          <a:p>
+            <a:r>
+              <a:rPr lang="en-US" dirty="0" err="1">
+                <a:solidFill>
+                  <a:schemeClr val="bg1"/>
+                </a:solidFill>
+                <a:latin typeface="Courier New" panose="02070309020205020404" pitchFamily="49" charset="0"/>
+                <a:cs typeface="Courier New" panose="02070309020205020404" pitchFamily="49" charset="0"/>
+              </a:rPr>
+              <a:t>someElement.addEventListener</a:t>
+            </a:r>
             <a:r>
               <a:rPr lang="en-US" dirty="0">
                 <a:solidFill>
@@ -29040,7 +29138,17 @@
                 <a:latin typeface="Courier New" panose="02070309020205020404" pitchFamily="49" charset="0"/>
                 <a:cs typeface="Courier New" panose="02070309020205020404" pitchFamily="49" charset="0"/>
               </a:rPr>
-              <a:t>	</a:t>
+              <a:t>(‘click’, </a:t>
+            </a:r>
+            <a:r>
+              <a:rPr lang="en-US" dirty="0" err="1" smtClean="0">
+                <a:solidFill>
+                  <a:schemeClr val="bg1"/>
+                </a:solidFill>
+                <a:latin typeface="Courier New" panose="02070309020205020404" pitchFamily="49" charset="0"/>
+                <a:cs typeface="Courier New" panose="02070309020205020404" pitchFamily="49" charset="0"/>
+              </a:rPr>
+              <a:t>functionChange</a:t>
             </a:r>
             <a:r>
               <a:rPr lang="en-US" dirty="0" smtClean="0">
@@ -29050,23 +29158,9 @@
                 <a:latin typeface="Courier New" panose="02070309020205020404" pitchFamily="49" charset="0"/>
                 <a:cs typeface="Courier New" panose="02070309020205020404" pitchFamily="49" charset="0"/>
               </a:rPr>
-              <a:t>alert(‘window resized’);</a:t>
-            </a:r>
-          </a:p>
-          <a:p>
-            <a:r>
-              <a:rPr lang="en-US" dirty="0" smtClean="0">
-                <a:solidFill>
-                  <a:schemeClr val="bg1"/>
-                </a:solidFill>
-                <a:latin typeface="Courier New" panose="02070309020205020404" pitchFamily="49" charset="0"/>
-                <a:cs typeface="Courier New" panose="02070309020205020404" pitchFamily="49" charset="0"/>
-              </a:rPr>
-              <a:t>});</a:t>
-            </a:r>
-          </a:p>
-          <a:p>
-            <a:endParaRPr lang="en-US" dirty="0" smtClean="0">
+              <a:t>());</a:t>
+            </a:r>
+            <a:endParaRPr lang="bg-BG" dirty="0">
               <a:solidFill>
                 <a:schemeClr val="bg1"/>
               </a:solidFill>
@@ -29075,132 +29169,6 @@
             </a:endParaRPr>
           </a:p>
           <a:p>
-            <a:r>
-              <a:rPr lang="bg-BG" sz="2500" dirty="0" smtClean="0">
-                <a:solidFill>
-                  <a:schemeClr val="bg1"/>
-                </a:solidFill>
-                <a:latin typeface="+mj-lt"/>
-                <a:cs typeface="Courier New" panose="02070309020205020404" pitchFamily="49" charset="0"/>
-              </a:rPr>
-              <a:t>Пример за добавяне на </a:t>
-            </a:r>
-            <a:r>
-              <a:rPr lang="en-US" sz="2500" dirty="0" smtClean="0">
-                <a:solidFill>
-                  <a:schemeClr val="bg1"/>
-                </a:solidFill>
-                <a:latin typeface="+mj-lt"/>
-                <a:cs typeface="Courier New" panose="02070309020205020404" pitchFamily="49" charset="0"/>
-              </a:rPr>
-              <a:t>event listener </a:t>
-            </a:r>
-            <a:r>
-              <a:rPr lang="bg-BG" sz="2500" dirty="0" smtClean="0">
-                <a:solidFill>
-                  <a:schemeClr val="bg1"/>
-                </a:solidFill>
-                <a:latin typeface="+mj-lt"/>
-                <a:cs typeface="Courier New" panose="02070309020205020404" pitchFamily="49" charset="0"/>
-              </a:rPr>
-              <a:t>за </a:t>
-            </a:r>
-            <a:r>
-              <a:rPr lang="en-US" sz="2500" dirty="0" smtClean="0">
-                <a:solidFill>
-                  <a:schemeClr val="bg1"/>
-                </a:solidFill>
-                <a:latin typeface="+mj-lt"/>
-                <a:cs typeface="Courier New" panose="02070309020205020404" pitchFamily="49" charset="0"/>
-              </a:rPr>
-              <a:t>load </a:t>
-            </a:r>
-            <a:r>
-              <a:rPr lang="bg-BG" sz="2500" dirty="0" smtClean="0">
-                <a:solidFill>
-                  <a:schemeClr val="bg1"/>
-                </a:solidFill>
-                <a:latin typeface="+mj-lt"/>
-                <a:cs typeface="Courier New" panose="02070309020205020404" pitchFamily="49" charset="0"/>
-              </a:rPr>
-              <a:t>на </a:t>
-            </a:r>
-            <a:r>
-              <a:rPr lang="en-US" sz="2500" dirty="0" smtClean="0">
-                <a:solidFill>
-                  <a:schemeClr val="bg1"/>
-                </a:solidFill>
-                <a:latin typeface="+mj-lt"/>
-                <a:cs typeface="Courier New" panose="02070309020205020404" pitchFamily="49" charset="0"/>
-              </a:rPr>
-              <a:t>document </a:t>
-            </a:r>
-            <a:r>
-              <a:rPr lang="bg-BG" sz="2500" dirty="0" smtClean="0">
-                <a:solidFill>
-                  <a:schemeClr val="bg1"/>
-                </a:solidFill>
-                <a:latin typeface="+mj-lt"/>
-                <a:cs typeface="Courier New" panose="02070309020205020404" pitchFamily="49" charset="0"/>
-              </a:rPr>
-              <a:t>обекта:</a:t>
-            </a:r>
-          </a:p>
-          <a:p>
-            <a:r>
-              <a:rPr lang="en-US" dirty="0" err="1" smtClean="0">
-                <a:solidFill>
-                  <a:schemeClr val="bg1"/>
-                </a:solidFill>
-                <a:latin typeface="Courier New" panose="02070309020205020404" pitchFamily="49" charset="0"/>
-                <a:cs typeface="Courier New" panose="02070309020205020404" pitchFamily="49" charset="0"/>
-              </a:rPr>
-              <a:t>document.addEventListener</a:t>
-            </a:r>
-            <a:r>
-              <a:rPr lang="en-US" dirty="0" smtClean="0">
-                <a:solidFill>
-                  <a:schemeClr val="bg1"/>
-                </a:solidFill>
-                <a:latin typeface="Courier New" panose="02070309020205020404" pitchFamily="49" charset="0"/>
-                <a:cs typeface="Courier New" panose="02070309020205020404" pitchFamily="49" charset="0"/>
-              </a:rPr>
-              <a:t>(‘load’, function() {</a:t>
-            </a:r>
-          </a:p>
-          <a:p>
-            <a:r>
-              <a:rPr lang="en-US" dirty="0">
-                <a:solidFill>
-                  <a:schemeClr val="bg1"/>
-                </a:solidFill>
-                <a:latin typeface="Courier New" panose="02070309020205020404" pitchFamily="49" charset="0"/>
-                <a:cs typeface="Courier New" panose="02070309020205020404" pitchFamily="49" charset="0"/>
-              </a:rPr>
-              <a:t>	</a:t>
-            </a:r>
-            <a:r>
-              <a:rPr lang="en-US" dirty="0" smtClean="0">
-                <a:solidFill>
-                  <a:schemeClr val="bg1"/>
-                </a:solidFill>
-                <a:latin typeface="Courier New" panose="02070309020205020404" pitchFamily="49" charset="0"/>
-                <a:cs typeface="Courier New" panose="02070309020205020404" pitchFamily="49" charset="0"/>
-              </a:rPr>
-              <a:t>alert(‘document loaded’);</a:t>
-            </a:r>
-          </a:p>
-          <a:p>
-            <a:r>
-              <a:rPr lang="en-US" dirty="0" smtClean="0">
-                <a:solidFill>
-                  <a:schemeClr val="bg1"/>
-                </a:solidFill>
-                <a:latin typeface="Courier New" panose="02070309020205020404" pitchFamily="49" charset="0"/>
-                <a:cs typeface="Courier New" panose="02070309020205020404" pitchFamily="49" charset="0"/>
-              </a:rPr>
-              <a:t>});</a:t>
-            </a:r>
             <a:endParaRPr lang="bg-BG" dirty="0" smtClean="0">
               <a:solidFill>
                 <a:schemeClr val="bg1"/>
@@ -29214,13 +29182,20 @@
     </p:spTree>
     <p:extLst>
       <p:ext uri="{BB962C8B-B14F-4D97-AF65-F5344CB8AC3E}">
-        <p14:creationId xmlns:p14="http://schemas.microsoft.com/office/powerpoint/2010/main" val="3092717625"/>
+        <p14:creationId xmlns:p14="http://schemas.microsoft.com/office/powerpoint/2010/main" val="2972183159"/>
       </p:ext>
     </p:extLst>
   </p:cSld>
   <p:clrMapOvr>
     <a:masterClrMapping/>
   </p:clrMapOvr>
+  <p:timing>
+    <p:tnLst>
+      <p:par>
+        <p:cTn id="1" dur="indefinite" restart="never" nodeType="tmRoot"/>
+      </p:par>
+    </p:tnLst>
+  </p:timing>
 </p:sld>
 </file>
 
@@ -29289,12 +29264,20 @@
               <a:t> </a:t>
             </a:r>
             <a:r>
+              <a:rPr lang="bg-BG" sz="2900" dirty="0" smtClean="0">
+                <a:solidFill>
+                  <a:schemeClr val="accent6"/>
+                </a:solidFill>
+              </a:rPr>
+              <a:t>Е</a:t>
+            </a:r>
+            <a:r>
               <a:rPr lang="en-US" sz="2900" dirty="0" smtClean="0">
                 <a:solidFill>
                   <a:schemeClr val="accent6"/>
                 </a:solidFill>
               </a:rPr>
-              <a:t>HTML</a:t>
+              <a:t>vent</a:t>
             </a:r>
             <a:r>
               <a:rPr lang="bg-BG" sz="2900" dirty="0" smtClean="0">
@@ -29302,7 +29285,7 @@
                   <a:schemeClr val="accent6"/>
                 </a:solidFill>
               </a:rPr>
-              <a:t> и </a:t>
+              <a:t> </a:t>
             </a:r>
             <a:r>
               <a:rPr lang="en-US" sz="2900" dirty="0" smtClean="0">
@@ -29310,7 +29293,7 @@
                   <a:schemeClr val="accent6"/>
                 </a:solidFill>
               </a:rPr>
-              <a:t>CSS</a:t>
+              <a:t>Listeners</a:t>
             </a:r>
             <a:endParaRPr lang="en-US" sz="2900" dirty="0">
               <a:solidFill>
@@ -29329,7 +29312,7 @@
         <p:spPr>
           <a:xfrm>
             <a:off x="425355" y="1491734"/>
-            <a:ext cx="8718645" cy="4616648"/>
+            <a:ext cx="8718645" cy="3570208"/>
           </a:xfrm>
           <a:prstGeom prst="rect">
             <a:avLst/>
@@ -29350,7 +29333,7 @@
                 <a:latin typeface="+mj-lt"/>
                 <a:cs typeface="Courier New" panose="02070309020205020404" pitchFamily="49" charset="0"/>
               </a:rPr>
-              <a:t>С </a:t>
+              <a:t>Пример за добавяне на </a:t>
             </a:r>
             <a:r>
               <a:rPr lang="en-US" sz="2500" dirty="0" smtClean="0">
@@ -29360,7 +29343,7 @@
                 <a:latin typeface="+mj-lt"/>
                 <a:cs typeface="Courier New" panose="02070309020205020404" pitchFamily="49" charset="0"/>
               </a:rPr>
-              <a:t>JavaScript </a:t>
+              <a:t>event listener </a:t>
             </a:r>
             <a:r>
               <a:rPr lang="bg-BG" sz="2500" dirty="0" smtClean="0">
@@ -29370,7 +29353,7 @@
                 <a:latin typeface="+mj-lt"/>
                 <a:cs typeface="Courier New" panose="02070309020205020404" pitchFamily="49" charset="0"/>
               </a:rPr>
-              <a:t>може да манипулираме съдържанието и стиловете на </a:t>
+              <a:t>за </a:t>
             </a:r>
             <a:r>
               <a:rPr lang="en-US" sz="2500" dirty="0" smtClean="0">
@@ -29380,7 +29363,7 @@
                 <a:latin typeface="+mj-lt"/>
                 <a:cs typeface="Courier New" panose="02070309020205020404" pitchFamily="49" charset="0"/>
               </a:rPr>
-              <a:t>HTML </a:t>
+              <a:t>resize </a:t>
             </a:r>
             <a:r>
               <a:rPr lang="bg-BG" sz="2500" dirty="0" smtClean="0">
@@ -29390,17 +29373,18 @@
                 <a:latin typeface="+mj-lt"/>
                 <a:cs typeface="Courier New" panose="02070309020205020404" pitchFamily="49" charset="0"/>
               </a:rPr>
-              <a:t>елементите. </a:t>
-            </a:r>
-            <a:endParaRPr lang="en-US" sz="2500" dirty="0" smtClean="0">
-              <a:solidFill>
-                <a:schemeClr val="bg1"/>
-              </a:solidFill>
-              <a:latin typeface="+mj-lt"/>
-              <a:cs typeface="Courier New" panose="02070309020205020404" pitchFamily="49" charset="0"/>
-            </a:endParaRPr>
-          </a:p>
-          <a:p>
+              <a:t>на </a:t>
+            </a:r>
+            <a:r>
+              <a:rPr lang="en-US" sz="2500" dirty="0" smtClean="0">
+                <a:solidFill>
+                  <a:schemeClr val="bg1"/>
+                </a:solidFill>
+                <a:latin typeface="+mj-lt"/>
+                <a:cs typeface="Courier New" panose="02070309020205020404" pitchFamily="49" charset="0"/>
+              </a:rPr>
+              <a:t>window </a:t>
+            </a:r>
             <a:r>
               <a:rPr lang="bg-BG" sz="2500" dirty="0" smtClean="0">
                 <a:solidFill>
@@ -29409,159 +29393,51 @@
                 <a:latin typeface="+mj-lt"/>
                 <a:cs typeface="Courier New" panose="02070309020205020404" pitchFamily="49" charset="0"/>
               </a:rPr>
-              <a:t>Синтаксисът за смяна на </a:t>
-            </a:r>
-            <a:r>
-              <a:rPr lang="en-US" sz="2500" dirty="0" smtClean="0">
-                <a:solidFill>
-                  <a:schemeClr val="bg1"/>
-                </a:solidFill>
-                <a:latin typeface="+mj-lt"/>
-                <a:cs typeface="Courier New" panose="02070309020205020404" pitchFamily="49" charset="0"/>
-              </a:rPr>
-              <a:t>HTML </a:t>
-            </a:r>
-            <a:r>
-              <a:rPr lang="bg-BG" sz="2500" dirty="0" smtClean="0">
-                <a:solidFill>
-                  <a:schemeClr val="bg1"/>
-                </a:solidFill>
-                <a:latin typeface="+mj-lt"/>
-                <a:cs typeface="Courier New" panose="02070309020205020404" pitchFamily="49" charset="0"/>
-              </a:rPr>
-              <a:t>съдържание е следният:</a:t>
-            </a:r>
-          </a:p>
-          <a:p>
-            <a:r>
-              <a:rPr lang="en-US" dirty="0" err="1">
-                <a:solidFill>
-                  <a:srgbClr val="92D050"/>
-                </a:solidFill>
-                <a:latin typeface="Courier New" panose="02070309020205020404" pitchFamily="49" charset="0"/>
-                <a:cs typeface="Courier New" panose="02070309020205020404" pitchFamily="49" charset="0"/>
-              </a:rPr>
-              <a:t>document.getElementById</a:t>
-            </a:r>
+              <a:t>обекта:</a:t>
+            </a:r>
+          </a:p>
+          <a:p>
+            <a:r>
+              <a:rPr lang="en-US" dirty="0" err="1" smtClean="0">
+                <a:solidFill>
+                  <a:schemeClr val="bg1"/>
+                </a:solidFill>
+                <a:latin typeface="Courier New" panose="02070309020205020404" pitchFamily="49" charset="0"/>
+                <a:cs typeface="Courier New" panose="02070309020205020404" pitchFamily="49" charset="0"/>
+              </a:rPr>
+              <a:t>window.addEventListener</a:t>
+            </a:r>
+            <a:r>
+              <a:rPr lang="en-US" dirty="0" smtClean="0">
+                <a:solidFill>
+                  <a:schemeClr val="bg1"/>
+                </a:solidFill>
+                <a:latin typeface="Courier New" panose="02070309020205020404" pitchFamily="49" charset="0"/>
+                <a:cs typeface="Courier New" panose="02070309020205020404" pitchFamily="49" charset="0"/>
+              </a:rPr>
+              <a:t>(‘resize’, function() {</a:t>
+            </a:r>
+          </a:p>
+          <a:p>
             <a:r>
               <a:rPr lang="en-US" dirty="0">
                 <a:solidFill>
-                  <a:srgbClr val="92D050"/>
-                </a:solidFill>
-                <a:latin typeface="Courier New" panose="02070309020205020404" pitchFamily="49" charset="0"/>
-                <a:cs typeface="Courier New" panose="02070309020205020404" pitchFamily="49" charset="0"/>
-              </a:rPr>
-              <a:t>(id).</a:t>
-            </a:r>
-            <a:r>
-              <a:rPr lang="en-US" dirty="0" err="1">
-                <a:solidFill>
-                  <a:srgbClr val="92D050"/>
-                </a:solidFill>
-                <a:latin typeface="Courier New" panose="02070309020205020404" pitchFamily="49" charset="0"/>
-                <a:cs typeface="Courier New" panose="02070309020205020404" pitchFamily="49" charset="0"/>
-              </a:rPr>
-              <a:t>innerHTML</a:t>
-            </a:r>
-            <a:r>
-              <a:rPr lang="en-US" dirty="0">
-                <a:solidFill>
-                  <a:srgbClr val="92D050"/>
-                </a:solidFill>
-                <a:latin typeface="Courier New" panose="02070309020205020404" pitchFamily="49" charset="0"/>
-                <a:cs typeface="Courier New" panose="02070309020205020404" pitchFamily="49" charset="0"/>
-              </a:rPr>
-              <a:t> = new </a:t>
+                  <a:schemeClr val="bg1"/>
+                </a:solidFill>
+                <a:latin typeface="Courier New" panose="02070309020205020404" pitchFamily="49" charset="0"/>
+                <a:cs typeface="Courier New" panose="02070309020205020404" pitchFamily="49" charset="0"/>
+              </a:rPr>
+              <a:t>	</a:t>
             </a:r>
             <a:r>
               <a:rPr lang="en-US" dirty="0" smtClean="0">
                 <a:solidFill>
-                  <a:srgbClr val="92D050"/>
-                </a:solidFill>
-                <a:latin typeface="Courier New" panose="02070309020205020404" pitchFamily="49" charset="0"/>
-                <a:cs typeface="Courier New" panose="02070309020205020404" pitchFamily="49" charset="0"/>
-              </a:rPr>
-              <a:t>HTML</a:t>
-            </a:r>
-          </a:p>
-          <a:p>
-            <a:r>
-              <a:rPr lang="bg-BG" sz="2500" dirty="0" smtClean="0">
-                <a:solidFill>
-                  <a:schemeClr val="bg1"/>
-                </a:solidFill>
-                <a:latin typeface="+mj-lt"/>
-                <a:cs typeface="Courier New" panose="02070309020205020404" pitchFamily="49" charset="0"/>
-              </a:rPr>
-              <a:t>Синтаксисът за смяна на стиловете на даден елемент е следният:</a:t>
-            </a:r>
-            <a:endParaRPr lang="en-US" sz="2500" dirty="0" smtClean="0">
-              <a:solidFill>
-                <a:schemeClr val="bg1"/>
-              </a:solidFill>
-              <a:latin typeface="+mj-lt"/>
-              <a:cs typeface="Courier New" panose="02070309020205020404" pitchFamily="49" charset="0"/>
-            </a:endParaRPr>
-          </a:p>
-          <a:p>
-            <a:r>
-              <a:rPr lang="en-US" dirty="0" err="1">
-                <a:solidFill>
-                  <a:srgbClr val="92D050"/>
-                </a:solidFill>
-                <a:latin typeface="Courier New" panose="02070309020205020404" pitchFamily="49" charset="0"/>
-                <a:cs typeface="Courier New" panose="02070309020205020404" pitchFamily="49" charset="0"/>
-              </a:rPr>
-              <a:t>document.getElementById</a:t>
-            </a:r>
-            <a:r>
-              <a:rPr lang="en-US" dirty="0">
-                <a:solidFill>
-                  <a:srgbClr val="92D050"/>
-                </a:solidFill>
-                <a:latin typeface="Courier New" panose="02070309020205020404" pitchFamily="49" charset="0"/>
-                <a:cs typeface="Courier New" panose="02070309020205020404" pitchFamily="49" charset="0"/>
-              </a:rPr>
-              <a:t>(id).</a:t>
-            </a:r>
-            <a:r>
-              <a:rPr lang="en-US" dirty="0" err="1">
-                <a:solidFill>
-                  <a:srgbClr val="92D050"/>
-                </a:solidFill>
-                <a:latin typeface="Courier New" panose="02070309020205020404" pitchFamily="49" charset="0"/>
-                <a:cs typeface="Courier New" panose="02070309020205020404" pitchFamily="49" charset="0"/>
-              </a:rPr>
-              <a:t>style.property</a:t>
-            </a:r>
-            <a:r>
-              <a:rPr lang="en-US" dirty="0">
-                <a:solidFill>
-                  <a:srgbClr val="92D050"/>
-                </a:solidFill>
-                <a:latin typeface="Courier New" panose="02070309020205020404" pitchFamily="49" charset="0"/>
-                <a:cs typeface="Courier New" panose="02070309020205020404" pitchFamily="49" charset="0"/>
-              </a:rPr>
-              <a:t>=new style</a:t>
-            </a:r>
-            <a:endParaRPr lang="bg-BG" dirty="0">
-              <a:solidFill>
-                <a:srgbClr val="92D050"/>
-              </a:solidFill>
-              <a:latin typeface="Courier New" panose="02070309020205020404" pitchFamily="49" charset="0"/>
-              <a:cs typeface="Courier New" panose="02070309020205020404" pitchFamily="49" charset="0"/>
-            </a:endParaRPr>
-          </a:p>
-          <a:p>
-            <a:r>
-              <a:rPr lang="bg-BG" sz="2500" dirty="0" smtClean="0">
-                <a:solidFill>
-                  <a:schemeClr val="bg1"/>
-                </a:solidFill>
-                <a:latin typeface="+mj-lt"/>
-                <a:cs typeface="Courier New" panose="02070309020205020404" pitchFamily="49" charset="0"/>
-              </a:rPr>
-              <a:t>Пример:</a:t>
+                  <a:schemeClr val="bg1"/>
+                </a:solidFill>
+                <a:latin typeface="Courier New" panose="02070309020205020404" pitchFamily="49" charset="0"/>
+                <a:cs typeface="Courier New" panose="02070309020205020404" pitchFamily="49" charset="0"/>
+              </a:rPr>
+              <a:t>alert(‘window resized’);</a:t>
             </a:r>
           </a:p>
           <a:p>
@@ -29573,73 +29449,11 @@
                 <a:latin typeface="Courier New" panose="02070309020205020404" pitchFamily="49" charset="0"/>
                 <a:cs typeface="Courier New" panose="02070309020205020404" pitchFamily="49" charset="0"/>
               </a:rPr>
-              <a:t>var </a:t>
-            </a:r>
-            <a:r>
-              <a:rPr lang="en-US" dirty="0" err="1" smtClean="0">
-                <a:solidFill>
-                  <a:schemeClr val="bg1"/>
-                </a:solidFill>
-                <a:latin typeface="Courier New" panose="02070309020205020404" pitchFamily="49" charset="0"/>
-                <a:cs typeface="Courier New" panose="02070309020205020404" pitchFamily="49" charset="0"/>
-              </a:rPr>
-              <a:t>myText</a:t>
-            </a:r>
-            <a:r>
-              <a:rPr lang="en-US" dirty="0" smtClean="0">
-                <a:solidFill>
-                  <a:schemeClr val="bg1"/>
-                </a:solidFill>
-                <a:latin typeface="Courier New" panose="02070309020205020404" pitchFamily="49" charset="0"/>
-                <a:cs typeface="Courier New" panose="02070309020205020404" pitchFamily="49" charset="0"/>
-              </a:rPr>
-              <a:t> = </a:t>
-            </a:r>
-            <a:r>
-              <a:rPr lang="en-US" dirty="0" err="1" smtClean="0">
-                <a:solidFill>
-                  <a:schemeClr val="bg1"/>
-                </a:solidFill>
-                <a:latin typeface="Courier New" panose="02070309020205020404" pitchFamily="49" charset="0"/>
-                <a:cs typeface="Courier New" panose="02070309020205020404" pitchFamily="49" charset="0"/>
-              </a:rPr>
-              <a:t>document.getElementById</a:t>
-            </a:r>
-            <a:r>
-              <a:rPr lang="en-US" dirty="0" smtClean="0">
-                <a:solidFill>
-                  <a:schemeClr val="bg1"/>
-                </a:solidFill>
-                <a:latin typeface="Courier New" panose="02070309020205020404" pitchFamily="49" charset="0"/>
-                <a:cs typeface="Courier New" panose="02070309020205020404" pitchFamily="49" charset="0"/>
-              </a:rPr>
-              <a:t>(‘main’);</a:t>
-            </a:r>
-          </a:p>
-          <a:p>
-            <a:r>
-              <a:rPr lang="en-US" dirty="0" err="1" smtClean="0">
-                <a:solidFill>
-                  <a:schemeClr val="bg1"/>
-                </a:solidFill>
-                <a:latin typeface="Courier New" panose="02070309020205020404" pitchFamily="49" charset="0"/>
-                <a:cs typeface="Courier New" panose="02070309020205020404" pitchFamily="49" charset="0"/>
-              </a:rPr>
-              <a:t>myText.innerHTML</a:t>
-            </a:r>
-            <a:r>
-              <a:rPr lang="en-US" dirty="0" smtClean="0">
-                <a:solidFill>
-                  <a:schemeClr val="bg1"/>
-                </a:solidFill>
-                <a:latin typeface="Courier New" panose="02070309020205020404" pitchFamily="49" charset="0"/>
-                <a:cs typeface="Courier New" panose="02070309020205020404" pitchFamily="49" charset="0"/>
-              </a:rPr>
-              <a:t> = ‘This paragraph changed its content’;</a:t>
-            </a:r>
-          </a:p>
-          <a:p>
-            <a:endParaRPr lang="en-US" dirty="0">
+              <a:t>});</a:t>
+            </a:r>
+          </a:p>
+          <a:p>
+            <a:endParaRPr lang="en-US" dirty="0" smtClean="0">
               <a:solidFill>
                 <a:schemeClr val="bg1"/>
               </a:solidFill>
@@ -29649,6 +29463,88 @@
           </a:p>
           <a:p>
             <a:r>
+              <a:rPr lang="bg-BG" sz="2500" dirty="0" smtClean="0">
+                <a:solidFill>
+                  <a:schemeClr val="bg1"/>
+                </a:solidFill>
+                <a:latin typeface="+mj-lt"/>
+                <a:cs typeface="Courier New" panose="02070309020205020404" pitchFamily="49" charset="0"/>
+              </a:rPr>
+              <a:t>Пример за добавяне на </a:t>
+            </a:r>
+            <a:r>
+              <a:rPr lang="en-US" sz="2500" dirty="0" smtClean="0">
+                <a:solidFill>
+                  <a:schemeClr val="bg1"/>
+                </a:solidFill>
+                <a:latin typeface="+mj-lt"/>
+                <a:cs typeface="Courier New" panose="02070309020205020404" pitchFamily="49" charset="0"/>
+              </a:rPr>
+              <a:t>event listener </a:t>
+            </a:r>
+            <a:r>
+              <a:rPr lang="bg-BG" sz="2500" dirty="0" smtClean="0">
+                <a:solidFill>
+                  <a:schemeClr val="bg1"/>
+                </a:solidFill>
+                <a:latin typeface="+mj-lt"/>
+                <a:cs typeface="Courier New" panose="02070309020205020404" pitchFamily="49" charset="0"/>
+              </a:rPr>
+              <a:t>за </a:t>
+            </a:r>
+            <a:r>
+              <a:rPr lang="en-US" sz="2500" dirty="0" smtClean="0">
+                <a:solidFill>
+                  <a:schemeClr val="bg1"/>
+                </a:solidFill>
+                <a:latin typeface="+mj-lt"/>
+                <a:cs typeface="Courier New" panose="02070309020205020404" pitchFamily="49" charset="0"/>
+              </a:rPr>
+              <a:t>load </a:t>
+            </a:r>
+            <a:r>
+              <a:rPr lang="bg-BG" sz="2500" dirty="0" smtClean="0">
+                <a:solidFill>
+                  <a:schemeClr val="bg1"/>
+                </a:solidFill>
+                <a:latin typeface="+mj-lt"/>
+                <a:cs typeface="Courier New" panose="02070309020205020404" pitchFamily="49" charset="0"/>
+              </a:rPr>
+              <a:t>на </a:t>
+            </a:r>
+            <a:r>
+              <a:rPr lang="en-US" sz="2500" dirty="0" smtClean="0">
+                <a:solidFill>
+                  <a:schemeClr val="bg1"/>
+                </a:solidFill>
+                <a:latin typeface="+mj-lt"/>
+                <a:cs typeface="Courier New" panose="02070309020205020404" pitchFamily="49" charset="0"/>
+              </a:rPr>
+              <a:t>document </a:t>
+            </a:r>
+            <a:r>
+              <a:rPr lang="bg-BG" sz="2500" dirty="0" smtClean="0">
+                <a:solidFill>
+                  <a:schemeClr val="bg1"/>
+                </a:solidFill>
+                <a:latin typeface="+mj-lt"/>
+                <a:cs typeface="Courier New" panose="02070309020205020404" pitchFamily="49" charset="0"/>
+              </a:rPr>
+              <a:t>обекта:</a:t>
+            </a:r>
+          </a:p>
+          <a:p>
+            <a:r>
+              <a:rPr lang="en-US" dirty="0" err="1" smtClean="0">
+                <a:solidFill>
+                  <a:schemeClr val="bg1"/>
+                </a:solidFill>
+                <a:latin typeface="Courier New" panose="02070309020205020404" pitchFamily="49" charset="0"/>
+                <a:cs typeface="Courier New" panose="02070309020205020404" pitchFamily="49" charset="0"/>
+              </a:rPr>
+              <a:t>document.addEventListener</a:t>
+            </a:r>
+            <a:r>
               <a:rPr lang="en-US" dirty="0" smtClean="0">
                 <a:solidFill>
                   <a:schemeClr val="bg1"/>
@@ -29656,17 +29552,19 @@
                 <a:latin typeface="Courier New" panose="02070309020205020404" pitchFamily="49" charset="0"/>
                 <a:cs typeface="Courier New" panose="02070309020205020404" pitchFamily="49" charset="0"/>
               </a:rPr>
-              <a:t>var </a:t>
-            </a:r>
-            <a:r>
-              <a:rPr lang="en-US" dirty="0" err="1" smtClean="0">
-                <a:solidFill>
-                  <a:schemeClr val="bg1"/>
-                </a:solidFill>
-                <a:latin typeface="Courier New" panose="02070309020205020404" pitchFamily="49" charset="0"/>
-                <a:cs typeface="Courier New" panose="02070309020205020404" pitchFamily="49" charset="0"/>
-              </a:rPr>
-              <a:t>myImg</a:t>
+              <a:t>(‘load’, function() {</a:t>
+            </a:r>
+          </a:p>
+          <a:p>
+            <a:r>
+              <a:rPr lang="en-US" dirty="0">
+                <a:solidFill>
+                  <a:schemeClr val="bg1"/>
+                </a:solidFill>
+                <a:latin typeface="Courier New" panose="02070309020205020404" pitchFamily="49" charset="0"/>
+                <a:cs typeface="Courier New" panose="02070309020205020404" pitchFamily="49" charset="0"/>
+              </a:rPr>
+              <a:t>	</a:t>
             </a:r>
             <a:r>
               <a:rPr lang="en-US" dirty="0" smtClean="0">
@@ -29676,18 +29574,10 @@
                 <a:latin typeface="Courier New" panose="02070309020205020404" pitchFamily="49" charset="0"/>
                 <a:cs typeface="Courier New" panose="02070309020205020404" pitchFamily="49" charset="0"/>
               </a:rPr>
-              <a:t> = </a:t>
-            </a:r>
-            <a:r>
-              <a:rPr lang="en-US" dirty="0" err="1" smtClean="0">
-                <a:solidFill>
-                  <a:schemeClr val="bg1"/>
-                </a:solidFill>
-                <a:latin typeface="Courier New" panose="02070309020205020404" pitchFamily="49" charset="0"/>
-                <a:cs typeface="Courier New" panose="02070309020205020404" pitchFamily="49" charset="0"/>
-              </a:rPr>
-              <a:t>document.getElementByTagName</a:t>
-            </a:r>
+              <a:t>alert(‘document loaded’);</a:t>
+            </a:r>
+          </a:p>
+          <a:p>
             <a:r>
               <a:rPr lang="en-US" dirty="0" smtClean="0">
                 <a:solidFill>
@@ -29696,91 +29586,7 @@
                 <a:latin typeface="Courier New" panose="02070309020205020404" pitchFamily="49" charset="0"/>
                 <a:cs typeface="Courier New" panose="02070309020205020404" pitchFamily="49" charset="0"/>
               </a:rPr>
-              <a:t>(‘</a:t>
-            </a:r>
-            <a:r>
-              <a:rPr lang="en-US" dirty="0" err="1" smtClean="0">
-                <a:solidFill>
-                  <a:schemeClr val="bg1"/>
-                </a:solidFill>
-                <a:latin typeface="Courier New" panose="02070309020205020404" pitchFamily="49" charset="0"/>
-                <a:cs typeface="Courier New" panose="02070309020205020404" pitchFamily="49" charset="0"/>
-              </a:rPr>
-              <a:t>img</a:t>
-            </a:r>
-            <a:r>
-              <a:rPr lang="en-US" dirty="0" smtClean="0">
-                <a:solidFill>
-                  <a:schemeClr val="bg1"/>
-                </a:solidFill>
-                <a:latin typeface="Courier New" panose="02070309020205020404" pitchFamily="49" charset="0"/>
-                <a:cs typeface="Courier New" panose="02070309020205020404" pitchFamily="49" charset="0"/>
-              </a:rPr>
-              <a:t>’);</a:t>
-            </a:r>
-          </a:p>
-          <a:p>
-            <a:r>
-              <a:rPr lang="en-US" dirty="0" err="1" smtClean="0">
-                <a:solidFill>
-                  <a:schemeClr val="bg1"/>
-                </a:solidFill>
-                <a:latin typeface="Courier New" panose="02070309020205020404" pitchFamily="49" charset="0"/>
-                <a:cs typeface="Courier New" panose="02070309020205020404" pitchFamily="49" charset="0"/>
-              </a:rPr>
-              <a:t>myImg.src</a:t>
-            </a:r>
-            <a:r>
-              <a:rPr lang="en-US" dirty="0" smtClean="0">
-                <a:solidFill>
-                  <a:schemeClr val="bg1"/>
-                </a:solidFill>
-                <a:latin typeface="Courier New" panose="02070309020205020404" pitchFamily="49" charset="0"/>
-                <a:cs typeface="Courier New" panose="02070309020205020404" pitchFamily="49" charset="0"/>
-              </a:rPr>
-              <a:t> = ‘../</a:t>
-            </a:r>
-            <a:r>
-              <a:rPr lang="en-US" dirty="0" err="1" smtClean="0">
-                <a:solidFill>
-                  <a:schemeClr val="bg1"/>
-                </a:solidFill>
-                <a:latin typeface="Courier New" panose="02070309020205020404" pitchFamily="49" charset="0"/>
-                <a:cs typeface="Courier New" panose="02070309020205020404" pitchFamily="49" charset="0"/>
-              </a:rPr>
-              <a:t>img</a:t>
-            </a:r>
-            <a:r>
-              <a:rPr lang="en-US" dirty="0" smtClean="0">
-                <a:solidFill>
-                  <a:schemeClr val="bg1"/>
-                </a:solidFill>
-                <a:latin typeface="Courier New" panose="02070309020205020404" pitchFamily="49" charset="0"/>
-                <a:cs typeface="Courier New" panose="02070309020205020404" pitchFamily="49" charset="0"/>
-              </a:rPr>
-              <a:t>/background.png’;</a:t>
-            </a:r>
-          </a:p>
-          <a:p>
-            <a:r>
-              <a:rPr lang="en-US" dirty="0" err="1" smtClean="0">
-                <a:solidFill>
-                  <a:schemeClr val="bg1"/>
-                </a:solidFill>
-                <a:latin typeface="Courier New" panose="02070309020205020404" pitchFamily="49" charset="0"/>
-                <a:cs typeface="Courier New" panose="02070309020205020404" pitchFamily="49" charset="0"/>
-              </a:rPr>
-              <a:t>myImg.width</a:t>
-            </a:r>
-            <a:r>
-              <a:rPr lang="en-US" dirty="0" smtClean="0">
-                <a:solidFill>
-                  <a:schemeClr val="bg1"/>
-                </a:solidFill>
-                <a:latin typeface="Courier New" panose="02070309020205020404" pitchFamily="49" charset="0"/>
-                <a:cs typeface="Courier New" panose="02070309020205020404" pitchFamily="49" charset="0"/>
-              </a:rPr>
-              <a:t> = ‘200px’</a:t>
+              <a:t>});</a:t>
             </a:r>
             <a:endParaRPr lang="bg-BG" dirty="0" smtClean="0">
               <a:solidFill>
@@ -29795,13 +29601,20 @@
     </p:spTree>
     <p:extLst>
       <p:ext uri="{BB962C8B-B14F-4D97-AF65-F5344CB8AC3E}">
-        <p14:creationId xmlns:p14="http://schemas.microsoft.com/office/powerpoint/2010/main" val="1298404650"/>
+        <p14:creationId xmlns:p14="http://schemas.microsoft.com/office/powerpoint/2010/main" val="3092717625"/>
       </p:ext>
     </p:extLst>
   </p:cSld>
   <p:clrMapOvr>
     <a:masterClrMapping/>
   </p:clrMapOvr>
+  <p:timing>
+    <p:tnLst>
+      <p:par>
+        <p:cTn id="1" dur="indefinite" restart="never" nodeType="tmRoot"/>
+      </p:par>
+    </p:tnLst>
+  </p:timing>
 </p:sld>
 </file>
 
@@ -29910,7 +29723,7 @@
         <p:spPr>
           <a:xfrm>
             <a:off x="425355" y="1491734"/>
-            <a:ext cx="8718645" cy="1862048"/>
+            <a:ext cx="8718645" cy="4616648"/>
           </a:xfrm>
           <a:prstGeom prst="rect">
             <a:avLst/>
@@ -29931,6 +29744,217 @@
                 <a:latin typeface="+mj-lt"/>
                 <a:cs typeface="Courier New" panose="02070309020205020404" pitchFamily="49" charset="0"/>
               </a:rPr>
+              <a:t>С </a:t>
+            </a:r>
+            <a:r>
+              <a:rPr lang="en-US" sz="2500" dirty="0" smtClean="0">
+                <a:solidFill>
+                  <a:schemeClr val="bg1"/>
+                </a:solidFill>
+                <a:latin typeface="+mj-lt"/>
+                <a:cs typeface="Courier New" panose="02070309020205020404" pitchFamily="49" charset="0"/>
+              </a:rPr>
+              <a:t>JavaScript </a:t>
+            </a:r>
+            <a:r>
+              <a:rPr lang="bg-BG" sz="2500" dirty="0" smtClean="0">
+                <a:solidFill>
+                  <a:schemeClr val="bg1"/>
+                </a:solidFill>
+                <a:latin typeface="+mj-lt"/>
+                <a:cs typeface="Courier New" panose="02070309020205020404" pitchFamily="49" charset="0"/>
+              </a:rPr>
+              <a:t>може да манипулираме съдържанието и стиловете на </a:t>
+            </a:r>
+            <a:r>
+              <a:rPr lang="en-US" sz="2500" dirty="0" smtClean="0">
+                <a:solidFill>
+                  <a:schemeClr val="bg1"/>
+                </a:solidFill>
+                <a:latin typeface="+mj-lt"/>
+                <a:cs typeface="Courier New" panose="02070309020205020404" pitchFamily="49" charset="0"/>
+              </a:rPr>
+              <a:t>HTML </a:t>
+            </a:r>
+            <a:r>
+              <a:rPr lang="bg-BG" sz="2500" dirty="0" smtClean="0">
+                <a:solidFill>
+                  <a:schemeClr val="bg1"/>
+                </a:solidFill>
+                <a:latin typeface="+mj-lt"/>
+                <a:cs typeface="Courier New" panose="02070309020205020404" pitchFamily="49" charset="0"/>
+              </a:rPr>
+              <a:t>елементите. </a:t>
+            </a:r>
+            <a:endParaRPr lang="en-US" sz="2500" dirty="0" smtClean="0">
+              <a:solidFill>
+                <a:schemeClr val="bg1"/>
+              </a:solidFill>
+              <a:latin typeface="+mj-lt"/>
+              <a:cs typeface="Courier New" panose="02070309020205020404" pitchFamily="49" charset="0"/>
+            </a:endParaRPr>
+          </a:p>
+          <a:p>
+            <a:r>
+              <a:rPr lang="bg-BG" sz="2500" dirty="0" smtClean="0">
+                <a:solidFill>
+                  <a:schemeClr val="bg1"/>
+                </a:solidFill>
+                <a:latin typeface="+mj-lt"/>
+                <a:cs typeface="Courier New" panose="02070309020205020404" pitchFamily="49" charset="0"/>
+              </a:rPr>
+              <a:t>Синтаксисът за смяна на </a:t>
+            </a:r>
+            <a:r>
+              <a:rPr lang="en-US" sz="2500" dirty="0" smtClean="0">
+                <a:solidFill>
+                  <a:schemeClr val="bg1"/>
+                </a:solidFill>
+                <a:latin typeface="+mj-lt"/>
+                <a:cs typeface="Courier New" panose="02070309020205020404" pitchFamily="49" charset="0"/>
+              </a:rPr>
+              <a:t>HTML </a:t>
+            </a:r>
+            <a:r>
+              <a:rPr lang="bg-BG" sz="2500" dirty="0" smtClean="0">
+                <a:solidFill>
+                  <a:schemeClr val="bg1"/>
+                </a:solidFill>
+                <a:latin typeface="+mj-lt"/>
+                <a:cs typeface="Courier New" panose="02070309020205020404" pitchFamily="49" charset="0"/>
+              </a:rPr>
+              <a:t>съдържание е следният:</a:t>
+            </a:r>
+          </a:p>
+          <a:p>
+            <a:r>
+              <a:rPr lang="en-US" dirty="0" err="1">
+                <a:solidFill>
+                  <a:srgbClr val="92D050"/>
+                </a:solidFill>
+                <a:latin typeface="Courier New" panose="02070309020205020404" pitchFamily="49" charset="0"/>
+                <a:cs typeface="Courier New" panose="02070309020205020404" pitchFamily="49" charset="0"/>
+              </a:rPr>
+              <a:t>document.getElementById</a:t>
+            </a:r>
+            <a:r>
+              <a:rPr lang="en-US" dirty="0">
+                <a:solidFill>
+                  <a:srgbClr val="92D050"/>
+                </a:solidFill>
+                <a:latin typeface="Courier New" panose="02070309020205020404" pitchFamily="49" charset="0"/>
+                <a:cs typeface="Courier New" panose="02070309020205020404" pitchFamily="49" charset="0"/>
+              </a:rPr>
+              <a:t>(id).</a:t>
+            </a:r>
+            <a:r>
+              <a:rPr lang="en-US" dirty="0" err="1">
+                <a:solidFill>
+                  <a:srgbClr val="92D050"/>
+                </a:solidFill>
+                <a:latin typeface="Courier New" panose="02070309020205020404" pitchFamily="49" charset="0"/>
+                <a:cs typeface="Courier New" panose="02070309020205020404" pitchFamily="49" charset="0"/>
+              </a:rPr>
+              <a:t>innerHTML</a:t>
+            </a:r>
+            <a:r>
+              <a:rPr lang="en-US" dirty="0">
+                <a:solidFill>
+                  <a:srgbClr val="92D050"/>
+                </a:solidFill>
+                <a:latin typeface="Courier New" panose="02070309020205020404" pitchFamily="49" charset="0"/>
+                <a:cs typeface="Courier New" panose="02070309020205020404" pitchFamily="49" charset="0"/>
+              </a:rPr>
+              <a:t> = new </a:t>
+            </a:r>
+            <a:r>
+              <a:rPr lang="en-US" dirty="0" smtClean="0">
+                <a:solidFill>
+                  <a:srgbClr val="92D050"/>
+                </a:solidFill>
+                <a:latin typeface="Courier New" panose="02070309020205020404" pitchFamily="49" charset="0"/>
+                <a:cs typeface="Courier New" panose="02070309020205020404" pitchFamily="49" charset="0"/>
+              </a:rPr>
+              <a:t>HTML</a:t>
+            </a:r>
+          </a:p>
+          <a:p>
+            <a:r>
+              <a:rPr lang="bg-BG" sz="2500" dirty="0" smtClean="0">
+                <a:solidFill>
+                  <a:schemeClr val="bg1"/>
+                </a:solidFill>
+                <a:latin typeface="+mj-lt"/>
+                <a:cs typeface="Courier New" panose="02070309020205020404" pitchFamily="49" charset="0"/>
+              </a:rPr>
+              <a:t>Синтаксисът за смяна на стиловете на даден елемент е следният:</a:t>
+            </a:r>
+            <a:endParaRPr lang="en-US" sz="2500" dirty="0" smtClean="0">
+              <a:solidFill>
+                <a:schemeClr val="bg1"/>
+              </a:solidFill>
+              <a:latin typeface="+mj-lt"/>
+              <a:cs typeface="Courier New" panose="02070309020205020404" pitchFamily="49" charset="0"/>
+            </a:endParaRPr>
+          </a:p>
+          <a:p>
+            <a:r>
+              <a:rPr lang="en-US" dirty="0" err="1">
+                <a:solidFill>
+                  <a:srgbClr val="92D050"/>
+                </a:solidFill>
+                <a:latin typeface="Courier New" panose="02070309020205020404" pitchFamily="49" charset="0"/>
+                <a:cs typeface="Courier New" panose="02070309020205020404" pitchFamily="49" charset="0"/>
+              </a:rPr>
+              <a:t>document.getElementById</a:t>
+            </a:r>
+            <a:r>
+              <a:rPr lang="en-US" dirty="0">
+                <a:solidFill>
+                  <a:srgbClr val="92D050"/>
+                </a:solidFill>
+                <a:latin typeface="Courier New" panose="02070309020205020404" pitchFamily="49" charset="0"/>
+                <a:cs typeface="Courier New" panose="02070309020205020404" pitchFamily="49" charset="0"/>
+              </a:rPr>
+              <a:t>(id).</a:t>
+            </a:r>
+            <a:r>
+              <a:rPr lang="en-US" dirty="0" err="1">
+                <a:solidFill>
+                  <a:srgbClr val="92D050"/>
+                </a:solidFill>
+                <a:latin typeface="Courier New" panose="02070309020205020404" pitchFamily="49" charset="0"/>
+                <a:cs typeface="Courier New" panose="02070309020205020404" pitchFamily="49" charset="0"/>
+              </a:rPr>
+              <a:t>style.property</a:t>
+            </a:r>
+            <a:r>
+              <a:rPr lang="en-US" dirty="0">
+                <a:solidFill>
+                  <a:srgbClr val="92D050"/>
+                </a:solidFill>
+                <a:latin typeface="Courier New" panose="02070309020205020404" pitchFamily="49" charset="0"/>
+                <a:cs typeface="Courier New" panose="02070309020205020404" pitchFamily="49" charset="0"/>
+              </a:rPr>
+              <a:t>=new style</a:t>
+            </a:r>
+            <a:endParaRPr lang="bg-BG" dirty="0">
+              <a:solidFill>
+                <a:srgbClr val="92D050"/>
+              </a:solidFill>
+              <a:latin typeface="Courier New" panose="02070309020205020404" pitchFamily="49" charset="0"/>
+              <a:cs typeface="Courier New" panose="02070309020205020404" pitchFamily="49" charset="0"/>
+            </a:endParaRPr>
+          </a:p>
+          <a:p>
+            <a:r>
+              <a:rPr lang="bg-BG" sz="2500" dirty="0" smtClean="0">
+                <a:solidFill>
+                  <a:schemeClr val="bg1"/>
+                </a:solidFill>
+                <a:latin typeface="+mj-lt"/>
+                <a:cs typeface="Courier New" panose="02070309020205020404" pitchFamily="49" charset="0"/>
+              </a:rPr>
               <a:t>Пример:</a:t>
             </a:r>
           </a:p>
@@ -29953,7 +29977,7 @@
                 <a:latin typeface="Courier New" panose="02070309020205020404" pitchFamily="49" charset="0"/>
                 <a:cs typeface="Courier New" panose="02070309020205020404" pitchFamily="49" charset="0"/>
               </a:rPr>
-              <a:t>myDiv</a:t>
+              <a:t>myText</a:t>
             </a:r>
             <a:r>
               <a:rPr lang="en-US" dirty="0" smtClean="0">
@@ -29983,7 +30007,7 @@
                 <a:latin typeface="Courier New" panose="02070309020205020404" pitchFamily="49" charset="0"/>
                 <a:cs typeface="Courier New" panose="02070309020205020404" pitchFamily="49" charset="0"/>
               </a:rPr>
-              <a:t>(“main”);</a:t>
+              <a:t>(‘main’);</a:t>
             </a:r>
           </a:p>
           <a:p>
@@ -29995,7 +30019,7 @@
                 <a:latin typeface="Courier New" panose="02070309020205020404" pitchFamily="49" charset="0"/>
                 <a:cs typeface="Courier New" panose="02070309020205020404" pitchFamily="49" charset="0"/>
               </a:rPr>
-              <a:t>myDiv.style.background</a:t>
+              <a:t>myText.innerHTML</a:t>
             </a:r>
             <a:r>
               <a:rPr lang="en-US" dirty="0" smtClean="0">
@@ -30005,7 +30029,7 @@
                 <a:latin typeface="Courier New" panose="02070309020205020404" pitchFamily="49" charset="0"/>
                 <a:cs typeface="Courier New" panose="02070309020205020404" pitchFamily="49" charset="0"/>
               </a:rPr>
-              <a:t> = “red”;</a:t>
+              <a:t> = ‘This paragraph changed its content’;</a:t>
             </a:r>
           </a:p>
           <a:p>
@@ -30019,16 +30043,6 @@
           </a:p>
           <a:p>
             <a:r>
-              <a:rPr lang="en-US" dirty="0">
-                <a:solidFill>
-                  <a:schemeClr val="bg1"/>
-                </a:solidFill>
-                <a:latin typeface="Courier New" panose="02070309020205020404" pitchFamily="49" charset="0"/>
-                <a:cs typeface="Courier New" panose="02070309020205020404" pitchFamily="49" charset="0"/>
-              </a:rPr>
-              <a:t>v</a:t>
-            </a:r>
-            <a:r>
               <a:rPr lang="en-US" dirty="0" smtClean="0">
                 <a:solidFill>
                   <a:schemeClr val="bg1"/>
@@ -30036,7 +30050,7 @@
                 <a:latin typeface="Courier New" panose="02070309020205020404" pitchFamily="49" charset="0"/>
                 <a:cs typeface="Courier New" panose="02070309020205020404" pitchFamily="49" charset="0"/>
               </a:rPr>
-              <a:t>ar </a:t>
+              <a:t>var </a:t>
             </a:r>
             <a:r>
               <a:rPr lang="en-US" dirty="0" err="1" smtClean="0">
@@ -30046,7 +30060,7 @@
                 <a:latin typeface="Courier New" panose="02070309020205020404" pitchFamily="49" charset="0"/>
                 <a:cs typeface="Courier New" panose="02070309020205020404" pitchFamily="49" charset="0"/>
               </a:rPr>
-              <a:t>myParagraph</a:t>
+              <a:t>myImg</a:t>
             </a:r>
             <a:r>
               <a:rPr lang="en-US" dirty="0" smtClean="0">
@@ -30066,7 +30080,7 @@
                 <a:latin typeface="Courier New" panose="02070309020205020404" pitchFamily="49" charset="0"/>
                 <a:cs typeface="Courier New" panose="02070309020205020404" pitchFamily="49" charset="0"/>
               </a:rPr>
-              <a:t>document.querySelectorAll</a:t>
+              <a:t>document.getElementByTagName</a:t>
             </a:r>
             <a:r>
               <a:rPr lang="en-US" dirty="0" smtClean="0">
@@ -30076,10 +30090,8 @@
                 <a:latin typeface="Courier New" panose="02070309020205020404" pitchFamily="49" charset="0"/>
                 <a:cs typeface="Courier New" panose="02070309020205020404" pitchFamily="49" charset="0"/>
               </a:rPr>
-              <a:t>(‘p’);</a:t>
-            </a:r>
-          </a:p>
-          <a:p>
+              <a:t>(‘</a:t>
+            </a:r>
             <a:r>
               <a:rPr lang="en-US" dirty="0" err="1" smtClean="0">
                 <a:solidFill>
@@ -30088,7 +30100,7 @@
                 <a:latin typeface="Courier New" panose="02070309020205020404" pitchFamily="49" charset="0"/>
                 <a:cs typeface="Courier New" panose="02070309020205020404" pitchFamily="49" charset="0"/>
               </a:rPr>
-              <a:t>myParagraph.style.fontSize</a:t>
+              <a:t>img</a:t>
             </a:r>
             <a:r>
               <a:rPr lang="en-US" dirty="0" smtClean="0">
@@ -30098,7 +30110,71 @@
                 <a:latin typeface="Courier New" panose="02070309020205020404" pitchFamily="49" charset="0"/>
                 <a:cs typeface="Courier New" panose="02070309020205020404" pitchFamily="49" charset="0"/>
               </a:rPr>
-              <a:t> = “24px”;</a:t>
+              <a:t>’);</a:t>
+            </a:r>
+          </a:p>
+          <a:p>
+            <a:r>
+              <a:rPr lang="en-US" dirty="0" err="1" smtClean="0">
+                <a:solidFill>
+                  <a:schemeClr val="bg1"/>
+                </a:solidFill>
+                <a:latin typeface="Courier New" panose="02070309020205020404" pitchFamily="49" charset="0"/>
+                <a:cs typeface="Courier New" panose="02070309020205020404" pitchFamily="49" charset="0"/>
+              </a:rPr>
+              <a:t>myImg.src</a:t>
+            </a:r>
+            <a:r>
+              <a:rPr lang="en-US" dirty="0" smtClean="0">
+                <a:solidFill>
+                  <a:schemeClr val="bg1"/>
+                </a:solidFill>
+                <a:latin typeface="Courier New" panose="02070309020205020404" pitchFamily="49" charset="0"/>
+                <a:cs typeface="Courier New" panose="02070309020205020404" pitchFamily="49" charset="0"/>
+              </a:rPr>
+              <a:t> = ‘../</a:t>
+            </a:r>
+            <a:r>
+              <a:rPr lang="en-US" dirty="0" err="1" smtClean="0">
+                <a:solidFill>
+                  <a:schemeClr val="bg1"/>
+                </a:solidFill>
+                <a:latin typeface="Courier New" panose="02070309020205020404" pitchFamily="49" charset="0"/>
+                <a:cs typeface="Courier New" panose="02070309020205020404" pitchFamily="49" charset="0"/>
+              </a:rPr>
+              <a:t>img</a:t>
+            </a:r>
+            <a:r>
+              <a:rPr lang="en-US" dirty="0" smtClean="0">
+                <a:solidFill>
+                  <a:schemeClr val="bg1"/>
+                </a:solidFill>
+                <a:latin typeface="Courier New" panose="02070309020205020404" pitchFamily="49" charset="0"/>
+                <a:cs typeface="Courier New" panose="02070309020205020404" pitchFamily="49" charset="0"/>
+              </a:rPr>
+              <a:t>/background.png’;</a:t>
+            </a:r>
+          </a:p>
+          <a:p>
+            <a:r>
+              <a:rPr lang="en-US" dirty="0" err="1" smtClean="0">
+                <a:solidFill>
+                  <a:schemeClr val="bg1"/>
+                </a:solidFill>
+                <a:latin typeface="Courier New" panose="02070309020205020404" pitchFamily="49" charset="0"/>
+                <a:cs typeface="Courier New" panose="02070309020205020404" pitchFamily="49" charset="0"/>
+              </a:rPr>
+              <a:t>myImg.width</a:t>
+            </a:r>
+            <a:r>
+              <a:rPr lang="en-US" dirty="0" smtClean="0">
+                <a:solidFill>
+                  <a:schemeClr val="bg1"/>
+                </a:solidFill>
+                <a:latin typeface="Courier New" panose="02070309020205020404" pitchFamily="49" charset="0"/>
+                <a:cs typeface="Courier New" panose="02070309020205020404" pitchFamily="49" charset="0"/>
+              </a:rPr>
+              <a:t> = ‘200px’</a:t>
             </a:r>
             <a:endParaRPr lang="bg-BG" dirty="0" smtClean="0">
               <a:solidFill>
@@ -30113,13 +30189,20 @@
     </p:spTree>
     <p:extLst>
       <p:ext uri="{BB962C8B-B14F-4D97-AF65-F5344CB8AC3E}">
-        <p14:creationId xmlns:p14="http://schemas.microsoft.com/office/powerpoint/2010/main" val="2750441399"/>
+        <p14:creationId xmlns:p14="http://schemas.microsoft.com/office/powerpoint/2010/main" val="1298404650"/>
       </p:ext>
     </p:extLst>
   </p:cSld>
   <p:clrMapOvr>
     <a:masterClrMapping/>
   </p:clrMapOvr>
+  <p:timing>
+    <p:tnLst>
+      <p:par>
+        <p:cTn id="1" dur="indefinite" restart="never" nodeType="tmRoot"/>
+      </p:par>
+    </p:tnLst>
+  </p:timing>
 </p:sld>
 </file>
 
@@ -30152,45 +30235,8 @@
         </p:nvSpPr>
         <p:spPr>
           <a:xfrm>
-            <a:off x="838200" y="685800"/>
+            <a:off x="457200" y="533400"/>
             <a:ext cx="8229600" cy="1143000"/>
-          </a:xfrm>
-        </p:spPr>
-        <p:txBody>
-          <a:bodyPr/>
-          <a:lstStyle/>
-          <a:p>
-            <a:pPr algn="l"/>
-            <a:r>
-              <a:rPr lang="bg-BG" dirty="0" smtClean="0">
-                <a:solidFill>
-                  <a:schemeClr val="accent6"/>
-                </a:solidFill>
-              </a:rPr>
-              <a:t>Въпроси</a:t>
-            </a:r>
-            <a:endParaRPr lang="bg-BG" dirty="0">
-              <a:solidFill>
-                <a:schemeClr val="accent6"/>
-              </a:solidFill>
-            </a:endParaRPr>
-          </a:p>
-        </p:txBody>
-      </p:sp>
-      <p:sp>
-        <p:nvSpPr>
-          <p:cNvPr id="3" name="Content Placeholder 2"/>
-          <p:cNvSpPr>
-            <a:spLocks noGrp="1"/>
-          </p:cNvSpPr>
-          <p:nvPr>
-            <p:ph idx="1"/>
-          </p:nvPr>
-        </p:nvSpPr>
-        <p:spPr>
-          <a:xfrm>
-            <a:off x="762000" y="1676400"/>
-            <a:ext cx="7620000" cy="4525963"/>
           </a:xfrm>
         </p:spPr>
         <p:txBody>
@@ -30199,104 +30245,276 @@
           </a:bodyPr>
           <a:lstStyle/>
           <a:p>
-            <a:pPr>
-              <a:buFont typeface="Wingdings" panose="05000000000000000000" pitchFamily="2" charset="2"/>
-              <a:buChar char="§"/>
-            </a:pPr>
-            <a:endParaRPr lang="en-US" dirty="0">
+            <a:pPr algn="l"/>
+            <a:r>
+              <a:rPr lang="en-US" sz="2900" dirty="0" smtClean="0">
+                <a:solidFill>
+                  <a:schemeClr val="accent6"/>
+                </a:solidFill>
+              </a:rPr>
+              <a:t>JavaScript</a:t>
+            </a:r>
+            <a:r>
+              <a:rPr lang="bg-BG" sz="2900" dirty="0" smtClean="0">
+                <a:solidFill>
+                  <a:schemeClr val="accent6"/>
+                </a:solidFill>
+              </a:rPr>
+              <a:t> –</a:t>
+            </a:r>
+            <a:r>
+              <a:rPr lang="en-US" sz="2900" dirty="0">
+                <a:solidFill>
+                  <a:schemeClr val="accent6"/>
+                </a:solidFill>
+              </a:rPr>
+              <a:t> </a:t>
+            </a:r>
+            <a:r>
+              <a:rPr lang="en-US" sz="2900" dirty="0" smtClean="0">
+                <a:solidFill>
+                  <a:schemeClr val="accent6"/>
+                </a:solidFill>
+              </a:rPr>
+              <a:t>HTML</a:t>
+            </a:r>
+            <a:r>
+              <a:rPr lang="bg-BG" sz="2900" dirty="0" smtClean="0">
+                <a:solidFill>
+                  <a:schemeClr val="accent6"/>
+                </a:solidFill>
+              </a:rPr>
+              <a:t> и </a:t>
+            </a:r>
+            <a:r>
+              <a:rPr lang="en-US" sz="2900" dirty="0" smtClean="0">
+                <a:solidFill>
+                  <a:schemeClr val="accent6"/>
+                </a:solidFill>
+              </a:rPr>
+              <a:t>CSS</a:t>
+            </a:r>
+            <a:endParaRPr lang="en-US" sz="2900" dirty="0">
               <a:solidFill>
-                <a:schemeClr val="bg1">
-                  <a:lumMod val="95000"/>
-                </a:schemeClr>
+                <a:schemeClr val="accent6"/>
               </a:solidFill>
             </a:endParaRPr>
           </a:p>
-          <a:p>
-            <a:pPr>
-              <a:buFont typeface="Wingdings" panose="05000000000000000000" pitchFamily="2" charset="2"/>
-              <a:buChar char="§"/>
-            </a:pPr>
-            <a:endParaRPr lang="en-US" dirty="0">
-              <a:solidFill>
-                <a:schemeClr val="bg1">
-                  <a:lumMod val="95000"/>
-                </a:schemeClr>
-              </a:solidFill>
-            </a:endParaRPr>
-          </a:p>
-          <a:p>
-            <a:pPr>
-              <a:buFont typeface="Wingdings" panose="05000000000000000000" pitchFamily="2" charset="2"/>
-              <a:buChar char="§"/>
-            </a:pPr>
-            <a:endParaRPr lang="en-US" dirty="0">
-              <a:solidFill>
-                <a:schemeClr val="bg1">
-                  <a:lumMod val="95000"/>
-                </a:schemeClr>
-              </a:solidFill>
-            </a:endParaRPr>
-          </a:p>
-          <a:p>
-            <a:pPr>
-              <a:buFont typeface="Wingdings" panose="05000000000000000000" pitchFamily="2" charset="2"/>
-              <a:buChar char="§"/>
-            </a:pPr>
-            <a:endParaRPr lang="en-US" dirty="0">
-              <a:solidFill>
-                <a:schemeClr val="bg1">
-                  <a:lumMod val="95000"/>
-                </a:schemeClr>
-              </a:solidFill>
-            </a:endParaRPr>
-          </a:p>
         </p:txBody>
       </p:sp>
-      <p:pic>
-        <p:nvPicPr>
-          <p:cNvPr id="1027" name="Picture 3" descr="C:\Users\Lazar\Desktop\01-red-question-mark1.jpg"/>
-          <p:cNvPicPr>
-            <a:picLocks noChangeAspect="1" noChangeArrowheads="1"/>
-          </p:cNvPicPr>
+      <p:sp>
+        <p:nvSpPr>
+          <p:cNvPr id="6" name="TextBox 5"/>
+          <p:cNvSpPr txBox="1"/>
           <p:nvPr/>
-        </p:nvPicPr>
-        <p:blipFill>
-          <a:blip r:embed="rId2" cstate="print">
-            <a:extLst>
-              <a:ext uri="{28A0092B-C50C-407E-A947-70E740481C1C}">
-                <a14:useLocalDpi xmlns:a14="http://schemas.microsoft.com/office/drawing/2010/main" val="0"/>
-              </a:ext>
-            </a:extLst>
-          </a:blip>
-          <a:srcRect/>
-          <a:stretch>
-            <a:fillRect/>
-          </a:stretch>
-        </p:blipFill>
-        <p:spPr bwMode="auto">
+        </p:nvSpPr>
+        <p:spPr>
           <a:xfrm>
-            <a:off x="3505200" y="2057400"/>
-            <a:ext cx="2419082" cy="2419082"/>
+            <a:off x="425355" y="1491734"/>
+            <a:ext cx="8718645" cy="1862048"/>
           </a:xfrm>
           <a:prstGeom prst="rect">
             <a:avLst/>
           </a:prstGeom>
           <a:noFill/>
-          <a:extLst>
-            <a:ext uri="{909E8E84-426E-40DD-AFC4-6F175D3DCCD1}">
-              <a14:hiddenFill xmlns:a14="http://schemas.microsoft.com/office/drawing/2010/main">
-                <a:solidFill>
-                  <a:srgbClr val="FFFFFF"/>
-                </a:solidFill>
-              </a14:hiddenFill>
-            </a:ext>
-          </a:extLst>
         </p:spPr>
-      </p:pic>
+        <p:txBody>
+          <a:bodyPr wrap="square" rtlCol="0">
+            <a:spAutoFit/>
+          </a:bodyPr>
+          <a:lstStyle/>
+          <a:p>
+            <a:r>
+              <a:rPr lang="bg-BG" sz="2500" dirty="0" smtClean="0">
+                <a:solidFill>
+                  <a:schemeClr val="bg1"/>
+                </a:solidFill>
+                <a:latin typeface="+mj-lt"/>
+                <a:cs typeface="Courier New" panose="02070309020205020404" pitchFamily="49" charset="0"/>
+              </a:rPr>
+              <a:t>Пример:</a:t>
+            </a:r>
+          </a:p>
+          <a:p>
+            <a:r>
+              <a:rPr lang="en-US" dirty="0" smtClean="0">
+                <a:solidFill>
+                  <a:schemeClr val="bg1"/>
+                </a:solidFill>
+                <a:latin typeface="Courier New" panose="02070309020205020404" pitchFamily="49" charset="0"/>
+                <a:cs typeface="Courier New" panose="02070309020205020404" pitchFamily="49" charset="0"/>
+              </a:rPr>
+              <a:t>var </a:t>
+            </a:r>
+            <a:r>
+              <a:rPr lang="en-US" dirty="0" err="1" smtClean="0">
+                <a:solidFill>
+                  <a:schemeClr val="bg1"/>
+                </a:solidFill>
+                <a:latin typeface="Courier New" panose="02070309020205020404" pitchFamily="49" charset="0"/>
+                <a:cs typeface="Courier New" panose="02070309020205020404" pitchFamily="49" charset="0"/>
+              </a:rPr>
+              <a:t>myDiv</a:t>
+            </a:r>
+            <a:r>
+              <a:rPr lang="en-US" dirty="0" smtClean="0">
+                <a:solidFill>
+                  <a:schemeClr val="bg1"/>
+                </a:solidFill>
+                <a:latin typeface="Courier New" panose="02070309020205020404" pitchFamily="49" charset="0"/>
+                <a:cs typeface="Courier New" panose="02070309020205020404" pitchFamily="49" charset="0"/>
+              </a:rPr>
+              <a:t> = </a:t>
+            </a:r>
+            <a:r>
+              <a:rPr lang="en-US" dirty="0" err="1" smtClean="0">
+                <a:solidFill>
+                  <a:schemeClr val="bg1"/>
+                </a:solidFill>
+                <a:latin typeface="Courier New" panose="02070309020205020404" pitchFamily="49" charset="0"/>
+                <a:cs typeface="Courier New" panose="02070309020205020404" pitchFamily="49" charset="0"/>
+              </a:rPr>
+              <a:t>document.getElementById</a:t>
+            </a:r>
+            <a:r>
+              <a:rPr lang="en-US" dirty="0" smtClean="0">
+                <a:solidFill>
+                  <a:schemeClr val="bg1"/>
+                </a:solidFill>
+                <a:latin typeface="Courier New" panose="02070309020205020404" pitchFamily="49" charset="0"/>
+                <a:cs typeface="Courier New" panose="02070309020205020404" pitchFamily="49" charset="0"/>
+              </a:rPr>
+              <a:t>(“main”);</a:t>
+            </a:r>
+          </a:p>
+          <a:p>
+            <a:r>
+              <a:rPr lang="en-US" dirty="0" err="1" smtClean="0">
+                <a:solidFill>
+                  <a:schemeClr val="bg1"/>
+                </a:solidFill>
+                <a:latin typeface="Courier New" panose="02070309020205020404" pitchFamily="49" charset="0"/>
+                <a:cs typeface="Courier New" panose="02070309020205020404" pitchFamily="49" charset="0"/>
+              </a:rPr>
+              <a:t>myDiv.style.background</a:t>
+            </a:r>
+            <a:r>
+              <a:rPr lang="en-US" dirty="0" smtClean="0">
+                <a:solidFill>
+                  <a:schemeClr val="bg1"/>
+                </a:solidFill>
+                <a:latin typeface="Courier New" panose="02070309020205020404" pitchFamily="49" charset="0"/>
+                <a:cs typeface="Courier New" panose="02070309020205020404" pitchFamily="49" charset="0"/>
+              </a:rPr>
+              <a:t> = “red”;</a:t>
+            </a:r>
+          </a:p>
+          <a:p>
+            <a:endParaRPr lang="en-US" dirty="0">
+              <a:solidFill>
+                <a:schemeClr val="bg1"/>
+              </a:solidFill>
+              <a:latin typeface="Courier New" panose="02070309020205020404" pitchFamily="49" charset="0"/>
+              <a:cs typeface="Courier New" panose="02070309020205020404" pitchFamily="49" charset="0"/>
+            </a:endParaRPr>
+          </a:p>
+          <a:p>
+            <a:r>
+              <a:rPr lang="en-US" dirty="0">
+                <a:solidFill>
+                  <a:schemeClr val="bg1"/>
+                </a:solidFill>
+                <a:latin typeface="Courier New" panose="02070309020205020404" pitchFamily="49" charset="0"/>
+                <a:cs typeface="Courier New" panose="02070309020205020404" pitchFamily="49" charset="0"/>
+              </a:rPr>
+              <a:t>v</a:t>
+            </a:r>
+            <a:r>
+              <a:rPr lang="en-US" dirty="0" smtClean="0">
+                <a:solidFill>
+                  <a:schemeClr val="bg1"/>
+                </a:solidFill>
+                <a:latin typeface="Courier New" panose="02070309020205020404" pitchFamily="49" charset="0"/>
+                <a:cs typeface="Courier New" panose="02070309020205020404" pitchFamily="49" charset="0"/>
+              </a:rPr>
+              <a:t>ar </a:t>
+            </a:r>
+            <a:r>
+              <a:rPr lang="en-US" dirty="0" err="1" smtClean="0">
+                <a:solidFill>
+                  <a:schemeClr val="bg1"/>
+                </a:solidFill>
+                <a:latin typeface="Courier New" panose="02070309020205020404" pitchFamily="49" charset="0"/>
+                <a:cs typeface="Courier New" panose="02070309020205020404" pitchFamily="49" charset="0"/>
+              </a:rPr>
+              <a:t>myParagraph</a:t>
+            </a:r>
+            <a:r>
+              <a:rPr lang="en-US" dirty="0" smtClean="0">
+                <a:solidFill>
+                  <a:schemeClr val="bg1"/>
+                </a:solidFill>
+                <a:latin typeface="Courier New" panose="02070309020205020404" pitchFamily="49" charset="0"/>
+                <a:cs typeface="Courier New" panose="02070309020205020404" pitchFamily="49" charset="0"/>
+              </a:rPr>
+              <a:t> = </a:t>
+            </a:r>
+            <a:r>
+              <a:rPr lang="en-US" dirty="0" err="1" smtClean="0">
+                <a:solidFill>
+                  <a:schemeClr val="bg1"/>
+                </a:solidFill>
+                <a:latin typeface="Courier New" panose="02070309020205020404" pitchFamily="49" charset="0"/>
+                <a:cs typeface="Courier New" panose="02070309020205020404" pitchFamily="49" charset="0"/>
+              </a:rPr>
+              <a:t>document.querySelectorAll</a:t>
+            </a:r>
+            <a:r>
+              <a:rPr lang="en-US" dirty="0" smtClean="0">
+                <a:solidFill>
+                  <a:schemeClr val="bg1"/>
+                </a:solidFill>
+                <a:latin typeface="Courier New" panose="02070309020205020404" pitchFamily="49" charset="0"/>
+                <a:cs typeface="Courier New" panose="02070309020205020404" pitchFamily="49" charset="0"/>
+              </a:rPr>
+              <a:t>(‘p’);</a:t>
+            </a:r>
+          </a:p>
+          <a:p>
+            <a:r>
+              <a:rPr lang="en-US" dirty="0" err="1" smtClean="0">
+                <a:solidFill>
+                  <a:schemeClr val="bg1"/>
+                </a:solidFill>
+                <a:latin typeface="Courier New" panose="02070309020205020404" pitchFamily="49" charset="0"/>
+                <a:cs typeface="Courier New" panose="02070309020205020404" pitchFamily="49" charset="0"/>
+              </a:rPr>
+              <a:t>myParagraph.style.fontSize</a:t>
+            </a:r>
+            <a:r>
+              <a:rPr lang="en-US" dirty="0" smtClean="0">
+                <a:solidFill>
+                  <a:schemeClr val="bg1"/>
+                </a:solidFill>
+                <a:latin typeface="Courier New" panose="02070309020205020404" pitchFamily="49" charset="0"/>
+                <a:cs typeface="Courier New" panose="02070309020205020404" pitchFamily="49" charset="0"/>
+              </a:rPr>
+              <a:t> = “24px”;</a:t>
+            </a:r>
+            <a:endParaRPr lang="bg-BG" dirty="0" smtClean="0">
+              <a:solidFill>
+                <a:schemeClr val="bg1"/>
+              </a:solidFill>
+              <a:latin typeface="Courier New" panose="02070309020205020404" pitchFamily="49" charset="0"/>
+              <a:cs typeface="Courier New" panose="02070309020205020404" pitchFamily="49" charset="0"/>
+            </a:endParaRPr>
+          </a:p>
+        </p:txBody>
+      </p:sp>
     </p:spTree>
     <p:extLst>
       <p:ext uri="{BB962C8B-B14F-4D97-AF65-F5344CB8AC3E}">
-        <p14:creationId xmlns:p14="http://schemas.microsoft.com/office/powerpoint/2010/main" val="1088608090"/>
+        <p14:creationId xmlns:p14="http://schemas.microsoft.com/office/powerpoint/2010/main" val="2750441399"/>
       </p:ext>
     </p:extLst>
   </p:cSld>
@@ -30357,7 +30575,7 @@
                   <a:schemeClr val="accent6"/>
                 </a:solidFill>
               </a:rPr>
-              <a:t>Задачи за домашна работа</a:t>
+              <a:t>Въпроси</a:t>
             </a:r>
             <a:endParaRPr lang="bg-BG" dirty="0">
               <a:solidFill>
@@ -30380,255 +30598,113 @@
         <p:spPr>
           <a:xfrm>
             <a:off x="762000" y="1676400"/>
-            <a:ext cx="7620000" cy="4648200"/>
+            <a:ext cx="7620000" cy="4525963"/>
           </a:xfrm>
         </p:spPr>
         <p:txBody>
           <a:bodyPr>
-            <a:noAutofit/>
+            <a:normAutofit/>
           </a:bodyPr>
           <a:lstStyle/>
           <a:p>
-            <a:pPr marL="0" indent="0">
-              <a:buNone/>
-            </a:pPr>
-            <a:r>
-              <a:rPr lang="en-US" sz="2000" b="1" dirty="0" smtClean="0">
-                <a:solidFill>
-                  <a:schemeClr val="bg1">
-                    <a:lumMod val="95000"/>
-                  </a:schemeClr>
-                </a:solidFill>
-              </a:rPr>
-              <a:t>1. </a:t>
-            </a:r>
-            <a:r>
-              <a:rPr lang="bg-BG" sz="2000" b="1" dirty="0" smtClean="0">
-                <a:solidFill>
-                  <a:schemeClr val="bg1">
-                    <a:lumMod val="95000"/>
-                  </a:schemeClr>
-                </a:solidFill>
-              </a:rPr>
-              <a:t>Напишете израз, който </a:t>
-            </a:r>
-            <a:r>
-              <a:rPr lang="en-US" sz="2000" b="1" dirty="0" smtClean="0">
-                <a:solidFill>
-                  <a:schemeClr val="bg1">
-                    <a:lumMod val="95000"/>
-                  </a:schemeClr>
-                </a:solidFill>
-              </a:rPr>
-              <a:t>console.log-</a:t>
-            </a:r>
-            <a:r>
-              <a:rPr lang="bg-BG" sz="2000" b="1" dirty="0" smtClean="0">
-                <a:solidFill>
-                  <a:schemeClr val="bg1">
-                    <a:lumMod val="95000"/>
-                  </a:schemeClr>
-                </a:solidFill>
-              </a:rPr>
-              <a:t>ва всички числа от 1 до 300.</a:t>
-            </a:r>
-          </a:p>
-          <a:p>
-            <a:pPr marL="0" indent="0">
-              <a:buNone/>
-            </a:pPr>
-            <a:r>
-              <a:rPr lang="en-US" sz="2000" b="1" dirty="0" smtClean="0">
-                <a:solidFill>
-                  <a:schemeClr val="bg1">
-                    <a:lumMod val="95000"/>
-                  </a:schemeClr>
-                </a:solidFill>
-              </a:rPr>
-              <a:t>2. </a:t>
-            </a:r>
-            <a:r>
-              <a:rPr lang="bg-BG" sz="2000" b="1" dirty="0" smtClean="0">
-                <a:solidFill>
-                  <a:schemeClr val="bg1">
-                    <a:lumMod val="95000"/>
-                  </a:schemeClr>
-                </a:solidFill>
-              </a:rPr>
-              <a:t>Напишете израз, който проверява дали дадено число се дели на </a:t>
-            </a:r>
-            <a:r>
-              <a:rPr lang="en-US" sz="2000" b="1" smtClean="0">
-                <a:solidFill>
-                  <a:schemeClr val="bg1">
-                    <a:lumMod val="95000"/>
-                  </a:schemeClr>
-                </a:solidFill>
-              </a:rPr>
-              <a:t>3</a:t>
-            </a:r>
-          </a:p>
-          <a:p>
-            <a:pPr marL="0" indent="0">
-              <a:buNone/>
-            </a:pPr>
-            <a:r>
-              <a:rPr lang="bg-BG" sz="2000" b="1" smtClean="0">
-                <a:solidFill>
-                  <a:schemeClr val="bg1">
-                    <a:lumMod val="95000"/>
-                  </a:schemeClr>
-                </a:solidFill>
-              </a:rPr>
-              <a:t>3</a:t>
-            </a:r>
-            <a:r>
-              <a:rPr lang="bg-BG" sz="2000" b="1" dirty="0" smtClean="0">
-                <a:solidFill>
-                  <a:schemeClr val="bg1">
-                    <a:lumMod val="95000"/>
-                  </a:schemeClr>
-                </a:solidFill>
-              </a:rPr>
-              <a:t>.</a:t>
-            </a:r>
-            <a:r>
-              <a:rPr lang="en-US" sz="2000" b="1" dirty="0" smtClean="0">
-                <a:solidFill>
-                  <a:schemeClr val="bg1">
-                    <a:lumMod val="95000"/>
-                  </a:schemeClr>
-                </a:solidFill>
-              </a:rPr>
-              <a:t> </a:t>
-            </a:r>
-            <a:r>
-              <a:rPr lang="bg-BG" sz="2000" b="1" dirty="0" smtClean="0">
-                <a:solidFill>
-                  <a:schemeClr val="bg1">
-                    <a:lumMod val="95000"/>
-                  </a:schemeClr>
-                </a:solidFill>
-              </a:rPr>
-              <a:t>Напишете израз, който проверява дали дадено число се дели едновременно на 4 и на 7.(използвайте вложени </a:t>
-            </a:r>
-            <a:r>
-              <a:rPr lang="en-US" sz="2000" b="1" dirty="0" smtClean="0">
-                <a:solidFill>
-                  <a:schemeClr val="bg1">
-                    <a:lumMod val="95000"/>
-                  </a:schemeClr>
-                </a:solidFill>
-              </a:rPr>
-              <a:t>if-else</a:t>
-            </a:r>
-            <a:r>
-              <a:rPr lang="bg-BG" sz="2000" b="1" dirty="0" smtClean="0">
-                <a:solidFill>
-                  <a:schemeClr val="bg1">
-                    <a:lumMod val="95000"/>
-                  </a:schemeClr>
-                </a:solidFill>
-              </a:rPr>
-              <a:t> оператори</a:t>
-            </a:r>
-            <a:r>
-              <a:rPr lang="en-US" sz="2000" b="1" dirty="0" smtClean="0">
-                <a:solidFill>
-                  <a:schemeClr val="bg1">
-                    <a:lumMod val="95000"/>
-                  </a:schemeClr>
-                </a:solidFill>
-              </a:rPr>
-              <a:t>).</a:t>
-            </a:r>
-          </a:p>
-          <a:p>
-            <a:pPr marL="0" indent="0">
-              <a:buNone/>
-            </a:pPr>
-            <a:r>
-              <a:rPr lang="en-US" sz="2000" b="1" dirty="0" smtClean="0">
-                <a:solidFill>
-                  <a:schemeClr val="bg1">
-                    <a:lumMod val="95000"/>
-                  </a:schemeClr>
-                </a:solidFill>
-              </a:rPr>
-              <a:t>4. </a:t>
-            </a:r>
-            <a:r>
-              <a:rPr lang="bg-BG" sz="2000" b="1" dirty="0" smtClean="0">
-                <a:solidFill>
-                  <a:schemeClr val="bg1">
-                    <a:lumMod val="95000"/>
-                  </a:schemeClr>
-                </a:solidFill>
-              </a:rPr>
-              <a:t>Напишете израз, който пресмята площта на правоъгълник чрез определени ширина и дължина.</a:t>
-            </a:r>
-          </a:p>
-          <a:p>
-            <a:pPr marL="0" indent="0">
-              <a:buNone/>
-            </a:pPr>
-            <a:r>
-              <a:rPr lang="en-US" sz="2000" b="1" dirty="0" smtClean="0">
-                <a:solidFill>
-                  <a:schemeClr val="bg1">
-                    <a:lumMod val="95000"/>
-                  </a:schemeClr>
-                </a:solidFill>
-              </a:rPr>
-              <a:t>5. </a:t>
-            </a:r>
-            <a:r>
-              <a:rPr lang="bg-BG" sz="2000" b="1" dirty="0" smtClean="0">
-                <a:solidFill>
-                  <a:schemeClr val="bg1">
-                    <a:lumMod val="95000"/>
-                  </a:schemeClr>
-                </a:solidFill>
-              </a:rPr>
-              <a:t>Напишете израз, който пресмята площта на трапец по дадени страна А, страна </a:t>
-            </a:r>
-            <a:r>
-              <a:rPr lang="en-US" sz="2000" b="1" dirty="0" smtClean="0">
-                <a:solidFill>
-                  <a:schemeClr val="bg1">
-                    <a:lumMod val="95000"/>
-                  </a:schemeClr>
-                </a:solidFill>
-              </a:rPr>
-              <a:t>B </a:t>
-            </a:r>
-            <a:r>
-              <a:rPr lang="bg-BG" sz="2000" b="1" dirty="0" smtClean="0">
-                <a:solidFill>
-                  <a:schemeClr val="bg1">
-                    <a:lumMod val="95000"/>
-                  </a:schemeClr>
-                </a:solidFill>
-              </a:rPr>
-              <a:t>и височина </a:t>
-            </a:r>
-            <a:r>
-              <a:rPr lang="en-US" sz="2000" b="1" dirty="0" smtClean="0">
-                <a:solidFill>
-                  <a:schemeClr val="bg1">
-                    <a:lumMod val="95000"/>
-                  </a:schemeClr>
-                </a:solidFill>
-              </a:rPr>
-              <a:t>h.</a:t>
-            </a:r>
+            <a:pPr>
+              <a:buFont typeface="Wingdings" panose="05000000000000000000" pitchFamily="2" charset="2"/>
+              <a:buChar char="§"/>
+            </a:pPr>
+            <a:endParaRPr lang="en-US" dirty="0">
+              <a:solidFill>
+                <a:schemeClr val="bg1">
+                  <a:lumMod val="95000"/>
+                </a:schemeClr>
+              </a:solidFill>
+            </a:endParaRPr>
+          </a:p>
+          <a:p>
+            <a:pPr>
+              <a:buFont typeface="Wingdings" panose="05000000000000000000" pitchFamily="2" charset="2"/>
+              <a:buChar char="§"/>
+            </a:pPr>
+            <a:endParaRPr lang="en-US" dirty="0">
+              <a:solidFill>
+                <a:schemeClr val="bg1">
+                  <a:lumMod val="95000"/>
+                </a:schemeClr>
+              </a:solidFill>
+            </a:endParaRPr>
+          </a:p>
+          <a:p>
+            <a:pPr>
+              <a:buFont typeface="Wingdings" panose="05000000000000000000" pitchFamily="2" charset="2"/>
+              <a:buChar char="§"/>
+            </a:pPr>
+            <a:endParaRPr lang="en-US" dirty="0">
+              <a:solidFill>
+                <a:schemeClr val="bg1">
+                  <a:lumMod val="95000"/>
+                </a:schemeClr>
+              </a:solidFill>
+            </a:endParaRPr>
+          </a:p>
+          <a:p>
+            <a:pPr>
+              <a:buFont typeface="Wingdings" panose="05000000000000000000" pitchFamily="2" charset="2"/>
+              <a:buChar char="§"/>
+            </a:pPr>
+            <a:endParaRPr lang="en-US" dirty="0">
+              <a:solidFill>
+                <a:schemeClr val="bg1">
+                  <a:lumMod val="95000"/>
+                </a:schemeClr>
+              </a:solidFill>
+            </a:endParaRPr>
           </a:p>
         </p:txBody>
       </p:sp>
+      <p:pic>
+        <p:nvPicPr>
+          <p:cNvPr id="1027" name="Picture 3" descr="C:\Users\Lazar\Desktop\01-red-question-mark1.jpg"/>
+          <p:cNvPicPr>
+            <a:picLocks noChangeAspect="1" noChangeArrowheads="1"/>
+          </p:cNvPicPr>
+          <p:nvPr/>
+        </p:nvPicPr>
+        <p:blipFill>
+          <a:blip r:embed="rId2" cstate="print">
+            <a:extLst>
+              <a:ext uri="{28A0092B-C50C-407E-A947-70E740481C1C}">
+                <a14:useLocalDpi xmlns:a14="http://schemas.microsoft.com/office/drawing/2010/main" val="0"/>
+              </a:ext>
+            </a:extLst>
+          </a:blip>
+          <a:srcRect/>
+          <a:stretch>
+            <a:fillRect/>
+          </a:stretch>
+        </p:blipFill>
+        <p:spPr bwMode="auto">
+          <a:xfrm>
+            <a:off x="3505200" y="2057400"/>
+            <a:ext cx="2419082" cy="2419082"/>
+          </a:xfrm>
+          <a:prstGeom prst="rect">
+            <a:avLst/>
+          </a:prstGeom>
+          <a:noFill/>
+          <a:extLst>
+            <a:ext uri="{909E8E84-426E-40DD-AFC4-6F175D3DCCD1}">
+              <a14:hiddenFill xmlns:a14="http://schemas.microsoft.com/office/drawing/2010/main">
+                <a:solidFill>
+                  <a:srgbClr val="FFFFFF"/>
+                </a:solidFill>
+              </a14:hiddenFill>
+            </a:ext>
+          </a:extLst>
+        </p:spPr>
+      </p:pic>
     </p:spTree>
     <p:extLst>
       <p:ext uri="{BB962C8B-B14F-4D97-AF65-F5344CB8AC3E}">
-        <p14:creationId xmlns:p14="http://schemas.microsoft.com/office/powerpoint/2010/main" val="2761577980"/>
+        <p14:creationId xmlns:p14="http://schemas.microsoft.com/office/powerpoint/2010/main" val="1088608090"/>
       </p:ext>
     </p:extLst>
   </p:cSld>
@@ -30732,7 +30808,7 @@
                   </a:schemeClr>
                 </a:solidFill>
               </a:rPr>
-              <a:t>6. </a:t>
+              <a:t>1. </a:t>
             </a:r>
             <a:r>
               <a:rPr lang="bg-BG" sz="2000" b="1" dirty="0" smtClean="0">
@@ -30742,37 +30818,42 @@
                   </a:schemeClr>
                 </a:solidFill>
               </a:rPr>
-              <a:t>Напишете </a:t>
-            </a:r>
-            <a:r>
-              <a:rPr lang="bg-BG" sz="2000" b="1" dirty="0">
+              <a:t>Напишете израз, който </a:t>
+            </a:r>
+            <a:r>
+              <a:rPr lang="en-US" sz="2000" b="1" dirty="0" smtClean="0">
                 <a:solidFill>
                   <a:schemeClr val="bg1">
                     <a:lumMod val="95000"/>
                   </a:schemeClr>
                 </a:solidFill>
               </a:rPr>
-              <a:t>израз, който намира най-голямото от 3 числа(използвайки вложени </a:t>
-            </a:r>
-            <a:r>
-              <a:rPr lang="en-US" sz="2000" b="1" dirty="0">
+              <a:t>console.log-</a:t>
+            </a:r>
+            <a:r>
+              <a:rPr lang="bg-BG" sz="2000" b="1" dirty="0" smtClean="0">
                 <a:solidFill>
                   <a:schemeClr val="bg1">
                     <a:lumMod val="95000"/>
                   </a:schemeClr>
                 </a:solidFill>
               </a:rPr>
-              <a:t>if-else </a:t>
-            </a:r>
-            <a:r>
-              <a:rPr lang="bg-BG" sz="2000" b="1" dirty="0">
+              <a:t>ва всички числа от 1 до 300.</a:t>
+            </a:r>
+          </a:p>
+          <a:p>
+            <a:pPr marL="0" indent="0">
+              <a:buNone/>
+            </a:pPr>
+            <a:r>
+              <a:rPr lang="en-US" sz="2000" b="1" dirty="0" smtClean="0">
                 <a:solidFill>
                   <a:schemeClr val="bg1">
                     <a:lumMod val="95000"/>
                   </a:schemeClr>
                 </a:solidFill>
               </a:rPr>
-              <a:t>оператори</a:t>
+              <a:t>2. </a:t>
             </a:r>
             <a:r>
               <a:rPr lang="bg-BG" sz="2000" b="1" dirty="0" smtClean="0">
@@ -30782,39 +30863,32 @@
                   </a:schemeClr>
                 </a:solidFill>
               </a:rPr>
-              <a:t>).</a:t>
-            </a:r>
-            <a:endParaRPr lang="en-US" sz="2000" b="1" dirty="0" smtClean="0">
-              <a:solidFill>
-                <a:schemeClr val="bg1">
-                  <a:lumMod val="95000"/>
-                </a:schemeClr>
-              </a:solidFill>
-            </a:endParaRPr>
-          </a:p>
-          <a:p>
-            <a:pPr marL="0" indent="0">
-              <a:buNone/>
-            </a:pPr>
-            <a:r>
-              <a:rPr lang="bg-BG" sz="2000" b="1" dirty="0" smtClean="0">
+              <a:t>Напишете израз, който проверява дали дадено число се дели на </a:t>
+            </a:r>
+            <a:r>
+              <a:rPr lang="en-US" sz="2000" b="1" smtClean="0">
                 <a:solidFill>
                   <a:schemeClr val="bg1">
                     <a:lumMod val="95000"/>
                   </a:schemeClr>
                 </a:solidFill>
               </a:rPr>
-              <a:t>7. Напишете </a:t>
-            </a:r>
-            <a:r>
-              <a:rPr lang="bg-BG" sz="2000" b="1" dirty="0">
+              <a:t>3</a:t>
+            </a:r>
+          </a:p>
+          <a:p>
+            <a:pPr marL="0" indent="0">
+              <a:buNone/>
+            </a:pPr>
+            <a:r>
+              <a:rPr lang="bg-BG" sz="2000" b="1" smtClean="0">
                 <a:solidFill>
                   <a:schemeClr val="bg1">
                     <a:lumMod val="95000"/>
                   </a:schemeClr>
                 </a:solidFill>
               </a:rPr>
-              <a:t>израз, който намира всички делими на 7 числа, които се намират в интервала от 50 до </a:t>
+              <a:t>3</a:t>
             </a:r>
             <a:r>
               <a:rPr lang="bg-BG" sz="2000" b="1" dirty="0" smtClean="0">
@@ -30824,13 +30898,8 @@
                   </a:schemeClr>
                 </a:solidFill>
               </a:rPr>
-              <a:t>100.</a:t>
-            </a:r>
-          </a:p>
-          <a:p>
-            <a:pPr marL="0" indent="0">
-              <a:buNone/>
-            </a:pPr>
+              <a:t>.</a:t>
+            </a:r>
             <a:r>
               <a:rPr lang="en-US" sz="2000" b="1" dirty="0" smtClean="0">
                 <a:solidFill>
@@ -30839,7 +30908,7 @@
                   </a:schemeClr>
                 </a:solidFill>
               </a:rPr>
-              <a:t>8. </a:t>
+              <a:t> </a:t>
             </a:r>
             <a:r>
               <a:rPr lang="bg-BG" sz="2000" b="1" dirty="0" smtClean="0">
@@ -30849,7 +30918,117 @@
                   </a:schemeClr>
                 </a:solidFill>
               </a:rPr>
-              <a:t>Напишете израз, който намира всички делими на 4 и на 9 числа, които се намират в интервала от 20 до 60.</a:t>
+              <a:t>Напишете израз, който проверява дали дадено число се дели едновременно на 4 и на 7.(използвайте вложени </a:t>
+            </a:r>
+            <a:r>
+              <a:rPr lang="en-US" sz="2000" b="1" dirty="0" smtClean="0">
+                <a:solidFill>
+                  <a:schemeClr val="bg1">
+                    <a:lumMod val="95000"/>
+                  </a:schemeClr>
+                </a:solidFill>
+              </a:rPr>
+              <a:t>if-else</a:t>
+            </a:r>
+            <a:r>
+              <a:rPr lang="bg-BG" sz="2000" b="1" dirty="0" smtClean="0">
+                <a:solidFill>
+                  <a:schemeClr val="bg1">
+                    <a:lumMod val="95000"/>
+                  </a:schemeClr>
+                </a:solidFill>
+              </a:rPr>
+              <a:t> оператори</a:t>
+            </a:r>
+            <a:r>
+              <a:rPr lang="en-US" sz="2000" b="1" dirty="0" smtClean="0">
+                <a:solidFill>
+                  <a:schemeClr val="bg1">
+                    <a:lumMod val="95000"/>
+                  </a:schemeClr>
+                </a:solidFill>
+              </a:rPr>
+              <a:t>).</a:t>
+            </a:r>
+          </a:p>
+          <a:p>
+            <a:pPr marL="0" indent="0">
+              <a:buNone/>
+            </a:pPr>
+            <a:r>
+              <a:rPr lang="en-US" sz="2000" b="1" dirty="0" smtClean="0">
+                <a:solidFill>
+                  <a:schemeClr val="bg1">
+                    <a:lumMod val="95000"/>
+                  </a:schemeClr>
+                </a:solidFill>
+              </a:rPr>
+              <a:t>4. </a:t>
+            </a:r>
+            <a:r>
+              <a:rPr lang="bg-BG" sz="2000" b="1" dirty="0" smtClean="0">
+                <a:solidFill>
+                  <a:schemeClr val="bg1">
+                    <a:lumMod val="95000"/>
+                  </a:schemeClr>
+                </a:solidFill>
+              </a:rPr>
+              <a:t>Напишете израз, който пресмята площта на правоъгълник чрез определени ширина и дължина.</a:t>
+            </a:r>
+          </a:p>
+          <a:p>
+            <a:pPr marL="0" indent="0">
+              <a:buNone/>
+            </a:pPr>
+            <a:r>
+              <a:rPr lang="en-US" sz="2000" b="1" dirty="0" smtClean="0">
+                <a:solidFill>
+                  <a:schemeClr val="bg1">
+                    <a:lumMod val="95000"/>
+                  </a:schemeClr>
+                </a:solidFill>
+              </a:rPr>
+              <a:t>5. </a:t>
+            </a:r>
+            <a:r>
+              <a:rPr lang="bg-BG" sz="2000" b="1" dirty="0" smtClean="0">
+                <a:solidFill>
+                  <a:schemeClr val="bg1">
+                    <a:lumMod val="95000"/>
+                  </a:schemeClr>
+                </a:solidFill>
+              </a:rPr>
+              <a:t>Напишете израз, който пресмята площта на трапец по дадени страна А, страна </a:t>
+            </a:r>
+            <a:r>
+              <a:rPr lang="en-US" sz="2000" b="1" dirty="0" smtClean="0">
+                <a:solidFill>
+                  <a:schemeClr val="bg1">
+                    <a:lumMod val="95000"/>
+                  </a:schemeClr>
+                </a:solidFill>
+              </a:rPr>
+              <a:t>B </a:t>
+            </a:r>
+            <a:r>
+              <a:rPr lang="bg-BG" sz="2000" b="1" dirty="0" smtClean="0">
+                <a:solidFill>
+                  <a:schemeClr val="bg1">
+                    <a:lumMod val="95000"/>
+                  </a:schemeClr>
+                </a:solidFill>
+              </a:rPr>
+              <a:t>и височина </a:t>
+            </a:r>
+            <a:r>
+              <a:rPr lang="en-US" sz="2000" b="1" dirty="0" smtClean="0">
+                <a:solidFill>
+                  <a:schemeClr val="bg1">
+                    <a:lumMod val="95000"/>
+                  </a:schemeClr>
+                </a:solidFill>
+              </a:rPr>
+              <a:t>h.</a:t>
             </a:r>
           </a:p>
         </p:txBody>
@@ -30857,7 +31036,7 @@
     </p:spTree>
     <p:extLst>
       <p:ext uri="{BB962C8B-B14F-4D97-AF65-F5344CB8AC3E}">
-        <p14:creationId xmlns:p14="http://schemas.microsoft.com/office/powerpoint/2010/main" val="4182690710"/>
+        <p14:creationId xmlns:p14="http://schemas.microsoft.com/office/powerpoint/2010/main" val="2761577980"/>
       </p:ext>
     </p:extLst>
   </p:cSld>
@@ -30956,22 +31135,241 @@
             <a:r>
               <a:rPr lang="en-US" sz="2000" b="1" dirty="0" smtClean="0">
                 <a:solidFill>
+                  <a:schemeClr val="bg1">
+                    <a:lumMod val="95000"/>
+                  </a:schemeClr>
+                </a:solidFill>
+              </a:rPr>
+              <a:t>6. </a:t>
+            </a:r>
+            <a:r>
+              <a:rPr lang="bg-BG" sz="2000" b="1" dirty="0" smtClean="0">
+                <a:solidFill>
+                  <a:schemeClr val="bg1">
+                    <a:lumMod val="95000"/>
+                  </a:schemeClr>
+                </a:solidFill>
+              </a:rPr>
+              <a:t>Напишете </a:t>
+            </a:r>
+            <a:r>
+              <a:rPr lang="bg-BG" sz="2000" b="1" dirty="0">
+                <a:solidFill>
+                  <a:schemeClr val="bg1">
+                    <a:lumMod val="95000"/>
+                  </a:schemeClr>
+                </a:solidFill>
+              </a:rPr>
+              <a:t>израз, който намира най-голямото от 3 числа(използвайки вложени </a:t>
+            </a:r>
+            <a:r>
+              <a:rPr lang="en-US" sz="2000" b="1" dirty="0">
+                <a:solidFill>
+                  <a:schemeClr val="bg1">
+                    <a:lumMod val="95000"/>
+                  </a:schemeClr>
+                </a:solidFill>
+              </a:rPr>
+              <a:t>if-else </a:t>
+            </a:r>
+            <a:r>
+              <a:rPr lang="bg-BG" sz="2000" b="1" dirty="0">
+                <a:solidFill>
+                  <a:schemeClr val="bg1">
+                    <a:lumMod val="95000"/>
+                  </a:schemeClr>
+                </a:solidFill>
+              </a:rPr>
+              <a:t>оператори</a:t>
+            </a:r>
+            <a:r>
+              <a:rPr lang="bg-BG" sz="2000" b="1" dirty="0" smtClean="0">
+                <a:solidFill>
+                  <a:schemeClr val="bg1">
+                    <a:lumMod val="95000"/>
+                  </a:schemeClr>
+                </a:solidFill>
+              </a:rPr>
+              <a:t>).</a:t>
+            </a:r>
+            <a:endParaRPr lang="en-US" sz="2000" b="1" dirty="0" smtClean="0">
+              <a:solidFill>
+                <a:schemeClr val="bg1">
+                  <a:lumMod val="95000"/>
+                </a:schemeClr>
+              </a:solidFill>
+            </a:endParaRPr>
+          </a:p>
+          <a:p>
+            <a:pPr marL="0" indent="0">
+              <a:buNone/>
+            </a:pPr>
+            <a:r>
+              <a:rPr lang="bg-BG" sz="2000" b="1" dirty="0" smtClean="0">
+                <a:solidFill>
+                  <a:schemeClr val="bg1">
+                    <a:lumMod val="95000"/>
+                  </a:schemeClr>
+                </a:solidFill>
+              </a:rPr>
+              <a:t>7. Напишете </a:t>
+            </a:r>
+            <a:r>
+              <a:rPr lang="bg-BG" sz="2000" b="1" dirty="0">
+                <a:solidFill>
+                  <a:schemeClr val="bg1">
+                    <a:lumMod val="95000"/>
+                  </a:schemeClr>
+                </a:solidFill>
+              </a:rPr>
+              <a:t>израз, който намира всички делими на 7 числа, които се намират в интервала от 50 до </a:t>
+            </a:r>
+            <a:r>
+              <a:rPr lang="bg-BG" sz="2000" b="1" dirty="0" smtClean="0">
+                <a:solidFill>
+                  <a:schemeClr val="bg1">
+                    <a:lumMod val="95000"/>
+                  </a:schemeClr>
+                </a:solidFill>
+              </a:rPr>
+              <a:t>100.</a:t>
+            </a:r>
+          </a:p>
+          <a:p>
+            <a:pPr marL="0" indent="0">
+              <a:buNone/>
+            </a:pPr>
+            <a:r>
+              <a:rPr lang="en-US" sz="2000" b="1" dirty="0" smtClean="0">
+                <a:solidFill>
+                  <a:schemeClr val="bg1">
+                    <a:lumMod val="95000"/>
+                  </a:schemeClr>
+                </a:solidFill>
+              </a:rPr>
+              <a:t>8. </a:t>
+            </a:r>
+            <a:r>
+              <a:rPr lang="bg-BG" sz="2000" b="1" dirty="0" smtClean="0">
+                <a:solidFill>
+                  <a:schemeClr val="bg1">
+                    <a:lumMod val="95000"/>
+                  </a:schemeClr>
+                </a:solidFill>
+              </a:rPr>
+              <a:t>Напишете израз, който намира всички делими на 4 и на 9 числа, които се намират в интервала от 20 до 60.</a:t>
+            </a:r>
+          </a:p>
+        </p:txBody>
+      </p:sp>
+    </p:spTree>
+    <p:extLst>
+      <p:ext uri="{BB962C8B-B14F-4D97-AF65-F5344CB8AC3E}">
+        <p14:creationId xmlns:p14="http://schemas.microsoft.com/office/powerpoint/2010/main" val="4182690710"/>
+      </p:ext>
+    </p:extLst>
+  </p:cSld>
+  <p:clrMapOvr>
+    <a:masterClrMapping/>
+  </p:clrMapOvr>
+  <p:timing>
+    <p:tnLst>
+      <p:par>
+        <p:cTn id="1" dur="indefinite" restart="never" nodeType="tmRoot"/>
+      </p:par>
+    </p:tnLst>
+  </p:timing>
+</p:sld>
+</file>
+
+<file path=ppt/slides/slide79.xml><?xml version="1.0" encoding="utf-8"?>
+<p:sld xmlns:a="http://schemas.openxmlformats.org/drawingml/2006/main" xmlns:r="http://schemas.openxmlformats.org/officeDocument/2006/relationships" xmlns:p="http://schemas.openxmlformats.org/presentationml/2006/main">
+  <p:cSld>
+    <p:spTree>
+      <p:nvGrpSpPr>
+        <p:cNvPr id="1" name=""/>
+        <p:cNvGrpSpPr/>
+        <p:nvPr/>
+      </p:nvGrpSpPr>
+      <p:grpSpPr>
+        <a:xfrm>
+          <a:off x="0" y="0"/>
+          <a:ext cx="0" cy="0"/>
+          <a:chOff x="0" y="0"/>
+          <a:chExt cx="0" cy="0"/>
+        </a:xfrm>
+      </p:grpSpPr>
+      <p:sp>
+        <p:nvSpPr>
+          <p:cNvPr id="2" name="Title 1"/>
+          <p:cNvSpPr>
+            <a:spLocks noGrp="1"/>
+          </p:cNvSpPr>
+          <p:nvPr>
+            <p:ph type="title"/>
+          </p:nvPr>
+        </p:nvSpPr>
+        <p:spPr>
+          <a:xfrm>
+            <a:off x="838200" y="685800"/>
+            <a:ext cx="8229600" cy="1143000"/>
+          </a:xfrm>
+        </p:spPr>
+        <p:txBody>
+          <a:bodyPr/>
+          <a:lstStyle/>
+          <a:p>
+            <a:pPr algn="l"/>
+            <a:r>
+              <a:rPr lang="bg-BG" dirty="0" smtClean="0">
+                <a:solidFill>
+                  <a:schemeClr val="accent6"/>
+                </a:solidFill>
+              </a:rPr>
+              <a:t>Задачи за домашна работа</a:t>
+            </a:r>
+            <a:endParaRPr lang="bg-BG" dirty="0">
+              <a:solidFill>
+                <a:schemeClr val="accent6"/>
+              </a:solidFill>
+            </a:endParaRPr>
+          </a:p>
+        </p:txBody>
+      </p:sp>
+      <p:sp>
+        <p:nvSpPr>
+          <p:cNvPr id="3" name="Content Placeholder 2"/>
+          <p:cNvSpPr>
+            <a:spLocks noGrp="1"/>
+          </p:cNvSpPr>
+          <p:nvPr>
+            <p:ph idx="1"/>
+          </p:nvPr>
+        </p:nvSpPr>
+        <p:spPr>
+          <a:xfrm>
+            <a:off x="762000" y="1676400"/>
+            <a:ext cx="7620000" cy="4648200"/>
+          </a:xfrm>
+        </p:spPr>
+        <p:txBody>
+          <a:bodyPr>
+            <a:noAutofit/>
+          </a:bodyPr>
+          <a:lstStyle/>
+          <a:p>
+            <a:pPr marL="0" indent="0">
+              <a:buNone/>
+            </a:pPr>
+            <a:r>
+              <a:rPr lang="en-US" sz="2000" b="1" dirty="0" smtClean="0">
+                <a:solidFill>
                   <a:schemeClr val="accent3">
                     <a:lumMod val="75000"/>
                   </a:schemeClr>
                 </a:solidFill>
               </a:rPr>
-              <a:t>10</a:t>
-            </a:r>
-            <a:r>
-              <a:rPr lang="en-US" sz="2000" b="1" dirty="0" smtClean="0">
-                <a:solidFill>
-                  <a:schemeClr val="accent3">
-                    <a:lumMod val="75000"/>
-                  </a:schemeClr>
-                </a:solidFill>
-              </a:rPr>
-              <a:t>.* </a:t>
+              <a:t>10.* </a:t>
             </a:r>
             <a:r>
               <a:rPr lang="bg-BG" sz="2000" b="1" dirty="0">
@@ -31048,37 +31446,17 @@
                   </a:schemeClr>
                 </a:solidFill>
               </a:rPr>
-              <a:t>11</a:t>
-            </a:r>
-            <a:r>
-              <a:rPr lang="en-US" sz="2000" b="1" dirty="0" smtClean="0">
+              <a:t>11.* </a:t>
+            </a:r>
+            <a:r>
+              <a:rPr lang="bg-BG" sz="2000" b="1" dirty="0" smtClean="0">
                 <a:solidFill>
                   <a:schemeClr val="accent3">
                     <a:lumMod val="75000"/>
                   </a:schemeClr>
                 </a:solidFill>
               </a:rPr>
-              <a:t>.* </a:t>
-            </a:r>
-            <a:r>
-              <a:rPr lang="bg-BG" sz="2000" b="1" dirty="0" smtClean="0">
-                <a:solidFill>
-                  <a:schemeClr val="accent3">
-                    <a:lumMod val="75000"/>
-                  </a:schemeClr>
-                </a:solidFill>
-              </a:rPr>
-              <a:t>Напишете </a:t>
-            </a:r>
-            <a:r>
-              <a:rPr lang="bg-BG" sz="2000" b="1" dirty="0" smtClean="0">
-                <a:solidFill>
-                  <a:schemeClr val="accent3">
-                    <a:lumMod val="75000"/>
-                  </a:schemeClr>
-                </a:solidFill>
-              </a:rPr>
-              <a:t>скрипт, който </a:t>
+              <a:t>Напишете скрипт, който </a:t>
             </a:r>
             <a:r>
               <a:rPr lang="en-US" sz="2000" b="1" dirty="0" smtClean="0">
@@ -31250,17 +31628,7 @@
                   </a:schemeClr>
                 </a:solidFill>
               </a:rPr>
-              <a:t> </a:t>
-            </a:r>
-            <a:r>
-              <a:rPr lang="bg-BG" sz="2000" b="1" dirty="0" smtClean="0">
-                <a:solidFill>
-                  <a:schemeClr val="accent3">
-                    <a:lumMod val="75000"/>
-                  </a:schemeClr>
-                </a:solidFill>
-              </a:rPr>
-              <a:t>Напишете функция, която при извикването си сменя съдържанието на елемент по избор.</a:t>
+              <a:t> Напишете функция, която при извикването си сменя съдържанието на елемент по избор.</a:t>
             </a:r>
           </a:p>
           <a:p>

--- a/09-JavaScript-Basics/09-JavaScript-Basics.pptx
+++ b/09-JavaScript-Basics/09-JavaScript-Basics.pptx
@@ -5,7 +5,7 @@
     <p:sldMasterId id="2147483648" r:id="rId1"/>
   </p:sldMasterIdLst>
   <p:notesMasterIdLst>
-    <p:notesMasterId r:id="rId81"/>
+    <p:notesMasterId r:id="rId82"/>
   </p:notesMasterIdLst>
   <p:sldIdLst>
     <p:sldId id="256" r:id="rId2"/>
@@ -73,20 +73,21 @@
     <p:sldId id="352" r:id="rId64"/>
     <p:sldId id="353" r:id="rId65"/>
     <p:sldId id="365" r:id="rId66"/>
-    <p:sldId id="361" r:id="rId67"/>
-    <p:sldId id="354" r:id="rId68"/>
-    <p:sldId id="355" r:id="rId69"/>
-    <p:sldId id="356" r:id="rId70"/>
-    <p:sldId id="357" r:id="rId71"/>
-    <p:sldId id="358" r:id="rId72"/>
-    <p:sldId id="359" r:id="rId73"/>
-    <p:sldId id="360" r:id="rId74"/>
-    <p:sldId id="362" r:id="rId75"/>
-    <p:sldId id="363" r:id="rId76"/>
-    <p:sldId id="265" r:id="rId77"/>
-    <p:sldId id="269" r:id="rId78"/>
-    <p:sldId id="333" r:id="rId79"/>
-    <p:sldId id="345" r:id="rId80"/>
+    <p:sldId id="367" r:id="rId67"/>
+    <p:sldId id="361" r:id="rId68"/>
+    <p:sldId id="354" r:id="rId69"/>
+    <p:sldId id="355" r:id="rId70"/>
+    <p:sldId id="356" r:id="rId71"/>
+    <p:sldId id="357" r:id="rId72"/>
+    <p:sldId id="358" r:id="rId73"/>
+    <p:sldId id="359" r:id="rId74"/>
+    <p:sldId id="360" r:id="rId75"/>
+    <p:sldId id="362" r:id="rId76"/>
+    <p:sldId id="363" r:id="rId77"/>
+    <p:sldId id="265" r:id="rId78"/>
+    <p:sldId id="269" r:id="rId79"/>
+    <p:sldId id="333" r:id="rId80"/>
+    <p:sldId id="345" r:id="rId81"/>
   </p:sldIdLst>
   <p:sldSz cx="9144000" cy="6858000" type="screen4x3"/>
   <p:notesSz cx="6858000" cy="9144000"/>
@@ -298,7 +299,7 @@
           <a:p>
             <a:fld id="{2E054F57-E93D-4CC3-8A27-2F256E70BB98}" type="datetimeFigureOut">
               <a:rPr lang="en-US" smtClean="0"/>
-              <a:t>7/8/2016</a:t>
+              <a:t>7/9/2016</a:t>
             </a:fld>
             <a:endParaRPr lang="en-US"/>
           </a:p>
@@ -747,7 +748,7 @@
           <a:p>
             <a:fld id="{3EA744D9-3FBE-48D8-BF2A-85DF203E4D20}" type="datetimeFigureOut">
               <a:rPr lang="bg-BG" smtClean="0"/>
-              <a:t>8.7.2016 г.</a:t>
+              <a:t>9.7.2016 г.</a:t>
             </a:fld>
             <a:endParaRPr lang="bg-BG"/>
           </a:p>
@@ -917,7 +918,7 @@
           <a:p>
             <a:fld id="{3EA744D9-3FBE-48D8-BF2A-85DF203E4D20}" type="datetimeFigureOut">
               <a:rPr lang="bg-BG" smtClean="0"/>
-              <a:t>8.7.2016 г.</a:t>
+              <a:t>9.7.2016 г.</a:t>
             </a:fld>
             <a:endParaRPr lang="bg-BG"/>
           </a:p>
@@ -1097,7 +1098,7 @@
           <a:p>
             <a:fld id="{3EA744D9-3FBE-48D8-BF2A-85DF203E4D20}" type="datetimeFigureOut">
               <a:rPr lang="bg-BG" smtClean="0"/>
-              <a:t>8.7.2016 г.</a:t>
+              <a:t>9.7.2016 г.</a:t>
             </a:fld>
             <a:endParaRPr lang="bg-BG"/>
           </a:p>
@@ -1267,7 +1268,7 @@
           <a:p>
             <a:fld id="{3EA744D9-3FBE-48D8-BF2A-85DF203E4D20}" type="datetimeFigureOut">
               <a:rPr lang="bg-BG" smtClean="0"/>
-              <a:t>8.7.2016 г.</a:t>
+              <a:t>9.7.2016 г.</a:t>
             </a:fld>
             <a:endParaRPr lang="bg-BG"/>
           </a:p>
@@ -1513,7 +1514,7 @@
           <a:p>
             <a:fld id="{3EA744D9-3FBE-48D8-BF2A-85DF203E4D20}" type="datetimeFigureOut">
               <a:rPr lang="bg-BG" smtClean="0"/>
-              <a:t>8.7.2016 г.</a:t>
+              <a:t>9.7.2016 г.</a:t>
             </a:fld>
             <a:endParaRPr lang="bg-BG"/>
           </a:p>
@@ -1801,7 +1802,7 @@
           <a:p>
             <a:fld id="{3EA744D9-3FBE-48D8-BF2A-85DF203E4D20}" type="datetimeFigureOut">
               <a:rPr lang="bg-BG" smtClean="0"/>
-              <a:t>8.7.2016 г.</a:t>
+              <a:t>9.7.2016 г.</a:t>
             </a:fld>
             <a:endParaRPr lang="bg-BG"/>
           </a:p>
@@ -2223,7 +2224,7 @@
           <a:p>
             <a:fld id="{3EA744D9-3FBE-48D8-BF2A-85DF203E4D20}" type="datetimeFigureOut">
               <a:rPr lang="bg-BG" smtClean="0"/>
-              <a:t>8.7.2016 г.</a:t>
+              <a:t>9.7.2016 г.</a:t>
             </a:fld>
             <a:endParaRPr lang="bg-BG"/>
           </a:p>
@@ -2341,7 +2342,7 @@
           <a:p>
             <a:fld id="{3EA744D9-3FBE-48D8-BF2A-85DF203E4D20}" type="datetimeFigureOut">
               <a:rPr lang="bg-BG" smtClean="0"/>
-              <a:t>8.7.2016 г.</a:t>
+              <a:t>9.7.2016 г.</a:t>
             </a:fld>
             <a:endParaRPr lang="bg-BG"/>
           </a:p>
@@ -2436,7 +2437,7 @@
           <a:p>
             <a:fld id="{3EA744D9-3FBE-48D8-BF2A-85DF203E4D20}" type="datetimeFigureOut">
               <a:rPr lang="bg-BG" smtClean="0"/>
-              <a:t>8.7.2016 г.</a:t>
+              <a:t>9.7.2016 г.</a:t>
             </a:fld>
             <a:endParaRPr lang="bg-BG"/>
           </a:p>
@@ -2713,7 +2714,7 @@
           <a:p>
             <a:fld id="{3EA744D9-3FBE-48D8-BF2A-85DF203E4D20}" type="datetimeFigureOut">
               <a:rPr lang="bg-BG" smtClean="0"/>
-              <a:t>8.7.2016 г.</a:t>
+              <a:t>9.7.2016 г.</a:t>
             </a:fld>
             <a:endParaRPr lang="bg-BG"/>
           </a:p>
@@ -2966,7 +2967,7 @@
           <a:p>
             <a:fld id="{3EA744D9-3FBE-48D8-BF2A-85DF203E4D20}" type="datetimeFigureOut">
               <a:rPr lang="bg-BG" smtClean="0"/>
-              <a:t>8.7.2016 г.</a:t>
+              <a:t>9.7.2016 г.</a:t>
             </a:fld>
             <a:endParaRPr lang="bg-BG"/>
           </a:p>
@@ -3188,7 +3189,7 @@
           <a:p>
             <a:fld id="{3EA744D9-3FBE-48D8-BF2A-85DF203E4D20}" type="datetimeFigureOut">
               <a:rPr lang="bg-BG" smtClean="0"/>
-              <a:t>8.7.2016 г.</a:t>
+              <a:t>9.7.2016 г.</a:t>
             </a:fld>
             <a:endParaRPr lang="bg-BG"/>
           </a:p>
@@ -25955,7 +25956,7 @@
                   <a:schemeClr val="accent6"/>
                 </a:solidFill>
               </a:rPr>
-              <a:t>DOM </a:t>
+              <a:t>Try/ catch </a:t>
             </a:r>
             <a:r>
               <a:rPr lang="bg-BG" sz="2900" dirty="0" smtClean="0">
@@ -25963,7 +25964,7 @@
                   <a:schemeClr val="accent6"/>
                 </a:solidFill>
               </a:rPr>
-              <a:t>Елементи</a:t>
+              <a:t>конктрукция и прихващане на грешки</a:t>
             </a:r>
             <a:endParaRPr lang="en-US" sz="2900" dirty="0"/>
           </a:p>
@@ -25981,8 +25982,8 @@
         </p:nvSpPr>
         <p:spPr>
           <a:xfrm>
-            <a:off x="457200" y="1295400"/>
-            <a:ext cx="8229600" cy="5257800"/>
+            <a:off x="457200" y="1524000"/>
+            <a:ext cx="8229600" cy="5029200"/>
           </a:xfrm>
         </p:spPr>
         <p:txBody>
@@ -25995,248 +25996,325 @@
               <a:buNone/>
             </a:pPr>
             <a:r>
-              <a:rPr lang="en-US" sz="2500" dirty="0" smtClean="0">
+              <a:rPr lang="en-US" sz="1800" dirty="0" smtClean="0">
                 <a:solidFill>
                   <a:srgbClr val="92D050"/>
                 </a:solidFill>
-                <a:latin typeface="+mj-lt"/>
-                <a:cs typeface="Courier New" panose="02070309020205020404" pitchFamily="49" charset="0"/>
-              </a:rPr>
-              <a:t>DOM</a:t>
-            </a:r>
-            <a:r>
-              <a:rPr lang="bg-BG" sz="2500" dirty="0" smtClean="0">
+                <a:latin typeface="Courier New" panose="02070309020205020404" pitchFamily="49" charset="0"/>
+                <a:cs typeface="Courier New" panose="02070309020205020404" pitchFamily="49" charset="0"/>
+              </a:rPr>
+              <a:t>&lt;</a:t>
+            </a:r>
+            <a:r>
+              <a:rPr lang="en-US" sz="1800" dirty="0">
                 <a:solidFill>
                   <a:srgbClr val="92D050"/>
                 </a:solidFill>
-                <a:latin typeface="+mj-lt"/>
-                <a:cs typeface="Courier New" panose="02070309020205020404" pitchFamily="49" charset="0"/>
-              </a:rPr>
-              <a:t> </a:t>
-            </a:r>
-            <a:r>
-              <a:rPr lang="bg-BG" sz="2500" dirty="0" smtClean="0">
-                <a:solidFill>
-                  <a:schemeClr val="bg1"/>
-                </a:solidFill>
-                <a:latin typeface="+mj-lt"/>
-                <a:cs typeface="Courier New" panose="02070309020205020404" pitchFamily="49" charset="0"/>
-              </a:rPr>
-              <a:t>означава </a:t>
-            </a:r>
-            <a:r>
-              <a:rPr lang="en-US" sz="2500" dirty="0" smtClean="0">
-                <a:solidFill>
-                  <a:schemeClr val="bg1"/>
-                </a:solidFill>
-                <a:latin typeface="+mj-lt"/>
-                <a:cs typeface="Courier New" panose="02070309020205020404" pitchFamily="49" charset="0"/>
-              </a:rPr>
-              <a:t>Document Object Model </a:t>
-            </a:r>
-            <a:r>
-              <a:rPr lang="bg-BG" sz="2500" dirty="0" smtClean="0">
-                <a:solidFill>
-                  <a:schemeClr val="bg1"/>
-                </a:solidFill>
-                <a:latin typeface="+mj-lt"/>
-                <a:cs typeface="Courier New" panose="02070309020205020404" pitchFamily="49" charset="0"/>
-              </a:rPr>
-              <a:t>и представлява структурата на нашата уеб страница. Обектът </a:t>
-            </a:r>
-            <a:r>
-              <a:rPr lang="en-US" sz="2500" dirty="0" smtClean="0">
-                <a:solidFill>
-                  <a:schemeClr val="bg1"/>
-                </a:solidFill>
-                <a:latin typeface="+mj-lt"/>
-                <a:cs typeface="Courier New" panose="02070309020205020404" pitchFamily="49" charset="0"/>
-              </a:rPr>
-              <a:t>document </a:t>
-            </a:r>
-            <a:r>
-              <a:rPr lang="bg-BG" sz="2500" dirty="0" smtClean="0">
-                <a:solidFill>
-                  <a:schemeClr val="bg1"/>
-                </a:solidFill>
-                <a:latin typeface="+mj-lt"/>
-                <a:cs typeface="Courier New" panose="02070309020205020404" pitchFamily="49" charset="0"/>
-              </a:rPr>
-              <a:t>е „родителят“ на всички елементи в страницата. Ако трябва да достъпим някой елемент в страницата, първо трябва да достъпим </a:t>
-            </a:r>
-            <a:r>
-              <a:rPr lang="en-US" sz="2500" dirty="0" smtClean="0">
-                <a:solidFill>
-                  <a:schemeClr val="bg1"/>
-                </a:solidFill>
-                <a:latin typeface="+mj-lt"/>
-                <a:cs typeface="Courier New" panose="02070309020205020404" pitchFamily="49" charset="0"/>
-              </a:rPr>
-              <a:t>document </a:t>
-            </a:r>
-            <a:r>
-              <a:rPr lang="bg-BG" sz="2500" dirty="0" smtClean="0">
-                <a:solidFill>
-                  <a:schemeClr val="bg1"/>
-                </a:solidFill>
-                <a:latin typeface="+mj-lt"/>
-                <a:cs typeface="Courier New" panose="02070309020205020404" pitchFamily="49" charset="0"/>
-              </a:rPr>
-              <a:t>обекта. </a:t>
-            </a:r>
-          </a:p>
-          <a:p>
-            <a:pPr marL="0" indent="0">
-              <a:buNone/>
-            </a:pPr>
-            <a:r>
-              <a:rPr lang="bg-BG" sz="2500" dirty="0" smtClean="0">
-                <a:solidFill>
-                  <a:schemeClr val="bg1"/>
-                </a:solidFill>
-                <a:latin typeface="+mj-lt"/>
-                <a:cs typeface="Courier New" panose="02070309020205020404" pitchFamily="49" charset="0"/>
-              </a:rPr>
-              <a:t>Има няколко начина за </a:t>
-            </a:r>
-            <a:r>
-              <a:rPr lang="bg-BG" sz="2500" dirty="0" smtClean="0">
+                <a:latin typeface="Courier New" panose="02070309020205020404" pitchFamily="49" charset="0"/>
+                <a:cs typeface="Courier New" panose="02070309020205020404" pitchFamily="49" charset="0"/>
+              </a:rPr>
+              <a:t>html&gt;</a:t>
+            </a:r>
+          </a:p>
+          <a:p>
+            <a:pPr marL="0" indent="0">
+              <a:buNone/>
+            </a:pPr>
+            <a:r>
+              <a:rPr lang="en-US" sz="1800" dirty="0">
                 <a:solidFill>
                   <a:srgbClr val="92D050"/>
                 </a:solidFill>
-                <a:latin typeface="+mj-lt"/>
-                <a:cs typeface="Courier New" panose="02070309020205020404" pitchFamily="49" charset="0"/>
-              </a:rPr>
-              <a:t>достъпване</a:t>
-            </a:r>
-            <a:r>
-              <a:rPr lang="bg-BG" sz="2500" dirty="0" smtClean="0">
-                <a:solidFill>
-                  <a:schemeClr val="bg1"/>
-                </a:solidFill>
-                <a:latin typeface="+mj-lt"/>
-                <a:cs typeface="Courier New" panose="02070309020205020404" pitchFamily="49" charset="0"/>
-              </a:rPr>
-              <a:t> на </a:t>
-            </a:r>
-            <a:r>
-              <a:rPr lang="en-US" sz="2500" dirty="0" smtClean="0">
-                <a:solidFill>
-                  <a:schemeClr val="bg1"/>
-                </a:solidFill>
-                <a:latin typeface="+mj-lt"/>
-                <a:cs typeface="Courier New" panose="02070309020205020404" pitchFamily="49" charset="0"/>
-              </a:rPr>
-              <a:t>HTML </a:t>
-            </a:r>
-            <a:r>
-              <a:rPr lang="bg-BG" sz="2500" dirty="0" smtClean="0">
-                <a:solidFill>
-                  <a:schemeClr val="bg1"/>
-                </a:solidFill>
-                <a:latin typeface="+mj-lt"/>
-                <a:cs typeface="Courier New" panose="02070309020205020404" pitchFamily="49" charset="0"/>
-              </a:rPr>
-              <a:t>елементи:</a:t>
-            </a:r>
-          </a:p>
-          <a:p>
-            <a:pPr>
-              <a:buFontTx/>
-              <a:buChar char="-"/>
-            </a:pPr>
-            <a:r>
-              <a:rPr lang="bg-BG" sz="1800" dirty="0" smtClean="0">
-                <a:solidFill>
-                  <a:schemeClr val="bg1"/>
-                </a:solidFill>
-                <a:latin typeface="Courier New" panose="02070309020205020404" pitchFamily="49" charset="0"/>
-                <a:cs typeface="Courier New" panose="02070309020205020404" pitchFamily="49" charset="0"/>
-              </a:rPr>
-              <a:t>по </a:t>
-            </a:r>
-            <a:r>
-              <a:rPr lang="en-US" sz="1800" dirty="0" smtClean="0">
-                <a:solidFill>
-                  <a:schemeClr val="bg1"/>
-                </a:solidFill>
-                <a:latin typeface="Courier New" panose="02070309020205020404" pitchFamily="49" charset="0"/>
-                <a:cs typeface="Courier New" panose="02070309020205020404" pitchFamily="49" charset="0"/>
-              </a:rPr>
-              <a:t>ID – var el = </a:t>
-            </a:r>
-            <a:r>
-              <a:rPr lang="en-US" sz="1800" dirty="0" err="1" smtClean="0">
-                <a:solidFill>
-                  <a:srgbClr val="92D050"/>
-                </a:solidFill>
-                <a:latin typeface="Courier New" panose="02070309020205020404" pitchFamily="49" charset="0"/>
-                <a:cs typeface="Courier New" panose="02070309020205020404" pitchFamily="49" charset="0"/>
-              </a:rPr>
-              <a:t>document.getElementById</a:t>
-            </a:r>
-            <a:r>
-              <a:rPr lang="en-US" sz="1800" dirty="0" smtClean="0">
-                <a:solidFill>
-                  <a:schemeClr val="bg1"/>
-                </a:solidFill>
-                <a:latin typeface="Courier New" panose="02070309020205020404" pitchFamily="49" charset="0"/>
-                <a:cs typeface="Courier New" panose="02070309020205020404" pitchFamily="49" charset="0"/>
-              </a:rPr>
-              <a:t>(‘id’);</a:t>
-            </a:r>
-            <a:endParaRPr lang="bg-BG" sz="1800" dirty="0" smtClean="0">
+                <a:latin typeface="Courier New" panose="02070309020205020404" pitchFamily="49" charset="0"/>
+                <a:cs typeface="Courier New" panose="02070309020205020404" pitchFamily="49" charset="0"/>
+              </a:rPr>
+              <a:t>&lt;body&gt;</a:t>
+            </a:r>
+          </a:p>
+          <a:p>
+            <a:pPr marL="0" indent="0">
+              <a:buNone/>
+            </a:pPr>
+            <a:endParaRPr lang="en-US" sz="1800" dirty="0">
               <a:solidFill>
-                <a:schemeClr val="bg1"/>
+                <a:srgbClr val="92D050"/>
               </a:solidFill>
               <a:latin typeface="Courier New" panose="02070309020205020404" pitchFamily="49" charset="0"/>
               <a:cs typeface="Courier New" panose="02070309020205020404" pitchFamily="49" charset="0"/>
             </a:endParaRPr>
           </a:p>
           <a:p>
-            <a:pPr>
-              <a:buFontTx/>
-              <a:buChar char="-"/>
-            </a:pPr>
-            <a:r>
-              <a:rPr lang="bg-BG" sz="1800" dirty="0" smtClean="0">
-                <a:solidFill>
-                  <a:schemeClr val="bg1"/>
-                </a:solidFill>
-                <a:latin typeface="Courier New" panose="02070309020205020404" pitchFamily="49" charset="0"/>
-                <a:cs typeface="Courier New" panose="02070309020205020404" pitchFamily="49" charset="0"/>
-              </a:rPr>
-              <a:t>по клас – </a:t>
+            <a:pPr marL="0" indent="0">
+              <a:buNone/>
+            </a:pPr>
+            <a:r>
+              <a:rPr lang="en-US" sz="1800" dirty="0">
+                <a:solidFill>
+                  <a:srgbClr val="92D050"/>
+                </a:solidFill>
+                <a:latin typeface="Courier New" panose="02070309020205020404" pitchFamily="49" charset="0"/>
+                <a:cs typeface="Courier New" panose="02070309020205020404" pitchFamily="49" charset="0"/>
+              </a:rPr>
+              <a:t>&lt;p id="demo"&gt;&lt;/p&gt;</a:t>
+            </a:r>
+          </a:p>
+          <a:p>
+            <a:pPr marL="0" indent="0">
+              <a:buNone/>
+            </a:pPr>
+            <a:endParaRPr lang="en-US" sz="1800" dirty="0">
+              <a:solidFill>
+                <a:srgbClr val="92D050"/>
+              </a:solidFill>
+              <a:latin typeface="Courier New" panose="02070309020205020404" pitchFamily="49" charset="0"/>
+              <a:cs typeface="Courier New" panose="02070309020205020404" pitchFamily="49" charset="0"/>
+            </a:endParaRPr>
+          </a:p>
+          <a:p>
+            <a:pPr marL="0" indent="0">
+              <a:buNone/>
+            </a:pPr>
+            <a:r>
+              <a:rPr lang="en-US" sz="1800" dirty="0">
+                <a:solidFill>
+                  <a:srgbClr val="92D050"/>
+                </a:solidFill>
+                <a:latin typeface="Courier New" panose="02070309020205020404" pitchFamily="49" charset="0"/>
+                <a:cs typeface="Courier New" panose="02070309020205020404" pitchFamily="49" charset="0"/>
+              </a:rPr>
+              <a:t>&lt;script&gt;</a:t>
+            </a:r>
+          </a:p>
+          <a:p>
+            <a:pPr marL="0" indent="0">
+              <a:buNone/>
+            </a:pPr>
+            <a:r>
+              <a:rPr lang="en-US" sz="1800" dirty="0">
+                <a:solidFill>
+                  <a:srgbClr val="92D050"/>
+                </a:solidFill>
+                <a:latin typeface="Courier New" panose="02070309020205020404" pitchFamily="49" charset="0"/>
+                <a:cs typeface="Courier New" panose="02070309020205020404" pitchFamily="49" charset="0"/>
+              </a:rPr>
+              <a:t>try {</a:t>
+            </a:r>
+          </a:p>
+          <a:p>
+            <a:pPr marL="0" indent="0">
+              <a:buNone/>
+            </a:pPr>
+            <a:r>
+              <a:rPr lang="en-US" sz="1800" dirty="0">
+                <a:solidFill>
+                  <a:srgbClr val="92D050"/>
+                </a:solidFill>
+                <a:latin typeface="Courier New" panose="02070309020205020404" pitchFamily="49" charset="0"/>
+                <a:cs typeface="Courier New" panose="02070309020205020404" pitchFamily="49" charset="0"/>
+              </a:rPr>
+              <a:t>    </a:t>
+            </a:r>
+            <a:r>
+              <a:rPr lang="en-US" sz="1800" dirty="0" err="1">
+                <a:solidFill>
+                  <a:srgbClr val="92D050"/>
+                </a:solidFill>
+                <a:latin typeface="Courier New" panose="02070309020205020404" pitchFamily="49" charset="0"/>
+                <a:cs typeface="Courier New" panose="02070309020205020404" pitchFamily="49" charset="0"/>
+              </a:rPr>
+              <a:t>adddlert</a:t>
+            </a:r>
+            <a:r>
+              <a:rPr lang="en-US" sz="1800" dirty="0">
+                <a:solidFill>
+                  <a:srgbClr val="92D050"/>
+                </a:solidFill>
+                <a:latin typeface="Courier New" panose="02070309020205020404" pitchFamily="49" charset="0"/>
+                <a:cs typeface="Courier New" panose="02070309020205020404" pitchFamily="49" charset="0"/>
+              </a:rPr>
+              <a:t>("Welcome guest!");</a:t>
+            </a:r>
+          </a:p>
+          <a:p>
+            <a:pPr marL="0" indent="0">
+              <a:buNone/>
+            </a:pPr>
+            <a:r>
+              <a:rPr lang="en-US" sz="1800" dirty="0">
+                <a:solidFill>
+                  <a:srgbClr val="92D050"/>
+                </a:solidFill>
+                <a:latin typeface="Courier New" panose="02070309020205020404" pitchFamily="49" charset="0"/>
+                <a:cs typeface="Courier New" panose="02070309020205020404" pitchFamily="49" charset="0"/>
+              </a:rPr>
+              <a:t>}</a:t>
+            </a:r>
+          </a:p>
+          <a:p>
+            <a:pPr marL="0" indent="0">
+              <a:buNone/>
+            </a:pPr>
+            <a:r>
+              <a:rPr lang="en-US" sz="1800" dirty="0">
+                <a:solidFill>
+                  <a:srgbClr val="92D050"/>
+                </a:solidFill>
+                <a:latin typeface="Courier New" panose="02070309020205020404" pitchFamily="49" charset="0"/>
+                <a:cs typeface="Courier New" panose="02070309020205020404" pitchFamily="49" charset="0"/>
+              </a:rPr>
+              <a:t>catch(err) {</a:t>
+            </a:r>
+          </a:p>
+          <a:p>
+            <a:pPr marL="0" indent="0">
+              <a:buNone/>
+            </a:pPr>
+            <a:r>
+              <a:rPr lang="en-US" sz="1800" dirty="0">
+                <a:solidFill>
+                  <a:srgbClr val="92D050"/>
+                </a:solidFill>
+                <a:latin typeface="Courier New" panose="02070309020205020404" pitchFamily="49" charset="0"/>
+                <a:cs typeface="Courier New" panose="02070309020205020404" pitchFamily="49" charset="0"/>
+              </a:rPr>
+              <a:t>    </a:t>
+            </a:r>
+            <a:r>
+              <a:rPr lang="en-US" sz="1800" dirty="0" err="1">
+                <a:solidFill>
+                  <a:srgbClr val="92D050"/>
+                </a:solidFill>
+                <a:latin typeface="Courier New" panose="02070309020205020404" pitchFamily="49" charset="0"/>
+                <a:cs typeface="Courier New" panose="02070309020205020404" pitchFamily="49" charset="0"/>
+              </a:rPr>
+              <a:t>document.getElementById</a:t>
+            </a:r>
+            <a:r>
+              <a:rPr lang="en-US" sz="1800" dirty="0">
+                <a:solidFill>
+                  <a:srgbClr val="92D050"/>
+                </a:solidFill>
+                <a:latin typeface="Courier New" panose="02070309020205020404" pitchFamily="49" charset="0"/>
+                <a:cs typeface="Courier New" panose="02070309020205020404" pitchFamily="49" charset="0"/>
+              </a:rPr>
+              <a:t>("demo").</a:t>
+            </a:r>
+            <a:r>
+              <a:rPr lang="en-US" sz="1800" dirty="0" err="1">
+                <a:solidFill>
+                  <a:srgbClr val="92D050"/>
+                </a:solidFill>
+                <a:latin typeface="Courier New" panose="02070309020205020404" pitchFamily="49" charset="0"/>
+                <a:cs typeface="Courier New" panose="02070309020205020404" pitchFamily="49" charset="0"/>
+              </a:rPr>
+              <a:t>innerHTML</a:t>
+            </a:r>
+            <a:r>
+              <a:rPr lang="en-US" sz="1800" dirty="0">
+                <a:solidFill>
+                  <a:srgbClr val="92D050"/>
+                </a:solidFill>
+                <a:latin typeface="Courier New" panose="02070309020205020404" pitchFamily="49" charset="0"/>
+                <a:cs typeface="Courier New" panose="02070309020205020404" pitchFamily="49" charset="0"/>
+              </a:rPr>
+              <a:t> = </a:t>
+            </a:r>
+            <a:r>
+              <a:rPr lang="en-US" sz="1800" dirty="0" err="1">
+                <a:solidFill>
+                  <a:srgbClr val="92D050"/>
+                </a:solidFill>
+                <a:latin typeface="Courier New" panose="02070309020205020404" pitchFamily="49" charset="0"/>
+                <a:cs typeface="Courier New" panose="02070309020205020404" pitchFamily="49" charset="0"/>
+              </a:rPr>
+              <a:t>err.message</a:t>
+            </a:r>
+            <a:r>
+              <a:rPr lang="en-US" sz="1800" dirty="0">
+                <a:solidFill>
+                  <a:srgbClr val="92D050"/>
+                </a:solidFill>
+                <a:latin typeface="Courier New" panose="02070309020205020404" pitchFamily="49" charset="0"/>
+                <a:cs typeface="Courier New" panose="02070309020205020404" pitchFamily="49" charset="0"/>
+              </a:rPr>
+              <a:t>;</a:t>
+            </a:r>
+          </a:p>
+          <a:p>
+            <a:pPr marL="0" indent="0">
+              <a:buNone/>
+            </a:pPr>
+            <a:r>
+              <a:rPr lang="en-US" sz="1800" dirty="0">
+                <a:solidFill>
+                  <a:srgbClr val="92D050"/>
+                </a:solidFill>
+                <a:latin typeface="Courier New" panose="02070309020205020404" pitchFamily="49" charset="0"/>
+                <a:cs typeface="Courier New" panose="02070309020205020404" pitchFamily="49" charset="0"/>
+              </a:rPr>
+              <a:t>}</a:t>
+            </a:r>
+          </a:p>
+          <a:p>
+            <a:pPr marL="0" indent="0">
+              <a:buNone/>
+            </a:pPr>
+            <a:r>
+              <a:rPr lang="en-US" sz="1800" dirty="0">
+                <a:solidFill>
+                  <a:srgbClr val="92D050"/>
+                </a:solidFill>
+                <a:latin typeface="Courier New" panose="02070309020205020404" pitchFamily="49" charset="0"/>
+                <a:cs typeface="Courier New" panose="02070309020205020404" pitchFamily="49" charset="0"/>
+              </a:rPr>
+              <a:t>&lt;/script</a:t>
             </a:r>
             <a:r>
               <a:rPr lang="en-US" sz="1800" dirty="0" smtClean="0">
                 <a:solidFill>
-                  <a:schemeClr val="bg1"/>
-                </a:solidFill>
-                <a:latin typeface="Courier New" panose="02070309020205020404" pitchFamily="49" charset="0"/>
-                <a:cs typeface="Courier New" panose="02070309020205020404" pitchFamily="49" charset="0"/>
-              </a:rPr>
-              <a:t>var el = </a:t>
-            </a:r>
-            <a:r>
-              <a:rPr lang="en-US" sz="1800" dirty="0" err="1" smtClean="0">
-                <a:solidFill>
                   <a:srgbClr val="92D050"/>
                 </a:solidFill>
                 <a:latin typeface="Courier New" panose="02070309020205020404" pitchFamily="49" charset="0"/>
                 <a:cs typeface="Courier New" panose="02070309020205020404" pitchFamily="49" charset="0"/>
               </a:rPr>
-              <a:t>document.getElementByClassName</a:t>
-            </a:r>
-            <a:r>
-              <a:rPr lang="en-US" sz="1800" dirty="0" smtClean="0">
-                <a:solidFill>
-                  <a:schemeClr val="bg1"/>
-                </a:solidFill>
-                <a:latin typeface="Courier New" panose="02070309020205020404" pitchFamily="49" charset="0"/>
-                <a:cs typeface="Courier New" panose="02070309020205020404" pitchFamily="49" charset="0"/>
-              </a:rPr>
-              <a:t>(‘class’);</a:t>
+              <a:t>&gt;</a:t>
+            </a:r>
+            <a:endParaRPr lang="en-US" sz="1800" dirty="0">
+              <a:solidFill>
+                <a:srgbClr val="92D050"/>
+              </a:solidFill>
+              <a:latin typeface="Courier New" panose="02070309020205020404" pitchFamily="49" charset="0"/>
+              <a:cs typeface="Courier New" panose="02070309020205020404" pitchFamily="49" charset="0"/>
+            </a:endParaRPr>
+          </a:p>
+          <a:p>
+            <a:pPr marL="0" indent="0">
+              <a:buNone/>
+            </a:pPr>
+            <a:r>
+              <a:rPr lang="en-US" sz="1800" dirty="0">
+                <a:solidFill>
+                  <a:srgbClr val="92D050"/>
+                </a:solidFill>
+                <a:latin typeface="Courier New" panose="02070309020205020404" pitchFamily="49" charset="0"/>
+                <a:cs typeface="Courier New" panose="02070309020205020404" pitchFamily="49" charset="0"/>
+              </a:rPr>
+              <a:t>&lt;/body&gt;</a:t>
+            </a:r>
+          </a:p>
+          <a:p>
+            <a:pPr marL="0" indent="0">
+              <a:buNone/>
+            </a:pPr>
+            <a:r>
+              <a:rPr lang="en-US" sz="1800" dirty="0">
+                <a:solidFill>
+                  <a:srgbClr val="92D050"/>
+                </a:solidFill>
+                <a:latin typeface="Courier New" panose="02070309020205020404" pitchFamily="49" charset="0"/>
+                <a:cs typeface="Courier New" panose="02070309020205020404" pitchFamily="49" charset="0"/>
+              </a:rPr>
+              <a:t>&lt;/html&gt;</a:t>
             </a:r>
             <a:endParaRPr lang="bg-BG" sz="1800" dirty="0">
               <a:solidFill>
@@ -26246,154 +26324,12 @@
               <a:cs typeface="Courier New" panose="02070309020205020404" pitchFamily="49" charset="0"/>
             </a:endParaRPr>
           </a:p>
-          <a:p>
-            <a:pPr>
-              <a:buFontTx/>
-              <a:buChar char="-"/>
-            </a:pPr>
-            <a:r>
-              <a:rPr lang="bg-BG" sz="1800" dirty="0" smtClean="0">
-                <a:solidFill>
-                  <a:schemeClr val="bg1"/>
-                </a:solidFill>
-                <a:latin typeface="Courier New" panose="02070309020205020404" pitchFamily="49" charset="0"/>
-                <a:cs typeface="Courier New" panose="02070309020205020404" pitchFamily="49" charset="0"/>
-              </a:rPr>
-              <a:t>по таг – </a:t>
-            </a:r>
-            <a:r>
-              <a:rPr lang="en-US" sz="1800" dirty="0" smtClean="0">
-                <a:solidFill>
-                  <a:schemeClr val="bg1"/>
-                </a:solidFill>
-                <a:latin typeface="Courier New" panose="02070309020205020404" pitchFamily="49" charset="0"/>
-                <a:cs typeface="Courier New" panose="02070309020205020404" pitchFamily="49" charset="0"/>
-              </a:rPr>
-              <a:t>var el </a:t>
-            </a:r>
-            <a:r>
-              <a:rPr lang="en-US" sz="1800" dirty="0">
-                <a:solidFill>
-                  <a:schemeClr val="bg1"/>
-                </a:solidFill>
-                <a:latin typeface="Courier New" panose="02070309020205020404" pitchFamily="49" charset="0"/>
-                <a:cs typeface="Courier New" panose="02070309020205020404" pitchFamily="49" charset="0"/>
-              </a:rPr>
-              <a:t>= </a:t>
-            </a:r>
-            <a:r>
-              <a:rPr lang="en-US" sz="1800" dirty="0" err="1" smtClean="0">
-                <a:solidFill>
-                  <a:srgbClr val="92D050"/>
-                </a:solidFill>
-                <a:latin typeface="Courier New" panose="02070309020205020404" pitchFamily="49" charset="0"/>
-                <a:cs typeface="Courier New" panose="02070309020205020404" pitchFamily="49" charset="0"/>
-              </a:rPr>
-              <a:t>document.getElementsByTagName</a:t>
-            </a:r>
-            <a:r>
-              <a:rPr lang="en-US" sz="1800" dirty="0" smtClean="0">
-                <a:solidFill>
-                  <a:schemeClr val="bg1"/>
-                </a:solidFill>
-                <a:latin typeface="Courier New" panose="02070309020205020404" pitchFamily="49" charset="0"/>
-                <a:cs typeface="Courier New" panose="02070309020205020404" pitchFamily="49" charset="0"/>
-              </a:rPr>
-              <a:t>(‘p’);</a:t>
-            </a:r>
-          </a:p>
-          <a:p>
-            <a:pPr>
-              <a:buFontTx/>
-              <a:buChar char="-"/>
-            </a:pPr>
-            <a:r>
-              <a:rPr lang="bg-BG" sz="1800" dirty="0" smtClean="0">
-                <a:solidFill>
-                  <a:schemeClr val="bg1"/>
-                </a:solidFill>
-                <a:latin typeface="Courier New" panose="02070309020205020404" pitchFamily="49" charset="0"/>
-                <a:cs typeface="Courier New" panose="02070309020205020404" pitchFamily="49" charset="0"/>
-              </a:rPr>
-              <a:t>По </a:t>
-            </a:r>
-            <a:r>
-              <a:rPr lang="en-US" sz="1800" dirty="0" smtClean="0">
-                <a:solidFill>
-                  <a:schemeClr val="bg1"/>
-                </a:solidFill>
-                <a:latin typeface="Courier New" panose="02070309020205020404" pitchFamily="49" charset="0"/>
-                <a:cs typeface="Courier New" panose="02070309020205020404" pitchFamily="49" charset="0"/>
-              </a:rPr>
-              <a:t>CSS selector </a:t>
-            </a:r>
-            <a:r>
-              <a:rPr lang="bg-BG" sz="1800" dirty="0" smtClean="0">
-                <a:solidFill>
-                  <a:schemeClr val="bg1"/>
-                </a:solidFill>
-                <a:latin typeface="Courier New" panose="02070309020205020404" pitchFamily="49" charset="0"/>
-                <a:cs typeface="Courier New" panose="02070309020205020404" pitchFamily="49" charset="0"/>
-              </a:rPr>
-              <a:t>– </a:t>
-            </a:r>
-            <a:r>
-              <a:rPr lang="en-US" sz="1800" dirty="0" smtClean="0">
-                <a:solidFill>
-                  <a:schemeClr val="bg1"/>
-                </a:solidFill>
-                <a:latin typeface="Courier New" panose="02070309020205020404" pitchFamily="49" charset="0"/>
-                <a:cs typeface="Courier New" panose="02070309020205020404" pitchFamily="49" charset="0"/>
-              </a:rPr>
-              <a:t>var el = </a:t>
-            </a:r>
-            <a:r>
-              <a:rPr lang="en-US" sz="1800" dirty="0" err="1" smtClean="0">
-                <a:solidFill>
-                  <a:srgbClr val="92D050"/>
-                </a:solidFill>
-                <a:latin typeface="Courier New" panose="02070309020205020404" pitchFamily="49" charset="0"/>
-                <a:cs typeface="Courier New" panose="02070309020205020404" pitchFamily="49" charset="0"/>
-              </a:rPr>
-              <a:t>document.querySelectorAll</a:t>
-            </a:r>
-            <a:r>
-              <a:rPr lang="en-US" sz="1800" dirty="0" smtClean="0">
-                <a:solidFill>
-                  <a:schemeClr val="bg1"/>
-                </a:solidFill>
-                <a:latin typeface="Courier New" panose="02070309020205020404" pitchFamily="49" charset="0"/>
-                <a:cs typeface="Courier New" panose="02070309020205020404" pitchFamily="49" charset="0"/>
-              </a:rPr>
-              <a:t>(‘</a:t>
-            </a:r>
-            <a:r>
-              <a:rPr lang="en-US" sz="1800" dirty="0" err="1" smtClean="0">
-                <a:solidFill>
-                  <a:schemeClr val="bg1"/>
-                </a:solidFill>
-                <a:latin typeface="Courier New" panose="02070309020205020404" pitchFamily="49" charset="0"/>
-                <a:cs typeface="Courier New" panose="02070309020205020404" pitchFamily="49" charset="0"/>
-              </a:rPr>
-              <a:t>a.link</a:t>
-            </a:r>
-            <a:r>
-              <a:rPr lang="en-US" sz="1800" dirty="0" smtClean="0">
-                <a:solidFill>
-                  <a:schemeClr val="bg1"/>
-                </a:solidFill>
-                <a:latin typeface="Courier New" panose="02070309020205020404" pitchFamily="49" charset="0"/>
-                <a:cs typeface="Courier New" panose="02070309020205020404" pitchFamily="49" charset="0"/>
-              </a:rPr>
-              <a:t>’);</a:t>
-            </a:r>
-          </a:p>
         </p:txBody>
       </p:sp>
     </p:spTree>
     <p:extLst>
       <p:ext uri="{BB962C8B-B14F-4D97-AF65-F5344CB8AC3E}">
-        <p14:creationId xmlns:p14="http://schemas.microsoft.com/office/powerpoint/2010/main" val="719629039"/>
+        <p14:creationId xmlns:p14="http://schemas.microsoft.com/office/powerpoint/2010/main" val="4261819921"/>
       </p:ext>
     </p:extLst>
   </p:cSld>
@@ -26475,12 +26411,20 @@
               <a:t> </a:t>
             </a:r>
             <a:r>
+              <a:rPr lang="en-US" sz="2900" dirty="0" smtClean="0">
+                <a:solidFill>
+                  <a:schemeClr val="accent6"/>
+                </a:solidFill>
+              </a:rPr>
+              <a:t>DOM </a:t>
+            </a:r>
+            <a:r>
               <a:rPr lang="bg-BG" sz="2900" dirty="0" smtClean="0">
                 <a:solidFill>
                   <a:schemeClr val="accent6"/>
                 </a:solidFill>
               </a:rPr>
-              <a:t>Събития</a:t>
+              <a:t>Елементи</a:t>
             </a:r>
             <a:endParaRPr lang="en-US" sz="2900" dirty="0"/>
           </a:p>
@@ -26512,6 +26456,523 @@
               <a:buNone/>
             </a:pPr>
             <a:r>
+              <a:rPr lang="en-US" sz="2500" dirty="0" smtClean="0">
+                <a:solidFill>
+                  <a:srgbClr val="92D050"/>
+                </a:solidFill>
+                <a:latin typeface="+mj-lt"/>
+                <a:cs typeface="Courier New" panose="02070309020205020404" pitchFamily="49" charset="0"/>
+              </a:rPr>
+              <a:t>DOM</a:t>
+            </a:r>
+            <a:r>
+              <a:rPr lang="bg-BG" sz="2500" dirty="0" smtClean="0">
+                <a:solidFill>
+                  <a:srgbClr val="92D050"/>
+                </a:solidFill>
+                <a:latin typeface="+mj-lt"/>
+                <a:cs typeface="Courier New" panose="02070309020205020404" pitchFamily="49" charset="0"/>
+              </a:rPr>
+              <a:t> </a:t>
+            </a:r>
+            <a:r>
+              <a:rPr lang="bg-BG" sz="2500" dirty="0" smtClean="0">
+                <a:solidFill>
+                  <a:schemeClr val="bg1"/>
+                </a:solidFill>
+                <a:latin typeface="+mj-lt"/>
+                <a:cs typeface="Courier New" panose="02070309020205020404" pitchFamily="49" charset="0"/>
+              </a:rPr>
+              <a:t>означава </a:t>
+            </a:r>
+            <a:r>
+              <a:rPr lang="en-US" sz="2500" dirty="0" smtClean="0">
+                <a:solidFill>
+                  <a:schemeClr val="bg1"/>
+                </a:solidFill>
+                <a:latin typeface="+mj-lt"/>
+                <a:cs typeface="Courier New" panose="02070309020205020404" pitchFamily="49" charset="0"/>
+              </a:rPr>
+              <a:t>Document Object Model </a:t>
+            </a:r>
+            <a:r>
+              <a:rPr lang="bg-BG" sz="2500" dirty="0" smtClean="0">
+                <a:solidFill>
+                  <a:schemeClr val="bg1"/>
+                </a:solidFill>
+                <a:latin typeface="+mj-lt"/>
+                <a:cs typeface="Courier New" panose="02070309020205020404" pitchFamily="49" charset="0"/>
+              </a:rPr>
+              <a:t>и представлява структурата на нашата уеб страница. Обектът </a:t>
+            </a:r>
+            <a:r>
+              <a:rPr lang="en-US" sz="2500" dirty="0" smtClean="0">
+                <a:solidFill>
+                  <a:schemeClr val="bg1"/>
+                </a:solidFill>
+                <a:latin typeface="+mj-lt"/>
+                <a:cs typeface="Courier New" panose="02070309020205020404" pitchFamily="49" charset="0"/>
+              </a:rPr>
+              <a:t>document </a:t>
+            </a:r>
+            <a:r>
+              <a:rPr lang="bg-BG" sz="2500" dirty="0" smtClean="0">
+                <a:solidFill>
+                  <a:schemeClr val="bg1"/>
+                </a:solidFill>
+                <a:latin typeface="+mj-lt"/>
+                <a:cs typeface="Courier New" panose="02070309020205020404" pitchFamily="49" charset="0"/>
+              </a:rPr>
+              <a:t>е „родителят“ на всички елементи в страницата. Ако трябва да достъпим някой елемент в страницата, първо трябва да достъпим </a:t>
+            </a:r>
+            <a:r>
+              <a:rPr lang="en-US" sz="2500" dirty="0" smtClean="0">
+                <a:solidFill>
+                  <a:schemeClr val="bg1"/>
+                </a:solidFill>
+                <a:latin typeface="+mj-lt"/>
+                <a:cs typeface="Courier New" panose="02070309020205020404" pitchFamily="49" charset="0"/>
+              </a:rPr>
+              <a:t>document </a:t>
+            </a:r>
+            <a:r>
+              <a:rPr lang="bg-BG" sz="2500" dirty="0" smtClean="0">
+                <a:solidFill>
+                  <a:schemeClr val="bg1"/>
+                </a:solidFill>
+                <a:latin typeface="+mj-lt"/>
+                <a:cs typeface="Courier New" panose="02070309020205020404" pitchFamily="49" charset="0"/>
+              </a:rPr>
+              <a:t>обекта. </a:t>
+            </a:r>
+          </a:p>
+          <a:p>
+            <a:pPr marL="0" indent="0">
+              <a:buNone/>
+            </a:pPr>
+            <a:r>
+              <a:rPr lang="bg-BG" sz="2500" dirty="0" smtClean="0">
+                <a:solidFill>
+                  <a:schemeClr val="bg1"/>
+                </a:solidFill>
+                <a:latin typeface="+mj-lt"/>
+                <a:cs typeface="Courier New" panose="02070309020205020404" pitchFamily="49" charset="0"/>
+              </a:rPr>
+              <a:t>Има няколко начина за </a:t>
+            </a:r>
+            <a:r>
+              <a:rPr lang="bg-BG" sz="2500" dirty="0" smtClean="0">
+                <a:solidFill>
+                  <a:srgbClr val="92D050"/>
+                </a:solidFill>
+                <a:latin typeface="+mj-lt"/>
+                <a:cs typeface="Courier New" panose="02070309020205020404" pitchFamily="49" charset="0"/>
+              </a:rPr>
+              <a:t>достъпване</a:t>
+            </a:r>
+            <a:r>
+              <a:rPr lang="bg-BG" sz="2500" dirty="0" smtClean="0">
+                <a:solidFill>
+                  <a:schemeClr val="bg1"/>
+                </a:solidFill>
+                <a:latin typeface="+mj-lt"/>
+                <a:cs typeface="Courier New" panose="02070309020205020404" pitchFamily="49" charset="0"/>
+              </a:rPr>
+              <a:t> на </a:t>
+            </a:r>
+            <a:r>
+              <a:rPr lang="en-US" sz="2500" dirty="0" smtClean="0">
+                <a:solidFill>
+                  <a:schemeClr val="bg1"/>
+                </a:solidFill>
+                <a:latin typeface="+mj-lt"/>
+                <a:cs typeface="Courier New" panose="02070309020205020404" pitchFamily="49" charset="0"/>
+              </a:rPr>
+              <a:t>HTML </a:t>
+            </a:r>
+            <a:r>
+              <a:rPr lang="bg-BG" sz="2500" dirty="0" smtClean="0">
+                <a:solidFill>
+                  <a:schemeClr val="bg1"/>
+                </a:solidFill>
+                <a:latin typeface="+mj-lt"/>
+                <a:cs typeface="Courier New" panose="02070309020205020404" pitchFamily="49" charset="0"/>
+              </a:rPr>
+              <a:t>елементи:</a:t>
+            </a:r>
+          </a:p>
+          <a:p>
+            <a:pPr>
+              <a:buFontTx/>
+              <a:buChar char="-"/>
+            </a:pPr>
+            <a:r>
+              <a:rPr lang="bg-BG" sz="1800" dirty="0" smtClean="0">
+                <a:solidFill>
+                  <a:schemeClr val="bg1"/>
+                </a:solidFill>
+                <a:latin typeface="Courier New" panose="02070309020205020404" pitchFamily="49" charset="0"/>
+                <a:cs typeface="Courier New" panose="02070309020205020404" pitchFamily="49" charset="0"/>
+              </a:rPr>
+              <a:t>по </a:t>
+            </a:r>
+            <a:r>
+              <a:rPr lang="en-US" sz="1800" dirty="0" smtClean="0">
+                <a:solidFill>
+                  <a:schemeClr val="bg1"/>
+                </a:solidFill>
+                <a:latin typeface="Courier New" panose="02070309020205020404" pitchFamily="49" charset="0"/>
+                <a:cs typeface="Courier New" panose="02070309020205020404" pitchFamily="49" charset="0"/>
+              </a:rPr>
+              <a:t>ID – var el = </a:t>
+            </a:r>
+            <a:r>
+              <a:rPr lang="en-US" sz="1800" dirty="0" err="1" smtClean="0">
+                <a:solidFill>
+                  <a:srgbClr val="92D050"/>
+                </a:solidFill>
+                <a:latin typeface="Courier New" panose="02070309020205020404" pitchFamily="49" charset="0"/>
+                <a:cs typeface="Courier New" panose="02070309020205020404" pitchFamily="49" charset="0"/>
+              </a:rPr>
+              <a:t>document.getElementById</a:t>
+            </a:r>
+            <a:r>
+              <a:rPr lang="en-US" sz="1800" dirty="0" smtClean="0">
+                <a:solidFill>
+                  <a:schemeClr val="bg1"/>
+                </a:solidFill>
+                <a:latin typeface="Courier New" panose="02070309020205020404" pitchFamily="49" charset="0"/>
+                <a:cs typeface="Courier New" panose="02070309020205020404" pitchFamily="49" charset="0"/>
+              </a:rPr>
+              <a:t>(‘id’);</a:t>
+            </a:r>
+            <a:endParaRPr lang="bg-BG" sz="1800" dirty="0" smtClean="0">
+              <a:solidFill>
+                <a:schemeClr val="bg1"/>
+              </a:solidFill>
+              <a:latin typeface="Courier New" panose="02070309020205020404" pitchFamily="49" charset="0"/>
+              <a:cs typeface="Courier New" panose="02070309020205020404" pitchFamily="49" charset="0"/>
+            </a:endParaRPr>
+          </a:p>
+          <a:p>
+            <a:pPr>
+              <a:buFontTx/>
+              <a:buChar char="-"/>
+            </a:pPr>
+            <a:r>
+              <a:rPr lang="bg-BG" sz="1800" dirty="0" smtClean="0">
+                <a:solidFill>
+                  <a:schemeClr val="bg1"/>
+                </a:solidFill>
+                <a:latin typeface="Courier New" panose="02070309020205020404" pitchFamily="49" charset="0"/>
+                <a:cs typeface="Courier New" panose="02070309020205020404" pitchFamily="49" charset="0"/>
+              </a:rPr>
+              <a:t>по клас – </a:t>
+            </a:r>
+            <a:r>
+              <a:rPr lang="en-US" sz="1800" dirty="0" smtClean="0">
+                <a:solidFill>
+                  <a:schemeClr val="bg1"/>
+                </a:solidFill>
+                <a:latin typeface="Courier New" panose="02070309020205020404" pitchFamily="49" charset="0"/>
+                <a:cs typeface="Courier New" panose="02070309020205020404" pitchFamily="49" charset="0"/>
+              </a:rPr>
+              <a:t>var el = </a:t>
+            </a:r>
+            <a:r>
+              <a:rPr lang="en-US" sz="1800" dirty="0" err="1" smtClean="0">
+                <a:solidFill>
+                  <a:srgbClr val="92D050"/>
+                </a:solidFill>
+                <a:latin typeface="Courier New" panose="02070309020205020404" pitchFamily="49" charset="0"/>
+                <a:cs typeface="Courier New" panose="02070309020205020404" pitchFamily="49" charset="0"/>
+              </a:rPr>
+              <a:t>document.getElementByClassName</a:t>
+            </a:r>
+            <a:r>
+              <a:rPr lang="en-US" sz="1800" dirty="0" smtClean="0">
+                <a:solidFill>
+                  <a:schemeClr val="bg1"/>
+                </a:solidFill>
+                <a:latin typeface="Courier New" panose="02070309020205020404" pitchFamily="49" charset="0"/>
+                <a:cs typeface="Courier New" panose="02070309020205020404" pitchFamily="49" charset="0"/>
+              </a:rPr>
+              <a:t>(‘class’);</a:t>
+            </a:r>
+            <a:endParaRPr lang="bg-BG" sz="1800" dirty="0">
+              <a:solidFill>
+                <a:schemeClr val="bg1"/>
+              </a:solidFill>
+              <a:latin typeface="Courier New" panose="02070309020205020404" pitchFamily="49" charset="0"/>
+              <a:cs typeface="Courier New" panose="02070309020205020404" pitchFamily="49" charset="0"/>
+            </a:endParaRPr>
+          </a:p>
+          <a:p>
+            <a:pPr>
+              <a:buFontTx/>
+              <a:buChar char="-"/>
+            </a:pPr>
+            <a:r>
+              <a:rPr lang="bg-BG" sz="1800" dirty="0" smtClean="0">
+                <a:solidFill>
+                  <a:schemeClr val="bg1"/>
+                </a:solidFill>
+                <a:latin typeface="Courier New" panose="02070309020205020404" pitchFamily="49" charset="0"/>
+                <a:cs typeface="Courier New" panose="02070309020205020404" pitchFamily="49" charset="0"/>
+              </a:rPr>
+              <a:t>по таг – </a:t>
+            </a:r>
+            <a:r>
+              <a:rPr lang="en-US" sz="1800" dirty="0" smtClean="0">
+                <a:solidFill>
+                  <a:schemeClr val="bg1"/>
+                </a:solidFill>
+                <a:latin typeface="Courier New" panose="02070309020205020404" pitchFamily="49" charset="0"/>
+                <a:cs typeface="Courier New" panose="02070309020205020404" pitchFamily="49" charset="0"/>
+              </a:rPr>
+              <a:t>var el </a:t>
+            </a:r>
+            <a:r>
+              <a:rPr lang="en-US" sz="1800" dirty="0">
+                <a:solidFill>
+                  <a:schemeClr val="bg1"/>
+                </a:solidFill>
+                <a:latin typeface="Courier New" panose="02070309020205020404" pitchFamily="49" charset="0"/>
+                <a:cs typeface="Courier New" panose="02070309020205020404" pitchFamily="49" charset="0"/>
+              </a:rPr>
+              <a:t>= </a:t>
+            </a:r>
+            <a:r>
+              <a:rPr lang="en-US" sz="1800" dirty="0" err="1" smtClean="0">
+                <a:solidFill>
+                  <a:srgbClr val="92D050"/>
+                </a:solidFill>
+                <a:latin typeface="Courier New" panose="02070309020205020404" pitchFamily="49" charset="0"/>
+                <a:cs typeface="Courier New" panose="02070309020205020404" pitchFamily="49" charset="0"/>
+              </a:rPr>
+              <a:t>document.getElementsByTagName</a:t>
+            </a:r>
+            <a:r>
+              <a:rPr lang="en-US" sz="1800" dirty="0" smtClean="0">
+                <a:solidFill>
+                  <a:schemeClr val="bg1"/>
+                </a:solidFill>
+                <a:latin typeface="Courier New" panose="02070309020205020404" pitchFamily="49" charset="0"/>
+                <a:cs typeface="Courier New" panose="02070309020205020404" pitchFamily="49" charset="0"/>
+              </a:rPr>
+              <a:t>(‘p’);</a:t>
+            </a:r>
+          </a:p>
+          <a:p>
+            <a:pPr>
+              <a:buFontTx/>
+              <a:buChar char="-"/>
+            </a:pPr>
+            <a:r>
+              <a:rPr lang="bg-BG" sz="1800" dirty="0" smtClean="0">
+                <a:solidFill>
+                  <a:schemeClr val="bg1"/>
+                </a:solidFill>
+                <a:latin typeface="Courier New" panose="02070309020205020404" pitchFamily="49" charset="0"/>
+                <a:cs typeface="Courier New" panose="02070309020205020404" pitchFamily="49" charset="0"/>
+              </a:rPr>
+              <a:t>По </a:t>
+            </a:r>
+            <a:r>
+              <a:rPr lang="en-US" sz="1800" dirty="0" smtClean="0">
+                <a:solidFill>
+                  <a:schemeClr val="bg1"/>
+                </a:solidFill>
+                <a:latin typeface="Courier New" panose="02070309020205020404" pitchFamily="49" charset="0"/>
+                <a:cs typeface="Courier New" panose="02070309020205020404" pitchFamily="49" charset="0"/>
+              </a:rPr>
+              <a:t>CSS selector </a:t>
+            </a:r>
+            <a:r>
+              <a:rPr lang="bg-BG" sz="1800" dirty="0" smtClean="0">
+                <a:solidFill>
+                  <a:schemeClr val="bg1"/>
+                </a:solidFill>
+                <a:latin typeface="Courier New" panose="02070309020205020404" pitchFamily="49" charset="0"/>
+                <a:cs typeface="Courier New" panose="02070309020205020404" pitchFamily="49" charset="0"/>
+              </a:rPr>
+              <a:t>– </a:t>
+            </a:r>
+            <a:r>
+              <a:rPr lang="en-US" sz="1800" dirty="0" smtClean="0">
+                <a:solidFill>
+                  <a:schemeClr val="bg1"/>
+                </a:solidFill>
+                <a:latin typeface="Courier New" panose="02070309020205020404" pitchFamily="49" charset="0"/>
+                <a:cs typeface="Courier New" panose="02070309020205020404" pitchFamily="49" charset="0"/>
+              </a:rPr>
+              <a:t>var el = </a:t>
+            </a:r>
+            <a:r>
+              <a:rPr lang="en-US" sz="1800" dirty="0" err="1" smtClean="0">
+                <a:solidFill>
+                  <a:srgbClr val="92D050"/>
+                </a:solidFill>
+                <a:latin typeface="Courier New" panose="02070309020205020404" pitchFamily="49" charset="0"/>
+                <a:cs typeface="Courier New" panose="02070309020205020404" pitchFamily="49" charset="0"/>
+              </a:rPr>
+              <a:t>document.querySelectorAll</a:t>
+            </a:r>
+            <a:r>
+              <a:rPr lang="en-US" sz="1800" dirty="0" smtClean="0">
+                <a:solidFill>
+                  <a:schemeClr val="bg1"/>
+                </a:solidFill>
+                <a:latin typeface="Courier New" panose="02070309020205020404" pitchFamily="49" charset="0"/>
+                <a:cs typeface="Courier New" panose="02070309020205020404" pitchFamily="49" charset="0"/>
+              </a:rPr>
+              <a:t>(‘</a:t>
+            </a:r>
+            <a:r>
+              <a:rPr lang="en-US" sz="1800" dirty="0" err="1" smtClean="0">
+                <a:solidFill>
+                  <a:schemeClr val="bg1"/>
+                </a:solidFill>
+                <a:latin typeface="Courier New" panose="02070309020205020404" pitchFamily="49" charset="0"/>
+                <a:cs typeface="Courier New" panose="02070309020205020404" pitchFamily="49" charset="0"/>
+              </a:rPr>
+              <a:t>a.link</a:t>
+            </a:r>
+            <a:r>
+              <a:rPr lang="en-US" sz="1800" dirty="0" smtClean="0">
+                <a:solidFill>
+                  <a:schemeClr val="bg1"/>
+                </a:solidFill>
+                <a:latin typeface="Courier New" panose="02070309020205020404" pitchFamily="49" charset="0"/>
+                <a:cs typeface="Courier New" panose="02070309020205020404" pitchFamily="49" charset="0"/>
+              </a:rPr>
+              <a:t>’);</a:t>
+            </a:r>
+          </a:p>
+        </p:txBody>
+      </p:sp>
+    </p:spTree>
+    <p:extLst>
+      <p:ext uri="{BB962C8B-B14F-4D97-AF65-F5344CB8AC3E}">
+        <p14:creationId xmlns:p14="http://schemas.microsoft.com/office/powerpoint/2010/main" val="719629039"/>
+      </p:ext>
+    </p:extLst>
+  </p:cSld>
+  <p:clrMapOvr>
+    <a:masterClrMapping/>
+  </p:clrMapOvr>
+  <p:timing>
+    <p:tnLst>
+      <p:par>
+        <p:cTn id="1" dur="indefinite" restart="never" nodeType="tmRoot"/>
+      </p:par>
+    </p:tnLst>
+  </p:timing>
+</p:sld>
+</file>
+
+<file path=ppt/slides/slide68.xml><?xml version="1.0" encoding="utf-8"?>
+<p:sld xmlns:a="http://schemas.openxmlformats.org/drawingml/2006/main" xmlns:r="http://schemas.openxmlformats.org/officeDocument/2006/relationships" xmlns:p="http://schemas.openxmlformats.org/presentationml/2006/main">
+  <p:cSld>
+    <p:spTree>
+      <p:nvGrpSpPr>
+        <p:cNvPr id="1" name=""/>
+        <p:cNvGrpSpPr/>
+        <p:nvPr/>
+      </p:nvGrpSpPr>
+      <p:grpSpPr>
+        <a:xfrm>
+          <a:off x="0" y="0"/>
+          <a:ext cx="0" cy="0"/>
+          <a:chOff x="0" y="0"/>
+          <a:chExt cx="0" cy="0"/>
+        </a:xfrm>
+      </p:grpSpPr>
+      <p:sp>
+        <p:nvSpPr>
+          <p:cNvPr id="2" name="Title 1"/>
+          <p:cNvSpPr>
+            <a:spLocks noGrp="1"/>
+          </p:cNvSpPr>
+          <p:nvPr>
+            <p:ph type="title"/>
+          </p:nvPr>
+        </p:nvSpPr>
+        <p:spPr>
+          <a:xfrm>
+            <a:off x="457200" y="533400"/>
+            <a:ext cx="8229600" cy="1143000"/>
+          </a:xfrm>
+        </p:spPr>
+        <p:txBody>
+          <a:bodyPr>
+            <a:normAutofit/>
+          </a:bodyPr>
+          <a:lstStyle/>
+          <a:p>
+            <a:pPr algn="l"/>
+            <a:r>
+              <a:rPr lang="en-US" sz="2900" dirty="0" smtClean="0">
+                <a:solidFill>
+                  <a:schemeClr val="accent6"/>
+                </a:solidFill>
+              </a:rPr>
+              <a:t>JavaScript</a:t>
+            </a:r>
+            <a:r>
+              <a:rPr lang="bg-BG" sz="2900" dirty="0" smtClean="0">
+                <a:solidFill>
+                  <a:schemeClr val="accent6"/>
+                </a:solidFill>
+              </a:rPr>
+              <a:t> –</a:t>
+            </a:r>
+            <a:r>
+              <a:rPr lang="en-US" sz="2900" dirty="0">
+                <a:solidFill>
+                  <a:schemeClr val="accent6"/>
+                </a:solidFill>
+              </a:rPr>
+              <a:t> </a:t>
+            </a:r>
+            <a:r>
+              <a:rPr lang="bg-BG" sz="2900" dirty="0" smtClean="0">
+                <a:solidFill>
+                  <a:schemeClr val="accent6"/>
+                </a:solidFill>
+              </a:rPr>
+              <a:t>Събития</a:t>
+            </a:r>
+            <a:endParaRPr lang="en-US" sz="2900" dirty="0"/>
+          </a:p>
+        </p:txBody>
+      </p:sp>
+      <p:sp>
+        <p:nvSpPr>
+          <p:cNvPr id="3" name="Content Placeholder 2"/>
+          <p:cNvSpPr>
+            <a:spLocks noGrp="1"/>
+          </p:cNvSpPr>
+          <p:nvPr>
+            <p:ph idx="1"/>
+          </p:nvPr>
+        </p:nvSpPr>
+        <p:spPr>
+          <a:xfrm>
+            <a:off x="457200" y="1295400"/>
+            <a:ext cx="8229600" cy="5257800"/>
+          </a:xfrm>
+        </p:spPr>
+        <p:txBody>
+          <a:bodyPr>
+            <a:noAutofit/>
+          </a:bodyPr>
+          <a:lstStyle/>
+          <a:p>
+            <a:pPr marL="0" indent="0">
+              <a:buNone/>
+            </a:pPr>
+            <a:r>
               <a:rPr lang="bg-BG" sz="2500" dirty="0" smtClean="0">
                 <a:solidFill>
                   <a:srgbClr val="92D050"/>
@@ -26833,7 +27294,7 @@
 </p:sld>
 </file>
 
-<file path=ppt/slides/slide68.xml><?xml version="1.0" encoding="utf-8"?>
+<file path=ppt/slides/slide69.xml><?xml version="1.0" encoding="utf-8"?>
 <p:sld xmlns:a="http://schemas.openxmlformats.org/drawingml/2006/main" xmlns:r="http://schemas.openxmlformats.org/officeDocument/2006/relationships" xmlns:p="http://schemas.openxmlformats.org/presentationml/2006/main">
   <p:cSld>
     <p:spTree>
@@ -27328,255 +27789,6 @@
 </p:sld>
 </file>
 
-<file path=ppt/slides/slide69.xml><?xml version="1.0" encoding="utf-8"?>
-<p:sld xmlns:a="http://schemas.openxmlformats.org/drawingml/2006/main" xmlns:r="http://schemas.openxmlformats.org/officeDocument/2006/relationships" xmlns:p="http://schemas.openxmlformats.org/presentationml/2006/main">
-  <p:cSld>
-    <p:spTree>
-      <p:nvGrpSpPr>
-        <p:cNvPr id="1" name=""/>
-        <p:cNvGrpSpPr/>
-        <p:nvPr/>
-      </p:nvGrpSpPr>
-      <p:grpSpPr>
-        <a:xfrm>
-          <a:off x="0" y="0"/>
-          <a:ext cx="0" cy="0"/>
-          <a:chOff x="0" y="0"/>
-          <a:chExt cx="0" cy="0"/>
-        </a:xfrm>
-      </p:grpSpPr>
-      <p:sp>
-        <p:nvSpPr>
-          <p:cNvPr id="2" name="Title 1"/>
-          <p:cNvSpPr>
-            <a:spLocks noGrp="1"/>
-          </p:cNvSpPr>
-          <p:nvPr>
-            <p:ph type="title"/>
-          </p:nvPr>
-        </p:nvSpPr>
-        <p:spPr>
-          <a:xfrm>
-            <a:off x="457200" y="533400"/>
-            <a:ext cx="8229600" cy="1143000"/>
-          </a:xfrm>
-        </p:spPr>
-        <p:txBody>
-          <a:bodyPr>
-            <a:normAutofit/>
-          </a:bodyPr>
-          <a:lstStyle/>
-          <a:p>
-            <a:pPr algn="l"/>
-            <a:r>
-              <a:rPr lang="en-US" sz="2900" dirty="0" smtClean="0">
-                <a:solidFill>
-                  <a:schemeClr val="accent6"/>
-                </a:solidFill>
-              </a:rPr>
-              <a:t>JavaScript</a:t>
-            </a:r>
-            <a:r>
-              <a:rPr lang="bg-BG" sz="2900" dirty="0" smtClean="0">
-                <a:solidFill>
-                  <a:schemeClr val="accent6"/>
-                </a:solidFill>
-              </a:rPr>
-              <a:t> –</a:t>
-            </a:r>
-            <a:r>
-              <a:rPr lang="en-US" sz="2900" dirty="0">
-                <a:solidFill>
-                  <a:schemeClr val="accent6"/>
-                </a:solidFill>
-              </a:rPr>
-              <a:t> </a:t>
-            </a:r>
-            <a:r>
-              <a:rPr lang="bg-BG" sz="2900" dirty="0" smtClean="0">
-                <a:solidFill>
-                  <a:schemeClr val="accent6"/>
-                </a:solidFill>
-              </a:rPr>
-              <a:t>Събития</a:t>
-            </a:r>
-            <a:endParaRPr lang="en-US" sz="2900" dirty="0">
-              <a:solidFill>
-                <a:schemeClr val="accent6"/>
-              </a:solidFill>
-            </a:endParaRPr>
-          </a:p>
-        </p:txBody>
-      </p:sp>
-      <p:sp>
-        <p:nvSpPr>
-          <p:cNvPr id="6" name="TextBox 5"/>
-          <p:cNvSpPr txBox="1"/>
-          <p:nvPr/>
-        </p:nvSpPr>
-        <p:spPr>
-          <a:xfrm>
-            <a:off x="425355" y="1491734"/>
-            <a:ext cx="8718645" cy="3554819"/>
-          </a:xfrm>
-          <a:prstGeom prst="rect">
-            <a:avLst/>
-          </a:prstGeom>
-          <a:noFill/>
-        </p:spPr>
-        <p:txBody>
-          <a:bodyPr wrap="square" rtlCol="0">
-            <a:spAutoFit/>
-          </a:bodyPr>
-          <a:lstStyle/>
-          <a:p>
-            <a:r>
-              <a:rPr lang="bg-BG" sz="2500" dirty="0" smtClean="0">
-                <a:solidFill>
-                  <a:schemeClr val="bg1"/>
-                </a:solidFill>
-              </a:rPr>
-              <a:t>С помощта на </a:t>
-            </a:r>
-            <a:r>
-              <a:rPr lang="en-US" sz="2500" dirty="0" smtClean="0">
-                <a:solidFill>
-                  <a:schemeClr val="bg1"/>
-                </a:solidFill>
-              </a:rPr>
-              <a:t>JavaScript </a:t>
-            </a:r>
-            <a:r>
-              <a:rPr lang="bg-BG" sz="2500" dirty="0" smtClean="0">
-                <a:solidFill>
-                  <a:schemeClr val="bg1"/>
-                </a:solidFill>
-              </a:rPr>
-              <a:t>събитията може да:</a:t>
-            </a:r>
-          </a:p>
-          <a:p>
-            <a:pPr marL="342900" indent="-342900">
-              <a:buFontTx/>
-              <a:buChar char="-"/>
-            </a:pPr>
-            <a:r>
-              <a:rPr lang="bg-BG" sz="2500" dirty="0" smtClean="0">
-                <a:solidFill>
-                  <a:schemeClr val="bg1"/>
-                </a:solidFill>
-              </a:rPr>
-              <a:t>Проверяваме дали дадено поле е попълнено и какви са данните в него</a:t>
-            </a:r>
-          </a:p>
-          <a:p>
-            <a:pPr marL="342900" indent="-342900">
-              <a:buFontTx/>
-              <a:buChar char="-"/>
-            </a:pPr>
-            <a:r>
-              <a:rPr lang="bg-BG" sz="2500" dirty="0" smtClean="0">
-                <a:solidFill>
-                  <a:schemeClr val="bg1"/>
-                </a:solidFill>
-              </a:rPr>
-              <a:t>Извършваме някакво действие, когато страницата се зареди</a:t>
-            </a:r>
-          </a:p>
-          <a:p>
-            <a:pPr marL="342900" indent="-342900">
-              <a:buFontTx/>
-              <a:buChar char="-"/>
-            </a:pPr>
-            <a:r>
-              <a:rPr lang="bg-BG" sz="2500" dirty="0" smtClean="0">
-                <a:solidFill>
-                  <a:schemeClr val="bg1"/>
-                </a:solidFill>
-              </a:rPr>
-              <a:t>Извършваме някакво действие, когато стрницата се затвори</a:t>
-            </a:r>
-          </a:p>
-          <a:p>
-            <a:pPr marL="342900" indent="-342900">
-              <a:buFontTx/>
-              <a:buChar char="-"/>
-            </a:pPr>
-            <a:r>
-              <a:rPr lang="bg-BG" sz="2500" dirty="0" smtClean="0">
-                <a:solidFill>
-                  <a:schemeClr val="bg1"/>
-                </a:solidFill>
-              </a:rPr>
-              <a:t>Извършваме някакво действие, когато потребителят кликне върху линк</a:t>
-            </a:r>
-          </a:p>
-          <a:p>
-            <a:pPr marL="342900" indent="-342900">
-              <a:buFontTx/>
-              <a:buChar char="-"/>
-            </a:pPr>
-            <a:r>
-              <a:rPr lang="bg-BG" sz="2500" dirty="0" smtClean="0">
-                <a:solidFill>
-                  <a:schemeClr val="bg1"/>
-                </a:solidFill>
-              </a:rPr>
-              <a:t>Извикваме дефинирани функции</a:t>
-            </a:r>
-          </a:p>
-          <a:p>
-            <a:pPr marL="342900" indent="-342900">
-              <a:buFontTx/>
-              <a:buChar char="-"/>
-            </a:pPr>
-            <a:r>
-              <a:rPr lang="bg-BG" sz="2500" dirty="0" smtClean="0">
-                <a:solidFill>
-                  <a:schemeClr val="bg1"/>
-                </a:solidFill>
-              </a:rPr>
-              <a:t>Спрем действията по подразбиране на </a:t>
-            </a:r>
-            <a:r>
-              <a:rPr lang="en-US" sz="2500" dirty="0" smtClean="0">
-                <a:solidFill>
-                  <a:schemeClr val="bg1"/>
-                </a:solidFill>
-              </a:rPr>
-              <a:t>HTML </a:t>
-            </a:r>
-            <a:r>
-              <a:rPr lang="bg-BG" sz="2500" dirty="0" smtClean="0">
-                <a:solidFill>
-                  <a:schemeClr val="bg1"/>
-                </a:solidFill>
-              </a:rPr>
-              <a:t>елемент</a:t>
-            </a:r>
-          </a:p>
-        </p:txBody>
-      </p:sp>
-    </p:spTree>
-    <p:extLst>
-      <p:ext uri="{BB962C8B-B14F-4D97-AF65-F5344CB8AC3E}">
-        <p14:creationId xmlns:p14="http://schemas.microsoft.com/office/powerpoint/2010/main" val="3435537964"/>
-      </p:ext>
-    </p:extLst>
-  </p:cSld>
-  <p:clrMapOvr>
-    <a:masterClrMapping/>
-  </p:clrMapOvr>
-  <p:timing>
-    <p:tnLst>
-      <p:par>
-        <p:cTn id="1" dur="indefinite" restart="never" nodeType="tmRoot"/>
-      </p:par>
-    </p:tnLst>
-  </p:timing>
-</p:sld>
-</file>
-
 <file path=ppt/slides/slide7.xml><?xml version="1.0" encoding="utf-8"?>
 <p:sld xmlns:a="http://schemas.openxmlformats.org/drawingml/2006/main" xmlns:r="http://schemas.openxmlformats.org/officeDocument/2006/relationships" xmlns:p="http://schemas.openxmlformats.org/presentationml/2006/main">
   <p:cSld>
@@ -28104,7 +28316,7 @@
         <p:spPr>
           <a:xfrm>
             <a:off x="425355" y="1491734"/>
-            <a:ext cx="8718645" cy="2139047"/>
+            <a:ext cx="8718645" cy="3554819"/>
           </a:xfrm>
           <a:prstGeom prst="rect">
             <a:avLst/>
@@ -28122,256 +28334,132 @@
                 <a:solidFill>
                   <a:schemeClr val="bg1"/>
                 </a:solidFill>
-                <a:latin typeface="+mj-lt"/>
-                <a:cs typeface="Courier New" panose="02070309020205020404" pitchFamily="49" charset="0"/>
-              </a:rPr>
-              <a:t>Няколко примера:</a:t>
-            </a:r>
-            <a:endParaRPr lang="en-US" sz="2500" dirty="0" smtClean="0">
-              <a:solidFill>
-                <a:schemeClr val="bg1"/>
-              </a:solidFill>
-              <a:latin typeface="+mj-lt"/>
-              <a:cs typeface="Courier New" panose="02070309020205020404" pitchFamily="49" charset="0"/>
-            </a:endParaRPr>
-          </a:p>
-          <a:p>
-            <a:r>
-              <a:rPr lang="en-US" dirty="0" smtClean="0">
-                <a:solidFill>
-                  <a:schemeClr val="bg1"/>
-                </a:solidFill>
-                <a:latin typeface="Courier New" panose="02070309020205020404" pitchFamily="49" charset="0"/>
-                <a:cs typeface="Courier New" panose="02070309020205020404" pitchFamily="49" charset="0"/>
-              </a:rPr>
-              <a:t>&lt;a </a:t>
-            </a:r>
-            <a:r>
-              <a:rPr lang="en-US" dirty="0" err="1" smtClean="0">
-                <a:solidFill>
-                  <a:schemeClr val="bg1"/>
-                </a:solidFill>
-                <a:latin typeface="Courier New" panose="02070309020205020404" pitchFamily="49" charset="0"/>
-                <a:cs typeface="Courier New" panose="02070309020205020404" pitchFamily="49" charset="0"/>
-              </a:rPr>
-              <a:t>href</a:t>
-            </a:r>
-            <a:r>
-              <a:rPr lang="en-US" dirty="0" smtClean="0">
-                <a:solidFill>
-                  <a:schemeClr val="bg1"/>
-                </a:solidFill>
-                <a:latin typeface="Courier New" panose="02070309020205020404" pitchFamily="49" charset="0"/>
-                <a:cs typeface="Courier New" panose="02070309020205020404" pitchFamily="49" charset="0"/>
-              </a:rPr>
-              <a:t>=“#” </a:t>
-            </a:r>
-            <a:r>
-              <a:rPr lang="en-US" dirty="0" err="1" smtClean="0">
-                <a:solidFill>
-                  <a:schemeClr val="bg1"/>
-                </a:solidFill>
-                <a:latin typeface="Courier New" panose="02070309020205020404" pitchFamily="49" charset="0"/>
-                <a:cs typeface="Courier New" panose="02070309020205020404" pitchFamily="49" charset="0"/>
-              </a:rPr>
-              <a:t>onclick</a:t>
-            </a:r>
-            <a:r>
-              <a:rPr lang="en-US" dirty="0" smtClean="0">
-                <a:solidFill>
-                  <a:schemeClr val="bg1"/>
-                </a:solidFill>
-                <a:latin typeface="Courier New" panose="02070309020205020404" pitchFamily="49" charset="0"/>
-                <a:cs typeface="Courier New" panose="02070309020205020404" pitchFamily="49" charset="0"/>
-              </a:rPr>
-              <a:t>=“alert(‘Link clicked’)”&gt;Link&lt;/a&gt;</a:t>
-            </a:r>
-          </a:p>
-          <a:p>
-            <a:endParaRPr lang="en-US" dirty="0" smtClean="0">
-              <a:solidFill>
-                <a:schemeClr val="bg1"/>
-              </a:solidFill>
-              <a:latin typeface="Courier New" panose="02070309020205020404" pitchFamily="49" charset="0"/>
-              <a:cs typeface="Courier New" panose="02070309020205020404" pitchFamily="49" charset="0"/>
-            </a:endParaRPr>
-          </a:p>
-          <a:p>
-            <a:r>
-              <a:rPr lang="en-US" dirty="0">
-                <a:solidFill>
-                  <a:schemeClr val="bg1"/>
-                </a:solidFill>
-                <a:latin typeface="Courier New" panose="02070309020205020404" pitchFamily="49" charset="0"/>
-                <a:cs typeface="Courier New" panose="02070309020205020404" pitchFamily="49" charset="0"/>
-              </a:rPr>
-              <a:t>&lt;button </a:t>
-            </a:r>
-            <a:r>
-              <a:rPr lang="en-US" dirty="0" err="1" smtClean="0">
-                <a:solidFill>
-                  <a:schemeClr val="bg1"/>
-                </a:solidFill>
-                <a:latin typeface="Courier New" panose="02070309020205020404" pitchFamily="49" charset="0"/>
-                <a:cs typeface="Courier New" panose="02070309020205020404" pitchFamily="49" charset="0"/>
-              </a:rPr>
-              <a:t>onclick</a:t>
-            </a:r>
-            <a:r>
-              <a:rPr lang="en-US" dirty="0" smtClean="0">
-                <a:solidFill>
-                  <a:schemeClr val="bg1"/>
-                </a:solidFill>
-                <a:latin typeface="Courier New" panose="02070309020205020404" pitchFamily="49" charset="0"/>
-                <a:cs typeface="Courier New" panose="02070309020205020404" pitchFamily="49" charset="0"/>
-              </a:rPr>
-              <a:t>=“</a:t>
-            </a:r>
-            <a:r>
-              <a:rPr lang="en-US" dirty="0" err="1" smtClean="0">
-                <a:solidFill>
-                  <a:schemeClr val="bg1"/>
-                </a:solidFill>
-                <a:latin typeface="Courier New" panose="02070309020205020404" pitchFamily="49" charset="0"/>
-                <a:cs typeface="Courier New" panose="02070309020205020404" pitchFamily="49" charset="0"/>
-              </a:rPr>
-              <a:t>getElementById</a:t>
-            </a:r>
-            <a:r>
-              <a:rPr lang="en-US" dirty="0" smtClean="0">
-                <a:solidFill>
-                  <a:schemeClr val="bg1"/>
-                </a:solidFill>
-                <a:latin typeface="Courier New" panose="02070309020205020404" pitchFamily="49" charset="0"/>
-                <a:cs typeface="Courier New" panose="02070309020205020404" pitchFamily="49" charset="0"/>
-              </a:rPr>
-              <a:t>(‘demo’).</a:t>
-            </a:r>
-            <a:r>
-              <a:rPr lang="en-US" dirty="0" err="1">
-                <a:solidFill>
-                  <a:schemeClr val="bg1"/>
-                </a:solidFill>
-                <a:latin typeface="Courier New" panose="02070309020205020404" pitchFamily="49" charset="0"/>
-                <a:cs typeface="Courier New" panose="02070309020205020404" pitchFamily="49" charset="0"/>
-              </a:rPr>
-              <a:t>innerHTML</a:t>
-            </a:r>
-            <a:r>
-              <a:rPr lang="en-US" dirty="0">
-                <a:solidFill>
-                  <a:schemeClr val="bg1"/>
-                </a:solidFill>
-                <a:latin typeface="Courier New" panose="02070309020205020404" pitchFamily="49" charset="0"/>
-                <a:cs typeface="Courier New" panose="02070309020205020404" pitchFamily="49" charset="0"/>
-              </a:rPr>
-              <a:t>=Date</a:t>
-            </a:r>
-            <a:r>
-              <a:rPr lang="en-US" dirty="0" smtClean="0">
-                <a:solidFill>
-                  <a:schemeClr val="bg1"/>
-                </a:solidFill>
-                <a:latin typeface="Courier New" panose="02070309020205020404" pitchFamily="49" charset="0"/>
-                <a:cs typeface="Courier New" panose="02070309020205020404" pitchFamily="49" charset="0"/>
-              </a:rPr>
-              <a:t>()”&gt;</a:t>
-            </a:r>
-            <a:r>
-              <a:rPr lang="en-US" dirty="0">
-                <a:solidFill>
-                  <a:schemeClr val="bg1"/>
-                </a:solidFill>
-                <a:latin typeface="Courier New" panose="02070309020205020404" pitchFamily="49" charset="0"/>
-                <a:cs typeface="Courier New" panose="02070309020205020404" pitchFamily="49" charset="0"/>
-              </a:rPr>
-              <a:t>The time is?&lt;/button</a:t>
-            </a:r>
-            <a:r>
-              <a:rPr lang="en-US" dirty="0" smtClean="0">
-                <a:solidFill>
-                  <a:schemeClr val="bg1"/>
-                </a:solidFill>
-                <a:latin typeface="Courier New" panose="02070309020205020404" pitchFamily="49" charset="0"/>
-                <a:cs typeface="Courier New" panose="02070309020205020404" pitchFamily="49" charset="0"/>
-              </a:rPr>
-              <a:t>&gt;</a:t>
-            </a:r>
-          </a:p>
-          <a:p>
-            <a:endParaRPr lang="en-US" dirty="0" smtClean="0">
-              <a:solidFill>
-                <a:schemeClr val="bg1"/>
-              </a:solidFill>
-              <a:latin typeface="Courier New" panose="02070309020205020404" pitchFamily="49" charset="0"/>
-              <a:cs typeface="Courier New" panose="02070309020205020404" pitchFamily="49" charset="0"/>
-            </a:endParaRPr>
-          </a:p>
-          <a:p>
-            <a:r>
-              <a:rPr lang="en-US" dirty="0">
-                <a:solidFill>
-                  <a:schemeClr val="bg1"/>
-                </a:solidFill>
-                <a:latin typeface="Courier New" panose="02070309020205020404" pitchFamily="49" charset="0"/>
-                <a:cs typeface="Courier New" panose="02070309020205020404" pitchFamily="49" charset="0"/>
-              </a:rPr>
-              <a:t>&lt;body </a:t>
-            </a:r>
-            <a:r>
-              <a:rPr lang="en-US" dirty="0" err="1">
-                <a:solidFill>
-                  <a:schemeClr val="bg1"/>
-                </a:solidFill>
-                <a:latin typeface="Courier New" panose="02070309020205020404" pitchFamily="49" charset="0"/>
-                <a:cs typeface="Courier New" panose="02070309020205020404" pitchFamily="49" charset="0"/>
-              </a:rPr>
-              <a:t>onload</a:t>
-            </a:r>
-            <a:r>
-              <a:rPr lang="en-US" dirty="0">
-                <a:solidFill>
-                  <a:schemeClr val="bg1"/>
-                </a:solidFill>
-                <a:latin typeface="Courier New" panose="02070309020205020404" pitchFamily="49" charset="0"/>
-                <a:cs typeface="Courier New" panose="02070309020205020404" pitchFamily="49" charset="0"/>
-              </a:rPr>
-              <a:t>="</a:t>
-            </a:r>
-            <a:r>
-              <a:rPr lang="en-US" dirty="0" err="1">
-                <a:solidFill>
-                  <a:schemeClr val="bg1"/>
-                </a:solidFill>
-                <a:latin typeface="Courier New" panose="02070309020205020404" pitchFamily="49" charset="0"/>
-                <a:cs typeface="Courier New" panose="02070309020205020404" pitchFamily="49" charset="0"/>
-              </a:rPr>
-              <a:t>bodyOnloadHandler</a:t>
-            </a:r>
-            <a:r>
-              <a:rPr lang="en-US" dirty="0">
-                <a:solidFill>
-                  <a:schemeClr val="bg1"/>
-                </a:solidFill>
-                <a:latin typeface="Courier New" panose="02070309020205020404" pitchFamily="49" charset="0"/>
-                <a:cs typeface="Courier New" panose="02070309020205020404" pitchFamily="49" charset="0"/>
-              </a:rPr>
-              <a:t>()"&gt;</a:t>
-            </a:r>
-            <a:endParaRPr lang="bg-BG" dirty="0" smtClean="0">
-              <a:solidFill>
-                <a:schemeClr val="bg1"/>
-              </a:solidFill>
-              <a:latin typeface="Courier New" panose="02070309020205020404" pitchFamily="49" charset="0"/>
-              <a:cs typeface="Courier New" panose="02070309020205020404" pitchFamily="49" charset="0"/>
-            </a:endParaRPr>
+              </a:rPr>
+              <a:t>С помощта на </a:t>
+            </a:r>
+            <a:r>
+              <a:rPr lang="en-US" sz="2500" dirty="0" smtClean="0">
+                <a:solidFill>
+                  <a:schemeClr val="bg1"/>
+                </a:solidFill>
+              </a:rPr>
+              <a:t>JavaScript </a:t>
+            </a:r>
+            <a:r>
+              <a:rPr lang="bg-BG" sz="2500" dirty="0" smtClean="0">
+                <a:solidFill>
+                  <a:schemeClr val="bg1"/>
+                </a:solidFill>
+              </a:rPr>
+              <a:t>събитията може да:</a:t>
+            </a:r>
+          </a:p>
+          <a:p>
+            <a:pPr marL="342900" indent="-342900">
+              <a:buFontTx/>
+              <a:buChar char="-"/>
+            </a:pPr>
+            <a:r>
+              <a:rPr lang="bg-BG" sz="2500" dirty="0" smtClean="0">
+                <a:solidFill>
+                  <a:schemeClr val="bg1"/>
+                </a:solidFill>
+              </a:rPr>
+              <a:t>Проверяваме дали дадено поле е попълнено и какви са данните в него</a:t>
+            </a:r>
+          </a:p>
+          <a:p>
+            <a:pPr marL="342900" indent="-342900">
+              <a:buFontTx/>
+              <a:buChar char="-"/>
+            </a:pPr>
+            <a:r>
+              <a:rPr lang="bg-BG" sz="2500" dirty="0" smtClean="0">
+                <a:solidFill>
+                  <a:schemeClr val="bg1"/>
+                </a:solidFill>
+              </a:rPr>
+              <a:t>Извършваме някакво действие, когато страницата се зареди</a:t>
+            </a:r>
+          </a:p>
+          <a:p>
+            <a:pPr marL="342900" indent="-342900">
+              <a:buFontTx/>
+              <a:buChar char="-"/>
+            </a:pPr>
+            <a:r>
+              <a:rPr lang="bg-BG" sz="2500" dirty="0" smtClean="0">
+                <a:solidFill>
+                  <a:schemeClr val="bg1"/>
+                </a:solidFill>
+              </a:rPr>
+              <a:t>Извършваме някакво действие, когато стрницата се затвори</a:t>
+            </a:r>
+          </a:p>
+          <a:p>
+            <a:pPr marL="342900" indent="-342900">
+              <a:buFontTx/>
+              <a:buChar char="-"/>
+            </a:pPr>
+            <a:r>
+              <a:rPr lang="bg-BG" sz="2500" dirty="0" smtClean="0">
+                <a:solidFill>
+                  <a:schemeClr val="bg1"/>
+                </a:solidFill>
+              </a:rPr>
+              <a:t>Извършваме някакво действие, когато потребителят кликне върху линк</a:t>
+            </a:r>
+          </a:p>
+          <a:p>
+            <a:pPr marL="342900" indent="-342900">
+              <a:buFontTx/>
+              <a:buChar char="-"/>
+            </a:pPr>
+            <a:r>
+              <a:rPr lang="bg-BG" sz="2500" dirty="0" smtClean="0">
+                <a:solidFill>
+                  <a:schemeClr val="bg1"/>
+                </a:solidFill>
+              </a:rPr>
+              <a:t>Извикваме дефинирани функции</a:t>
+            </a:r>
+          </a:p>
+          <a:p>
+            <a:pPr marL="342900" indent="-342900">
+              <a:buFontTx/>
+              <a:buChar char="-"/>
+            </a:pPr>
+            <a:r>
+              <a:rPr lang="bg-BG" sz="2500" dirty="0" smtClean="0">
+                <a:solidFill>
+                  <a:schemeClr val="bg1"/>
+                </a:solidFill>
+              </a:rPr>
+              <a:t>Спрем действията по подразбиране на </a:t>
+            </a:r>
+            <a:r>
+              <a:rPr lang="en-US" sz="2500" dirty="0" smtClean="0">
+                <a:solidFill>
+                  <a:schemeClr val="bg1"/>
+                </a:solidFill>
+              </a:rPr>
+              <a:t>HTML </a:t>
+            </a:r>
+            <a:r>
+              <a:rPr lang="bg-BG" sz="2500" dirty="0" smtClean="0">
+                <a:solidFill>
+                  <a:schemeClr val="bg1"/>
+                </a:solidFill>
+              </a:rPr>
+              <a:t>елемент</a:t>
+            </a:r>
           </a:p>
         </p:txBody>
       </p:sp>
     </p:spTree>
     <p:extLst>
       <p:ext uri="{BB962C8B-B14F-4D97-AF65-F5344CB8AC3E}">
-        <p14:creationId xmlns:p14="http://schemas.microsoft.com/office/powerpoint/2010/main" val="2114262781"/>
+        <p14:creationId xmlns:p14="http://schemas.microsoft.com/office/powerpoint/2010/main" val="3435537964"/>
       </p:ext>
     </p:extLst>
   </p:cSld>
@@ -28458,31 +28546,7 @@
                   <a:schemeClr val="accent6"/>
                 </a:solidFill>
               </a:rPr>
-              <a:t>Е</a:t>
-            </a:r>
-            <a:r>
-              <a:rPr lang="en-US" sz="2900" dirty="0" smtClean="0">
-                <a:solidFill>
-                  <a:schemeClr val="accent6"/>
-                </a:solidFill>
-              </a:rPr>
-              <a:t>vent</a:t>
-            </a:r>
-            <a:r>
-              <a:rPr lang="bg-BG" sz="2900" dirty="0" smtClean="0">
-                <a:solidFill>
-                  <a:schemeClr val="accent6"/>
-                </a:solidFill>
-              </a:rPr>
-              <a:t> </a:t>
-            </a:r>
-            <a:r>
-              <a:rPr lang="en-US" sz="2900" dirty="0" smtClean="0">
-                <a:solidFill>
-                  <a:schemeClr val="accent6"/>
-                </a:solidFill>
-              </a:rPr>
-              <a:t>Listeners</a:t>
+              <a:t>Събития</a:t>
             </a:r>
             <a:endParaRPr lang="en-US" sz="2900" dirty="0">
               <a:solidFill>
@@ -28501,7 +28565,7 @@
         <p:spPr>
           <a:xfrm>
             <a:off x="425355" y="1491734"/>
-            <a:ext cx="8718645" cy="3893374"/>
+            <a:ext cx="8718645" cy="2139047"/>
           </a:xfrm>
           <a:prstGeom prst="rect">
             <a:avLst/>
@@ -28515,26 +28579,6 @@
           <a:lstStyle/>
           <a:p>
             <a:r>
-              <a:rPr lang="en-US" sz="2500" dirty="0" err="1" smtClean="0">
-                <a:solidFill>
-                  <a:schemeClr val="bg1"/>
-                </a:solidFill>
-                <a:latin typeface="+mj-lt"/>
-                <a:cs typeface="Courier New" panose="02070309020205020404" pitchFamily="49" charset="0"/>
-              </a:rPr>
-              <a:t>EventListener</a:t>
-            </a:r>
-            <a:r>
-              <a:rPr lang="en-US" sz="2500" dirty="0" smtClean="0">
-                <a:solidFill>
-                  <a:schemeClr val="bg1"/>
-                </a:solidFill>
-                <a:latin typeface="+mj-lt"/>
-                <a:cs typeface="Courier New" panose="02070309020205020404" pitchFamily="49" charset="0"/>
-              </a:rPr>
-              <a:t>-a </a:t>
-            </a:r>
-            <a:r>
               <a:rPr lang="bg-BG" sz="2500" dirty="0" smtClean="0">
                 <a:solidFill>
                   <a:schemeClr val="bg1"/>
@@ -28542,195 +28586,72 @@
                 <a:latin typeface="+mj-lt"/>
                 <a:cs typeface="Courier New" panose="02070309020205020404" pitchFamily="49" charset="0"/>
               </a:rPr>
-              <a:t>добавя метод за овладяване</a:t>
-            </a:r>
-            <a:r>
-              <a:rPr lang="en-US" sz="2500" dirty="0" smtClean="0">
-                <a:solidFill>
-                  <a:schemeClr val="bg1"/>
-                </a:solidFill>
-                <a:latin typeface="+mj-lt"/>
-                <a:cs typeface="Courier New" panose="02070309020205020404" pitchFamily="49" charset="0"/>
-              </a:rPr>
-              <a:t>(</a:t>
-            </a:r>
-            <a:r>
-              <a:rPr lang="bg-BG" sz="2500" dirty="0" smtClean="0">
-                <a:solidFill>
-                  <a:srgbClr val="92D050"/>
-                </a:solidFill>
-                <a:latin typeface="+mj-lt"/>
-                <a:cs typeface="Courier New" panose="02070309020205020404" pitchFamily="49" charset="0"/>
-              </a:rPr>
-              <a:t>прихващане</a:t>
-            </a:r>
-            <a:r>
-              <a:rPr lang="en-US" sz="2500" dirty="0" smtClean="0">
-                <a:solidFill>
-                  <a:schemeClr val="bg1"/>
-                </a:solidFill>
-                <a:latin typeface="+mj-lt"/>
-                <a:cs typeface="Courier New" panose="02070309020205020404" pitchFamily="49" charset="0"/>
-              </a:rPr>
-              <a:t>)</a:t>
-            </a:r>
-            <a:r>
-              <a:rPr lang="bg-BG" sz="2500" dirty="0" smtClean="0">
-                <a:solidFill>
-                  <a:schemeClr val="bg1"/>
-                </a:solidFill>
-                <a:latin typeface="+mj-lt"/>
-                <a:cs typeface="Courier New" panose="02070309020205020404" pitchFamily="49" charset="0"/>
-              </a:rPr>
-              <a:t> на събития към даден </a:t>
-            </a:r>
-            <a:r>
-              <a:rPr lang="en-US" sz="2500" dirty="0" smtClean="0">
-                <a:solidFill>
-                  <a:schemeClr val="bg1"/>
-                </a:solidFill>
-                <a:latin typeface="+mj-lt"/>
-                <a:cs typeface="Courier New" panose="02070309020205020404" pitchFamily="49" charset="0"/>
-              </a:rPr>
-              <a:t>HTML </a:t>
-            </a:r>
-            <a:r>
-              <a:rPr lang="bg-BG" sz="2500" dirty="0" smtClean="0">
-                <a:solidFill>
-                  <a:schemeClr val="bg1"/>
-                </a:solidFill>
-                <a:latin typeface="+mj-lt"/>
-                <a:cs typeface="Courier New" panose="02070309020205020404" pitchFamily="49" charset="0"/>
-              </a:rPr>
-              <a:t>елемент. Функцията за добавяне на </a:t>
-            </a:r>
-            <a:r>
-              <a:rPr lang="en-US" sz="2500" dirty="0" err="1" smtClean="0">
-                <a:solidFill>
-                  <a:schemeClr val="bg1"/>
-                </a:solidFill>
-                <a:latin typeface="+mj-lt"/>
-                <a:cs typeface="Courier New" panose="02070309020205020404" pitchFamily="49" charset="0"/>
-              </a:rPr>
-              <a:t>eventListener</a:t>
-            </a:r>
-            <a:r>
-              <a:rPr lang="en-US" sz="2500" dirty="0" smtClean="0">
-                <a:solidFill>
-                  <a:schemeClr val="bg1"/>
-                </a:solidFill>
-                <a:latin typeface="+mj-lt"/>
-                <a:cs typeface="Courier New" panose="02070309020205020404" pitchFamily="49" charset="0"/>
-              </a:rPr>
-              <a:t> </a:t>
-            </a:r>
-            <a:r>
-              <a:rPr lang="bg-BG" sz="2500" dirty="0" smtClean="0">
-                <a:solidFill>
-                  <a:schemeClr val="bg1"/>
-                </a:solidFill>
-                <a:latin typeface="+mj-lt"/>
-                <a:cs typeface="Courier New" panose="02070309020205020404" pitchFamily="49" charset="0"/>
-              </a:rPr>
-              <a:t>е </a:t>
-            </a:r>
-            <a:r>
-              <a:rPr lang="en-US" sz="2500" dirty="0" err="1" smtClean="0">
-                <a:solidFill>
-                  <a:srgbClr val="92D050"/>
-                </a:solidFill>
-                <a:latin typeface="+mj-lt"/>
-                <a:cs typeface="Courier New" panose="02070309020205020404" pitchFamily="49" charset="0"/>
-              </a:rPr>
-              <a:t>addEventListener</a:t>
-            </a:r>
-            <a:r>
-              <a:rPr lang="en-US" sz="2500" dirty="0" smtClean="0">
-                <a:solidFill>
-                  <a:srgbClr val="92D050"/>
-                </a:solidFill>
-                <a:latin typeface="+mj-lt"/>
-                <a:cs typeface="Courier New" panose="02070309020205020404" pitchFamily="49" charset="0"/>
-              </a:rPr>
-              <a:t>(). </a:t>
-            </a:r>
-          </a:p>
-          <a:p>
-            <a:r>
-              <a:rPr lang="bg-BG" sz="2500" dirty="0" smtClean="0">
-                <a:solidFill>
-                  <a:schemeClr val="bg1"/>
-                </a:solidFill>
-                <a:latin typeface="+mj-lt"/>
-                <a:cs typeface="Courier New" panose="02070309020205020404" pitchFamily="49" charset="0"/>
-              </a:rPr>
-              <a:t>Синтаксисът за добавяне на </a:t>
-            </a:r>
-            <a:r>
-              <a:rPr lang="en-US" sz="2500" dirty="0" err="1" smtClean="0">
-                <a:solidFill>
-                  <a:schemeClr val="bg1"/>
-                </a:solidFill>
-                <a:latin typeface="+mj-lt"/>
-                <a:cs typeface="Courier New" panose="02070309020205020404" pitchFamily="49" charset="0"/>
-              </a:rPr>
-              <a:t>eventListener</a:t>
-            </a:r>
-            <a:r>
-              <a:rPr lang="en-US" sz="2500" dirty="0" smtClean="0">
-                <a:solidFill>
-                  <a:schemeClr val="bg1"/>
-                </a:solidFill>
-                <a:latin typeface="+mj-lt"/>
-                <a:cs typeface="Courier New" panose="02070309020205020404" pitchFamily="49" charset="0"/>
-              </a:rPr>
-              <a:t> </a:t>
-            </a:r>
-            <a:r>
-              <a:rPr lang="bg-BG" sz="2500" dirty="0" smtClean="0">
-                <a:solidFill>
-                  <a:schemeClr val="bg1"/>
-                </a:solidFill>
-                <a:latin typeface="+mj-lt"/>
-                <a:cs typeface="Courier New" panose="02070309020205020404" pitchFamily="49" charset="0"/>
-              </a:rPr>
-              <a:t>е следният:</a:t>
-            </a:r>
-          </a:p>
-          <a:p>
-            <a:r>
-              <a:rPr lang="en-US" dirty="0" err="1">
-                <a:solidFill>
-                  <a:srgbClr val="92D050"/>
-                </a:solidFill>
-                <a:latin typeface="Courier New" panose="02070309020205020404" pitchFamily="49" charset="0"/>
-                <a:cs typeface="Courier New" panose="02070309020205020404" pitchFamily="49" charset="0"/>
-              </a:rPr>
-              <a:t>element.addEventListener</a:t>
-            </a:r>
-            <a:r>
-              <a:rPr lang="en-US" dirty="0">
-                <a:solidFill>
-                  <a:srgbClr val="92D050"/>
-                </a:solidFill>
-                <a:latin typeface="Courier New" panose="02070309020205020404" pitchFamily="49" charset="0"/>
-                <a:cs typeface="Courier New" panose="02070309020205020404" pitchFamily="49" charset="0"/>
-              </a:rPr>
-              <a:t>(event, </a:t>
-            </a:r>
+              <a:t>Няколко примера:</a:t>
+            </a:r>
+            <a:endParaRPr lang="en-US" sz="2500" dirty="0" smtClean="0">
+              <a:solidFill>
+                <a:schemeClr val="bg1"/>
+              </a:solidFill>
+              <a:latin typeface="+mj-lt"/>
+              <a:cs typeface="Courier New" panose="02070309020205020404" pitchFamily="49" charset="0"/>
+            </a:endParaRPr>
+          </a:p>
+          <a:p>
             <a:r>
               <a:rPr lang="en-US" dirty="0" smtClean="0">
                 <a:solidFill>
-                  <a:srgbClr val="92D050"/>
-                </a:solidFill>
-                <a:latin typeface="Courier New" panose="02070309020205020404" pitchFamily="49" charset="0"/>
-                <a:cs typeface="Courier New" panose="02070309020205020404" pitchFamily="49" charset="0"/>
-              </a:rPr>
-              <a:t>function);</a:t>
-            </a:r>
-            <a:endParaRPr lang="bg-BG" dirty="0" smtClean="0">
+                  <a:schemeClr val="bg1"/>
+                </a:solidFill>
+                <a:latin typeface="Courier New" panose="02070309020205020404" pitchFamily="49" charset="0"/>
+                <a:cs typeface="Courier New" panose="02070309020205020404" pitchFamily="49" charset="0"/>
+              </a:rPr>
+              <a:t>&lt;a </a:t>
+            </a:r>
+            <a:r>
+              <a:rPr lang="en-US" dirty="0" err="1" smtClean="0">
+                <a:solidFill>
+                  <a:schemeClr val="bg1"/>
+                </a:solidFill>
+                <a:latin typeface="Courier New" panose="02070309020205020404" pitchFamily="49" charset="0"/>
+                <a:cs typeface="Courier New" panose="02070309020205020404" pitchFamily="49" charset="0"/>
+              </a:rPr>
+              <a:t>href</a:t>
+            </a:r>
+            <a:r>
+              <a:rPr lang="en-US" dirty="0" smtClean="0">
+                <a:solidFill>
+                  <a:schemeClr val="bg1"/>
+                </a:solidFill>
+                <a:latin typeface="Courier New" panose="02070309020205020404" pitchFamily="49" charset="0"/>
+                <a:cs typeface="Courier New" panose="02070309020205020404" pitchFamily="49" charset="0"/>
+              </a:rPr>
+              <a:t>=“#” </a:t>
+            </a:r>
+            <a:r>
+              <a:rPr lang="en-US" dirty="0" err="1" smtClean="0">
+                <a:solidFill>
+                  <a:schemeClr val="bg1"/>
+                </a:solidFill>
+                <a:latin typeface="Courier New" panose="02070309020205020404" pitchFamily="49" charset="0"/>
+                <a:cs typeface="Courier New" panose="02070309020205020404" pitchFamily="49" charset="0"/>
+              </a:rPr>
+              <a:t>onclick</a:t>
+            </a:r>
+            <a:r>
+              <a:rPr lang="en-US" dirty="0" smtClean="0">
+                <a:solidFill>
+                  <a:schemeClr val="bg1"/>
+                </a:solidFill>
+                <a:latin typeface="Courier New" panose="02070309020205020404" pitchFamily="49" charset="0"/>
+                <a:cs typeface="Courier New" panose="02070309020205020404" pitchFamily="49" charset="0"/>
+              </a:rPr>
+              <a:t>=“alert(‘Link clicked’)”&gt;Link&lt;/a&gt;</a:t>
+            </a:r>
+          </a:p>
+          <a:p>
+            <a:endParaRPr lang="en-US" dirty="0" smtClean="0">
               <a:solidFill>
-                <a:srgbClr val="92D050"/>
+                <a:schemeClr val="bg1"/>
               </a:solidFill>
               <a:latin typeface="Courier New" panose="02070309020205020404" pitchFamily="49" charset="0"/>
               <a:cs typeface="Courier New" panose="02070309020205020404" pitchFamily="49" charset="0"/>
@@ -28738,89 +28659,15 @@
           </a:p>
           <a:p>
             <a:r>
-              <a:rPr lang="bg-BG" sz="2500" dirty="0" smtClean="0">
-                <a:solidFill>
-                  <a:schemeClr val="bg1"/>
-                </a:solidFill>
-                <a:latin typeface="+mj-lt"/>
-                <a:cs typeface="Courier New" panose="02070309020205020404" pitchFamily="49" charset="0"/>
-              </a:rPr>
-              <a:t>Пример:</a:t>
-            </a:r>
-          </a:p>
-          <a:p>
-            <a:r>
-              <a:rPr lang="bg-BG" sz="2500" dirty="0" smtClean="0">
-                <a:solidFill>
-                  <a:schemeClr val="bg1"/>
-                </a:solidFill>
-                <a:latin typeface="+mj-lt"/>
-                <a:cs typeface="Courier New" panose="02070309020205020404" pitchFamily="49" charset="0"/>
-              </a:rPr>
-              <a:t>ако имам дефиниран елемент </a:t>
-            </a:r>
-            <a:r>
-              <a:rPr lang="en-US" sz="2500" dirty="0" err="1" smtClean="0">
-                <a:solidFill>
-                  <a:schemeClr val="bg1"/>
-                </a:solidFill>
-                <a:latin typeface="+mj-lt"/>
-                <a:cs typeface="Courier New" panose="02070309020205020404" pitchFamily="49" charset="0"/>
-              </a:rPr>
-              <a:t>addRoomsLink</a:t>
-            </a:r>
-            <a:r>
-              <a:rPr lang="en-US" sz="2500" dirty="0" smtClean="0">
-                <a:solidFill>
-                  <a:schemeClr val="bg1"/>
-                </a:solidFill>
-                <a:latin typeface="+mj-lt"/>
-                <a:cs typeface="Courier New" panose="02070309020205020404" pitchFamily="49" charset="0"/>
-              </a:rPr>
-              <a:t>, </a:t>
-            </a:r>
-            <a:r>
-              <a:rPr lang="bg-BG" sz="2500" dirty="0" smtClean="0">
-                <a:solidFill>
-                  <a:schemeClr val="bg1"/>
-                </a:solidFill>
-                <a:latin typeface="+mj-lt"/>
-                <a:cs typeface="Courier New" panose="02070309020205020404" pitchFamily="49" charset="0"/>
-              </a:rPr>
-              <a:t>можем да му добавим </a:t>
-            </a:r>
-            <a:r>
-              <a:rPr lang="en-US" sz="2500" dirty="0" err="1" smtClean="0">
-                <a:solidFill>
-                  <a:schemeClr val="bg1"/>
-                </a:solidFill>
-                <a:latin typeface="+mj-lt"/>
-                <a:cs typeface="Courier New" panose="02070309020205020404" pitchFamily="49" charset="0"/>
-              </a:rPr>
-              <a:t>eventListener</a:t>
-            </a:r>
-            <a:r>
-              <a:rPr lang="en-US" sz="2500" dirty="0" smtClean="0">
-                <a:solidFill>
-                  <a:schemeClr val="bg1"/>
-                </a:solidFill>
-                <a:latin typeface="+mj-lt"/>
-                <a:cs typeface="Courier New" panose="02070309020205020404" pitchFamily="49" charset="0"/>
-              </a:rPr>
-              <a:t> </a:t>
-            </a:r>
-            <a:r>
-              <a:rPr lang="bg-BG" sz="2500" dirty="0" smtClean="0">
-                <a:solidFill>
-                  <a:schemeClr val="bg1"/>
-                </a:solidFill>
-                <a:latin typeface="+mj-lt"/>
-                <a:cs typeface="Courier New" panose="02070309020205020404" pitchFamily="49" charset="0"/>
-              </a:rPr>
-              <a:t>по следния начин:</a:t>
-            </a:r>
-          </a:p>
-          <a:p>
+              <a:rPr lang="en-US" dirty="0">
+                <a:solidFill>
+                  <a:schemeClr val="bg1"/>
+                </a:solidFill>
+                <a:latin typeface="Courier New" panose="02070309020205020404" pitchFamily="49" charset="0"/>
+                <a:cs typeface="Courier New" panose="02070309020205020404" pitchFamily="49" charset="0"/>
+              </a:rPr>
+              <a:t>&lt;button </a:t>
+            </a:r>
             <a:r>
               <a:rPr lang="en-US" dirty="0" err="1" smtClean="0">
                 <a:solidFill>
@@ -28829,7 +28676,7 @@
                 <a:latin typeface="Courier New" panose="02070309020205020404" pitchFamily="49" charset="0"/>
                 <a:cs typeface="Courier New" panose="02070309020205020404" pitchFamily="49" charset="0"/>
               </a:rPr>
-              <a:t>addRoomsLink.addEventListener</a:t>
+              <a:t>onclick</a:t>
             </a:r>
             <a:r>
               <a:rPr lang="en-US" dirty="0" smtClean="0">
@@ -28839,10 +28686,38 @@
                 <a:latin typeface="Courier New" panose="02070309020205020404" pitchFamily="49" charset="0"/>
                 <a:cs typeface="Courier New" panose="02070309020205020404" pitchFamily="49" charset="0"/>
               </a:rPr>
-              <a:t>(‘click’, function() {</a:t>
-            </a:r>
-          </a:p>
-          <a:p>
+              <a:t>=“</a:t>
+            </a:r>
+            <a:r>
+              <a:rPr lang="en-US" dirty="0" err="1" smtClean="0">
+                <a:solidFill>
+                  <a:schemeClr val="bg1"/>
+                </a:solidFill>
+                <a:latin typeface="Courier New" panose="02070309020205020404" pitchFamily="49" charset="0"/>
+                <a:cs typeface="Courier New" panose="02070309020205020404" pitchFamily="49" charset="0"/>
+              </a:rPr>
+              <a:t>getElementById</a:t>
+            </a:r>
+            <a:r>
+              <a:rPr lang="en-US" dirty="0" smtClean="0">
+                <a:solidFill>
+                  <a:schemeClr val="bg1"/>
+                </a:solidFill>
+                <a:latin typeface="Courier New" panose="02070309020205020404" pitchFamily="49" charset="0"/>
+                <a:cs typeface="Courier New" panose="02070309020205020404" pitchFamily="49" charset="0"/>
+              </a:rPr>
+              <a:t>(‘demo’).</a:t>
+            </a:r>
+            <a:r>
+              <a:rPr lang="en-US" dirty="0" err="1">
+                <a:solidFill>
+                  <a:schemeClr val="bg1"/>
+                </a:solidFill>
+                <a:latin typeface="Courier New" panose="02070309020205020404" pitchFamily="49" charset="0"/>
+                <a:cs typeface="Courier New" panose="02070309020205020404" pitchFamily="49" charset="0"/>
+              </a:rPr>
+              <a:t>innerHTML</a:t>
+            </a:r>
             <a:r>
               <a:rPr lang="en-US" dirty="0">
                 <a:solidFill>
@@ -28851,7 +28726,7 @@
                 <a:latin typeface="Courier New" panose="02070309020205020404" pitchFamily="49" charset="0"/>
                 <a:cs typeface="Courier New" panose="02070309020205020404" pitchFamily="49" charset="0"/>
               </a:rPr>
-              <a:t>	</a:t>
+              <a:t>=Date</a:t>
             </a:r>
             <a:r>
               <a:rPr lang="en-US" dirty="0" smtClean="0">
@@ -28861,10 +28736,18 @@
                 <a:latin typeface="Courier New" panose="02070309020205020404" pitchFamily="49" charset="0"/>
                 <a:cs typeface="Courier New" panose="02070309020205020404" pitchFamily="49" charset="0"/>
               </a:rPr>
-              <a:t>alert(‘Add rooms link is clicked’);</a:t>
-            </a:r>
-          </a:p>
-          <a:p>
+              <a:t>()”&gt;</a:t>
+            </a:r>
+            <a:r>
+              <a:rPr lang="en-US" dirty="0">
+                <a:solidFill>
+                  <a:schemeClr val="bg1"/>
+                </a:solidFill>
+                <a:latin typeface="Courier New" panose="02070309020205020404" pitchFamily="49" charset="0"/>
+                <a:cs typeface="Courier New" panose="02070309020205020404" pitchFamily="49" charset="0"/>
+              </a:rPr>
+              <a:t>The time is?&lt;/button</a:t>
+            </a:r>
             <a:r>
               <a:rPr lang="en-US" dirty="0" smtClean="0">
                 <a:solidFill>
@@ -28873,7 +28756,68 @@
                 <a:latin typeface="Courier New" panose="02070309020205020404" pitchFamily="49" charset="0"/>
                 <a:cs typeface="Courier New" panose="02070309020205020404" pitchFamily="49" charset="0"/>
               </a:rPr>
-              <a:t>});</a:t>
+              <a:t>&gt;</a:t>
+            </a:r>
+          </a:p>
+          <a:p>
+            <a:endParaRPr lang="en-US" dirty="0" smtClean="0">
+              <a:solidFill>
+                <a:schemeClr val="bg1"/>
+              </a:solidFill>
+              <a:latin typeface="Courier New" panose="02070309020205020404" pitchFamily="49" charset="0"/>
+              <a:cs typeface="Courier New" panose="02070309020205020404" pitchFamily="49" charset="0"/>
+            </a:endParaRPr>
+          </a:p>
+          <a:p>
+            <a:r>
+              <a:rPr lang="en-US" dirty="0">
+                <a:solidFill>
+                  <a:schemeClr val="bg1"/>
+                </a:solidFill>
+                <a:latin typeface="Courier New" panose="02070309020205020404" pitchFamily="49" charset="0"/>
+                <a:cs typeface="Courier New" panose="02070309020205020404" pitchFamily="49" charset="0"/>
+              </a:rPr>
+              <a:t>&lt;body </a:t>
+            </a:r>
+            <a:r>
+              <a:rPr lang="en-US" dirty="0" err="1">
+                <a:solidFill>
+                  <a:schemeClr val="bg1"/>
+                </a:solidFill>
+                <a:latin typeface="Courier New" panose="02070309020205020404" pitchFamily="49" charset="0"/>
+                <a:cs typeface="Courier New" panose="02070309020205020404" pitchFamily="49" charset="0"/>
+              </a:rPr>
+              <a:t>onload</a:t>
+            </a:r>
+            <a:r>
+              <a:rPr lang="en-US" dirty="0">
+                <a:solidFill>
+                  <a:schemeClr val="bg1"/>
+                </a:solidFill>
+                <a:latin typeface="Courier New" panose="02070309020205020404" pitchFamily="49" charset="0"/>
+                <a:cs typeface="Courier New" panose="02070309020205020404" pitchFamily="49" charset="0"/>
+              </a:rPr>
+              <a:t>="</a:t>
+            </a:r>
+            <a:r>
+              <a:rPr lang="en-US" dirty="0" err="1">
+                <a:solidFill>
+                  <a:schemeClr val="bg1"/>
+                </a:solidFill>
+                <a:latin typeface="Courier New" panose="02070309020205020404" pitchFamily="49" charset="0"/>
+                <a:cs typeface="Courier New" panose="02070309020205020404" pitchFamily="49" charset="0"/>
+              </a:rPr>
+              <a:t>bodyOnloadHandler</a:t>
+            </a:r>
+            <a:r>
+              <a:rPr lang="en-US" dirty="0">
+                <a:solidFill>
+                  <a:schemeClr val="bg1"/>
+                </a:solidFill>
+                <a:latin typeface="Courier New" panose="02070309020205020404" pitchFamily="49" charset="0"/>
+                <a:cs typeface="Courier New" panose="02070309020205020404" pitchFamily="49" charset="0"/>
+              </a:rPr>
+              <a:t>()"&gt;</a:t>
             </a:r>
             <a:endParaRPr lang="bg-BG" dirty="0" smtClean="0">
               <a:solidFill>
@@ -28888,7 +28832,7 @@
     </p:spTree>
     <p:extLst>
       <p:ext uri="{BB962C8B-B14F-4D97-AF65-F5344CB8AC3E}">
-        <p14:creationId xmlns:p14="http://schemas.microsoft.com/office/powerpoint/2010/main" val="2239398974"/>
+        <p14:creationId xmlns:p14="http://schemas.microsoft.com/office/powerpoint/2010/main" val="2114262781"/>
       </p:ext>
     </p:extLst>
   </p:cSld>
@@ -29018,7 +28962,7 @@
         <p:spPr>
           <a:xfrm>
             <a:off x="425355" y="1491734"/>
-            <a:ext cx="8718645" cy="2077492"/>
+            <a:ext cx="8718645" cy="3893374"/>
           </a:xfrm>
           <a:prstGeom prst="rect">
             <a:avLst/>
@@ -29032,6 +28976,26 @@
           <a:lstStyle/>
           <a:p>
             <a:r>
+              <a:rPr lang="en-US" sz="2500" dirty="0" err="1" smtClean="0">
+                <a:solidFill>
+                  <a:schemeClr val="bg1"/>
+                </a:solidFill>
+                <a:latin typeface="+mj-lt"/>
+                <a:cs typeface="Courier New" panose="02070309020205020404" pitchFamily="49" charset="0"/>
+              </a:rPr>
+              <a:t>EventListener</a:t>
+            </a:r>
+            <a:r>
+              <a:rPr lang="en-US" sz="2500" dirty="0" smtClean="0">
+                <a:solidFill>
+                  <a:schemeClr val="bg1"/>
+                </a:solidFill>
+                <a:latin typeface="+mj-lt"/>
+                <a:cs typeface="Courier New" panose="02070309020205020404" pitchFamily="49" charset="0"/>
+              </a:rPr>
+              <a:t>-a </a:t>
+            </a:r>
+            <a:r>
               <a:rPr lang="bg-BG" sz="2500" dirty="0" smtClean="0">
                 <a:solidFill>
                   <a:schemeClr val="bg1"/>
@@ -29039,7 +29003,7 @@
                 <a:latin typeface="+mj-lt"/>
                 <a:cs typeface="Courier New" panose="02070309020205020404" pitchFamily="49" charset="0"/>
               </a:rPr>
-              <a:t>Особеност на </a:t>
+              <a:t>добавя метод за овладяване</a:t>
             </a:r>
             <a:r>
               <a:rPr lang="en-US" sz="2500" dirty="0" smtClean="0">
@@ -29049,126 +29013,329 @@
                 <a:latin typeface="+mj-lt"/>
                 <a:cs typeface="Courier New" panose="02070309020205020404" pitchFamily="49" charset="0"/>
               </a:rPr>
-              <a:t>event listener</a:t>
+              <a:t>(</a:t>
             </a:r>
             <a:r>
               <a:rPr lang="bg-BG" sz="2500" dirty="0" smtClean="0">
                 <a:solidFill>
-                  <a:schemeClr val="bg1"/>
-                </a:solidFill>
-                <a:latin typeface="+mj-lt"/>
-                <a:cs typeface="Courier New" panose="02070309020205020404" pitchFamily="49" charset="0"/>
-              </a:rPr>
-              <a:t>-ите е, че няколко такива могат да се прикачат към един и същ елемент. Пример:</a:t>
-            </a:r>
-          </a:p>
-          <a:p>
-            <a:endParaRPr lang="bg-BG" sz="2500" dirty="0" smtClean="0">
+                  <a:srgbClr val="92D050"/>
+                </a:solidFill>
+                <a:latin typeface="+mj-lt"/>
+                <a:cs typeface="Courier New" panose="02070309020205020404" pitchFamily="49" charset="0"/>
+              </a:rPr>
+              <a:t>прихващане</a:t>
+            </a:r>
+            <a:r>
+              <a:rPr lang="en-US" sz="2500" dirty="0" smtClean="0">
+                <a:solidFill>
+                  <a:schemeClr val="bg1"/>
+                </a:solidFill>
+                <a:latin typeface="+mj-lt"/>
+                <a:cs typeface="Courier New" panose="02070309020205020404" pitchFamily="49" charset="0"/>
+              </a:rPr>
+              <a:t>)</a:t>
+            </a:r>
+            <a:r>
+              <a:rPr lang="bg-BG" sz="2500" dirty="0" smtClean="0">
+                <a:solidFill>
+                  <a:schemeClr val="bg1"/>
+                </a:solidFill>
+                <a:latin typeface="+mj-lt"/>
+                <a:cs typeface="Courier New" panose="02070309020205020404" pitchFamily="49" charset="0"/>
+              </a:rPr>
+              <a:t> на събития към даден </a:t>
+            </a:r>
+            <a:r>
+              <a:rPr lang="en-US" sz="2500" dirty="0" smtClean="0">
+                <a:solidFill>
+                  <a:schemeClr val="bg1"/>
+                </a:solidFill>
+                <a:latin typeface="+mj-lt"/>
+                <a:cs typeface="Courier New" panose="02070309020205020404" pitchFamily="49" charset="0"/>
+              </a:rPr>
+              <a:t>HTML </a:t>
+            </a:r>
+            <a:r>
+              <a:rPr lang="bg-BG" sz="2500" dirty="0" smtClean="0">
+                <a:solidFill>
+                  <a:schemeClr val="bg1"/>
+                </a:solidFill>
+                <a:latin typeface="+mj-lt"/>
+                <a:cs typeface="Courier New" panose="02070309020205020404" pitchFamily="49" charset="0"/>
+              </a:rPr>
+              <a:t>елемент. Функцията за добавяне на </a:t>
+            </a:r>
+            <a:r>
+              <a:rPr lang="en-US" sz="2500" dirty="0" err="1" smtClean="0">
+                <a:solidFill>
+                  <a:schemeClr val="bg1"/>
+                </a:solidFill>
+                <a:latin typeface="+mj-lt"/>
+                <a:cs typeface="Courier New" panose="02070309020205020404" pitchFamily="49" charset="0"/>
+              </a:rPr>
+              <a:t>eventListener</a:t>
+            </a:r>
+            <a:r>
+              <a:rPr lang="en-US" sz="2500" dirty="0" smtClean="0">
+                <a:solidFill>
+                  <a:schemeClr val="bg1"/>
+                </a:solidFill>
+                <a:latin typeface="+mj-lt"/>
+                <a:cs typeface="Courier New" panose="02070309020205020404" pitchFamily="49" charset="0"/>
+              </a:rPr>
+              <a:t> </a:t>
+            </a:r>
+            <a:r>
+              <a:rPr lang="bg-BG" sz="2500" dirty="0" smtClean="0">
+                <a:solidFill>
+                  <a:schemeClr val="bg1"/>
+                </a:solidFill>
+                <a:latin typeface="+mj-lt"/>
+                <a:cs typeface="Courier New" panose="02070309020205020404" pitchFamily="49" charset="0"/>
+              </a:rPr>
+              <a:t>е </a:t>
+            </a:r>
+            <a:r>
+              <a:rPr lang="en-US" sz="2500" dirty="0" err="1" smtClean="0">
+                <a:solidFill>
+                  <a:srgbClr val="92D050"/>
+                </a:solidFill>
+                <a:latin typeface="+mj-lt"/>
+                <a:cs typeface="Courier New" panose="02070309020205020404" pitchFamily="49" charset="0"/>
+              </a:rPr>
+              <a:t>addEventListener</a:t>
+            </a:r>
+            <a:r>
+              <a:rPr lang="en-US" sz="2500" dirty="0" smtClean="0">
+                <a:solidFill>
+                  <a:srgbClr val="92D050"/>
+                </a:solidFill>
+                <a:latin typeface="+mj-lt"/>
+                <a:cs typeface="Courier New" panose="02070309020205020404" pitchFamily="49" charset="0"/>
+              </a:rPr>
+              <a:t>(). </a:t>
+            </a:r>
+          </a:p>
+          <a:p>
+            <a:r>
+              <a:rPr lang="bg-BG" sz="2500" dirty="0" smtClean="0">
+                <a:solidFill>
+                  <a:schemeClr val="bg1"/>
+                </a:solidFill>
+                <a:latin typeface="+mj-lt"/>
+                <a:cs typeface="Courier New" panose="02070309020205020404" pitchFamily="49" charset="0"/>
+              </a:rPr>
+              <a:t>Синтаксисът за добавяне на </a:t>
+            </a:r>
+            <a:r>
+              <a:rPr lang="en-US" sz="2500" dirty="0" err="1" smtClean="0">
+                <a:solidFill>
+                  <a:schemeClr val="bg1"/>
+                </a:solidFill>
+                <a:latin typeface="+mj-lt"/>
+                <a:cs typeface="Courier New" panose="02070309020205020404" pitchFamily="49" charset="0"/>
+              </a:rPr>
+              <a:t>eventListener</a:t>
+            </a:r>
+            <a:r>
+              <a:rPr lang="en-US" sz="2500" dirty="0" smtClean="0">
+                <a:solidFill>
+                  <a:schemeClr val="bg1"/>
+                </a:solidFill>
+                <a:latin typeface="+mj-lt"/>
+                <a:cs typeface="Courier New" panose="02070309020205020404" pitchFamily="49" charset="0"/>
+              </a:rPr>
+              <a:t> </a:t>
+            </a:r>
+            <a:r>
+              <a:rPr lang="bg-BG" sz="2500" dirty="0" smtClean="0">
+                <a:solidFill>
+                  <a:schemeClr val="bg1"/>
+                </a:solidFill>
+                <a:latin typeface="+mj-lt"/>
+                <a:cs typeface="Courier New" panose="02070309020205020404" pitchFamily="49" charset="0"/>
+              </a:rPr>
+              <a:t>е следният:</a:t>
+            </a:r>
+          </a:p>
+          <a:p>
+            <a:r>
+              <a:rPr lang="en-US" dirty="0" err="1">
+                <a:solidFill>
+                  <a:srgbClr val="92D050"/>
+                </a:solidFill>
+                <a:latin typeface="Courier New" panose="02070309020205020404" pitchFamily="49" charset="0"/>
+                <a:cs typeface="Courier New" panose="02070309020205020404" pitchFamily="49" charset="0"/>
+              </a:rPr>
+              <a:t>element.addEventListener</a:t>
+            </a:r>
+            <a:r>
+              <a:rPr lang="en-US" dirty="0">
+                <a:solidFill>
+                  <a:srgbClr val="92D050"/>
+                </a:solidFill>
+                <a:latin typeface="Courier New" panose="02070309020205020404" pitchFamily="49" charset="0"/>
+                <a:cs typeface="Courier New" panose="02070309020205020404" pitchFamily="49" charset="0"/>
+              </a:rPr>
+              <a:t>(event, </a:t>
+            </a:r>
+            <a:r>
+              <a:rPr lang="en-US" dirty="0" smtClean="0">
+                <a:solidFill>
+                  <a:srgbClr val="92D050"/>
+                </a:solidFill>
+                <a:latin typeface="Courier New" panose="02070309020205020404" pitchFamily="49" charset="0"/>
+                <a:cs typeface="Courier New" panose="02070309020205020404" pitchFamily="49" charset="0"/>
+              </a:rPr>
+              <a:t>function);</a:t>
+            </a:r>
+            <a:endParaRPr lang="bg-BG" dirty="0" smtClean="0">
               <a:solidFill>
-                <a:schemeClr val="bg1"/>
-              </a:solidFill>
-              <a:latin typeface="+mj-lt"/>
-              <a:cs typeface="Courier New" panose="02070309020205020404" pitchFamily="49" charset="0"/>
-            </a:endParaRPr>
-          </a:p>
-          <a:p>
-            <a:r>
-              <a:rPr lang="en-US" dirty="0" err="1" smtClean="0">
-                <a:solidFill>
-                  <a:schemeClr val="bg1"/>
-                </a:solidFill>
-                <a:latin typeface="Courier New" panose="02070309020205020404" pitchFamily="49" charset="0"/>
-                <a:cs typeface="Courier New" panose="02070309020205020404" pitchFamily="49" charset="0"/>
-              </a:rPr>
-              <a:t>someElement.addEventListener</a:t>
-            </a:r>
-            <a:r>
-              <a:rPr lang="en-US" dirty="0" smtClean="0">
-                <a:solidFill>
-                  <a:schemeClr val="bg1"/>
-                </a:solidFill>
-                <a:latin typeface="Courier New" panose="02070309020205020404" pitchFamily="49" charset="0"/>
-                <a:cs typeface="Courier New" panose="02070309020205020404" pitchFamily="49" charset="0"/>
-              </a:rPr>
-              <a:t>(‘click’, </a:t>
-            </a:r>
-            <a:r>
-              <a:rPr lang="en-US" dirty="0" err="1" smtClean="0">
-                <a:solidFill>
-                  <a:schemeClr val="bg1"/>
-                </a:solidFill>
-                <a:latin typeface="Courier New" panose="02070309020205020404" pitchFamily="49" charset="0"/>
-                <a:cs typeface="Courier New" panose="02070309020205020404" pitchFamily="49" charset="0"/>
-              </a:rPr>
-              <a:t>functionClick</a:t>
-            </a:r>
-            <a:r>
-              <a:rPr lang="en-US" dirty="0" smtClean="0">
-                <a:solidFill>
-                  <a:schemeClr val="bg1"/>
-                </a:solidFill>
-                <a:latin typeface="Courier New" panose="02070309020205020404" pitchFamily="49" charset="0"/>
-                <a:cs typeface="Courier New" panose="02070309020205020404" pitchFamily="49" charset="0"/>
-              </a:rPr>
-              <a:t>());</a:t>
-            </a:r>
-            <a:endParaRPr lang="bg-BG" sz="2500" dirty="0">
-              <a:solidFill>
-                <a:schemeClr val="bg1"/>
-              </a:solidFill>
-              <a:cs typeface="Courier New" panose="02070309020205020404" pitchFamily="49" charset="0"/>
-            </a:endParaRPr>
-          </a:p>
-          <a:p>
-            <a:r>
-              <a:rPr lang="en-US" dirty="0" err="1">
-                <a:solidFill>
-                  <a:schemeClr val="bg1"/>
-                </a:solidFill>
-                <a:latin typeface="Courier New" panose="02070309020205020404" pitchFamily="49" charset="0"/>
-                <a:cs typeface="Courier New" panose="02070309020205020404" pitchFamily="49" charset="0"/>
-              </a:rPr>
-              <a:t>someElement.addEventListener</a:t>
-            </a:r>
-            <a:r>
-              <a:rPr lang="en-US" dirty="0">
-                <a:solidFill>
-                  <a:schemeClr val="bg1"/>
-                </a:solidFill>
-                <a:latin typeface="Courier New" panose="02070309020205020404" pitchFamily="49" charset="0"/>
-                <a:cs typeface="Courier New" panose="02070309020205020404" pitchFamily="49" charset="0"/>
-              </a:rPr>
-              <a:t>(‘click’, </a:t>
-            </a:r>
-            <a:r>
-              <a:rPr lang="en-US" dirty="0" err="1" smtClean="0">
-                <a:solidFill>
-                  <a:schemeClr val="bg1"/>
-                </a:solidFill>
-                <a:latin typeface="Courier New" panose="02070309020205020404" pitchFamily="49" charset="0"/>
-                <a:cs typeface="Courier New" panose="02070309020205020404" pitchFamily="49" charset="0"/>
-              </a:rPr>
-              <a:t>functionChange</a:t>
-            </a:r>
-            <a:r>
-              <a:rPr lang="en-US" dirty="0" smtClean="0">
-                <a:solidFill>
-                  <a:schemeClr val="bg1"/>
-                </a:solidFill>
-                <a:latin typeface="Courier New" panose="02070309020205020404" pitchFamily="49" charset="0"/>
-                <a:cs typeface="Courier New" panose="02070309020205020404" pitchFamily="49" charset="0"/>
-              </a:rPr>
-              <a:t>());</a:t>
-            </a:r>
-            <a:endParaRPr lang="bg-BG" dirty="0">
-              <a:solidFill>
-                <a:schemeClr val="bg1"/>
+                <a:srgbClr val="92D050"/>
               </a:solidFill>
               <a:latin typeface="Courier New" panose="02070309020205020404" pitchFamily="49" charset="0"/>
               <a:cs typeface="Courier New" panose="02070309020205020404" pitchFamily="49" charset="0"/>
             </a:endParaRPr>
           </a:p>
           <a:p>
+            <a:r>
+              <a:rPr lang="bg-BG" sz="2500" dirty="0" smtClean="0">
+                <a:solidFill>
+                  <a:schemeClr val="bg1"/>
+                </a:solidFill>
+                <a:latin typeface="+mj-lt"/>
+                <a:cs typeface="Courier New" panose="02070309020205020404" pitchFamily="49" charset="0"/>
+              </a:rPr>
+              <a:t>Пример:</a:t>
+            </a:r>
+          </a:p>
+          <a:p>
+            <a:r>
+              <a:rPr lang="bg-BG" sz="2500" dirty="0" smtClean="0">
+                <a:solidFill>
+                  <a:schemeClr val="bg1"/>
+                </a:solidFill>
+                <a:latin typeface="+mj-lt"/>
+                <a:cs typeface="Courier New" panose="02070309020205020404" pitchFamily="49" charset="0"/>
+              </a:rPr>
+              <a:t>ако имам дефиниран елемент </a:t>
+            </a:r>
+            <a:r>
+              <a:rPr lang="en-US" sz="2500" dirty="0" err="1" smtClean="0">
+                <a:solidFill>
+                  <a:schemeClr val="bg1"/>
+                </a:solidFill>
+                <a:latin typeface="+mj-lt"/>
+                <a:cs typeface="Courier New" panose="02070309020205020404" pitchFamily="49" charset="0"/>
+              </a:rPr>
+              <a:t>addRoomsLink</a:t>
+            </a:r>
+            <a:r>
+              <a:rPr lang="en-US" sz="2500" dirty="0" smtClean="0">
+                <a:solidFill>
+                  <a:schemeClr val="bg1"/>
+                </a:solidFill>
+                <a:latin typeface="+mj-lt"/>
+                <a:cs typeface="Courier New" panose="02070309020205020404" pitchFamily="49" charset="0"/>
+              </a:rPr>
+              <a:t>, </a:t>
+            </a:r>
+            <a:r>
+              <a:rPr lang="bg-BG" sz="2500" dirty="0" smtClean="0">
+                <a:solidFill>
+                  <a:schemeClr val="bg1"/>
+                </a:solidFill>
+                <a:latin typeface="+mj-lt"/>
+                <a:cs typeface="Courier New" panose="02070309020205020404" pitchFamily="49" charset="0"/>
+              </a:rPr>
+              <a:t>можем да му добавим </a:t>
+            </a:r>
+            <a:r>
+              <a:rPr lang="en-US" sz="2500" dirty="0" err="1" smtClean="0">
+                <a:solidFill>
+                  <a:schemeClr val="bg1"/>
+                </a:solidFill>
+                <a:latin typeface="+mj-lt"/>
+                <a:cs typeface="Courier New" panose="02070309020205020404" pitchFamily="49" charset="0"/>
+              </a:rPr>
+              <a:t>eventListener</a:t>
+            </a:r>
+            <a:r>
+              <a:rPr lang="en-US" sz="2500" dirty="0" smtClean="0">
+                <a:solidFill>
+                  <a:schemeClr val="bg1"/>
+                </a:solidFill>
+                <a:latin typeface="+mj-lt"/>
+                <a:cs typeface="Courier New" panose="02070309020205020404" pitchFamily="49" charset="0"/>
+              </a:rPr>
+              <a:t> </a:t>
+            </a:r>
+            <a:r>
+              <a:rPr lang="bg-BG" sz="2500" dirty="0" smtClean="0">
+                <a:solidFill>
+                  <a:schemeClr val="bg1"/>
+                </a:solidFill>
+                <a:latin typeface="+mj-lt"/>
+                <a:cs typeface="Courier New" panose="02070309020205020404" pitchFamily="49" charset="0"/>
+              </a:rPr>
+              <a:t>по следния начин:</a:t>
+            </a:r>
+          </a:p>
+          <a:p>
+            <a:r>
+              <a:rPr lang="en-US" dirty="0" err="1" smtClean="0">
+                <a:solidFill>
+                  <a:schemeClr val="bg1"/>
+                </a:solidFill>
+                <a:latin typeface="Courier New" panose="02070309020205020404" pitchFamily="49" charset="0"/>
+                <a:cs typeface="Courier New" panose="02070309020205020404" pitchFamily="49" charset="0"/>
+              </a:rPr>
+              <a:t>addRoomsLink.addEventListener</a:t>
+            </a:r>
+            <a:r>
+              <a:rPr lang="en-US" dirty="0" smtClean="0">
+                <a:solidFill>
+                  <a:schemeClr val="bg1"/>
+                </a:solidFill>
+                <a:latin typeface="Courier New" panose="02070309020205020404" pitchFamily="49" charset="0"/>
+                <a:cs typeface="Courier New" panose="02070309020205020404" pitchFamily="49" charset="0"/>
+              </a:rPr>
+              <a:t>(‘click’, function() {</a:t>
+            </a:r>
+          </a:p>
+          <a:p>
+            <a:r>
+              <a:rPr lang="en-US" dirty="0">
+                <a:solidFill>
+                  <a:schemeClr val="bg1"/>
+                </a:solidFill>
+                <a:latin typeface="Courier New" panose="02070309020205020404" pitchFamily="49" charset="0"/>
+                <a:cs typeface="Courier New" panose="02070309020205020404" pitchFamily="49" charset="0"/>
+              </a:rPr>
+              <a:t>	</a:t>
+            </a:r>
+            <a:r>
+              <a:rPr lang="en-US" dirty="0" smtClean="0">
+                <a:solidFill>
+                  <a:schemeClr val="bg1"/>
+                </a:solidFill>
+                <a:latin typeface="Courier New" panose="02070309020205020404" pitchFamily="49" charset="0"/>
+                <a:cs typeface="Courier New" panose="02070309020205020404" pitchFamily="49" charset="0"/>
+              </a:rPr>
+              <a:t>alert(‘Add rooms link is clicked’);</a:t>
+            </a:r>
+          </a:p>
+          <a:p>
+            <a:r>
+              <a:rPr lang="en-US" dirty="0" smtClean="0">
+                <a:solidFill>
+                  <a:schemeClr val="bg1"/>
+                </a:solidFill>
+                <a:latin typeface="Courier New" panose="02070309020205020404" pitchFamily="49" charset="0"/>
+                <a:cs typeface="Courier New" panose="02070309020205020404" pitchFamily="49" charset="0"/>
+              </a:rPr>
+              <a:t>});</a:t>
+            </a:r>
             <a:endParaRPr lang="bg-BG" dirty="0" smtClean="0">
               <a:solidFill>
                 <a:schemeClr val="bg1"/>
@@ -29182,7 +29349,7 @@
     </p:spTree>
     <p:extLst>
       <p:ext uri="{BB962C8B-B14F-4D97-AF65-F5344CB8AC3E}">
-        <p14:creationId xmlns:p14="http://schemas.microsoft.com/office/powerpoint/2010/main" val="2972183159"/>
+        <p14:creationId xmlns:p14="http://schemas.microsoft.com/office/powerpoint/2010/main" val="2239398974"/>
       </p:ext>
     </p:extLst>
   </p:cSld>
@@ -29312,7 +29479,7 @@
         <p:spPr>
           <a:xfrm>
             <a:off x="425355" y="1491734"/>
-            <a:ext cx="8718645" cy="3570208"/>
+            <a:ext cx="8718645" cy="2077492"/>
           </a:xfrm>
           <a:prstGeom prst="rect">
             <a:avLst/>
@@ -29333,7 +29500,7 @@
                 <a:latin typeface="+mj-lt"/>
                 <a:cs typeface="Courier New" panose="02070309020205020404" pitchFamily="49" charset="0"/>
               </a:rPr>
-              <a:t>Пример за добавяне на </a:t>
+              <a:t>Особеност на </a:t>
             </a:r>
             <a:r>
               <a:rPr lang="en-US" sz="2500" dirty="0" smtClean="0">
@@ -29343,7 +29510,7 @@
                 <a:latin typeface="+mj-lt"/>
                 <a:cs typeface="Courier New" panose="02070309020205020404" pitchFamily="49" charset="0"/>
               </a:rPr>
-              <a:t>event listener </a:t>
+              <a:t>event listener</a:t>
             </a:r>
             <a:r>
               <a:rPr lang="bg-BG" sz="2500" dirty="0" smtClean="0">
@@ -29353,48 +29520,17 @@
                 <a:latin typeface="+mj-lt"/>
                 <a:cs typeface="Courier New" panose="02070309020205020404" pitchFamily="49" charset="0"/>
               </a:rPr>
-              <a:t>за </a:t>
-            </a:r>
-            <a:r>
-              <a:rPr lang="en-US" sz="2500" dirty="0" smtClean="0">
-                <a:solidFill>
-                  <a:schemeClr val="bg1"/>
-                </a:solidFill>
-                <a:latin typeface="+mj-lt"/>
-                <a:cs typeface="Courier New" panose="02070309020205020404" pitchFamily="49" charset="0"/>
-              </a:rPr>
-              <a:t>resize </a:t>
-            </a:r>
-            <a:r>
-              <a:rPr lang="bg-BG" sz="2500" dirty="0" smtClean="0">
-                <a:solidFill>
-                  <a:schemeClr val="bg1"/>
-                </a:solidFill>
-                <a:latin typeface="+mj-lt"/>
-                <a:cs typeface="Courier New" panose="02070309020205020404" pitchFamily="49" charset="0"/>
-              </a:rPr>
-              <a:t>на </a:t>
-            </a:r>
-            <a:r>
-              <a:rPr lang="en-US" sz="2500" dirty="0" smtClean="0">
-                <a:solidFill>
-                  <a:schemeClr val="bg1"/>
-                </a:solidFill>
-                <a:latin typeface="+mj-lt"/>
-                <a:cs typeface="Courier New" panose="02070309020205020404" pitchFamily="49" charset="0"/>
-              </a:rPr>
-              <a:t>window </a:t>
-            </a:r>
-            <a:r>
-              <a:rPr lang="bg-BG" sz="2500" dirty="0" smtClean="0">
-                <a:solidFill>
-                  <a:schemeClr val="bg1"/>
-                </a:solidFill>
-                <a:latin typeface="+mj-lt"/>
-                <a:cs typeface="Courier New" panose="02070309020205020404" pitchFamily="49" charset="0"/>
-              </a:rPr>
-              <a:t>обекта:</a:t>
-            </a:r>
+              <a:t>-ите е, че няколко такива могат да се прикачат към един и същ елемент. Пример:</a:t>
+            </a:r>
+          </a:p>
+          <a:p>
+            <a:endParaRPr lang="bg-BG" sz="2500" dirty="0" smtClean="0">
+              <a:solidFill>
+                <a:schemeClr val="bg1"/>
+              </a:solidFill>
+              <a:latin typeface="+mj-lt"/>
+              <a:cs typeface="Courier New" panose="02070309020205020404" pitchFamily="49" charset="0"/>
+            </a:endParaRPr>
           </a:p>
           <a:p>
             <a:r>
@@ -29405,7 +29541,7 @@
                 <a:latin typeface="Courier New" panose="02070309020205020404" pitchFamily="49" charset="0"/>
                 <a:cs typeface="Courier New" panose="02070309020205020404" pitchFamily="49" charset="0"/>
               </a:rPr>
-              <a:t>window.addEventListener</a:t>
+              <a:t>someElement.addEventListener</a:t>
             </a:r>
             <a:r>
               <a:rPr lang="en-US" dirty="0" smtClean="0">
@@ -29415,10 +29551,46 @@
                 <a:latin typeface="Courier New" panose="02070309020205020404" pitchFamily="49" charset="0"/>
                 <a:cs typeface="Courier New" panose="02070309020205020404" pitchFamily="49" charset="0"/>
               </a:rPr>
-              <a:t>(‘resize’, function() {</a:t>
-            </a:r>
-          </a:p>
-          <a:p>
+              <a:t>(‘click’, </a:t>
+            </a:r>
+            <a:r>
+              <a:rPr lang="en-US" dirty="0" err="1" smtClean="0">
+                <a:solidFill>
+                  <a:schemeClr val="bg1"/>
+                </a:solidFill>
+                <a:latin typeface="Courier New" panose="02070309020205020404" pitchFamily="49" charset="0"/>
+                <a:cs typeface="Courier New" panose="02070309020205020404" pitchFamily="49" charset="0"/>
+              </a:rPr>
+              <a:t>functionClick</a:t>
+            </a:r>
+            <a:r>
+              <a:rPr lang="en-US" dirty="0" smtClean="0">
+                <a:solidFill>
+                  <a:schemeClr val="bg1"/>
+                </a:solidFill>
+                <a:latin typeface="Courier New" panose="02070309020205020404" pitchFamily="49" charset="0"/>
+                <a:cs typeface="Courier New" panose="02070309020205020404" pitchFamily="49" charset="0"/>
+              </a:rPr>
+              <a:t>());</a:t>
+            </a:r>
+            <a:endParaRPr lang="bg-BG" sz="2500" dirty="0">
+              <a:solidFill>
+                <a:schemeClr val="bg1"/>
+              </a:solidFill>
+              <a:cs typeface="Courier New" panose="02070309020205020404" pitchFamily="49" charset="0"/>
+            </a:endParaRPr>
+          </a:p>
+          <a:p>
+            <a:r>
+              <a:rPr lang="en-US" dirty="0" err="1">
+                <a:solidFill>
+                  <a:schemeClr val="bg1"/>
+                </a:solidFill>
+                <a:latin typeface="Courier New" panose="02070309020205020404" pitchFamily="49" charset="0"/>
+                <a:cs typeface="Courier New" panose="02070309020205020404" pitchFamily="49" charset="0"/>
+              </a:rPr>
+              <a:t>someElement.addEventListener</a:t>
+            </a:r>
             <a:r>
               <a:rPr lang="en-US" dirty="0">
                 <a:solidFill>
@@ -29427,7 +29599,17 @@
                 <a:latin typeface="Courier New" panose="02070309020205020404" pitchFamily="49" charset="0"/>
                 <a:cs typeface="Courier New" panose="02070309020205020404" pitchFamily="49" charset="0"/>
               </a:rPr>
-              <a:t>	</a:t>
+              <a:t>(‘click’, </a:t>
+            </a:r>
+            <a:r>
+              <a:rPr lang="en-US" dirty="0" err="1" smtClean="0">
+                <a:solidFill>
+                  <a:schemeClr val="bg1"/>
+                </a:solidFill>
+                <a:latin typeface="Courier New" panose="02070309020205020404" pitchFamily="49" charset="0"/>
+                <a:cs typeface="Courier New" panose="02070309020205020404" pitchFamily="49" charset="0"/>
+              </a:rPr>
+              <a:t>functionChange</a:t>
             </a:r>
             <a:r>
               <a:rPr lang="en-US" dirty="0" smtClean="0">
@@ -29437,23 +29619,9 @@
                 <a:latin typeface="Courier New" panose="02070309020205020404" pitchFamily="49" charset="0"/>
                 <a:cs typeface="Courier New" panose="02070309020205020404" pitchFamily="49" charset="0"/>
               </a:rPr>
-              <a:t>alert(‘window resized’);</a:t>
-            </a:r>
-          </a:p>
-          <a:p>
-            <a:r>
-              <a:rPr lang="en-US" dirty="0" smtClean="0">
-                <a:solidFill>
-                  <a:schemeClr val="bg1"/>
-                </a:solidFill>
-                <a:latin typeface="Courier New" panose="02070309020205020404" pitchFamily="49" charset="0"/>
-                <a:cs typeface="Courier New" panose="02070309020205020404" pitchFamily="49" charset="0"/>
-              </a:rPr>
-              <a:t>});</a:t>
-            </a:r>
-          </a:p>
-          <a:p>
-            <a:endParaRPr lang="en-US" dirty="0" smtClean="0">
+              <a:t>());</a:t>
+            </a:r>
+            <a:endParaRPr lang="bg-BG" dirty="0">
               <a:solidFill>
                 <a:schemeClr val="bg1"/>
               </a:solidFill>
@@ -29462,132 +29630,6 @@
             </a:endParaRPr>
           </a:p>
           <a:p>
-            <a:r>
-              <a:rPr lang="bg-BG" sz="2500" dirty="0" smtClean="0">
-                <a:solidFill>
-                  <a:schemeClr val="bg1"/>
-                </a:solidFill>
-                <a:latin typeface="+mj-lt"/>
-                <a:cs typeface="Courier New" panose="02070309020205020404" pitchFamily="49" charset="0"/>
-              </a:rPr>
-              <a:t>Пример за добавяне на </a:t>
-            </a:r>
-            <a:r>
-              <a:rPr lang="en-US" sz="2500" dirty="0" smtClean="0">
-                <a:solidFill>
-                  <a:schemeClr val="bg1"/>
-                </a:solidFill>
-                <a:latin typeface="+mj-lt"/>
-                <a:cs typeface="Courier New" panose="02070309020205020404" pitchFamily="49" charset="0"/>
-              </a:rPr>
-              <a:t>event listener </a:t>
-            </a:r>
-            <a:r>
-              <a:rPr lang="bg-BG" sz="2500" dirty="0" smtClean="0">
-                <a:solidFill>
-                  <a:schemeClr val="bg1"/>
-                </a:solidFill>
-                <a:latin typeface="+mj-lt"/>
-                <a:cs typeface="Courier New" panose="02070309020205020404" pitchFamily="49" charset="0"/>
-              </a:rPr>
-              <a:t>за </a:t>
-            </a:r>
-            <a:r>
-              <a:rPr lang="en-US" sz="2500" dirty="0" smtClean="0">
-                <a:solidFill>
-                  <a:schemeClr val="bg1"/>
-                </a:solidFill>
-                <a:latin typeface="+mj-lt"/>
-                <a:cs typeface="Courier New" panose="02070309020205020404" pitchFamily="49" charset="0"/>
-              </a:rPr>
-              <a:t>load </a:t>
-            </a:r>
-            <a:r>
-              <a:rPr lang="bg-BG" sz="2500" dirty="0" smtClean="0">
-                <a:solidFill>
-                  <a:schemeClr val="bg1"/>
-                </a:solidFill>
-                <a:latin typeface="+mj-lt"/>
-                <a:cs typeface="Courier New" panose="02070309020205020404" pitchFamily="49" charset="0"/>
-              </a:rPr>
-              <a:t>на </a:t>
-            </a:r>
-            <a:r>
-              <a:rPr lang="en-US" sz="2500" dirty="0" smtClean="0">
-                <a:solidFill>
-                  <a:schemeClr val="bg1"/>
-                </a:solidFill>
-                <a:latin typeface="+mj-lt"/>
-                <a:cs typeface="Courier New" panose="02070309020205020404" pitchFamily="49" charset="0"/>
-              </a:rPr>
-              <a:t>document </a:t>
-            </a:r>
-            <a:r>
-              <a:rPr lang="bg-BG" sz="2500" dirty="0" smtClean="0">
-                <a:solidFill>
-                  <a:schemeClr val="bg1"/>
-                </a:solidFill>
-                <a:latin typeface="+mj-lt"/>
-                <a:cs typeface="Courier New" panose="02070309020205020404" pitchFamily="49" charset="0"/>
-              </a:rPr>
-              <a:t>обекта:</a:t>
-            </a:r>
-          </a:p>
-          <a:p>
-            <a:r>
-              <a:rPr lang="en-US" dirty="0" err="1" smtClean="0">
-                <a:solidFill>
-                  <a:schemeClr val="bg1"/>
-                </a:solidFill>
-                <a:latin typeface="Courier New" panose="02070309020205020404" pitchFamily="49" charset="0"/>
-                <a:cs typeface="Courier New" panose="02070309020205020404" pitchFamily="49" charset="0"/>
-              </a:rPr>
-              <a:t>document.addEventListener</a:t>
-            </a:r>
-            <a:r>
-              <a:rPr lang="en-US" dirty="0" smtClean="0">
-                <a:solidFill>
-                  <a:schemeClr val="bg1"/>
-                </a:solidFill>
-                <a:latin typeface="Courier New" panose="02070309020205020404" pitchFamily="49" charset="0"/>
-                <a:cs typeface="Courier New" panose="02070309020205020404" pitchFamily="49" charset="0"/>
-              </a:rPr>
-              <a:t>(‘load’, function() {</a:t>
-            </a:r>
-          </a:p>
-          <a:p>
-            <a:r>
-              <a:rPr lang="en-US" dirty="0">
-                <a:solidFill>
-                  <a:schemeClr val="bg1"/>
-                </a:solidFill>
-                <a:latin typeface="Courier New" panose="02070309020205020404" pitchFamily="49" charset="0"/>
-                <a:cs typeface="Courier New" panose="02070309020205020404" pitchFamily="49" charset="0"/>
-              </a:rPr>
-              <a:t>	</a:t>
-            </a:r>
-            <a:r>
-              <a:rPr lang="en-US" dirty="0" smtClean="0">
-                <a:solidFill>
-                  <a:schemeClr val="bg1"/>
-                </a:solidFill>
-                <a:latin typeface="Courier New" panose="02070309020205020404" pitchFamily="49" charset="0"/>
-                <a:cs typeface="Courier New" panose="02070309020205020404" pitchFamily="49" charset="0"/>
-              </a:rPr>
-              <a:t>alert(‘document loaded’);</a:t>
-            </a:r>
-          </a:p>
-          <a:p>
-            <a:r>
-              <a:rPr lang="en-US" dirty="0" smtClean="0">
-                <a:solidFill>
-                  <a:schemeClr val="bg1"/>
-                </a:solidFill>
-                <a:latin typeface="Courier New" panose="02070309020205020404" pitchFamily="49" charset="0"/>
-                <a:cs typeface="Courier New" panose="02070309020205020404" pitchFamily="49" charset="0"/>
-              </a:rPr>
-              <a:t>});</a:t>
-            </a:r>
             <a:endParaRPr lang="bg-BG" dirty="0" smtClean="0">
               <a:solidFill>
                 <a:schemeClr val="bg1"/>
@@ -29601,7 +29643,7 @@
     </p:spTree>
     <p:extLst>
       <p:ext uri="{BB962C8B-B14F-4D97-AF65-F5344CB8AC3E}">
-        <p14:creationId xmlns:p14="http://schemas.microsoft.com/office/powerpoint/2010/main" val="3092717625"/>
+        <p14:creationId xmlns:p14="http://schemas.microsoft.com/office/powerpoint/2010/main" val="2972183159"/>
       </p:ext>
     </p:extLst>
   </p:cSld>
@@ -29683,12 +29725,20 @@
               <a:t> </a:t>
             </a:r>
             <a:r>
+              <a:rPr lang="bg-BG" sz="2900" dirty="0" smtClean="0">
+                <a:solidFill>
+                  <a:schemeClr val="accent6"/>
+                </a:solidFill>
+              </a:rPr>
+              <a:t>Е</a:t>
+            </a:r>
+            <a:r>
               <a:rPr lang="en-US" sz="2900" dirty="0" smtClean="0">
                 <a:solidFill>
                   <a:schemeClr val="accent6"/>
                 </a:solidFill>
               </a:rPr>
-              <a:t>HTML</a:t>
+              <a:t>vent</a:t>
             </a:r>
             <a:r>
               <a:rPr lang="bg-BG" sz="2900" dirty="0" smtClean="0">
@@ -29696,7 +29746,7 @@
                   <a:schemeClr val="accent6"/>
                 </a:solidFill>
               </a:rPr>
-              <a:t> и </a:t>
+              <a:t> </a:t>
             </a:r>
             <a:r>
               <a:rPr lang="en-US" sz="2900" dirty="0" smtClean="0">
@@ -29704,7 +29754,7 @@
                   <a:schemeClr val="accent6"/>
                 </a:solidFill>
               </a:rPr>
-              <a:t>CSS</a:t>
+              <a:t>Listeners</a:t>
             </a:r>
             <a:endParaRPr lang="en-US" sz="2900" dirty="0">
               <a:solidFill>
@@ -29723,7 +29773,7 @@
         <p:spPr>
           <a:xfrm>
             <a:off x="425355" y="1491734"/>
-            <a:ext cx="8718645" cy="4616648"/>
+            <a:ext cx="8718645" cy="3570208"/>
           </a:xfrm>
           <a:prstGeom prst="rect">
             <a:avLst/>
@@ -29744,7 +29794,7 @@
                 <a:latin typeface="+mj-lt"/>
                 <a:cs typeface="Courier New" panose="02070309020205020404" pitchFamily="49" charset="0"/>
               </a:rPr>
-              <a:t>С </a:t>
+              <a:t>Пример за добавяне на </a:t>
             </a:r>
             <a:r>
               <a:rPr lang="en-US" sz="2500" dirty="0" smtClean="0">
@@ -29754,7 +29804,7 @@
                 <a:latin typeface="+mj-lt"/>
                 <a:cs typeface="Courier New" panose="02070309020205020404" pitchFamily="49" charset="0"/>
               </a:rPr>
-              <a:t>JavaScript </a:t>
+              <a:t>event listener </a:t>
             </a:r>
             <a:r>
               <a:rPr lang="bg-BG" sz="2500" dirty="0" smtClean="0">
@@ -29764,7 +29814,7 @@
                 <a:latin typeface="+mj-lt"/>
                 <a:cs typeface="Courier New" panose="02070309020205020404" pitchFamily="49" charset="0"/>
               </a:rPr>
-              <a:t>може да манипулираме съдържанието и стиловете на </a:t>
+              <a:t>за </a:t>
             </a:r>
             <a:r>
               <a:rPr lang="en-US" sz="2500" dirty="0" smtClean="0">
@@ -29774,7 +29824,7 @@
                 <a:latin typeface="+mj-lt"/>
                 <a:cs typeface="Courier New" panose="02070309020205020404" pitchFamily="49" charset="0"/>
               </a:rPr>
-              <a:t>HTML </a:t>
+              <a:t>resize </a:t>
             </a:r>
             <a:r>
               <a:rPr lang="bg-BG" sz="2500" dirty="0" smtClean="0">
@@ -29784,17 +29834,18 @@
                 <a:latin typeface="+mj-lt"/>
                 <a:cs typeface="Courier New" panose="02070309020205020404" pitchFamily="49" charset="0"/>
               </a:rPr>
-              <a:t>елементите. </a:t>
-            </a:r>
-            <a:endParaRPr lang="en-US" sz="2500" dirty="0" smtClean="0">
-              <a:solidFill>
-                <a:schemeClr val="bg1"/>
-              </a:solidFill>
-              <a:latin typeface="+mj-lt"/>
-              <a:cs typeface="Courier New" panose="02070309020205020404" pitchFamily="49" charset="0"/>
-            </a:endParaRPr>
-          </a:p>
-          <a:p>
+              <a:t>на </a:t>
+            </a:r>
+            <a:r>
+              <a:rPr lang="en-US" sz="2500" dirty="0" smtClean="0">
+                <a:solidFill>
+                  <a:schemeClr val="bg1"/>
+                </a:solidFill>
+                <a:latin typeface="+mj-lt"/>
+                <a:cs typeface="Courier New" panose="02070309020205020404" pitchFamily="49" charset="0"/>
+              </a:rPr>
+              <a:t>window </a:t>
+            </a:r>
             <a:r>
               <a:rPr lang="bg-BG" sz="2500" dirty="0" smtClean="0">
                 <a:solidFill>
@@ -29803,159 +29854,51 @@
                 <a:latin typeface="+mj-lt"/>
                 <a:cs typeface="Courier New" panose="02070309020205020404" pitchFamily="49" charset="0"/>
               </a:rPr>
-              <a:t>Синтаксисът за смяна на </a:t>
-            </a:r>
-            <a:r>
-              <a:rPr lang="en-US" sz="2500" dirty="0" smtClean="0">
-                <a:solidFill>
-                  <a:schemeClr val="bg1"/>
-                </a:solidFill>
-                <a:latin typeface="+mj-lt"/>
-                <a:cs typeface="Courier New" panose="02070309020205020404" pitchFamily="49" charset="0"/>
-              </a:rPr>
-              <a:t>HTML </a:t>
-            </a:r>
-            <a:r>
-              <a:rPr lang="bg-BG" sz="2500" dirty="0" smtClean="0">
-                <a:solidFill>
-                  <a:schemeClr val="bg1"/>
-                </a:solidFill>
-                <a:latin typeface="+mj-lt"/>
-                <a:cs typeface="Courier New" panose="02070309020205020404" pitchFamily="49" charset="0"/>
-              </a:rPr>
-              <a:t>съдържание е следният:</a:t>
-            </a:r>
-          </a:p>
-          <a:p>
-            <a:r>
-              <a:rPr lang="en-US" dirty="0" err="1">
-                <a:solidFill>
-                  <a:srgbClr val="92D050"/>
-                </a:solidFill>
-                <a:latin typeface="Courier New" panose="02070309020205020404" pitchFamily="49" charset="0"/>
-                <a:cs typeface="Courier New" panose="02070309020205020404" pitchFamily="49" charset="0"/>
-              </a:rPr>
-              <a:t>document.getElementById</a:t>
-            </a:r>
+              <a:t>обекта:</a:t>
+            </a:r>
+          </a:p>
+          <a:p>
+            <a:r>
+              <a:rPr lang="en-US" dirty="0" err="1" smtClean="0">
+                <a:solidFill>
+                  <a:schemeClr val="bg1"/>
+                </a:solidFill>
+                <a:latin typeface="Courier New" panose="02070309020205020404" pitchFamily="49" charset="0"/>
+                <a:cs typeface="Courier New" panose="02070309020205020404" pitchFamily="49" charset="0"/>
+              </a:rPr>
+              <a:t>window.addEventListener</a:t>
+            </a:r>
+            <a:r>
+              <a:rPr lang="en-US" dirty="0" smtClean="0">
+                <a:solidFill>
+                  <a:schemeClr val="bg1"/>
+                </a:solidFill>
+                <a:latin typeface="Courier New" panose="02070309020205020404" pitchFamily="49" charset="0"/>
+                <a:cs typeface="Courier New" panose="02070309020205020404" pitchFamily="49" charset="0"/>
+              </a:rPr>
+              <a:t>(‘resize’, function() {</a:t>
+            </a:r>
+          </a:p>
+          <a:p>
             <a:r>
               <a:rPr lang="en-US" dirty="0">
                 <a:solidFill>
-                  <a:srgbClr val="92D050"/>
-                </a:solidFill>
-                <a:latin typeface="Courier New" panose="02070309020205020404" pitchFamily="49" charset="0"/>
-                <a:cs typeface="Courier New" panose="02070309020205020404" pitchFamily="49" charset="0"/>
-              </a:rPr>
-              <a:t>(id).</a:t>
-            </a:r>
-            <a:r>
-              <a:rPr lang="en-US" dirty="0" err="1">
-                <a:solidFill>
-                  <a:srgbClr val="92D050"/>
-                </a:solidFill>
-                <a:latin typeface="Courier New" panose="02070309020205020404" pitchFamily="49" charset="0"/>
-                <a:cs typeface="Courier New" panose="02070309020205020404" pitchFamily="49" charset="0"/>
-              </a:rPr>
-              <a:t>innerHTML</a:t>
-            </a:r>
-            <a:r>
-              <a:rPr lang="en-US" dirty="0">
-                <a:solidFill>
-                  <a:srgbClr val="92D050"/>
-                </a:solidFill>
-                <a:latin typeface="Courier New" panose="02070309020205020404" pitchFamily="49" charset="0"/>
-                <a:cs typeface="Courier New" panose="02070309020205020404" pitchFamily="49" charset="0"/>
-              </a:rPr>
-              <a:t> = new </a:t>
+                  <a:schemeClr val="bg1"/>
+                </a:solidFill>
+                <a:latin typeface="Courier New" panose="02070309020205020404" pitchFamily="49" charset="0"/>
+                <a:cs typeface="Courier New" panose="02070309020205020404" pitchFamily="49" charset="0"/>
+              </a:rPr>
+              <a:t>	</a:t>
             </a:r>
             <a:r>
               <a:rPr lang="en-US" dirty="0" smtClean="0">
                 <a:solidFill>
-                  <a:srgbClr val="92D050"/>
-                </a:solidFill>
-                <a:latin typeface="Courier New" panose="02070309020205020404" pitchFamily="49" charset="0"/>
-                <a:cs typeface="Courier New" panose="02070309020205020404" pitchFamily="49" charset="0"/>
-              </a:rPr>
-              <a:t>HTML</a:t>
-            </a:r>
-          </a:p>
-          <a:p>
-            <a:r>
-              <a:rPr lang="bg-BG" sz="2500" dirty="0" smtClean="0">
-                <a:solidFill>
-                  <a:schemeClr val="bg1"/>
-                </a:solidFill>
-                <a:latin typeface="+mj-lt"/>
-                <a:cs typeface="Courier New" panose="02070309020205020404" pitchFamily="49" charset="0"/>
-              </a:rPr>
-              <a:t>Синтаксисът за смяна на стиловете на даден елемент е следният:</a:t>
-            </a:r>
-            <a:endParaRPr lang="en-US" sz="2500" dirty="0" smtClean="0">
-              <a:solidFill>
-                <a:schemeClr val="bg1"/>
-              </a:solidFill>
-              <a:latin typeface="+mj-lt"/>
-              <a:cs typeface="Courier New" panose="02070309020205020404" pitchFamily="49" charset="0"/>
-            </a:endParaRPr>
-          </a:p>
-          <a:p>
-            <a:r>
-              <a:rPr lang="en-US" dirty="0" err="1">
-                <a:solidFill>
-                  <a:srgbClr val="92D050"/>
-                </a:solidFill>
-                <a:latin typeface="Courier New" panose="02070309020205020404" pitchFamily="49" charset="0"/>
-                <a:cs typeface="Courier New" panose="02070309020205020404" pitchFamily="49" charset="0"/>
-              </a:rPr>
-              <a:t>document.getElementById</a:t>
-            </a:r>
-            <a:r>
-              <a:rPr lang="en-US" dirty="0">
-                <a:solidFill>
-                  <a:srgbClr val="92D050"/>
-                </a:solidFill>
-                <a:latin typeface="Courier New" panose="02070309020205020404" pitchFamily="49" charset="0"/>
-                <a:cs typeface="Courier New" panose="02070309020205020404" pitchFamily="49" charset="0"/>
-              </a:rPr>
-              <a:t>(id).</a:t>
-            </a:r>
-            <a:r>
-              <a:rPr lang="en-US" dirty="0" err="1">
-                <a:solidFill>
-                  <a:srgbClr val="92D050"/>
-                </a:solidFill>
-                <a:latin typeface="Courier New" panose="02070309020205020404" pitchFamily="49" charset="0"/>
-                <a:cs typeface="Courier New" panose="02070309020205020404" pitchFamily="49" charset="0"/>
-              </a:rPr>
-              <a:t>style.property</a:t>
-            </a:r>
-            <a:r>
-              <a:rPr lang="en-US" dirty="0">
-                <a:solidFill>
-                  <a:srgbClr val="92D050"/>
-                </a:solidFill>
-                <a:latin typeface="Courier New" panose="02070309020205020404" pitchFamily="49" charset="0"/>
-                <a:cs typeface="Courier New" panose="02070309020205020404" pitchFamily="49" charset="0"/>
-              </a:rPr>
-              <a:t>=new style</a:t>
-            </a:r>
-            <a:endParaRPr lang="bg-BG" dirty="0">
-              <a:solidFill>
-                <a:srgbClr val="92D050"/>
-              </a:solidFill>
-              <a:latin typeface="Courier New" panose="02070309020205020404" pitchFamily="49" charset="0"/>
-              <a:cs typeface="Courier New" panose="02070309020205020404" pitchFamily="49" charset="0"/>
-            </a:endParaRPr>
-          </a:p>
-          <a:p>
-            <a:r>
-              <a:rPr lang="bg-BG" sz="2500" dirty="0" smtClean="0">
-                <a:solidFill>
-                  <a:schemeClr val="bg1"/>
-                </a:solidFill>
-                <a:latin typeface="+mj-lt"/>
-                <a:cs typeface="Courier New" panose="02070309020205020404" pitchFamily="49" charset="0"/>
-              </a:rPr>
-              <a:t>Пример:</a:t>
+                  <a:schemeClr val="bg1"/>
+                </a:solidFill>
+                <a:latin typeface="Courier New" panose="02070309020205020404" pitchFamily="49" charset="0"/>
+                <a:cs typeface="Courier New" panose="02070309020205020404" pitchFamily="49" charset="0"/>
+              </a:rPr>
+              <a:t>alert(‘window resized’);</a:t>
             </a:r>
           </a:p>
           <a:p>
@@ -29967,73 +29910,11 @@
                 <a:latin typeface="Courier New" panose="02070309020205020404" pitchFamily="49" charset="0"/>
                 <a:cs typeface="Courier New" panose="02070309020205020404" pitchFamily="49" charset="0"/>
               </a:rPr>
-              <a:t>var </a:t>
-            </a:r>
-            <a:r>
-              <a:rPr lang="en-US" dirty="0" err="1" smtClean="0">
-                <a:solidFill>
-                  <a:schemeClr val="bg1"/>
-                </a:solidFill>
-                <a:latin typeface="Courier New" panose="02070309020205020404" pitchFamily="49" charset="0"/>
-                <a:cs typeface="Courier New" panose="02070309020205020404" pitchFamily="49" charset="0"/>
-              </a:rPr>
-              <a:t>myText</a:t>
-            </a:r>
-            <a:r>
-              <a:rPr lang="en-US" dirty="0" smtClean="0">
-                <a:solidFill>
-                  <a:schemeClr val="bg1"/>
-                </a:solidFill>
-                <a:latin typeface="Courier New" panose="02070309020205020404" pitchFamily="49" charset="0"/>
-                <a:cs typeface="Courier New" panose="02070309020205020404" pitchFamily="49" charset="0"/>
-              </a:rPr>
-              <a:t> = </a:t>
-            </a:r>
-            <a:r>
-              <a:rPr lang="en-US" dirty="0" err="1" smtClean="0">
-                <a:solidFill>
-                  <a:schemeClr val="bg1"/>
-                </a:solidFill>
-                <a:latin typeface="Courier New" panose="02070309020205020404" pitchFamily="49" charset="0"/>
-                <a:cs typeface="Courier New" panose="02070309020205020404" pitchFamily="49" charset="0"/>
-              </a:rPr>
-              <a:t>document.getElementById</a:t>
-            </a:r>
-            <a:r>
-              <a:rPr lang="en-US" dirty="0" smtClean="0">
-                <a:solidFill>
-                  <a:schemeClr val="bg1"/>
-                </a:solidFill>
-                <a:latin typeface="Courier New" panose="02070309020205020404" pitchFamily="49" charset="0"/>
-                <a:cs typeface="Courier New" panose="02070309020205020404" pitchFamily="49" charset="0"/>
-              </a:rPr>
-              <a:t>(‘main’);</a:t>
-            </a:r>
-          </a:p>
-          <a:p>
-            <a:r>
-              <a:rPr lang="en-US" dirty="0" err="1" smtClean="0">
-                <a:solidFill>
-                  <a:schemeClr val="bg1"/>
-                </a:solidFill>
-                <a:latin typeface="Courier New" panose="02070309020205020404" pitchFamily="49" charset="0"/>
-                <a:cs typeface="Courier New" panose="02070309020205020404" pitchFamily="49" charset="0"/>
-              </a:rPr>
-              <a:t>myText.innerHTML</a:t>
-            </a:r>
-            <a:r>
-              <a:rPr lang="en-US" dirty="0" smtClean="0">
-                <a:solidFill>
-                  <a:schemeClr val="bg1"/>
-                </a:solidFill>
-                <a:latin typeface="Courier New" panose="02070309020205020404" pitchFamily="49" charset="0"/>
-                <a:cs typeface="Courier New" panose="02070309020205020404" pitchFamily="49" charset="0"/>
-              </a:rPr>
-              <a:t> = ‘This paragraph changed its content’;</a:t>
-            </a:r>
-          </a:p>
-          <a:p>
-            <a:endParaRPr lang="en-US" dirty="0">
+              <a:t>});</a:t>
+            </a:r>
+          </a:p>
+          <a:p>
+            <a:endParaRPr lang="en-US" dirty="0" smtClean="0">
               <a:solidFill>
                 <a:schemeClr val="bg1"/>
               </a:solidFill>
@@ -30043,6 +29924,88 @@
           </a:p>
           <a:p>
             <a:r>
+              <a:rPr lang="bg-BG" sz="2500" dirty="0" smtClean="0">
+                <a:solidFill>
+                  <a:schemeClr val="bg1"/>
+                </a:solidFill>
+                <a:latin typeface="+mj-lt"/>
+                <a:cs typeface="Courier New" panose="02070309020205020404" pitchFamily="49" charset="0"/>
+              </a:rPr>
+              <a:t>Пример за добавяне на </a:t>
+            </a:r>
+            <a:r>
+              <a:rPr lang="en-US" sz="2500" dirty="0" smtClean="0">
+                <a:solidFill>
+                  <a:schemeClr val="bg1"/>
+                </a:solidFill>
+                <a:latin typeface="+mj-lt"/>
+                <a:cs typeface="Courier New" panose="02070309020205020404" pitchFamily="49" charset="0"/>
+              </a:rPr>
+              <a:t>event listener </a:t>
+            </a:r>
+            <a:r>
+              <a:rPr lang="bg-BG" sz="2500" dirty="0" smtClean="0">
+                <a:solidFill>
+                  <a:schemeClr val="bg1"/>
+                </a:solidFill>
+                <a:latin typeface="+mj-lt"/>
+                <a:cs typeface="Courier New" panose="02070309020205020404" pitchFamily="49" charset="0"/>
+              </a:rPr>
+              <a:t>за </a:t>
+            </a:r>
+            <a:r>
+              <a:rPr lang="en-US" sz="2500" dirty="0" smtClean="0">
+                <a:solidFill>
+                  <a:schemeClr val="bg1"/>
+                </a:solidFill>
+                <a:latin typeface="+mj-lt"/>
+                <a:cs typeface="Courier New" panose="02070309020205020404" pitchFamily="49" charset="0"/>
+              </a:rPr>
+              <a:t>load </a:t>
+            </a:r>
+            <a:r>
+              <a:rPr lang="bg-BG" sz="2500" dirty="0" smtClean="0">
+                <a:solidFill>
+                  <a:schemeClr val="bg1"/>
+                </a:solidFill>
+                <a:latin typeface="+mj-lt"/>
+                <a:cs typeface="Courier New" panose="02070309020205020404" pitchFamily="49" charset="0"/>
+              </a:rPr>
+              <a:t>на </a:t>
+            </a:r>
+            <a:r>
+              <a:rPr lang="en-US" sz="2500" dirty="0" smtClean="0">
+                <a:solidFill>
+                  <a:schemeClr val="bg1"/>
+                </a:solidFill>
+                <a:latin typeface="+mj-lt"/>
+                <a:cs typeface="Courier New" panose="02070309020205020404" pitchFamily="49" charset="0"/>
+              </a:rPr>
+              <a:t>document </a:t>
+            </a:r>
+            <a:r>
+              <a:rPr lang="bg-BG" sz="2500" dirty="0" smtClean="0">
+                <a:solidFill>
+                  <a:schemeClr val="bg1"/>
+                </a:solidFill>
+                <a:latin typeface="+mj-lt"/>
+                <a:cs typeface="Courier New" panose="02070309020205020404" pitchFamily="49" charset="0"/>
+              </a:rPr>
+              <a:t>обекта:</a:t>
+            </a:r>
+          </a:p>
+          <a:p>
+            <a:r>
+              <a:rPr lang="en-US" dirty="0" err="1" smtClean="0">
+                <a:solidFill>
+                  <a:schemeClr val="bg1"/>
+                </a:solidFill>
+                <a:latin typeface="Courier New" panose="02070309020205020404" pitchFamily="49" charset="0"/>
+                <a:cs typeface="Courier New" panose="02070309020205020404" pitchFamily="49" charset="0"/>
+              </a:rPr>
+              <a:t>document.addEventListener</a:t>
+            </a:r>
+            <a:r>
               <a:rPr lang="en-US" dirty="0" smtClean="0">
                 <a:solidFill>
                   <a:schemeClr val="bg1"/>
@@ -30050,17 +30013,19 @@
                 <a:latin typeface="Courier New" panose="02070309020205020404" pitchFamily="49" charset="0"/>
                 <a:cs typeface="Courier New" panose="02070309020205020404" pitchFamily="49" charset="0"/>
               </a:rPr>
-              <a:t>var </a:t>
-            </a:r>
-            <a:r>
-              <a:rPr lang="en-US" dirty="0" err="1" smtClean="0">
-                <a:solidFill>
-                  <a:schemeClr val="bg1"/>
-                </a:solidFill>
-                <a:latin typeface="Courier New" panose="02070309020205020404" pitchFamily="49" charset="0"/>
-                <a:cs typeface="Courier New" panose="02070309020205020404" pitchFamily="49" charset="0"/>
-              </a:rPr>
-              <a:t>myImg</a:t>
+              <a:t>(‘load’, function() {</a:t>
+            </a:r>
+          </a:p>
+          <a:p>
+            <a:r>
+              <a:rPr lang="en-US" dirty="0">
+                <a:solidFill>
+                  <a:schemeClr val="bg1"/>
+                </a:solidFill>
+                <a:latin typeface="Courier New" panose="02070309020205020404" pitchFamily="49" charset="0"/>
+                <a:cs typeface="Courier New" panose="02070309020205020404" pitchFamily="49" charset="0"/>
+              </a:rPr>
+              <a:t>	</a:t>
             </a:r>
             <a:r>
               <a:rPr lang="en-US" dirty="0" smtClean="0">
@@ -30070,18 +30035,10 @@
                 <a:latin typeface="Courier New" panose="02070309020205020404" pitchFamily="49" charset="0"/>
                 <a:cs typeface="Courier New" panose="02070309020205020404" pitchFamily="49" charset="0"/>
               </a:rPr>
-              <a:t> = </a:t>
-            </a:r>
-            <a:r>
-              <a:rPr lang="en-US" dirty="0" err="1" smtClean="0">
-                <a:solidFill>
-                  <a:schemeClr val="bg1"/>
-                </a:solidFill>
-                <a:latin typeface="Courier New" panose="02070309020205020404" pitchFamily="49" charset="0"/>
-                <a:cs typeface="Courier New" panose="02070309020205020404" pitchFamily="49" charset="0"/>
-              </a:rPr>
-              <a:t>document.getElementByTagName</a:t>
-            </a:r>
+              <a:t>alert(‘document loaded’);</a:t>
+            </a:r>
+          </a:p>
+          <a:p>
             <a:r>
               <a:rPr lang="en-US" dirty="0" smtClean="0">
                 <a:solidFill>
@@ -30090,91 +30047,7 @@
                 <a:latin typeface="Courier New" panose="02070309020205020404" pitchFamily="49" charset="0"/>
                 <a:cs typeface="Courier New" panose="02070309020205020404" pitchFamily="49" charset="0"/>
               </a:rPr>
-              <a:t>(‘</a:t>
-            </a:r>
-            <a:r>
-              <a:rPr lang="en-US" dirty="0" err="1" smtClean="0">
-                <a:solidFill>
-                  <a:schemeClr val="bg1"/>
-                </a:solidFill>
-                <a:latin typeface="Courier New" panose="02070309020205020404" pitchFamily="49" charset="0"/>
-                <a:cs typeface="Courier New" panose="02070309020205020404" pitchFamily="49" charset="0"/>
-              </a:rPr>
-              <a:t>img</a:t>
-            </a:r>
-            <a:r>
-              <a:rPr lang="en-US" dirty="0" smtClean="0">
-                <a:solidFill>
-                  <a:schemeClr val="bg1"/>
-                </a:solidFill>
-                <a:latin typeface="Courier New" panose="02070309020205020404" pitchFamily="49" charset="0"/>
-                <a:cs typeface="Courier New" panose="02070309020205020404" pitchFamily="49" charset="0"/>
-              </a:rPr>
-              <a:t>’);</a:t>
-            </a:r>
-          </a:p>
-          <a:p>
-            <a:r>
-              <a:rPr lang="en-US" dirty="0" err="1" smtClean="0">
-                <a:solidFill>
-                  <a:schemeClr val="bg1"/>
-                </a:solidFill>
-                <a:latin typeface="Courier New" panose="02070309020205020404" pitchFamily="49" charset="0"/>
-                <a:cs typeface="Courier New" panose="02070309020205020404" pitchFamily="49" charset="0"/>
-              </a:rPr>
-              <a:t>myImg.src</a:t>
-            </a:r>
-            <a:r>
-              <a:rPr lang="en-US" dirty="0" smtClean="0">
-                <a:solidFill>
-                  <a:schemeClr val="bg1"/>
-                </a:solidFill>
-                <a:latin typeface="Courier New" panose="02070309020205020404" pitchFamily="49" charset="0"/>
-                <a:cs typeface="Courier New" panose="02070309020205020404" pitchFamily="49" charset="0"/>
-              </a:rPr>
-              <a:t> = ‘../</a:t>
-            </a:r>
-            <a:r>
-              <a:rPr lang="en-US" dirty="0" err="1" smtClean="0">
-                <a:solidFill>
-                  <a:schemeClr val="bg1"/>
-                </a:solidFill>
-                <a:latin typeface="Courier New" panose="02070309020205020404" pitchFamily="49" charset="0"/>
-                <a:cs typeface="Courier New" panose="02070309020205020404" pitchFamily="49" charset="0"/>
-              </a:rPr>
-              <a:t>img</a:t>
-            </a:r>
-            <a:r>
-              <a:rPr lang="en-US" dirty="0" smtClean="0">
-                <a:solidFill>
-                  <a:schemeClr val="bg1"/>
-                </a:solidFill>
-                <a:latin typeface="Courier New" panose="02070309020205020404" pitchFamily="49" charset="0"/>
-                <a:cs typeface="Courier New" panose="02070309020205020404" pitchFamily="49" charset="0"/>
-              </a:rPr>
-              <a:t>/background.png’;</a:t>
-            </a:r>
-          </a:p>
-          <a:p>
-            <a:r>
-              <a:rPr lang="en-US" dirty="0" err="1" smtClean="0">
-                <a:solidFill>
-                  <a:schemeClr val="bg1"/>
-                </a:solidFill>
-                <a:latin typeface="Courier New" panose="02070309020205020404" pitchFamily="49" charset="0"/>
-                <a:cs typeface="Courier New" panose="02070309020205020404" pitchFamily="49" charset="0"/>
-              </a:rPr>
-              <a:t>myImg.width</a:t>
-            </a:r>
-            <a:r>
-              <a:rPr lang="en-US" dirty="0" smtClean="0">
-                <a:solidFill>
-                  <a:schemeClr val="bg1"/>
-                </a:solidFill>
-                <a:latin typeface="Courier New" panose="02070309020205020404" pitchFamily="49" charset="0"/>
-                <a:cs typeface="Courier New" panose="02070309020205020404" pitchFamily="49" charset="0"/>
-              </a:rPr>
-              <a:t> = ‘200px’</a:t>
+              <a:t>});</a:t>
             </a:r>
             <a:endParaRPr lang="bg-BG" dirty="0" smtClean="0">
               <a:solidFill>
@@ -30189,7 +30062,7 @@
     </p:spTree>
     <p:extLst>
       <p:ext uri="{BB962C8B-B14F-4D97-AF65-F5344CB8AC3E}">
-        <p14:creationId xmlns:p14="http://schemas.microsoft.com/office/powerpoint/2010/main" val="1298404650"/>
+        <p14:creationId xmlns:p14="http://schemas.microsoft.com/office/powerpoint/2010/main" val="3092717625"/>
       </p:ext>
     </p:extLst>
   </p:cSld>
@@ -30311,7 +30184,7 @@
         <p:spPr>
           <a:xfrm>
             <a:off x="425355" y="1491734"/>
-            <a:ext cx="8718645" cy="1862048"/>
+            <a:ext cx="8718645" cy="4616648"/>
           </a:xfrm>
           <a:prstGeom prst="rect">
             <a:avLst/>
@@ -30332,6 +30205,217 @@
                 <a:latin typeface="+mj-lt"/>
                 <a:cs typeface="Courier New" panose="02070309020205020404" pitchFamily="49" charset="0"/>
               </a:rPr>
+              <a:t>С </a:t>
+            </a:r>
+            <a:r>
+              <a:rPr lang="en-US" sz="2500" dirty="0" smtClean="0">
+                <a:solidFill>
+                  <a:schemeClr val="bg1"/>
+                </a:solidFill>
+                <a:latin typeface="+mj-lt"/>
+                <a:cs typeface="Courier New" panose="02070309020205020404" pitchFamily="49" charset="0"/>
+              </a:rPr>
+              <a:t>JavaScript </a:t>
+            </a:r>
+            <a:r>
+              <a:rPr lang="bg-BG" sz="2500" dirty="0" smtClean="0">
+                <a:solidFill>
+                  <a:schemeClr val="bg1"/>
+                </a:solidFill>
+                <a:latin typeface="+mj-lt"/>
+                <a:cs typeface="Courier New" panose="02070309020205020404" pitchFamily="49" charset="0"/>
+              </a:rPr>
+              <a:t>може да манипулираме съдържанието и стиловете на </a:t>
+            </a:r>
+            <a:r>
+              <a:rPr lang="en-US" sz="2500" dirty="0" smtClean="0">
+                <a:solidFill>
+                  <a:schemeClr val="bg1"/>
+                </a:solidFill>
+                <a:latin typeface="+mj-lt"/>
+                <a:cs typeface="Courier New" panose="02070309020205020404" pitchFamily="49" charset="0"/>
+              </a:rPr>
+              <a:t>HTML </a:t>
+            </a:r>
+            <a:r>
+              <a:rPr lang="bg-BG" sz="2500" dirty="0" smtClean="0">
+                <a:solidFill>
+                  <a:schemeClr val="bg1"/>
+                </a:solidFill>
+                <a:latin typeface="+mj-lt"/>
+                <a:cs typeface="Courier New" panose="02070309020205020404" pitchFamily="49" charset="0"/>
+              </a:rPr>
+              <a:t>елементите. </a:t>
+            </a:r>
+            <a:endParaRPr lang="en-US" sz="2500" dirty="0" smtClean="0">
+              <a:solidFill>
+                <a:schemeClr val="bg1"/>
+              </a:solidFill>
+              <a:latin typeface="+mj-lt"/>
+              <a:cs typeface="Courier New" panose="02070309020205020404" pitchFamily="49" charset="0"/>
+            </a:endParaRPr>
+          </a:p>
+          <a:p>
+            <a:r>
+              <a:rPr lang="bg-BG" sz="2500" dirty="0" smtClean="0">
+                <a:solidFill>
+                  <a:schemeClr val="bg1"/>
+                </a:solidFill>
+                <a:latin typeface="+mj-lt"/>
+                <a:cs typeface="Courier New" panose="02070309020205020404" pitchFamily="49" charset="0"/>
+              </a:rPr>
+              <a:t>Синтаксисът за смяна на </a:t>
+            </a:r>
+            <a:r>
+              <a:rPr lang="en-US" sz="2500" dirty="0" smtClean="0">
+                <a:solidFill>
+                  <a:schemeClr val="bg1"/>
+                </a:solidFill>
+                <a:latin typeface="+mj-lt"/>
+                <a:cs typeface="Courier New" panose="02070309020205020404" pitchFamily="49" charset="0"/>
+              </a:rPr>
+              <a:t>HTML </a:t>
+            </a:r>
+            <a:r>
+              <a:rPr lang="bg-BG" sz="2500" dirty="0" smtClean="0">
+                <a:solidFill>
+                  <a:schemeClr val="bg1"/>
+                </a:solidFill>
+                <a:latin typeface="+mj-lt"/>
+                <a:cs typeface="Courier New" panose="02070309020205020404" pitchFamily="49" charset="0"/>
+              </a:rPr>
+              <a:t>съдържание е следният:</a:t>
+            </a:r>
+          </a:p>
+          <a:p>
+            <a:r>
+              <a:rPr lang="en-US" dirty="0" err="1">
+                <a:solidFill>
+                  <a:srgbClr val="92D050"/>
+                </a:solidFill>
+                <a:latin typeface="Courier New" panose="02070309020205020404" pitchFamily="49" charset="0"/>
+                <a:cs typeface="Courier New" panose="02070309020205020404" pitchFamily="49" charset="0"/>
+              </a:rPr>
+              <a:t>document.getElementById</a:t>
+            </a:r>
+            <a:r>
+              <a:rPr lang="en-US" dirty="0">
+                <a:solidFill>
+                  <a:srgbClr val="92D050"/>
+                </a:solidFill>
+                <a:latin typeface="Courier New" panose="02070309020205020404" pitchFamily="49" charset="0"/>
+                <a:cs typeface="Courier New" panose="02070309020205020404" pitchFamily="49" charset="0"/>
+              </a:rPr>
+              <a:t>(id).</a:t>
+            </a:r>
+            <a:r>
+              <a:rPr lang="en-US" dirty="0" err="1">
+                <a:solidFill>
+                  <a:srgbClr val="92D050"/>
+                </a:solidFill>
+                <a:latin typeface="Courier New" panose="02070309020205020404" pitchFamily="49" charset="0"/>
+                <a:cs typeface="Courier New" panose="02070309020205020404" pitchFamily="49" charset="0"/>
+              </a:rPr>
+              <a:t>innerHTML</a:t>
+            </a:r>
+            <a:r>
+              <a:rPr lang="en-US" dirty="0">
+                <a:solidFill>
+                  <a:srgbClr val="92D050"/>
+                </a:solidFill>
+                <a:latin typeface="Courier New" panose="02070309020205020404" pitchFamily="49" charset="0"/>
+                <a:cs typeface="Courier New" panose="02070309020205020404" pitchFamily="49" charset="0"/>
+              </a:rPr>
+              <a:t> = new </a:t>
+            </a:r>
+            <a:r>
+              <a:rPr lang="en-US" dirty="0" smtClean="0">
+                <a:solidFill>
+                  <a:srgbClr val="92D050"/>
+                </a:solidFill>
+                <a:latin typeface="Courier New" panose="02070309020205020404" pitchFamily="49" charset="0"/>
+                <a:cs typeface="Courier New" panose="02070309020205020404" pitchFamily="49" charset="0"/>
+              </a:rPr>
+              <a:t>HTML</a:t>
+            </a:r>
+          </a:p>
+          <a:p>
+            <a:r>
+              <a:rPr lang="bg-BG" sz="2500" dirty="0" smtClean="0">
+                <a:solidFill>
+                  <a:schemeClr val="bg1"/>
+                </a:solidFill>
+                <a:latin typeface="+mj-lt"/>
+                <a:cs typeface="Courier New" panose="02070309020205020404" pitchFamily="49" charset="0"/>
+              </a:rPr>
+              <a:t>Синтаксисът за смяна на стиловете на даден елемент е следният:</a:t>
+            </a:r>
+            <a:endParaRPr lang="en-US" sz="2500" dirty="0" smtClean="0">
+              <a:solidFill>
+                <a:schemeClr val="bg1"/>
+              </a:solidFill>
+              <a:latin typeface="+mj-lt"/>
+              <a:cs typeface="Courier New" panose="02070309020205020404" pitchFamily="49" charset="0"/>
+            </a:endParaRPr>
+          </a:p>
+          <a:p>
+            <a:r>
+              <a:rPr lang="en-US" dirty="0" err="1">
+                <a:solidFill>
+                  <a:srgbClr val="92D050"/>
+                </a:solidFill>
+                <a:latin typeface="Courier New" panose="02070309020205020404" pitchFamily="49" charset="0"/>
+                <a:cs typeface="Courier New" panose="02070309020205020404" pitchFamily="49" charset="0"/>
+              </a:rPr>
+              <a:t>document.getElementById</a:t>
+            </a:r>
+            <a:r>
+              <a:rPr lang="en-US" dirty="0">
+                <a:solidFill>
+                  <a:srgbClr val="92D050"/>
+                </a:solidFill>
+                <a:latin typeface="Courier New" panose="02070309020205020404" pitchFamily="49" charset="0"/>
+                <a:cs typeface="Courier New" panose="02070309020205020404" pitchFamily="49" charset="0"/>
+              </a:rPr>
+              <a:t>(id).</a:t>
+            </a:r>
+            <a:r>
+              <a:rPr lang="en-US" dirty="0" err="1">
+                <a:solidFill>
+                  <a:srgbClr val="92D050"/>
+                </a:solidFill>
+                <a:latin typeface="Courier New" panose="02070309020205020404" pitchFamily="49" charset="0"/>
+                <a:cs typeface="Courier New" panose="02070309020205020404" pitchFamily="49" charset="0"/>
+              </a:rPr>
+              <a:t>style.property</a:t>
+            </a:r>
+            <a:r>
+              <a:rPr lang="en-US" dirty="0">
+                <a:solidFill>
+                  <a:srgbClr val="92D050"/>
+                </a:solidFill>
+                <a:latin typeface="Courier New" panose="02070309020205020404" pitchFamily="49" charset="0"/>
+                <a:cs typeface="Courier New" panose="02070309020205020404" pitchFamily="49" charset="0"/>
+              </a:rPr>
+              <a:t>=new style</a:t>
+            </a:r>
+            <a:endParaRPr lang="bg-BG" dirty="0">
+              <a:solidFill>
+                <a:srgbClr val="92D050"/>
+              </a:solidFill>
+              <a:latin typeface="Courier New" panose="02070309020205020404" pitchFamily="49" charset="0"/>
+              <a:cs typeface="Courier New" panose="02070309020205020404" pitchFamily="49" charset="0"/>
+            </a:endParaRPr>
+          </a:p>
+          <a:p>
+            <a:r>
+              <a:rPr lang="bg-BG" sz="2500" dirty="0" smtClean="0">
+                <a:solidFill>
+                  <a:schemeClr val="bg1"/>
+                </a:solidFill>
+                <a:latin typeface="+mj-lt"/>
+                <a:cs typeface="Courier New" panose="02070309020205020404" pitchFamily="49" charset="0"/>
+              </a:rPr>
               <a:t>Пример:</a:t>
             </a:r>
           </a:p>
@@ -30354,7 +30438,7 @@
                 <a:latin typeface="Courier New" panose="02070309020205020404" pitchFamily="49" charset="0"/>
                 <a:cs typeface="Courier New" panose="02070309020205020404" pitchFamily="49" charset="0"/>
               </a:rPr>
-              <a:t>myDiv</a:t>
+              <a:t>myText</a:t>
             </a:r>
             <a:r>
               <a:rPr lang="en-US" dirty="0" smtClean="0">
@@ -30384,7 +30468,7 @@
                 <a:latin typeface="Courier New" panose="02070309020205020404" pitchFamily="49" charset="0"/>
                 <a:cs typeface="Courier New" panose="02070309020205020404" pitchFamily="49" charset="0"/>
               </a:rPr>
-              <a:t>(“main”);</a:t>
+              <a:t>(‘main’);</a:t>
             </a:r>
           </a:p>
           <a:p>
@@ -30396,7 +30480,7 @@
                 <a:latin typeface="Courier New" panose="02070309020205020404" pitchFamily="49" charset="0"/>
                 <a:cs typeface="Courier New" panose="02070309020205020404" pitchFamily="49" charset="0"/>
               </a:rPr>
-              <a:t>myDiv.style.background</a:t>
+              <a:t>myText.innerHTML</a:t>
             </a:r>
             <a:r>
               <a:rPr lang="en-US" dirty="0" smtClean="0">
@@ -30406,7 +30490,7 @@
                 <a:latin typeface="Courier New" panose="02070309020205020404" pitchFamily="49" charset="0"/>
                 <a:cs typeface="Courier New" panose="02070309020205020404" pitchFamily="49" charset="0"/>
               </a:rPr>
-              <a:t> = “red”;</a:t>
+              <a:t> = ‘This paragraph changed its content’;</a:t>
             </a:r>
           </a:p>
           <a:p>
@@ -30420,16 +30504,6 @@
           </a:p>
           <a:p>
             <a:r>
-              <a:rPr lang="en-US" dirty="0">
-                <a:solidFill>
-                  <a:schemeClr val="bg1"/>
-                </a:solidFill>
-                <a:latin typeface="Courier New" panose="02070309020205020404" pitchFamily="49" charset="0"/>
-                <a:cs typeface="Courier New" panose="02070309020205020404" pitchFamily="49" charset="0"/>
-              </a:rPr>
-              <a:t>v</a:t>
-            </a:r>
-            <a:r>
               <a:rPr lang="en-US" dirty="0" smtClean="0">
                 <a:solidFill>
                   <a:schemeClr val="bg1"/>
@@ -30437,7 +30511,7 @@
                 <a:latin typeface="Courier New" panose="02070309020205020404" pitchFamily="49" charset="0"/>
                 <a:cs typeface="Courier New" panose="02070309020205020404" pitchFamily="49" charset="0"/>
               </a:rPr>
-              <a:t>ar </a:t>
+              <a:t>var </a:t>
             </a:r>
             <a:r>
               <a:rPr lang="en-US" dirty="0" err="1" smtClean="0">
@@ -30447,7 +30521,7 @@
                 <a:latin typeface="Courier New" panose="02070309020205020404" pitchFamily="49" charset="0"/>
                 <a:cs typeface="Courier New" panose="02070309020205020404" pitchFamily="49" charset="0"/>
               </a:rPr>
-              <a:t>myParagraph</a:t>
+              <a:t>myImg</a:t>
             </a:r>
             <a:r>
               <a:rPr lang="en-US" dirty="0" smtClean="0">
@@ -30467,7 +30541,7 @@
                 <a:latin typeface="Courier New" panose="02070309020205020404" pitchFamily="49" charset="0"/>
                 <a:cs typeface="Courier New" panose="02070309020205020404" pitchFamily="49" charset="0"/>
               </a:rPr>
-              <a:t>document.querySelectorAll</a:t>
+              <a:t>document.getElementByTagName</a:t>
             </a:r>
             <a:r>
               <a:rPr lang="en-US" dirty="0" smtClean="0">
@@ -30477,10 +30551,8 @@
                 <a:latin typeface="Courier New" panose="02070309020205020404" pitchFamily="49" charset="0"/>
                 <a:cs typeface="Courier New" panose="02070309020205020404" pitchFamily="49" charset="0"/>
               </a:rPr>
-              <a:t>(‘p’);</a:t>
-            </a:r>
-          </a:p>
-          <a:p>
+              <a:t>(‘</a:t>
+            </a:r>
             <a:r>
               <a:rPr lang="en-US" dirty="0" err="1" smtClean="0">
                 <a:solidFill>
@@ -30489,7 +30561,7 @@
                 <a:latin typeface="Courier New" panose="02070309020205020404" pitchFamily="49" charset="0"/>
                 <a:cs typeface="Courier New" panose="02070309020205020404" pitchFamily="49" charset="0"/>
               </a:rPr>
-              <a:t>myParagraph.style.fontSize</a:t>
+              <a:t>img</a:t>
             </a:r>
             <a:r>
               <a:rPr lang="en-US" dirty="0" smtClean="0">
@@ -30499,7 +30571,71 @@
                 <a:latin typeface="Courier New" panose="02070309020205020404" pitchFamily="49" charset="0"/>
                 <a:cs typeface="Courier New" panose="02070309020205020404" pitchFamily="49" charset="0"/>
               </a:rPr>
-              <a:t> = “24px”;</a:t>
+              <a:t>’);</a:t>
+            </a:r>
+          </a:p>
+          <a:p>
+            <a:r>
+              <a:rPr lang="en-US" dirty="0" err="1" smtClean="0">
+                <a:solidFill>
+                  <a:schemeClr val="bg1"/>
+                </a:solidFill>
+                <a:latin typeface="Courier New" panose="02070309020205020404" pitchFamily="49" charset="0"/>
+                <a:cs typeface="Courier New" panose="02070309020205020404" pitchFamily="49" charset="0"/>
+              </a:rPr>
+              <a:t>myImg.src</a:t>
+            </a:r>
+            <a:r>
+              <a:rPr lang="en-US" dirty="0" smtClean="0">
+                <a:solidFill>
+                  <a:schemeClr val="bg1"/>
+                </a:solidFill>
+                <a:latin typeface="Courier New" panose="02070309020205020404" pitchFamily="49" charset="0"/>
+                <a:cs typeface="Courier New" panose="02070309020205020404" pitchFamily="49" charset="0"/>
+              </a:rPr>
+              <a:t> = ‘../</a:t>
+            </a:r>
+            <a:r>
+              <a:rPr lang="en-US" dirty="0" err="1" smtClean="0">
+                <a:solidFill>
+                  <a:schemeClr val="bg1"/>
+                </a:solidFill>
+                <a:latin typeface="Courier New" panose="02070309020205020404" pitchFamily="49" charset="0"/>
+                <a:cs typeface="Courier New" panose="02070309020205020404" pitchFamily="49" charset="0"/>
+              </a:rPr>
+              <a:t>img</a:t>
+            </a:r>
+            <a:r>
+              <a:rPr lang="en-US" dirty="0" smtClean="0">
+                <a:solidFill>
+                  <a:schemeClr val="bg1"/>
+                </a:solidFill>
+                <a:latin typeface="Courier New" panose="02070309020205020404" pitchFamily="49" charset="0"/>
+                <a:cs typeface="Courier New" panose="02070309020205020404" pitchFamily="49" charset="0"/>
+              </a:rPr>
+              <a:t>/background.png’;</a:t>
+            </a:r>
+          </a:p>
+          <a:p>
+            <a:r>
+              <a:rPr lang="en-US" dirty="0" err="1" smtClean="0">
+                <a:solidFill>
+                  <a:schemeClr val="bg1"/>
+                </a:solidFill>
+                <a:latin typeface="Courier New" panose="02070309020205020404" pitchFamily="49" charset="0"/>
+                <a:cs typeface="Courier New" panose="02070309020205020404" pitchFamily="49" charset="0"/>
+              </a:rPr>
+              <a:t>myImg.width</a:t>
+            </a:r>
+            <a:r>
+              <a:rPr lang="en-US" dirty="0" smtClean="0">
+                <a:solidFill>
+                  <a:schemeClr val="bg1"/>
+                </a:solidFill>
+                <a:latin typeface="Courier New" panose="02070309020205020404" pitchFamily="49" charset="0"/>
+                <a:cs typeface="Courier New" panose="02070309020205020404" pitchFamily="49" charset="0"/>
+              </a:rPr>
+              <a:t> = ‘200px’</a:t>
             </a:r>
             <a:endParaRPr lang="bg-BG" dirty="0" smtClean="0">
               <a:solidFill>
@@ -30514,7 +30650,7 @@
     </p:spTree>
     <p:extLst>
       <p:ext uri="{BB962C8B-B14F-4D97-AF65-F5344CB8AC3E}">
-        <p14:creationId xmlns:p14="http://schemas.microsoft.com/office/powerpoint/2010/main" val="2750441399"/>
+        <p14:creationId xmlns:p14="http://schemas.microsoft.com/office/powerpoint/2010/main" val="1298404650"/>
       </p:ext>
     </p:extLst>
   </p:cSld>
@@ -30560,45 +30696,8 @@
         </p:nvSpPr>
         <p:spPr>
           <a:xfrm>
-            <a:off x="838200" y="685800"/>
+            <a:off x="457200" y="533400"/>
             <a:ext cx="8229600" cy="1143000"/>
-          </a:xfrm>
-        </p:spPr>
-        <p:txBody>
-          <a:bodyPr/>
-          <a:lstStyle/>
-          <a:p>
-            <a:pPr algn="l"/>
-            <a:r>
-              <a:rPr lang="bg-BG" dirty="0" smtClean="0">
-                <a:solidFill>
-                  <a:schemeClr val="accent6"/>
-                </a:solidFill>
-              </a:rPr>
-              <a:t>Въпроси</a:t>
-            </a:r>
-            <a:endParaRPr lang="bg-BG" dirty="0">
-              <a:solidFill>
-                <a:schemeClr val="accent6"/>
-              </a:solidFill>
-            </a:endParaRPr>
-          </a:p>
-        </p:txBody>
-      </p:sp>
-      <p:sp>
-        <p:nvSpPr>
-          <p:cNvPr id="3" name="Content Placeholder 2"/>
-          <p:cNvSpPr>
-            <a:spLocks noGrp="1"/>
-          </p:cNvSpPr>
-          <p:nvPr>
-            <p:ph idx="1"/>
-          </p:nvPr>
-        </p:nvSpPr>
-        <p:spPr>
-          <a:xfrm>
-            <a:off x="762000" y="1676400"/>
-            <a:ext cx="7620000" cy="4525963"/>
           </a:xfrm>
         </p:spPr>
         <p:txBody>
@@ -30607,104 +30706,276 @@
           </a:bodyPr>
           <a:lstStyle/>
           <a:p>
-            <a:pPr>
-              <a:buFont typeface="Wingdings" panose="05000000000000000000" pitchFamily="2" charset="2"/>
-              <a:buChar char="§"/>
-            </a:pPr>
-            <a:endParaRPr lang="en-US" dirty="0">
+            <a:pPr algn="l"/>
+            <a:r>
+              <a:rPr lang="en-US" sz="2900" dirty="0" smtClean="0">
+                <a:solidFill>
+                  <a:schemeClr val="accent6"/>
+                </a:solidFill>
+              </a:rPr>
+              <a:t>JavaScript</a:t>
+            </a:r>
+            <a:r>
+              <a:rPr lang="bg-BG" sz="2900" dirty="0" smtClean="0">
+                <a:solidFill>
+                  <a:schemeClr val="accent6"/>
+                </a:solidFill>
+              </a:rPr>
+              <a:t> –</a:t>
+            </a:r>
+            <a:r>
+              <a:rPr lang="en-US" sz="2900" dirty="0">
+                <a:solidFill>
+                  <a:schemeClr val="accent6"/>
+                </a:solidFill>
+              </a:rPr>
+              <a:t> </a:t>
+            </a:r>
+            <a:r>
+              <a:rPr lang="en-US" sz="2900" dirty="0" smtClean="0">
+                <a:solidFill>
+                  <a:schemeClr val="accent6"/>
+                </a:solidFill>
+              </a:rPr>
+              <a:t>HTML</a:t>
+            </a:r>
+            <a:r>
+              <a:rPr lang="bg-BG" sz="2900" dirty="0" smtClean="0">
+                <a:solidFill>
+                  <a:schemeClr val="accent6"/>
+                </a:solidFill>
+              </a:rPr>
+              <a:t> и </a:t>
+            </a:r>
+            <a:r>
+              <a:rPr lang="en-US" sz="2900" dirty="0" smtClean="0">
+                <a:solidFill>
+                  <a:schemeClr val="accent6"/>
+                </a:solidFill>
+              </a:rPr>
+              <a:t>CSS</a:t>
+            </a:r>
+            <a:endParaRPr lang="en-US" sz="2900" dirty="0">
               <a:solidFill>
-                <a:schemeClr val="bg1">
-                  <a:lumMod val="95000"/>
-                </a:schemeClr>
+                <a:schemeClr val="accent6"/>
               </a:solidFill>
             </a:endParaRPr>
           </a:p>
-          <a:p>
-            <a:pPr>
-              <a:buFont typeface="Wingdings" panose="05000000000000000000" pitchFamily="2" charset="2"/>
-              <a:buChar char="§"/>
-            </a:pPr>
-            <a:endParaRPr lang="en-US" dirty="0">
-              <a:solidFill>
-                <a:schemeClr val="bg1">
-                  <a:lumMod val="95000"/>
-                </a:schemeClr>
-              </a:solidFill>
-            </a:endParaRPr>
-          </a:p>
-          <a:p>
-            <a:pPr>
-              <a:buFont typeface="Wingdings" panose="05000000000000000000" pitchFamily="2" charset="2"/>
-              <a:buChar char="§"/>
-            </a:pPr>
-            <a:endParaRPr lang="en-US" dirty="0">
-              <a:solidFill>
-                <a:schemeClr val="bg1">
-                  <a:lumMod val="95000"/>
-                </a:schemeClr>
-              </a:solidFill>
-            </a:endParaRPr>
-          </a:p>
-          <a:p>
-            <a:pPr>
-              <a:buFont typeface="Wingdings" panose="05000000000000000000" pitchFamily="2" charset="2"/>
-              <a:buChar char="§"/>
-            </a:pPr>
-            <a:endParaRPr lang="en-US" dirty="0">
-              <a:solidFill>
-                <a:schemeClr val="bg1">
-                  <a:lumMod val="95000"/>
-                </a:schemeClr>
-              </a:solidFill>
-            </a:endParaRPr>
-          </a:p>
         </p:txBody>
       </p:sp>
-      <p:pic>
-        <p:nvPicPr>
-          <p:cNvPr id="1027" name="Picture 3" descr="C:\Users\Lazar\Desktop\01-red-question-mark1.jpg"/>
-          <p:cNvPicPr>
-            <a:picLocks noChangeAspect="1" noChangeArrowheads="1"/>
-          </p:cNvPicPr>
+      <p:sp>
+        <p:nvSpPr>
+          <p:cNvPr id="6" name="TextBox 5"/>
+          <p:cNvSpPr txBox="1"/>
           <p:nvPr/>
-        </p:nvPicPr>
-        <p:blipFill>
-          <a:blip r:embed="rId2" cstate="print">
-            <a:extLst>
-              <a:ext uri="{28A0092B-C50C-407E-A947-70E740481C1C}">
-                <a14:useLocalDpi xmlns:a14="http://schemas.microsoft.com/office/drawing/2010/main" val="0"/>
-              </a:ext>
-            </a:extLst>
-          </a:blip>
-          <a:srcRect/>
-          <a:stretch>
-            <a:fillRect/>
-          </a:stretch>
-        </p:blipFill>
-        <p:spPr bwMode="auto">
+        </p:nvSpPr>
+        <p:spPr>
           <a:xfrm>
-            <a:off x="3505200" y="2057400"/>
-            <a:ext cx="2419082" cy="2419082"/>
+            <a:off x="425355" y="1491734"/>
+            <a:ext cx="8718645" cy="1862048"/>
           </a:xfrm>
           <a:prstGeom prst="rect">
             <a:avLst/>
           </a:prstGeom>
           <a:noFill/>
-          <a:extLst>
-            <a:ext uri="{909E8E84-426E-40DD-AFC4-6F175D3DCCD1}">
-              <a14:hiddenFill xmlns:a14="http://schemas.microsoft.com/office/drawing/2010/main">
-                <a:solidFill>
-                  <a:srgbClr val="FFFFFF"/>
-                </a:solidFill>
-              </a14:hiddenFill>
-            </a:ext>
-          </a:extLst>
         </p:spPr>
-      </p:pic>
+        <p:txBody>
+          <a:bodyPr wrap="square" rtlCol="0">
+            <a:spAutoFit/>
+          </a:bodyPr>
+          <a:lstStyle/>
+          <a:p>
+            <a:r>
+              <a:rPr lang="bg-BG" sz="2500" dirty="0" smtClean="0">
+                <a:solidFill>
+                  <a:schemeClr val="bg1"/>
+                </a:solidFill>
+                <a:latin typeface="+mj-lt"/>
+                <a:cs typeface="Courier New" panose="02070309020205020404" pitchFamily="49" charset="0"/>
+              </a:rPr>
+              <a:t>Пример:</a:t>
+            </a:r>
+          </a:p>
+          <a:p>
+            <a:r>
+              <a:rPr lang="en-US" dirty="0" smtClean="0">
+                <a:solidFill>
+                  <a:schemeClr val="bg1"/>
+                </a:solidFill>
+                <a:latin typeface="Courier New" panose="02070309020205020404" pitchFamily="49" charset="0"/>
+                <a:cs typeface="Courier New" panose="02070309020205020404" pitchFamily="49" charset="0"/>
+              </a:rPr>
+              <a:t>var </a:t>
+            </a:r>
+            <a:r>
+              <a:rPr lang="en-US" dirty="0" err="1" smtClean="0">
+                <a:solidFill>
+                  <a:schemeClr val="bg1"/>
+                </a:solidFill>
+                <a:latin typeface="Courier New" panose="02070309020205020404" pitchFamily="49" charset="0"/>
+                <a:cs typeface="Courier New" panose="02070309020205020404" pitchFamily="49" charset="0"/>
+              </a:rPr>
+              <a:t>myDiv</a:t>
+            </a:r>
+            <a:r>
+              <a:rPr lang="en-US" dirty="0" smtClean="0">
+                <a:solidFill>
+                  <a:schemeClr val="bg1"/>
+                </a:solidFill>
+                <a:latin typeface="Courier New" panose="02070309020205020404" pitchFamily="49" charset="0"/>
+                <a:cs typeface="Courier New" panose="02070309020205020404" pitchFamily="49" charset="0"/>
+              </a:rPr>
+              <a:t> = </a:t>
+            </a:r>
+            <a:r>
+              <a:rPr lang="en-US" dirty="0" err="1" smtClean="0">
+                <a:solidFill>
+                  <a:schemeClr val="bg1"/>
+                </a:solidFill>
+                <a:latin typeface="Courier New" panose="02070309020205020404" pitchFamily="49" charset="0"/>
+                <a:cs typeface="Courier New" panose="02070309020205020404" pitchFamily="49" charset="0"/>
+              </a:rPr>
+              <a:t>document.getElementById</a:t>
+            </a:r>
+            <a:r>
+              <a:rPr lang="en-US" dirty="0" smtClean="0">
+                <a:solidFill>
+                  <a:schemeClr val="bg1"/>
+                </a:solidFill>
+                <a:latin typeface="Courier New" panose="02070309020205020404" pitchFamily="49" charset="0"/>
+                <a:cs typeface="Courier New" panose="02070309020205020404" pitchFamily="49" charset="0"/>
+              </a:rPr>
+              <a:t>(“main”);</a:t>
+            </a:r>
+          </a:p>
+          <a:p>
+            <a:r>
+              <a:rPr lang="en-US" dirty="0" err="1" smtClean="0">
+                <a:solidFill>
+                  <a:schemeClr val="bg1"/>
+                </a:solidFill>
+                <a:latin typeface="Courier New" panose="02070309020205020404" pitchFamily="49" charset="0"/>
+                <a:cs typeface="Courier New" panose="02070309020205020404" pitchFamily="49" charset="0"/>
+              </a:rPr>
+              <a:t>myDiv.style.background</a:t>
+            </a:r>
+            <a:r>
+              <a:rPr lang="en-US" dirty="0" smtClean="0">
+                <a:solidFill>
+                  <a:schemeClr val="bg1"/>
+                </a:solidFill>
+                <a:latin typeface="Courier New" panose="02070309020205020404" pitchFamily="49" charset="0"/>
+                <a:cs typeface="Courier New" panose="02070309020205020404" pitchFamily="49" charset="0"/>
+              </a:rPr>
+              <a:t> = “red”;</a:t>
+            </a:r>
+          </a:p>
+          <a:p>
+            <a:endParaRPr lang="en-US" dirty="0">
+              <a:solidFill>
+                <a:schemeClr val="bg1"/>
+              </a:solidFill>
+              <a:latin typeface="Courier New" panose="02070309020205020404" pitchFamily="49" charset="0"/>
+              <a:cs typeface="Courier New" panose="02070309020205020404" pitchFamily="49" charset="0"/>
+            </a:endParaRPr>
+          </a:p>
+          <a:p>
+            <a:r>
+              <a:rPr lang="en-US" dirty="0">
+                <a:solidFill>
+                  <a:schemeClr val="bg1"/>
+                </a:solidFill>
+                <a:latin typeface="Courier New" panose="02070309020205020404" pitchFamily="49" charset="0"/>
+                <a:cs typeface="Courier New" panose="02070309020205020404" pitchFamily="49" charset="0"/>
+              </a:rPr>
+              <a:t>v</a:t>
+            </a:r>
+            <a:r>
+              <a:rPr lang="en-US" dirty="0" smtClean="0">
+                <a:solidFill>
+                  <a:schemeClr val="bg1"/>
+                </a:solidFill>
+                <a:latin typeface="Courier New" panose="02070309020205020404" pitchFamily="49" charset="0"/>
+                <a:cs typeface="Courier New" panose="02070309020205020404" pitchFamily="49" charset="0"/>
+              </a:rPr>
+              <a:t>ar </a:t>
+            </a:r>
+            <a:r>
+              <a:rPr lang="en-US" dirty="0" err="1" smtClean="0">
+                <a:solidFill>
+                  <a:schemeClr val="bg1"/>
+                </a:solidFill>
+                <a:latin typeface="Courier New" panose="02070309020205020404" pitchFamily="49" charset="0"/>
+                <a:cs typeface="Courier New" panose="02070309020205020404" pitchFamily="49" charset="0"/>
+              </a:rPr>
+              <a:t>myParagraph</a:t>
+            </a:r>
+            <a:r>
+              <a:rPr lang="en-US" dirty="0" smtClean="0">
+                <a:solidFill>
+                  <a:schemeClr val="bg1"/>
+                </a:solidFill>
+                <a:latin typeface="Courier New" panose="02070309020205020404" pitchFamily="49" charset="0"/>
+                <a:cs typeface="Courier New" panose="02070309020205020404" pitchFamily="49" charset="0"/>
+              </a:rPr>
+              <a:t> = </a:t>
+            </a:r>
+            <a:r>
+              <a:rPr lang="en-US" dirty="0" err="1" smtClean="0">
+                <a:solidFill>
+                  <a:schemeClr val="bg1"/>
+                </a:solidFill>
+                <a:latin typeface="Courier New" panose="02070309020205020404" pitchFamily="49" charset="0"/>
+                <a:cs typeface="Courier New" panose="02070309020205020404" pitchFamily="49" charset="0"/>
+              </a:rPr>
+              <a:t>document.querySelectorAll</a:t>
+            </a:r>
+            <a:r>
+              <a:rPr lang="en-US" dirty="0" smtClean="0">
+                <a:solidFill>
+                  <a:schemeClr val="bg1"/>
+                </a:solidFill>
+                <a:latin typeface="Courier New" panose="02070309020205020404" pitchFamily="49" charset="0"/>
+                <a:cs typeface="Courier New" panose="02070309020205020404" pitchFamily="49" charset="0"/>
+              </a:rPr>
+              <a:t>(‘p’);</a:t>
+            </a:r>
+          </a:p>
+          <a:p>
+            <a:r>
+              <a:rPr lang="en-US" dirty="0" err="1" smtClean="0">
+                <a:solidFill>
+                  <a:schemeClr val="bg1"/>
+                </a:solidFill>
+                <a:latin typeface="Courier New" panose="02070309020205020404" pitchFamily="49" charset="0"/>
+                <a:cs typeface="Courier New" panose="02070309020205020404" pitchFamily="49" charset="0"/>
+              </a:rPr>
+              <a:t>myParagraph.style.fontSize</a:t>
+            </a:r>
+            <a:r>
+              <a:rPr lang="en-US" dirty="0" smtClean="0">
+                <a:solidFill>
+                  <a:schemeClr val="bg1"/>
+                </a:solidFill>
+                <a:latin typeface="Courier New" panose="02070309020205020404" pitchFamily="49" charset="0"/>
+                <a:cs typeface="Courier New" panose="02070309020205020404" pitchFamily="49" charset="0"/>
+              </a:rPr>
+              <a:t> = “24px”;</a:t>
+            </a:r>
+            <a:endParaRPr lang="bg-BG" dirty="0" smtClean="0">
+              <a:solidFill>
+                <a:schemeClr val="bg1"/>
+              </a:solidFill>
+              <a:latin typeface="Courier New" panose="02070309020205020404" pitchFamily="49" charset="0"/>
+              <a:cs typeface="Courier New" panose="02070309020205020404" pitchFamily="49" charset="0"/>
+            </a:endParaRPr>
+          </a:p>
+        </p:txBody>
+      </p:sp>
     </p:spTree>
     <p:extLst>
       <p:ext uri="{BB962C8B-B14F-4D97-AF65-F5344CB8AC3E}">
-        <p14:creationId xmlns:p14="http://schemas.microsoft.com/office/powerpoint/2010/main" val="1088608090"/>
+        <p14:creationId xmlns:p14="http://schemas.microsoft.com/office/powerpoint/2010/main" val="2750441399"/>
       </p:ext>
     </p:extLst>
   </p:cSld>
@@ -30765,7 +31036,7 @@
                   <a:schemeClr val="accent6"/>
                 </a:solidFill>
               </a:rPr>
-              <a:t>Задачи за домашна работа</a:t>
+              <a:t>Въпроси</a:t>
             </a:r>
             <a:endParaRPr lang="bg-BG" dirty="0">
               <a:solidFill>
@@ -30788,255 +31059,113 @@
         <p:spPr>
           <a:xfrm>
             <a:off x="762000" y="1676400"/>
-            <a:ext cx="7620000" cy="4648200"/>
+            <a:ext cx="7620000" cy="4525963"/>
           </a:xfrm>
         </p:spPr>
         <p:txBody>
           <a:bodyPr>
-            <a:noAutofit/>
+            <a:normAutofit/>
           </a:bodyPr>
           <a:lstStyle/>
           <a:p>
-            <a:pPr marL="0" indent="0">
-              <a:buNone/>
-            </a:pPr>
-            <a:r>
-              <a:rPr lang="en-US" sz="2000" b="1" dirty="0" smtClean="0">
-                <a:solidFill>
-                  <a:schemeClr val="bg1">
-                    <a:lumMod val="95000"/>
-                  </a:schemeClr>
-                </a:solidFill>
-              </a:rPr>
-              <a:t>1. </a:t>
-            </a:r>
-            <a:r>
-              <a:rPr lang="bg-BG" sz="2000" b="1" dirty="0" smtClean="0">
-                <a:solidFill>
-                  <a:schemeClr val="bg1">
-                    <a:lumMod val="95000"/>
-                  </a:schemeClr>
-                </a:solidFill>
-              </a:rPr>
-              <a:t>Напишете израз, който </a:t>
-            </a:r>
-            <a:r>
-              <a:rPr lang="en-US" sz="2000" b="1" dirty="0" smtClean="0">
-                <a:solidFill>
-                  <a:schemeClr val="bg1">
-                    <a:lumMod val="95000"/>
-                  </a:schemeClr>
-                </a:solidFill>
-              </a:rPr>
-              <a:t>console.log-</a:t>
-            </a:r>
-            <a:r>
-              <a:rPr lang="bg-BG" sz="2000" b="1" dirty="0" smtClean="0">
-                <a:solidFill>
-                  <a:schemeClr val="bg1">
-                    <a:lumMod val="95000"/>
-                  </a:schemeClr>
-                </a:solidFill>
-              </a:rPr>
-              <a:t>ва всички числа от 1 до 300.</a:t>
-            </a:r>
-          </a:p>
-          <a:p>
-            <a:pPr marL="0" indent="0">
-              <a:buNone/>
-            </a:pPr>
-            <a:r>
-              <a:rPr lang="en-US" sz="2000" b="1" dirty="0" smtClean="0">
-                <a:solidFill>
-                  <a:schemeClr val="bg1">
-                    <a:lumMod val="95000"/>
-                  </a:schemeClr>
-                </a:solidFill>
-              </a:rPr>
-              <a:t>2. </a:t>
-            </a:r>
-            <a:r>
-              <a:rPr lang="bg-BG" sz="2000" b="1" dirty="0" smtClean="0">
-                <a:solidFill>
-                  <a:schemeClr val="bg1">
-                    <a:lumMod val="95000"/>
-                  </a:schemeClr>
-                </a:solidFill>
-              </a:rPr>
-              <a:t>Напишете израз, който проверява дали дадено число се дели на </a:t>
-            </a:r>
-            <a:r>
-              <a:rPr lang="en-US" sz="2000" b="1" smtClean="0">
-                <a:solidFill>
-                  <a:schemeClr val="bg1">
-                    <a:lumMod val="95000"/>
-                  </a:schemeClr>
-                </a:solidFill>
-              </a:rPr>
-              <a:t>3</a:t>
-            </a:r>
-          </a:p>
-          <a:p>
-            <a:pPr marL="0" indent="0">
-              <a:buNone/>
-            </a:pPr>
-            <a:r>
-              <a:rPr lang="bg-BG" sz="2000" b="1" smtClean="0">
-                <a:solidFill>
-                  <a:schemeClr val="bg1">
-                    <a:lumMod val="95000"/>
-                  </a:schemeClr>
-                </a:solidFill>
-              </a:rPr>
-              <a:t>3</a:t>
-            </a:r>
-            <a:r>
-              <a:rPr lang="bg-BG" sz="2000" b="1" dirty="0" smtClean="0">
-                <a:solidFill>
-                  <a:schemeClr val="bg1">
-                    <a:lumMod val="95000"/>
-                  </a:schemeClr>
-                </a:solidFill>
-              </a:rPr>
-              <a:t>.</a:t>
-            </a:r>
-            <a:r>
-              <a:rPr lang="en-US" sz="2000" b="1" dirty="0" smtClean="0">
-                <a:solidFill>
-                  <a:schemeClr val="bg1">
-                    <a:lumMod val="95000"/>
-                  </a:schemeClr>
-                </a:solidFill>
-              </a:rPr>
-              <a:t> </a:t>
-            </a:r>
-            <a:r>
-              <a:rPr lang="bg-BG" sz="2000" b="1" dirty="0" smtClean="0">
-                <a:solidFill>
-                  <a:schemeClr val="bg1">
-                    <a:lumMod val="95000"/>
-                  </a:schemeClr>
-                </a:solidFill>
-              </a:rPr>
-              <a:t>Напишете израз, който проверява дали дадено число се дели едновременно на 4 и на 7.(използвайте вложени </a:t>
-            </a:r>
-            <a:r>
-              <a:rPr lang="en-US" sz="2000" b="1" dirty="0" smtClean="0">
-                <a:solidFill>
-                  <a:schemeClr val="bg1">
-                    <a:lumMod val="95000"/>
-                  </a:schemeClr>
-                </a:solidFill>
-              </a:rPr>
-              <a:t>if-else</a:t>
-            </a:r>
-            <a:r>
-              <a:rPr lang="bg-BG" sz="2000" b="1" dirty="0" smtClean="0">
-                <a:solidFill>
-                  <a:schemeClr val="bg1">
-                    <a:lumMod val="95000"/>
-                  </a:schemeClr>
-                </a:solidFill>
-              </a:rPr>
-              <a:t> оператори</a:t>
-            </a:r>
-            <a:r>
-              <a:rPr lang="en-US" sz="2000" b="1" dirty="0" smtClean="0">
-                <a:solidFill>
-                  <a:schemeClr val="bg1">
-                    <a:lumMod val="95000"/>
-                  </a:schemeClr>
-                </a:solidFill>
-              </a:rPr>
-              <a:t>).</a:t>
-            </a:r>
-          </a:p>
-          <a:p>
-            <a:pPr marL="0" indent="0">
-              <a:buNone/>
-            </a:pPr>
-            <a:r>
-              <a:rPr lang="en-US" sz="2000" b="1" dirty="0" smtClean="0">
-                <a:solidFill>
-                  <a:schemeClr val="bg1">
-                    <a:lumMod val="95000"/>
-                  </a:schemeClr>
-                </a:solidFill>
-              </a:rPr>
-              <a:t>4. </a:t>
-            </a:r>
-            <a:r>
-              <a:rPr lang="bg-BG" sz="2000" b="1" dirty="0" smtClean="0">
-                <a:solidFill>
-                  <a:schemeClr val="bg1">
-                    <a:lumMod val="95000"/>
-                  </a:schemeClr>
-                </a:solidFill>
-              </a:rPr>
-              <a:t>Напишете израз, който пресмята площта на правоъгълник чрез определени ширина и дължина.</a:t>
-            </a:r>
-          </a:p>
-          <a:p>
-            <a:pPr marL="0" indent="0">
-              <a:buNone/>
-            </a:pPr>
-            <a:r>
-              <a:rPr lang="en-US" sz="2000" b="1" dirty="0" smtClean="0">
-                <a:solidFill>
-                  <a:schemeClr val="bg1">
-                    <a:lumMod val="95000"/>
-                  </a:schemeClr>
-                </a:solidFill>
-              </a:rPr>
-              <a:t>5. </a:t>
-            </a:r>
-            <a:r>
-              <a:rPr lang="bg-BG" sz="2000" b="1" dirty="0" smtClean="0">
-                <a:solidFill>
-                  <a:schemeClr val="bg1">
-                    <a:lumMod val="95000"/>
-                  </a:schemeClr>
-                </a:solidFill>
-              </a:rPr>
-              <a:t>Напишете израз, който пресмята площта на трапец по дадени страна А, страна </a:t>
-            </a:r>
-            <a:r>
-              <a:rPr lang="en-US" sz="2000" b="1" dirty="0" smtClean="0">
-                <a:solidFill>
-                  <a:schemeClr val="bg1">
-                    <a:lumMod val="95000"/>
-                  </a:schemeClr>
-                </a:solidFill>
-              </a:rPr>
-              <a:t>B </a:t>
-            </a:r>
-            <a:r>
-              <a:rPr lang="bg-BG" sz="2000" b="1" dirty="0" smtClean="0">
-                <a:solidFill>
-                  <a:schemeClr val="bg1">
-                    <a:lumMod val="95000"/>
-                  </a:schemeClr>
-                </a:solidFill>
-              </a:rPr>
-              <a:t>и височина </a:t>
-            </a:r>
-            <a:r>
-              <a:rPr lang="en-US" sz="2000" b="1" dirty="0" smtClean="0">
-                <a:solidFill>
-                  <a:schemeClr val="bg1">
-                    <a:lumMod val="95000"/>
-                  </a:schemeClr>
-                </a:solidFill>
-              </a:rPr>
-              <a:t>h.</a:t>
-            </a:r>
+            <a:pPr>
+              <a:buFont typeface="Wingdings" panose="05000000000000000000" pitchFamily="2" charset="2"/>
+              <a:buChar char="§"/>
+            </a:pPr>
+            <a:endParaRPr lang="en-US" dirty="0">
+              <a:solidFill>
+                <a:schemeClr val="bg1">
+                  <a:lumMod val="95000"/>
+                </a:schemeClr>
+              </a:solidFill>
+            </a:endParaRPr>
+          </a:p>
+          <a:p>
+            <a:pPr>
+              <a:buFont typeface="Wingdings" panose="05000000000000000000" pitchFamily="2" charset="2"/>
+              <a:buChar char="§"/>
+            </a:pPr>
+            <a:endParaRPr lang="en-US" dirty="0">
+              <a:solidFill>
+                <a:schemeClr val="bg1">
+                  <a:lumMod val="95000"/>
+                </a:schemeClr>
+              </a:solidFill>
+            </a:endParaRPr>
+          </a:p>
+          <a:p>
+            <a:pPr>
+              <a:buFont typeface="Wingdings" panose="05000000000000000000" pitchFamily="2" charset="2"/>
+              <a:buChar char="§"/>
+            </a:pPr>
+            <a:endParaRPr lang="en-US" dirty="0">
+              <a:solidFill>
+                <a:schemeClr val="bg1">
+                  <a:lumMod val="95000"/>
+                </a:schemeClr>
+              </a:solidFill>
+            </a:endParaRPr>
+          </a:p>
+          <a:p>
+            <a:pPr>
+              <a:buFont typeface="Wingdings" panose="05000000000000000000" pitchFamily="2" charset="2"/>
+              <a:buChar char="§"/>
+            </a:pPr>
+            <a:endParaRPr lang="en-US" dirty="0">
+              <a:solidFill>
+                <a:schemeClr val="bg1">
+                  <a:lumMod val="95000"/>
+                </a:schemeClr>
+              </a:solidFill>
+            </a:endParaRPr>
           </a:p>
         </p:txBody>
       </p:sp>
+      <p:pic>
+        <p:nvPicPr>
+          <p:cNvPr id="1027" name="Picture 3" descr="C:\Users\Lazar\Desktop\01-red-question-mark1.jpg"/>
+          <p:cNvPicPr>
+            <a:picLocks noChangeAspect="1" noChangeArrowheads="1"/>
+          </p:cNvPicPr>
+          <p:nvPr/>
+        </p:nvPicPr>
+        <p:blipFill>
+          <a:blip r:embed="rId2" cstate="print">
+            <a:extLst>
+              <a:ext uri="{28A0092B-C50C-407E-A947-70E740481C1C}">
+                <a14:useLocalDpi xmlns:a14="http://schemas.microsoft.com/office/drawing/2010/main" val="0"/>
+              </a:ext>
+            </a:extLst>
+          </a:blip>
+          <a:srcRect/>
+          <a:stretch>
+            <a:fillRect/>
+          </a:stretch>
+        </p:blipFill>
+        <p:spPr bwMode="auto">
+          <a:xfrm>
+            <a:off x="3505200" y="2057400"/>
+            <a:ext cx="2419082" cy="2419082"/>
+          </a:xfrm>
+          <a:prstGeom prst="rect">
+            <a:avLst/>
+          </a:prstGeom>
+          <a:noFill/>
+          <a:extLst>
+            <a:ext uri="{909E8E84-426E-40DD-AFC4-6F175D3DCCD1}">
+              <a14:hiddenFill xmlns:a14="http://schemas.microsoft.com/office/drawing/2010/main">
+                <a:solidFill>
+                  <a:srgbClr val="FFFFFF"/>
+                </a:solidFill>
+              </a14:hiddenFill>
+            </a:ext>
+          </a:extLst>
+        </p:spPr>
+      </p:pic>
     </p:spTree>
     <p:extLst>
       <p:ext uri="{BB962C8B-B14F-4D97-AF65-F5344CB8AC3E}">
-        <p14:creationId xmlns:p14="http://schemas.microsoft.com/office/powerpoint/2010/main" val="2761577980"/>
+        <p14:creationId xmlns:p14="http://schemas.microsoft.com/office/powerpoint/2010/main" val="1088608090"/>
       </p:ext>
     </p:extLst>
   </p:cSld>
@@ -31140,7 +31269,7 @@
                   </a:schemeClr>
                 </a:solidFill>
               </a:rPr>
-              <a:t>6. </a:t>
+              <a:t>1. </a:t>
             </a:r>
             <a:r>
               <a:rPr lang="bg-BG" sz="2000" b="1" dirty="0" smtClean="0">
@@ -31150,37 +31279,42 @@
                   </a:schemeClr>
                 </a:solidFill>
               </a:rPr>
-              <a:t>Напишете </a:t>
-            </a:r>
-            <a:r>
-              <a:rPr lang="bg-BG" sz="2000" b="1" dirty="0">
+              <a:t>Напишете израз, който </a:t>
+            </a:r>
+            <a:r>
+              <a:rPr lang="en-US" sz="2000" b="1" dirty="0" smtClean="0">
                 <a:solidFill>
                   <a:schemeClr val="bg1">
                     <a:lumMod val="95000"/>
                   </a:schemeClr>
                 </a:solidFill>
               </a:rPr>
-              <a:t>израз, който намира най-голямото от 3 числа(използвайки вложени </a:t>
-            </a:r>
-            <a:r>
-              <a:rPr lang="en-US" sz="2000" b="1" dirty="0">
+              <a:t>console.log-</a:t>
+            </a:r>
+            <a:r>
+              <a:rPr lang="bg-BG" sz="2000" b="1" dirty="0" smtClean="0">
                 <a:solidFill>
                   <a:schemeClr val="bg1">
                     <a:lumMod val="95000"/>
                   </a:schemeClr>
                 </a:solidFill>
               </a:rPr>
-              <a:t>if-else </a:t>
-            </a:r>
-            <a:r>
-              <a:rPr lang="bg-BG" sz="2000" b="1" dirty="0">
+              <a:t>ва всички числа от 1 до 300.</a:t>
+            </a:r>
+          </a:p>
+          <a:p>
+            <a:pPr marL="0" indent="0">
+              <a:buNone/>
+            </a:pPr>
+            <a:r>
+              <a:rPr lang="en-US" sz="2000" b="1" dirty="0" smtClean="0">
                 <a:solidFill>
                   <a:schemeClr val="bg1">
                     <a:lumMod val="95000"/>
                   </a:schemeClr>
                 </a:solidFill>
               </a:rPr>
-              <a:t>оператори</a:t>
+              <a:t>2. </a:t>
             </a:r>
             <a:r>
               <a:rPr lang="bg-BG" sz="2000" b="1" dirty="0" smtClean="0">
@@ -31190,39 +31324,32 @@
                   </a:schemeClr>
                 </a:solidFill>
               </a:rPr>
-              <a:t>).</a:t>
-            </a:r>
-            <a:endParaRPr lang="en-US" sz="2000" b="1" dirty="0" smtClean="0">
-              <a:solidFill>
-                <a:schemeClr val="bg1">
-                  <a:lumMod val="95000"/>
-                </a:schemeClr>
-              </a:solidFill>
-            </a:endParaRPr>
-          </a:p>
-          <a:p>
-            <a:pPr marL="0" indent="0">
-              <a:buNone/>
-            </a:pPr>
-            <a:r>
-              <a:rPr lang="bg-BG" sz="2000" b="1" dirty="0" smtClean="0">
+              <a:t>Напишете израз, който проверява дали дадено число се дели на </a:t>
+            </a:r>
+            <a:r>
+              <a:rPr lang="en-US" sz="2000" b="1" smtClean="0">
                 <a:solidFill>
                   <a:schemeClr val="bg1">
                     <a:lumMod val="95000"/>
                   </a:schemeClr>
                 </a:solidFill>
               </a:rPr>
-              <a:t>7. Напишете </a:t>
-            </a:r>
-            <a:r>
-              <a:rPr lang="bg-BG" sz="2000" b="1" dirty="0">
+              <a:t>3</a:t>
+            </a:r>
+          </a:p>
+          <a:p>
+            <a:pPr marL="0" indent="0">
+              <a:buNone/>
+            </a:pPr>
+            <a:r>
+              <a:rPr lang="bg-BG" sz="2000" b="1" smtClean="0">
                 <a:solidFill>
                   <a:schemeClr val="bg1">
                     <a:lumMod val="95000"/>
                   </a:schemeClr>
                 </a:solidFill>
               </a:rPr>
-              <a:t>израз, който намира всички делими на 7 числа, които се намират в интервала от 50 до </a:t>
+              <a:t>3</a:t>
             </a:r>
             <a:r>
               <a:rPr lang="bg-BG" sz="2000" b="1" dirty="0" smtClean="0">
@@ -31232,13 +31359,8 @@
                   </a:schemeClr>
                 </a:solidFill>
               </a:rPr>
-              <a:t>100.</a:t>
-            </a:r>
-          </a:p>
-          <a:p>
-            <a:pPr marL="0" indent="0">
-              <a:buNone/>
-            </a:pPr>
+              <a:t>.</a:t>
+            </a:r>
             <a:r>
               <a:rPr lang="en-US" sz="2000" b="1" dirty="0" smtClean="0">
                 <a:solidFill>
@@ -31247,7 +31369,7 @@
                   </a:schemeClr>
                 </a:solidFill>
               </a:rPr>
-              <a:t>8. </a:t>
+              <a:t> </a:t>
             </a:r>
             <a:r>
               <a:rPr lang="bg-BG" sz="2000" b="1" dirty="0" smtClean="0">
@@ -31257,7 +31379,117 @@
                   </a:schemeClr>
                 </a:solidFill>
               </a:rPr>
-              <a:t>Напишете израз, който намира всички делими на 4 и на 9 числа, които се намират в интервала от 20 до 60.</a:t>
+              <a:t>Напишете израз, който проверява дали дадено число се дели едновременно на 4 и на 7.(използвайте вложени </a:t>
+            </a:r>
+            <a:r>
+              <a:rPr lang="en-US" sz="2000" b="1" dirty="0" smtClean="0">
+                <a:solidFill>
+                  <a:schemeClr val="bg1">
+                    <a:lumMod val="95000"/>
+                  </a:schemeClr>
+                </a:solidFill>
+              </a:rPr>
+              <a:t>if-else</a:t>
+            </a:r>
+            <a:r>
+              <a:rPr lang="bg-BG" sz="2000" b="1" dirty="0" smtClean="0">
+                <a:solidFill>
+                  <a:schemeClr val="bg1">
+                    <a:lumMod val="95000"/>
+                  </a:schemeClr>
+                </a:solidFill>
+              </a:rPr>
+              <a:t> оператори</a:t>
+            </a:r>
+            <a:r>
+              <a:rPr lang="en-US" sz="2000" b="1" dirty="0" smtClean="0">
+                <a:solidFill>
+                  <a:schemeClr val="bg1">
+                    <a:lumMod val="95000"/>
+                  </a:schemeClr>
+                </a:solidFill>
+              </a:rPr>
+              <a:t>).</a:t>
+            </a:r>
+          </a:p>
+          <a:p>
+            <a:pPr marL="0" indent="0">
+              <a:buNone/>
+            </a:pPr>
+            <a:r>
+              <a:rPr lang="en-US" sz="2000" b="1" dirty="0" smtClean="0">
+                <a:solidFill>
+                  <a:schemeClr val="bg1">
+                    <a:lumMod val="95000"/>
+                  </a:schemeClr>
+                </a:solidFill>
+              </a:rPr>
+              <a:t>4. </a:t>
+            </a:r>
+            <a:r>
+              <a:rPr lang="bg-BG" sz="2000" b="1" dirty="0" smtClean="0">
+                <a:solidFill>
+                  <a:schemeClr val="bg1">
+                    <a:lumMod val="95000"/>
+                  </a:schemeClr>
+                </a:solidFill>
+              </a:rPr>
+              <a:t>Напишете израз, който пресмята площта на правоъгълник чрез определени ширина и дължина.</a:t>
+            </a:r>
+          </a:p>
+          <a:p>
+            <a:pPr marL="0" indent="0">
+              <a:buNone/>
+            </a:pPr>
+            <a:r>
+              <a:rPr lang="en-US" sz="2000" b="1" dirty="0" smtClean="0">
+                <a:solidFill>
+                  <a:schemeClr val="bg1">
+                    <a:lumMod val="95000"/>
+                  </a:schemeClr>
+                </a:solidFill>
+              </a:rPr>
+              <a:t>5. </a:t>
+            </a:r>
+            <a:r>
+              <a:rPr lang="bg-BG" sz="2000" b="1" dirty="0" smtClean="0">
+                <a:solidFill>
+                  <a:schemeClr val="bg1">
+                    <a:lumMod val="95000"/>
+                  </a:schemeClr>
+                </a:solidFill>
+              </a:rPr>
+              <a:t>Напишете израз, който пресмята площта на трапец по дадени страна А, страна </a:t>
+            </a:r>
+            <a:r>
+              <a:rPr lang="en-US" sz="2000" b="1" dirty="0" smtClean="0">
+                <a:solidFill>
+                  <a:schemeClr val="bg1">
+                    <a:lumMod val="95000"/>
+                  </a:schemeClr>
+                </a:solidFill>
+              </a:rPr>
+              <a:t>B </a:t>
+            </a:r>
+            <a:r>
+              <a:rPr lang="bg-BG" sz="2000" b="1" dirty="0" smtClean="0">
+                <a:solidFill>
+                  <a:schemeClr val="bg1">
+                    <a:lumMod val="95000"/>
+                  </a:schemeClr>
+                </a:solidFill>
+              </a:rPr>
+              <a:t>и височина </a:t>
+            </a:r>
+            <a:r>
+              <a:rPr lang="en-US" sz="2000" b="1" dirty="0" smtClean="0">
+                <a:solidFill>
+                  <a:schemeClr val="bg1">
+                    <a:lumMod val="95000"/>
+                  </a:schemeClr>
+                </a:solidFill>
+              </a:rPr>
+              <a:t>h.</a:t>
             </a:r>
           </a:p>
         </p:txBody>
@@ -31265,7 +31497,7 @@
     </p:spTree>
     <p:extLst>
       <p:ext uri="{BB962C8B-B14F-4D97-AF65-F5344CB8AC3E}">
-        <p14:creationId xmlns:p14="http://schemas.microsoft.com/office/powerpoint/2010/main" val="4182690710"/>
+        <p14:creationId xmlns:p14="http://schemas.microsoft.com/office/powerpoint/2010/main" val="2761577980"/>
       </p:ext>
     </p:extLst>
   </p:cSld>
@@ -31364,134 +31596,12 @@
             <a:r>
               <a:rPr lang="en-US" sz="2000" b="1" dirty="0" smtClean="0">
                 <a:solidFill>
-                  <a:schemeClr val="accent3">
-                    <a:lumMod val="75000"/>
-                  </a:schemeClr>
-                </a:solidFill>
-              </a:rPr>
-              <a:t>10.* </a:t>
-            </a:r>
-            <a:r>
-              <a:rPr lang="bg-BG" sz="2000" b="1" dirty="0">
-                <a:solidFill>
-                  <a:schemeClr val="accent3">
-                    <a:lumMod val="75000"/>
-                  </a:schemeClr>
-                </a:solidFill>
-              </a:rPr>
-              <a:t>Напишете скрипт, който намира най-често срещаното число в седния </a:t>
-            </a:r>
-            <a:r>
-              <a:rPr lang="bg-BG" sz="2000" b="1" dirty="0" smtClean="0">
-                <a:solidFill>
-                  <a:schemeClr val="accent3">
-                    <a:lumMod val="75000"/>
-                  </a:schemeClr>
-                </a:solidFill>
-              </a:rPr>
-              <a:t>масив</a:t>
-            </a:r>
-            <a:r>
-              <a:rPr lang="bg-BG" sz="2000" b="1" dirty="0">
-                <a:solidFill>
-                  <a:schemeClr val="accent3">
-                    <a:lumMod val="75000"/>
-                  </a:schemeClr>
-                </a:solidFill>
-              </a:rPr>
-              <a:t>: </a:t>
-            </a:r>
-            <a:endParaRPr lang="en-US" sz="2000" b="1" dirty="0">
-              <a:solidFill>
-                <a:schemeClr val="accent3">
-                  <a:lumMod val="75000"/>
-                </a:schemeClr>
-              </a:solidFill>
-            </a:endParaRPr>
-          </a:p>
-          <a:p>
-            <a:pPr marL="0" indent="0">
-              <a:buNone/>
-            </a:pPr>
-            <a:r>
-              <a:rPr lang="en-US" sz="2000" b="1" dirty="0">
-                <a:solidFill>
-                  <a:schemeClr val="accent3">
-                    <a:lumMod val="75000"/>
-                  </a:schemeClr>
-                </a:solidFill>
-              </a:rPr>
-              <a:t>       [0, 4, 1, 3, 4, 6, 3, 4, 9, 9, 4, 1, 4</a:t>
-            </a:r>
-            <a:r>
-              <a:rPr lang="en-US" sz="2000" b="1" dirty="0" smtClean="0">
-                <a:solidFill>
-                  <a:schemeClr val="accent3">
-                    <a:lumMod val="75000"/>
-                  </a:schemeClr>
-                </a:solidFill>
-              </a:rPr>
-              <a:t>]</a:t>
-            </a:r>
-          </a:p>
-          <a:p>
-            <a:pPr marL="0" indent="0">
-              <a:buNone/>
-            </a:pPr>
-            <a:r>
-              <a:rPr lang="en-US" sz="2000" b="1" dirty="0" smtClean="0">
-                <a:solidFill>
-                  <a:schemeClr val="accent3">
-                    <a:lumMod val="75000"/>
-                  </a:schemeClr>
-                </a:solidFill>
-              </a:rPr>
-              <a:t>11.* </a:t>
-            </a:r>
-            <a:r>
-              <a:rPr lang="bg-BG" sz="2000" b="1" dirty="0" smtClean="0">
-                <a:solidFill>
-                  <a:schemeClr val="accent3">
-                    <a:lumMod val="75000"/>
-                  </a:schemeClr>
-                </a:solidFill>
-              </a:rPr>
-              <a:t>Напишете скрипт, който </a:t>
-            </a:r>
-            <a:r>
-              <a:rPr lang="en-US" sz="2000" b="1" dirty="0" smtClean="0">
-                <a:solidFill>
-                  <a:schemeClr val="accent3">
-                    <a:lumMod val="75000"/>
-                  </a:schemeClr>
-                </a:solidFill>
-              </a:rPr>
-              <a:t>console.log-</a:t>
-            </a:r>
-            <a:r>
-              <a:rPr lang="bg-BG" sz="2000" b="1" dirty="0" smtClean="0">
-                <a:solidFill>
-                  <a:schemeClr val="accent3">
-                    <a:lumMod val="75000"/>
-                  </a:schemeClr>
-                </a:solidFill>
-              </a:rPr>
-              <a:t>ва поотделно пълната дата, деня, месеца, годината, часа и минутите.</a:t>
-            </a:r>
-          </a:p>
-          <a:p>
-            <a:pPr marL="0" indent="0">
-              <a:buNone/>
-            </a:pPr>
-            <a:r>
-              <a:rPr lang="en-US" sz="2000" b="1" dirty="0" smtClean="0">
-                <a:solidFill>
                   <a:schemeClr val="bg1">
                     <a:lumMod val="95000"/>
                   </a:schemeClr>
                 </a:solidFill>
               </a:rPr>
-              <a:t>12</a:t>
+              <a:t>6. </a:t>
             </a:r>
             <a:r>
               <a:rPr lang="bg-BG" sz="2000" b="1" dirty="0" smtClean="0">
@@ -31501,42 +31611,37 @@
                   </a:schemeClr>
                 </a:solidFill>
               </a:rPr>
-              <a:t>. Напишете скрипт, който създава обект </a:t>
-            </a:r>
-            <a:r>
-              <a:rPr lang="en-US" sz="2000" b="1" dirty="0" smtClean="0">
+              <a:t>Напишете </a:t>
+            </a:r>
+            <a:r>
+              <a:rPr lang="bg-BG" sz="2000" b="1" dirty="0">
                 <a:solidFill>
                   <a:schemeClr val="bg1">
                     <a:lumMod val="95000"/>
                   </a:schemeClr>
                 </a:solidFill>
               </a:rPr>
-              <a:t>student</a:t>
-            </a:r>
-            <a:r>
-              <a:rPr lang="bg-BG" sz="2000" b="1" dirty="0" smtClean="0">
+              <a:t>израз, който намира най-голямото от 3 числа(използвайки вложени </a:t>
+            </a:r>
+            <a:r>
+              <a:rPr lang="en-US" sz="2000" b="1" dirty="0">
                 <a:solidFill>
                   <a:schemeClr val="bg1">
                     <a:lumMod val="95000"/>
                   </a:schemeClr>
                 </a:solidFill>
               </a:rPr>
-              <a:t>, който има следните свойства: име, години, опит, оценка, функция учене, функция забавление.</a:t>
-            </a:r>
-          </a:p>
-          <a:p>
-            <a:pPr marL="0" indent="0">
-              <a:buNone/>
-            </a:pPr>
-            <a:r>
-              <a:rPr lang="en-US" sz="2000" b="1" dirty="0" smtClean="0">
+              <a:t>if-else </a:t>
+            </a:r>
+            <a:r>
+              <a:rPr lang="bg-BG" sz="2000" b="1" dirty="0">
                 <a:solidFill>
                   <a:schemeClr val="bg1">
                     <a:lumMod val="95000"/>
                   </a:schemeClr>
                 </a:solidFill>
               </a:rPr>
-              <a:t>13</a:t>
+              <a:t>оператори</a:t>
             </a:r>
             <a:r>
               <a:rPr lang="bg-BG" sz="2000" b="1" dirty="0" smtClean="0">
@@ -31546,39 +31651,9 @@
                   </a:schemeClr>
                 </a:solidFill>
               </a:rPr>
-              <a:t>. Използвайки зад.12, </a:t>
-            </a:r>
-            <a:r>
-              <a:rPr lang="en-US" sz="2000" b="1" dirty="0" smtClean="0">
-                <a:solidFill>
-                  <a:schemeClr val="bg1">
-                    <a:lumMod val="95000"/>
-                  </a:schemeClr>
-                </a:solidFill>
-              </a:rPr>
-              <a:t>console.log-</a:t>
-            </a:r>
-            <a:r>
-              <a:rPr lang="bg-BG" sz="2000" b="1" dirty="0" smtClean="0">
-                <a:solidFill>
-                  <a:schemeClr val="bg1">
-                    <a:lumMod val="95000"/>
-                  </a:schemeClr>
-                </a:solidFill>
-              </a:rPr>
-              <a:t>нете всички свойства и функции на вече създадения обект </a:t>
-            </a:r>
-            <a:r>
-              <a:rPr lang="en-US" sz="2000" b="1" dirty="0" smtClean="0">
-                <a:solidFill>
-                  <a:schemeClr val="bg1">
-                    <a:lumMod val="95000"/>
-                  </a:schemeClr>
-                </a:solidFill>
-              </a:rPr>
-              <a:t>student.</a:t>
-            </a:r>
-            <a:endParaRPr lang="bg-BG" sz="2000" b="1" dirty="0" smtClean="0">
+              <a:t>).</a:t>
+            </a:r>
+            <a:endParaRPr lang="en-US" sz="2000" b="1" dirty="0" smtClean="0">
               <a:solidFill>
                 <a:schemeClr val="bg1">
                   <a:lumMod val="95000"/>
@@ -31591,164 +31666,67 @@
               <a:buNone/>
             </a:pPr>
             <a:r>
+              <a:rPr lang="bg-BG" sz="2000" b="1" dirty="0" smtClean="0">
+                <a:solidFill>
+                  <a:schemeClr val="bg1">
+                    <a:lumMod val="95000"/>
+                  </a:schemeClr>
+                </a:solidFill>
+              </a:rPr>
+              <a:t>7. Напишете </a:t>
+            </a:r>
+            <a:r>
+              <a:rPr lang="bg-BG" sz="2000" b="1" dirty="0">
+                <a:solidFill>
+                  <a:schemeClr val="bg1">
+                    <a:lumMod val="95000"/>
+                  </a:schemeClr>
+                </a:solidFill>
+              </a:rPr>
+              <a:t>израз, който намира всички делими на 7 числа, които се намират в интервала от 50 до </a:t>
+            </a:r>
+            <a:r>
+              <a:rPr lang="bg-BG" sz="2000" b="1" dirty="0" smtClean="0">
+                <a:solidFill>
+                  <a:schemeClr val="bg1">
+                    <a:lumMod val="95000"/>
+                  </a:schemeClr>
+                </a:solidFill>
+              </a:rPr>
+              <a:t>100.</a:t>
+            </a:r>
+          </a:p>
+          <a:p>
+            <a:pPr marL="0" indent="0">
+              <a:buNone/>
+            </a:pPr>
+            <a:r>
               <a:rPr lang="en-US" sz="2000" b="1" dirty="0" smtClean="0">
                 <a:solidFill>
-                  <a:schemeClr val="accent3">
-                    <a:lumMod val="75000"/>
+                  <a:schemeClr val="bg1">
+                    <a:lumMod val="95000"/>
                   </a:schemeClr>
                 </a:solidFill>
               </a:rPr>
-              <a:t>14</a:t>
+              <a:t>8. </a:t>
             </a:r>
             <a:r>
               <a:rPr lang="bg-BG" sz="2000" b="1" dirty="0" smtClean="0">
                 <a:solidFill>
-                  <a:schemeClr val="accent3">
-                    <a:lumMod val="75000"/>
+                  <a:schemeClr val="bg1">
+                    <a:lumMod val="95000"/>
                   </a:schemeClr>
                 </a:solidFill>
               </a:rPr>
-              <a:t>.</a:t>
-            </a:r>
-            <a:r>
-              <a:rPr lang="en-US" sz="2000" b="1" dirty="0" smtClean="0">
-                <a:solidFill>
-                  <a:schemeClr val="accent3">
-                    <a:lumMod val="75000"/>
-                  </a:schemeClr>
-                </a:solidFill>
-              </a:rPr>
-              <a:t>*</a:t>
-            </a:r>
-            <a:r>
-              <a:rPr lang="bg-BG" sz="2000" b="1" dirty="0" smtClean="0">
-                <a:solidFill>
-                  <a:schemeClr val="accent3">
-                    <a:lumMod val="75000"/>
-                  </a:schemeClr>
-                </a:solidFill>
-              </a:rPr>
-              <a:t> Напишете функция, която при извикването си сменя съдържанието на елемент по избор.</a:t>
-            </a:r>
-          </a:p>
-          <a:p>
-            <a:pPr marL="0" indent="0">
-              <a:buNone/>
-            </a:pPr>
-            <a:r>
-              <a:rPr lang="bg-BG" sz="2000" b="1" dirty="0" smtClean="0">
-                <a:solidFill>
-                  <a:schemeClr val="accent3">
-                    <a:lumMod val="75000"/>
-                  </a:schemeClr>
-                </a:solidFill>
-              </a:rPr>
-              <a:t>1</a:t>
-            </a:r>
-            <a:r>
-              <a:rPr lang="en-US" sz="2000" b="1" dirty="0" smtClean="0">
-                <a:solidFill>
-                  <a:schemeClr val="accent3">
-                    <a:lumMod val="75000"/>
-                  </a:schemeClr>
-                </a:solidFill>
-              </a:rPr>
-              <a:t>5.*</a:t>
-            </a:r>
-            <a:r>
-              <a:rPr lang="bg-BG" sz="2000" b="1" dirty="0" smtClean="0">
-                <a:solidFill>
-                  <a:schemeClr val="accent3">
-                    <a:lumMod val="75000"/>
-                  </a:schemeClr>
-                </a:solidFill>
-              </a:rPr>
-              <a:t> Направете страница, която съдържа елемент картинка, представляваща </a:t>
-            </a:r>
-            <a:r>
-              <a:rPr lang="bg-BG" sz="2000" u="sng" dirty="0" smtClean="0">
-                <a:solidFill>
-                  <a:schemeClr val="accent3">
-                    <a:lumMod val="75000"/>
-                  </a:schemeClr>
-                </a:solidFill>
-              </a:rPr>
-              <a:t>не</a:t>
-            </a:r>
-            <a:r>
-              <a:rPr lang="bg-BG" sz="2000" b="1" dirty="0" smtClean="0">
-                <a:solidFill>
-                  <a:schemeClr val="accent3">
-                    <a:lumMod val="75000"/>
-                  </a:schemeClr>
-                </a:solidFill>
-              </a:rPr>
-              <a:t>светеща крушка. Напишете скрипт, който при </a:t>
-            </a:r>
-            <a:r>
-              <a:rPr lang="en-US" sz="2000" b="1" dirty="0" smtClean="0">
-                <a:solidFill>
-                  <a:schemeClr val="accent3">
-                    <a:lumMod val="75000"/>
-                  </a:schemeClr>
-                </a:solidFill>
-              </a:rPr>
-              <a:t>hover </a:t>
-            </a:r>
-            <a:r>
-              <a:rPr lang="bg-BG" sz="2000" b="1" dirty="0" smtClean="0">
-                <a:solidFill>
-                  <a:schemeClr val="accent3">
-                    <a:lumMod val="75000"/>
-                  </a:schemeClr>
-                </a:solidFill>
-              </a:rPr>
-              <a:t>върху крушката, сменя </a:t>
-            </a:r>
-            <a:r>
-              <a:rPr lang="en-US" sz="2000" b="1" dirty="0" err="1" smtClean="0">
-                <a:solidFill>
-                  <a:schemeClr val="accent3">
-                    <a:lumMod val="75000"/>
-                  </a:schemeClr>
-                </a:solidFill>
-              </a:rPr>
-              <a:t>src</a:t>
-            </a:r>
-            <a:r>
-              <a:rPr lang="en-US" sz="2000" b="1" dirty="0" smtClean="0">
-                <a:solidFill>
-                  <a:schemeClr val="accent3">
-                    <a:lumMod val="75000"/>
-                  </a:schemeClr>
-                </a:solidFill>
-              </a:rPr>
-              <a:t>-</a:t>
-            </a:r>
-            <a:r>
-              <a:rPr lang="bg-BG" sz="2000" b="1" dirty="0" smtClean="0">
-                <a:solidFill>
-                  <a:schemeClr val="accent3">
-                    <a:lumMod val="75000"/>
-                  </a:schemeClr>
-                </a:solidFill>
-              </a:rPr>
-              <a:t>то на крушката и тя „светва“.</a:t>
-            </a:r>
-            <a:endParaRPr lang="bg-BG" sz="2000" b="1" dirty="0">
-              <a:solidFill>
-                <a:schemeClr val="accent3">
-                  <a:lumMod val="75000"/>
-                </a:schemeClr>
-              </a:solidFill>
-            </a:endParaRPr>
+              <a:t>Напишете израз, който намира всички делими на 4 и на 9 числа, които се намират в интервала от 20 до 60.</a:t>
+            </a:r>
           </a:p>
         </p:txBody>
       </p:sp>
     </p:spTree>
     <p:extLst>
       <p:ext uri="{BB962C8B-B14F-4D97-AF65-F5344CB8AC3E}">
-        <p14:creationId xmlns:p14="http://schemas.microsoft.com/office/powerpoint/2010/main" val="3118085067"/>
+        <p14:creationId xmlns:p14="http://schemas.microsoft.com/office/powerpoint/2010/main" val="4182690710"/>
       </p:ext>
     </p:extLst>
   </p:cSld>
@@ -31947,6 +31925,489 @@
     <p:extLst>
       <p:ext uri="{BB962C8B-B14F-4D97-AF65-F5344CB8AC3E}">
         <p14:creationId xmlns:p14="http://schemas.microsoft.com/office/powerpoint/2010/main" val="2590009873"/>
+      </p:ext>
+    </p:extLst>
+  </p:cSld>
+  <p:clrMapOvr>
+    <a:masterClrMapping/>
+  </p:clrMapOvr>
+  <p:timing>
+    <p:tnLst>
+      <p:par>
+        <p:cTn id="1" dur="indefinite" restart="never" nodeType="tmRoot"/>
+      </p:par>
+    </p:tnLst>
+  </p:timing>
+</p:sld>
+</file>
+
+<file path=ppt/slides/slide80.xml><?xml version="1.0" encoding="utf-8"?>
+<p:sld xmlns:a="http://schemas.openxmlformats.org/drawingml/2006/main" xmlns:r="http://schemas.openxmlformats.org/officeDocument/2006/relationships" xmlns:p="http://schemas.openxmlformats.org/presentationml/2006/main">
+  <p:cSld>
+    <p:spTree>
+      <p:nvGrpSpPr>
+        <p:cNvPr id="1" name=""/>
+        <p:cNvGrpSpPr/>
+        <p:nvPr/>
+      </p:nvGrpSpPr>
+      <p:grpSpPr>
+        <a:xfrm>
+          <a:off x="0" y="0"/>
+          <a:ext cx="0" cy="0"/>
+          <a:chOff x="0" y="0"/>
+          <a:chExt cx="0" cy="0"/>
+        </a:xfrm>
+      </p:grpSpPr>
+      <p:sp>
+        <p:nvSpPr>
+          <p:cNvPr id="2" name="Title 1"/>
+          <p:cNvSpPr>
+            <a:spLocks noGrp="1"/>
+          </p:cNvSpPr>
+          <p:nvPr>
+            <p:ph type="title"/>
+          </p:nvPr>
+        </p:nvSpPr>
+        <p:spPr>
+          <a:xfrm>
+            <a:off x="838200" y="685800"/>
+            <a:ext cx="8229600" cy="1143000"/>
+          </a:xfrm>
+        </p:spPr>
+        <p:txBody>
+          <a:bodyPr/>
+          <a:lstStyle/>
+          <a:p>
+            <a:pPr algn="l"/>
+            <a:r>
+              <a:rPr lang="bg-BG" dirty="0" smtClean="0">
+                <a:solidFill>
+                  <a:schemeClr val="accent6"/>
+                </a:solidFill>
+              </a:rPr>
+              <a:t>Задачи за домашна работа</a:t>
+            </a:r>
+            <a:endParaRPr lang="bg-BG" dirty="0">
+              <a:solidFill>
+                <a:schemeClr val="accent6"/>
+              </a:solidFill>
+            </a:endParaRPr>
+          </a:p>
+        </p:txBody>
+      </p:sp>
+      <p:sp>
+        <p:nvSpPr>
+          <p:cNvPr id="3" name="Content Placeholder 2"/>
+          <p:cNvSpPr>
+            <a:spLocks noGrp="1"/>
+          </p:cNvSpPr>
+          <p:nvPr>
+            <p:ph idx="1"/>
+          </p:nvPr>
+        </p:nvSpPr>
+        <p:spPr>
+          <a:xfrm>
+            <a:off x="762000" y="1676400"/>
+            <a:ext cx="7620000" cy="4648200"/>
+          </a:xfrm>
+        </p:spPr>
+        <p:txBody>
+          <a:bodyPr>
+            <a:noAutofit/>
+          </a:bodyPr>
+          <a:lstStyle/>
+          <a:p>
+            <a:pPr marL="0" indent="0">
+              <a:buNone/>
+            </a:pPr>
+            <a:r>
+              <a:rPr lang="en-US" sz="2000" b="1" dirty="0" smtClean="0">
+                <a:solidFill>
+                  <a:schemeClr val="accent3">
+                    <a:lumMod val="75000"/>
+                  </a:schemeClr>
+                </a:solidFill>
+              </a:rPr>
+              <a:t>10.* </a:t>
+            </a:r>
+            <a:r>
+              <a:rPr lang="bg-BG" sz="2000" b="1" dirty="0">
+                <a:solidFill>
+                  <a:schemeClr val="accent3">
+                    <a:lumMod val="75000"/>
+                  </a:schemeClr>
+                </a:solidFill>
+              </a:rPr>
+              <a:t>Напишете скрипт, който намира най-често срещаното число в седния </a:t>
+            </a:r>
+            <a:r>
+              <a:rPr lang="bg-BG" sz="2000" b="1" dirty="0" smtClean="0">
+                <a:solidFill>
+                  <a:schemeClr val="accent3">
+                    <a:lumMod val="75000"/>
+                  </a:schemeClr>
+                </a:solidFill>
+              </a:rPr>
+              <a:t>масив</a:t>
+            </a:r>
+            <a:r>
+              <a:rPr lang="bg-BG" sz="2000" b="1" dirty="0">
+                <a:solidFill>
+                  <a:schemeClr val="accent3">
+                    <a:lumMod val="75000"/>
+                  </a:schemeClr>
+                </a:solidFill>
+              </a:rPr>
+              <a:t>: </a:t>
+            </a:r>
+            <a:endParaRPr lang="en-US" sz="2000" b="1" dirty="0">
+              <a:solidFill>
+                <a:schemeClr val="accent3">
+                  <a:lumMod val="75000"/>
+                </a:schemeClr>
+              </a:solidFill>
+            </a:endParaRPr>
+          </a:p>
+          <a:p>
+            <a:pPr marL="0" indent="0">
+              <a:buNone/>
+            </a:pPr>
+            <a:r>
+              <a:rPr lang="en-US" sz="2000" b="1" dirty="0">
+                <a:solidFill>
+                  <a:schemeClr val="accent3">
+                    <a:lumMod val="75000"/>
+                  </a:schemeClr>
+                </a:solidFill>
+              </a:rPr>
+              <a:t>       [0, 4, 1, 3, 4, 6, 3, 4, 9, 9, 4, 1, 4</a:t>
+            </a:r>
+            <a:r>
+              <a:rPr lang="en-US" sz="2000" b="1" dirty="0" smtClean="0">
+                <a:solidFill>
+                  <a:schemeClr val="accent3">
+                    <a:lumMod val="75000"/>
+                  </a:schemeClr>
+                </a:solidFill>
+              </a:rPr>
+              <a:t>]</a:t>
+            </a:r>
+          </a:p>
+          <a:p>
+            <a:pPr marL="0" indent="0">
+              <a:buNone/>
+            </a:pPr>
+            <a:r>
+              <a:rPr lang="en-US" sz="2000" b="1" dirty="0" smtClean="0">
+                <a:solidFill>
+                  <a:schemeClr val="accent3">
+                    <a:lumMod val="75000"/>
+                  </a:schemeClr>
+                </a:solidFill>
+              </a:rPr>
+              <a:t>11.* </a:t>
+            </a:r>
+            <a:r>
+              <a:rPr lang="bg-BG" sz="2000" b="1" dirty="0" smtClean="0">
+                <a:solidFill>
+                  <a:schemeClr val="accent3">
+                    <a:lumMod val="75000"/>
+                  </a:schemeClr>
+                </a:solidFill>
+              </a:rPr>
+              <a:t>Напишете скрипт, който </a:t>
+            </a:r>
+            <a:r>
+              <a:rPr lang="en-US" sz="2000" b="1" dirty="0" smtClean="0">
+                <a:solidFill>
+                  <a:schemeClr val="accent3">
+                    <a:lumMod val="75000"/>
+                  </a:schemeClr>
+                </a:solidFill>
+              </a:rPr>
+              <a:t>console.log-</a:t>
+            </a:r>
+            <a:r>
+              <a:rPr lang="bg-BG" sz="2000" b="1" dirty="0" smtClean="0">
+                <a:solidFill>
+                  <a:schemeClr val="accent3">
+                    <a:lumMod val="75000"/>
+                  </a:schemeClr>
+                </a:solidFill>
+              </a:rPr>
+              <a:t>ва поотделно пълната дата, деня, месеца, годината, часа и минутите.</a:t>
+            </a:r>
+          </a:p>
+          <a:p>
+            <a:pPr marL="0" indent="0">
+              <a:buNone/>
+            </a:pPr>
+            <a:r>
+              <a:rPr lang="en-US" sz="2000" b="1" dirty="0" smtClean="0">
+                <a:solidFill>
+                  <a:schemeClr val="bg1">
+                    <a:lumMod val="95000"/>
+                  </a:schemeClr>
+                </a:solidFill>
+              </a:rPr>
+              <a:t>12</a:t>
+            </a:r>
+            <a:r>
+              <a:rPr lang="bg-BG" sz="2000" b="1" dirty="0" smtClean="0">
+                <a:solidFill>
+                  <a:schemeClr val="bg1">
+                    <a:lumMod val="95000"/>
+                  </a:schemeClr>
+                </a:solidFill>
+              </a:rPr>
+              <a:t>. Напишете скрипт, който създава обект </a:t>
+            </a:r>
+            <a:r>
+              <a:rPr lang="en-US" sz="2000" b="1" dirty="0" smtClean="0">
+                <a:solidFill>
+                  <a:schemeClr val="bg1">
+                    <a:lumMod val="95000"/>
+                  </a:schemeClr>
+                </a:solidFill>
+              </a:rPr>
+              <a:t>student</a:t>
+            </a:r>
+            <a:r>
+              <a:rPr lang="bg-BG" sz="2000" b="1" dirty="0" smtClean="0">
+                <a:solidFill>
+                  <a:schemeClr val="bg1">
+                    <a:lumMod val="95000"/>
+                  </a:schemeClr>
+                </a:solidFill>
+              </a:rPr>
+              <a:t>, който има следните свойства: име, години, опит, оценка, функция учене, функция забавление.</a:t>
+            </a:r>
+          </a:p>
+          <a:p>
+            <a:pPr marL="0" indent="0">
+              <a:buNone/>
+            </a:pPr>
+            <a:r>
+              <a:rPr lang="en-US" sz="2000" b="1" dirty="0" smtClean="0">
+                <a:solidFill>
+                  <a:schemeClr val="bg1">
+                    <a:lumMod val="95000"/>
+                  </a:schemeClr>
+                </a:solidFill>
+              </a:rPr>
+              <a:t>13</a:t>
+            </a:r>
+            <a:r>
+              <a:rPr lang="bg-BG" sz="2000" b="1" dirty="0" smtClean="0">
+                <a:solidFill>
+                  <a:schemeClr val="bg1">
+                    <a:lumMod val="95000"/>
+                  </a:schemeClr>
+                </a:solidFill>
+              </a:rPr>
+              <a:t>. Използвайки зад.12, </a:t>
+            </a:r>
+            <a:r>
+              <a:rPr lang="en-US" sz="2000" b="1" dirty="0" smtClean="0">
+                <a:solidFill>
+                  <a:schemeClr val="bg1">
+                    <a:lumMod val="95000"/>
+                  </a:schemeClr>
+                </a:solidFill>
+              </a:rPr>
+              <a:t>console.log-</a:t>
+            </a:r>
+            <a:r>
+              <a:rPr lang="bg-BG" sz="2000" b="1" dirty="0" smtClean="0">
+                <a:solidFill>
+                  <a:schemeClr val="bg1">
+                    <a:lumMod val="95000"/>
+                  </a:schemeClr>
+                </a:solidFill>
+              </a:rPr>
+              <a:t>нете всички свойства и функции на вече създадения обект </a:t>
+            </a:r>
+            <a:r>
+              <a:rPr lang="en-US" sz="2000" b="1" dirty="0" smtClean="0">
+                <a:solidFill>
+                  <a:schemeClr val="bg1">
+                    <a:lumMod val="95000"/>
+                  </a:schemeClr>
+                </a:solidFill>
+              </a:rPr>
+              <a:t>student.</a:t>
+            </a:r>
+            <a:endParaRPr lang="bg-BG" sz="2000" b="1" dirty="0" smtClean="0">
+              <a:solidFill>
+                <a:schemeClr val="bg1">
+                  <a:lumMod val="95000"/>
+                </a:schemeClr>
+              </a:solidFill>
+            </a:endParaRPr>
+          </a:p>
+          <a:p>
+            <a:pPr marL="0" indent="0">
+              <a:buNone/>
+            </a:pPr>
+            <a:r>
+              <a:rPr lang="en-US" sz="2000" b="1" dirty="0" smtClean="0">
+                <a:solidFill>
+                  <a:schemeClr val="accent3">
+                    <a:lumMod val="75000"/>
+                  </a:schemeClr>
+                </a:solidFill>
+              </a:rPr>
+              <a:t>14</a:t>
+            </a:r>
+            <a:r>
+              <a:rPr lang="bg-BG" sz="2000" b="1" dirty="0" smtClean="0">
+                <a:solidFill>
+                  <a:schemeClr val="accent3">
+                    <a:lumMod val="75000"/>
+                  </a:schemeClr>
+                </a:solidFill>
+              </a:rPr>
+              <a:t>.</a:t>
+            </a:r>
+            <a:r>
+              <a:rPr lang="en-US" sz="2000" b="1" dirty="0" smtClean="0">
+                <a:solidFill>
+                  <a:schemeClr val="accent3">
+                    <a:lumMod val="75000"/>
+                  </a:schemeClr>
+                </a:solidFill>
+              </a:rPr>
+              <a:t>*</a:t>
+            </a:r>
+            <a:r>
+              <a:rPr lang="bg-BG" sz="2000" b="1" dirty="0" smtClean="0">
+                <a:solidFill>
+                  <a:schemeClr val="accent3">
+                    <a:lumMod val="75000"/>
+                  </a:schemeClr>
+                </a:solidFill>
+              </a:rPr>
+              <a:t> Напишете функция, която при извикването си сменя съдържанието на елемент по избор.</a:t>
+            </a:r>
+          </a:p>
+          <a:p>
+            <a:pPr marL="0" indent="0">
+              <a:buNone/>
+            </a:pPr>
+            <a:r>
+              <a:rPr lang="bg-BG" sz="2000" b="1" dirty="0" smtClean="0">
+                <a:solidFill>
+                  <a:schemeClr val="accent3">
+                    <a:lumMod val="75000"/>
+                  </a:schemeClr>
+                </a:solidFill>
+              </a:rPr>
+              <a:t>1</a:t>
+            </a:r>
+            <a:r>
+              <a:rPr lang="en-US" sz="2000" b="1" dirty="0" smtClean="0">
+                <a:solidFill>
+                  <a:schemeClr val="accent3">
+                    <a:lumMod val="75000"/>
+                  </a:schemeClr>
+                </a:solidFill>
+              </a:rPr>
+              <a:t>5.*</a:t>
+            </a:r>
+            <a:r>
+              <a:rPr lang="bg-BG" sz="2000" b="1" dirty="0" smtClean="0">
+                <a:solidFill>
+                  <a:schemeClr val="accent3">
+                    <a:lumMod val="75000"/>
+                  </a:schemeClr>
+                </a:solidFill>
+              </a:rPr>
+              <a:t> Направете страница, която съдържа елемент картинка, представляваща </a:t>
+            </a:r>
+            <a:r>
+              <a:rPr lang="bg-BG" sz="2000" u="sng" dirty="0" smtClean="0">
+                <a:solidFill>
+                  <a:schemeClr val="accent3">
+                    <a:lumMod val="75000"/>
+                  </a:schemeClr>
+                </a:solidFill>
+              </a:rPr>
+              <a:t>не</a:t>
+            </a:r>
+            <a:r>
+              <a:rPr lang="bg-BG" sz="2000" b="1" dirty="0" smtClean="0">
+                <a:solidFill>
+                  <a:schemeClr val="accent3">
+                    <a:lumMod val="75000"/>
+                  </a:schemeClr>
+                </a:solidFill>
+              </a:rPr>
+              <a:t>светеща крушка. Напишете скрипт, който при </a:t>
+            </a:r>
+            <a:r>
+              <a:rPr lang="en-US" sz="2000" b="1" dirty="0" smtClean="0">
+                <a:solidFill>
+                  <a:schemeClr val="accent3">
+                    <a:lumMod val="75000"/>
+                  </a:schemeClr>
+                </a:solidFill>
+              </a:rPr>
+              <a:t>hover </a:t>
+            </a:r>
+            <a:r>
+              <a:rPr lang="bg-BG" sz="2000" b="1" dirty="0" smtClean="0">
+                <a:solidFill>
+                  <a:schemeClr val="accent3">
+                    <a:lumMod val="75000"/>
+                  </a:schemeClr>
+                </a:solidFill>
+              </a:rPr>
+              <a:t>върху крушката, сменя </a:t>
+            </a:r>
+            <a:r>
+              <a:rPr lang="en-US" sz="2000" b="1" dirty="0" err="1" smtClean="0">
+                <a:solidFill>
+                  <a:schemeClr val="accent3">
+                    <a:lumMod val="75000"/>
+                  </a:schemeClr>
+                </a:solidFill>
+              </a:rPr>
+              <a:t>src</a:t>
+            </a:r>
+            <a:r>
+              <a:rPr lang="en-US" sz="2000" b="1" dirty="0" smtClean="0">
+                <a:solidFill>
+                  <a:schemeClr val="accent3">
+                    <a:lumMod val="75000"/>
+                  </a:schemeClr>
+                </a:solidFill>
+              </a:rPr>
+              <a:t>-</a:t>
+            </a:r>
+            <a:r>
+              <a:rPr lang="bg-BG" sz="2000" b="1" dirty="0" smtClean="0">
+                <a:solidFill>
+                  <a:schemeClr val="accent3">
+                    <a:lumMod val="75000"/>
+                  </a:schemeClr>
+                </a:solidFill>
+              </a:rPr>
+              <a:t>то на крушката и тя „светва“.</a:t>
+            </a:r>
+            <a:endParaRPr lang="bg-BG" sz="2000" b="1" dirty="0">
+              <a:solidFill>
+                <a:schemeClr val="accent3">
+                  <a:lumMod val="75000"/>
+                </a:schemeClr>
+              </a:solidFill>
+            </a:endParaRPr>
+          </a:p>
+        </p:txBody>
+      </p:sp>
+    </p:spTree>
+    <p:extLst>
+      <p:ext uri="{BB962C8B-B14F-4D97-AF65-F5344CB8AC3E}">
+        <p14:creationId xmlns:p14="http://schemas.microsoft.com/office/powerpoint/2010/main" val="3118085067"/>
       </p:ext>
     </p:extLst>
   </p:cSld>

--- a/09-JavaScript-Basics/09-JavaScript-Basics.pptx
+++ b/09-JavaScript-Basics/09-JavaScript-Basics.pptx
@@ -19878,7 +19878,17 @@
                 <a:latin typeface="Courier New" panose="02070309020205020404" pitchFamily="49" charset="0"/>
                 <a:cs typeface="Courier New" panose="02070309020205020404" pitchFamily="49" charset="0"/>
               </a:rPr>
-              <a:t>(function(element){</a:t>
+              <a:t>(function(element</a:t>
+            </a:r>
+            <a:r>
+              <a:rPr lang="en-US" sz="1500" dirty="0" smtClean="0">
+                <a:solidFill>
+                  <a:srgbClr val="92D050"/>
+                </a:solidFill>
+                <a:latin typeface="Courier New" panose="02070309020205020404" pitchFamily="49" charset="0"/>
+                <a:cs typeface="Courier New" panose="02070309020205020404" pitchFamily="49" charset="0"/>
+              </a:rPr>
+              <a:t>){</a:t>
             </a:r>
             <a:endParaRPr lang="en-US" sz="1500" dirty="0">
               <a:solidFill>
@@ -23658,7 +23668,7 @@
               <a:t>With Function Constructor –</a:t>
             </a:r>
             <a:r>
-              <a:rPr lang="bg-BG" sz="2200" smtClean="0">
+              <a:rPr lang="bg-BG" sz="2200" dirty="0" smtClean="0">
                 <a:solidFill>
                   <a:srgbClr val="92D050"/>
                 </a:solidFill>
@@ -26170,6 +26180,106 @@
               <a:buNone/>
             </a:pPr>
             <a:r>
+              <a:rPr lang="en-US" sz="1800" dirty="0" smtClean="0">
+                <a:solidFill>
+                  <a:srgbClr val="92D050"/>
+                </a:solidFill>
+                <a:latin typeface="Courier New" panose="02070309020205020404" pitchFamily="49" charset="0"/>
+                <a:cs typeface="Courier New" panose="02070309020205020404" pitchFamily="49" charset="0"/>
+              </a:rPr>
+              <a:t>    </a:t>
+            </a:r>
+            <a:r>
+              <a:rPr lang="en-US" sz="1800" dirty="0" err="1" smtClean="0">
+                <a:solidFill>
+                  <a:srgbClr val="92D050"/>
+                </a:solidFill>
+                <a:latin typeface="Courier New" panose="02070309020205020404" pitchFamily="49" charset="0"/>
+                <a:cs typeface="Courier New" panose="02070309020205020404" pitchFamily="49" charset="0"/>
+              </a:rPr>
+              <a:t>document.getElementById</a:t>
+            </a:r>
+            <a:r>
+              <a:rPr lang="en-US" sz="1800" dirty="0" smtClean="0">
+                <a:solidFill>
+                  <a:srgbClr val="92D050"/>
+                </a:solidFill>
+                <a:latin typeface="Courier New" panose="02070309020205020404" pitchFamily="49" charset="0"/>
+                <a:cs typeface="Courier New" panose="02070309020205020404" pitchFamily="49" charset="0"/>
+              </a:rPr>
+              <a:t>("demo").</a:t>
+            </a:r>
+            <a:r>
+              <a:rPr lang="en-US" sz="1800" dirty="0" err="1" smtClean="0">
+                <a:solidFill>
+                  <a:srgbClr val="92D050"/>
+                </a:solidFill>
+                <a:latin typeface="Courier New" panose="02070309020205020404" pitchFamily="49" charset="0"/>
+                <a:cs typeface="Courier New" panose="02070309020205020404" pitchFamily="49" charset="0"/>
+              </a:rPr>
+              <a:t>innerHTML</a:t>
+            </a:r>
+            <a:r>
+              <a:rPr lang="en-US" sz="1800" dirty="0" smtClean="0">
+                <a:solidFill>
+                  <a:srgbClr val="92D050"/>
+                </a:solidFill>
+                <a:latin typeface="Courier New" panose="02070309020205020404" pitchFamily="49" charset="0"/>
+                <a:cs typeface="Courier New" panose="02070309020205020404" pitchFamily="49" charset="0"/>
+              </a:rPr>
+              <a:t> = </a:t>
+            </a:r>
+            <a:r>
+              <a:rPr lang="en-US" sz="1800" dirty="0" err="1" smtClean="0">
+                <a:solidFill>
+                  <a:srgbClr val="92D050"/>
+                </a:solidFill>
+                <a:latin typeface="Courier New" panose="02070309020205020404" pitchFamily="49" charset="0"/>
+                <a:cs typeface="Courier New" panose="02070309020205020404" pitchFamily="49" charset="0"/>
+              </a:rPr>
+              <a:t>err.message</a:t>
+            </a:r>
+            <a:r>
+              <a:rPr lang="en-US" sz="1800" dirty="0" smtClean="0">
+                <a:solidFill>
+                  <a:srgbClr val="92D050"/>
+                </a:solidFill>
+                <a:latin typeface="Courier New" panose="02070309020205020404" pitchFamily="49" charset="0"/>
+                <a:cs typeface="Courier New" panose="02070309020205020404" pitchFamily="49" charset="0"/>
+              </a:rPr>
+              <a:t>;</a:t>
+            </a:r>
+          </a:p>
+          <a:p>
+            <a:pPr marL="0" indent="0">
+              <a:buNone/>
+            </a:pPr>
+            <a:r>
+              <a:rPr lang="en-US" sz="1800" dirty="0" smtClean="0">
+                <a:solidFill>
+                  <a:srgbClr val="92D050"/>
+                </a:solidFill>
+                <a:latin typeface="Courier New" panose="02070309020205020404" pitchFamily="49" charset="0"/>
+                <a:cs typeface="Courier New" panose="02070309020205020404" pitchFamily="49" charset="0"/>
+              </a:rPr>
+              <a:t>}</a:t>
+            </a:r>
+          </a:p>
+          <a:p>
+            <a:pPr marL="0" indent="0">
+              <a:buNone/>
+            </a:pPr>
+            <a:r>
+              <a:rPr lang="en-US" sz="1800" dirty="0" smtClean="0">
+                <a:solidFill>
+                  <a:srgbClr val="92D050"/>
+                </a:solidFill>
+                <a:latin typeface="Courier New" panose="02070309020205020404" pitchFamily="49" charset="0"/>
+                <a:cs typeface="Courier New" panose="02070309020205020404" pitchFamily="49" charset="0"/>
+              </a:rPr>
+              <a:t>&lt;/</a:t>
+            </a:r>
+            <a:r>
               <a:rPr lang="en-US" sz="1800" dirty="0">
                 <a:solidFill>
                   <a:srgbClr val="92D050"/>
@@ -26177,97 +26287,7 @@
                 <a:latin typeface="Courier New" panose="02070309020205020404" pitchFamily="49" charset="0"/>
                 <a:cs typeface="Courier New" panose="02070309020205020404" pitchFamily="49" charset="0"/>
               </a:rPr>
-              <a:t>    </a:t>
-            </a:r>
-            <a:r>
-              <a:rPr lang="en-US" sz="1800" dirty="0" err="1">
-                <a:solidFill>
-                  <a:srgbClr val="92D050"/>
-                </a:solidFill>
-                <a:latin typeface="Courier New" panose="02070309020205020404" pitchFamily="49" charset="0"/>
-                <a:cs typeface="Courier New" panose="02070309020205020404" pitchFamily="49" charset="0"/>
-              </a:rPr>
-              <a:t>document.getElementById</a:t>
-            </a:r>
-            <a:r>
-              <a:rPr lang="en-US" sz="1800" dirty="0">
-                <a:solidFill>
-                  <a:srgbClr val="92D050"/>
-                </a:solidFill>
-                <a:latin typeface="Courier New" panose="02070309020205020404" pitchFamily="49" charset="0"/>
-                <a:cs typeface="Courier New" panose="02070309020205020404" pitchFamily="49" charset="0"/>
-              </a:rPr>
-              <a:t>("demo").</a:t>
-            </a:r>
-            <a:r>
-              <a:rPr lang="en-US" sz="1800" dirty="0" err="1">
-                <a:solidFill>
-                  <a:srgbClr val="92D050"/>
-                </a:solidFill>
-                <a:latin typeface="Courier New" panose="02070309020205020404" pitchFamily="49" charset="0"/>
-                <a:cs typeface="Courier New" panose="02070309020205020404" pitchFamily="49" charset="0"/>
-              </a:rPr>
-              <a:t>innerHTML</a:t>
-            </a:r>
-            <a:r>
-              <a:rPr lang="en-US" sz="1800" dirty="0">
-                <a:solidFill>
-                  <a:srgbClr val="92D050"/>
-                </a:solidFill>
-                <a:latin typeface="Courier New" panose="02070309020205020404" pitchFamily="49" charset="0"/>
-                <a:cs typeface="Courier New" panose="02070309020205020404" pitchFamily="49" charset="0"/>
-              </a:rPr>
-              <a:t> = </a:t>
-            </a:r>
-            <a:r>
-              <a:rPr lang="en-US" sz="1800" dirty="0" err="1">
-                <a:solidFill>
-                  <a:srgbClr val="92D050"/>
-                </a:solidFill>
-                <a:latin typeface="Courier New" panose="02070309020205020404" pitchFamily="49" charset="0"/>
-                <a:cs typeface="Courier New" panose="02070309020205020404" pitchFamily="49" charset="0"/>
-              </a:rPr>
-              <a:t>err.message</a:t>
-            </a:r>
-            <a:r>
-              <a:rPr lang="en-US" sz="1800" dirty="0">
-                <a:solidFill>
-                  <a:srgbClr val="92D050"/>
-                </a:solidFill>
-                <a:latin typeface="Courier New" panose="02070309020205020404" pitchFamily="49" charset="0"/>
-                <a:cs typeface="Courier New" panose="02070309020205020404" pitchFamily="49" charset="0"/>
-              </a:rPr>
-              <a:t>;</a:t>
-            </a:r>
-          </a:p>
-          <a:p>
-            <a:pPr marL="0" indent="0">
-              <a:buNone/>
-            </a:pPr>
-            <a:r>
-              <a:rPr lang="en-US" sz="1800" dirty="0">
-                <a:solidFill>
-                  <a:srgbClr val="92D050"/>
-                </a:solidFill>
-                <a:latin typeface="Courier New" panose="02070309020205020404" pitchFamily="49" charset="0"/>
-                <a:cs typeface="Courier New" panose="02070309020205020404" pitchFamily="49" charset="0"/>
-              </a:rPr>
-              <a:t>}</a:t>
-            </a:r>
-          </a:p>
-          <a:p>
-            <a:pPr marL="0" indent="0">
-              <a:buNone/>
-            </a:pPr>
-            <a:r>
-              <a:rPr lang="en-US" sz="1800" dirty="0">
-                <a:solidFill>
-                  <a:srgbClr val="92D050"/>
-                </a:solidFill>
-                <a:latin typeface="Courier New" panose="02070309020205020404" pitchFamily="49" charset="0"/>
-                <a:cs typeface="Courier New" panose="02070309020205020404" pitchFamily="49" charset="0"/>
-              </a:rPr>
-              <a:t>&lt;/script</a:t>
+              <a:t>script</a:t>
             </a:r>
             <a:r>
               <a:rPr lang="en-US" sz="1800" dirty="0" smtClean="0">
@@ -26687,7 +26707,7 @@
                 <a:latin typeface="Courier New" panose="02070309020205020404" pitchFamily="49" charset="0"/>
                 <a:cs typeface="Courier New" panose="02070309020205020404" pitchFamily="49" charset="0"/>
               </a:rPr>
-              <a:t>document.getElementByClassName</a:t>
+              <a:t>document.getElementsByClassName</a:t>
             </a:r>
             <a:r>
               <a:rPr lang="en-US" sz="1800" dirty="0" smtClean="0">
@@ -27487,11 +27507,14 @@
                     <a:p>
                       <a:pPr fontAlgn="t"/>
                       <a:r>
-                        <a:rPr lang="en-US">
+                        <a:rPr lang="en-US" dirty="0" err="1">
                           <a:effectLst/>
                         </a:rPr>
                         <a:t>onclick</a:t>
                       </a:r>
+                      <a:endParaRPr lang="en-US" dirty="0">
+                        <a:effectLst/>
+                      </a:endParaRPr>
                     </a:p>
                   </a:txBody>
                   <a:tcPr marL="76200" marR="76200" marT="76200" marB="76200"/>
@@ -27530,11 +27553,14 @@
                     <a:p>
                       <a:pPr fontAlgn="t"/>
                       <a:r>
-                        <a:rPr lang="en-US">
+                        <a:rPr lang="en-US" dirty="0" err="1">
                           <a:effectLst/>
                         </a:rPr>
                         <a:t>onmouseover</a:t>
                       </a:r>
+                      <a:endParaRPr lang="en-US" dirty="0">
+                        <a:effectLst/>
+                      </a:endParaRPr>
                     </a:p>
                   </a:txBody>
                   <a:tcPr marL="76200" marR="76200" marT="76200" marB="76200"/>
@@ -27585,11 +27611,14 @@
                     <a:p>
                       <a:pPr fontAlgn="t"/>
                       <a:r>
-                        <a:rPr lang="en-US">
+                        <a:rPr lang="en-US" dirty="0" err="1">
                           <a:effectLst/>
                         </a:rPr>
                         <a:t>onmouseout</a:t>
                       </a:r>
+                      <a:endParaRPr lang="en-US" dirty="0">
+                        <a:effectLst/>
+                      </a:endParaRPr>
                     </a:p>
                   </a:txBody>
                   <a:tcPr marL="76200" marR="76200" marT="76200" marB="76200"/>
@@ -27652,11 +27681,14 @@
                     <a:p>
                       <a:pPr fontAlgn="t"/>
                       <a:r>
-                        <a:rPr lang="en-US">
+                        <a:rPr lang="en-US" dirty="0" err="1">
                           <a:effectLst/>
                         </a:rPr>
                         <a:t>onkeydown</a:t>
                       </a:r>
+                      <a:endParaRPr lang="en-US" dirty="0">
+                        <a:effectLst/>
+                      </a:endParaRPr>
                     </a:p>
                   </a:txBody>
                   <a:tcPr marL="76200" marR="76200" marT="76200" marB="76200"/>
